--- a/SE495/Lectures/4-Development and Prototyping/Development and Prototyping.pptx
+++ b/SE495/Lectures/4-Development and Prototyping/Development and Prototyping.pptx
@@ -5,7 +5,7 @@
     <p:sldMasterId id="2147483648" r:id="rId1"/>
   </p:sldMasterIdLst>
   <p:notesMasterIdLst>
-    <p:notesMasterId r:id="rId51"/>
+    <p:notesMasterId r:id="rId59"/>
   </p:notesMasterIdLst>
   <p:sldIdLst>
     <p:sldId id="256" r:id="rId2"/>
@@ -16,47 +16,55 @@
     <p:sldId id="751" r:id="rId7"/>
     <p:sldId id="752" r:id="rId8"/>
     <p:sldId id="753" r:id="rId9"/>
-    <p:sldId id="755" r:id="rId10"/>
-    <p:sldId id="754" r:id="rId11"/>
-    <p:sldId id="757" r:id="rId12"/>
-    <p:sldId id="756" r:id="rId13"/>
-    <p:sldId id="758" r:id="rId14"/>
-    <p:sldId id="759" r:id="rId15"/>
-    <p:sldId id="760" r:id="rId16"/>
-    <p:sldId id="761" r:id="rId17"/>
-    <p:sldId id="762" r:id="rId18"/>
-    <p:sldId id="763" r:id="rId19"/>
-    <p:sldId id="765" r:id="rId20"/>
-    <p:sldId id="764" r:id="rId21"/>
-    <p:sldId id="766" r:id="rId22"/>
-    <p:sldId id="767" r:id="rId23"/>
-    <p:sldId id="768" r:id="rId24"/>
-    <p:sldId id="769" r:id="rId25"/>
-    <p:sldId id="770" r:id="rId26"/>
-    <p:sldId id="771" r:id="rId27"/>
-    <p:sldId id="773" r:id="rId28"/>
-    <p:sldId id="772" r:id="rId29"/>
-    <p:sldId id="774" r:id="rId30"/>
-    <p:sldId id="775" r:id="rId31"/>
-    <p:sldId id="776" r:id="rId32"/>
-    <p:sldId id="777" r:id="rId33"/>
-    <p:sldId id="778" r:id="rId34"/>
-    <p:sldId id="779" r:id="rId35"/>
-    <p:sldId id="786" r:id="rId36"/>
-    <p:sldId id="785" r:id="rId37"/>
-    <p:sldId id="787" r:id="rId38"/>
-    <p:sldId id="788" r:id="rId39"/>
-    <p:sldId id="789" r:id="rId40"/>
-    <p:sldId id="791" r:id="rId41"/>
-    <p:sldId id="792" r:id="rId42"/>
-    <p:sldId id="790" r:id="rId43"/>
-    <p:sldId id="793" r:id="rId44"/>
-    <p:sldId id="794" r:id="rId45"/>
-    <p:sldId id="781" r:id="rId46"/>
-    <p:sldId id="780" r:id="rId47"/>
-    <p:sldId id="782" r:id="rId48"/>
-    <p:sldId id="783" r:id="rId49"/>
-    <p:sldId id="784" r:id="rId50"/>
+    <p:sldId id="795" r:id="rId10"/>
+    <p:sldId id="755" r:id="rId11"/>
+    <p:sldId id="754" r:id="rId12"/>
+    <p:sldId id="757" r:id="rId13"/>
+    <p:sldId id="756" r:id="rId14"/>
+    <p:sldId id="758" r:id="rId15"/>
+    <p:sldId id="759" r:id="rId16"/>
+    <p:sldId id="760" r:id="rId17"/>
+    <p:sldId id="761" r:id="rId18"/>
+    <p:sldId id="796" r:id="rId19"/>
+    <p:sldId id="762" r:id="rId20"/>
+    <p:sldId id="797" r:id="rId21"/>
+    <p:sldId id="763" r:id="rId22"/>
+    <p:sldId id="765" r:id="rId23"/>
+    <p:sldId id="764" r:id="rId24"/>
+    <p:sldId id="766" r:id="rId25"/>
+    <p:sldId id="767" r:id="rId26"/>
+    <p:sldId id="768" r:id="rId27"/>
+    <p:sldId id="769" r:id="rId28"/>
+    <p:sldId id="770" r:id="rId29"/>
+    <p:sldId id="771" r:id="rId30"/>
+    <p:sldId id="773" r:id="rId31"/>
+    <p:sldId id="772" r:id="rId32"/>
+    <p:sldId id="774" r:id="rId33"/>
+    <p:sldId id="775" r:id="rId34"/>
+    <p:sldId id="776" r:id="rId35"/>
+    <p:sldId id="777" r:id="rId36"/>
+    <p:sldId id="778" r:id="rId37"/>
+    <p:sldId id="779" r:id="rId38"/>
+    <p:sldId id="786" r:id="rId39"/>
+    <p:sldId id="785" r:id="rId40"/>
+    <p:sldId id="787" r:id="rId41"/>
+    <p:sldId id="788" r:id="rId42"/>
+    <p:sldId id="789" r:id="rId43"/>
+    <p:sldId id="791" r:id="rId44"/>
+    <p:sldId id="792" r:id="rId45"/>
+    <p:sldId id="790" r:id="rId46"/>
+    <p:sldId id="793" r:id="rId47"/>
+    <p:sldId id="794" r:id="rId48"/>
+    <p:sldId id="781" r:id="rId49"/>
+    <p:sldId id="780" r:id="rId50"/>
+    <p:sldId id="798" r:id="rId51"/>
+    <p:sldId id="799" r:id="rId52"/>
+    <p:sldId id="782" r:id="rId53"/>
+    <p:sldId id="783" r:id="rId54"/>
+    <p:sldId id="784" r:id="rId55"/>
+    <p:sldId id="800" r:id="rId56"/>
+    <p:sldId id="801" r:id="rId57"/>
+    <p:sldId id="802" r:id="rId58"/>
   </p:sldIdLst>
   <p:sldSz cx="12192000" cy="6858000"/>
   <p:notesSz cx="6858000" cy="9144000"/>
@@ -1828,14 +1836,11 @@
         <a:lstStyle/>
         <a:p>
           <a:r>
-            <a:rPr lang="en-US" dirty="0" smtClean="0">
+            <a:rPr lang="en-US" b="1" dirty="0">
               <a:latin typeface="Candara" panose="020E0502030303020204" pitchFamily="34" charset="0"/>
             </a:rPr>
             <a:t>User testing</a:t>
           </a:r>
-          <a:endParaRPr lang="en-US" dirty="0">
-            <a:latin typeface="Candara" panose="020E0502030303020204" pitchFamily="34" charset="0"/>
-          </a:endParaRPr>
         </a:p>
       </dgm:t>
     </dgm:pt>
@@ -1873,7 +1878,7 @@
         <a:lstStyle/>
         <a:p>
           <a:r>
-            <a:rPr lang="en-US" b="0" i="0" dirty="0" smtClean="0">
+            <a:rPr lang="en-US" b="0" i="0" dirty="0">
               <a:latin typeface="Candara" panose="020E0502030303020204" pitchFamily="34" charset="0"/>
             </a:rPr>
             <a:t>Testing the prototype with real users to gather feedback and identify usability issues.</a:t>
@@ -1918,12 +1923,12 @@
         <a:lstStyle/>
         <a:p>
           <a:r>
-            <a:rPr lang="en-US" b="0" i="0" dirty="0" smtClean="0">
+            <a:rPr lang="en-US" b="1" i="0" dirty="0">
               <a:latin typeface="Candara" panose="020E0502030303020204" pitchFamily="34" charset="0"/>
             </a:rPr>
             <a:t>A/B testing</a:t>
           </a:r>
-          <a:endParaRPr lang="en-US" dirty="0">
+          <a:endParaRPr lang="en-US" b="1" dirty="0">
             <a:latin typeface="Candara" panose="020E0502030303020204" pitchFamily="34" charset="0"/>
           </a:endParaRPr>
         </a:p>
@@ -1963,7 +1968,7 @@
         <a:lstStyle/>
         <a:p>
           <a:r>
-            <a:rPr lang="en-US" b="0" i="0" dirty="0" smtClean="0">
+            <a:rPr lang="en-US" b="0" i="0" dirty="0">
               <a:latin typeface="Candara" panose="020E0502030303020204" pitchFamily="34" charset="0"/>
             </a:rPr>
             <a:t>Testing two versions of a prototype to compare user behavior and preferences.</a:t>
@@ -2008,14 +2013,11 @@
         <a:lstStyle/>
         <a:p>
           <a:r>
-            <a:rPr lang="en-US" dirty="0" smtClean="0">
+            <a:rPr lang="en-US" b="1" dirty="0">
               <a:latin typeface="Candara" panose="020E0502030303020204" pitchFamily="34" charset="0"/>
             </a:rPr>
             <a:t>Unit testing</a:t>
           </a:r>
-          <a:endParaRPr lang="en-US" dirty="0">
-            <a:latin typeface="Candara" panose="020E0502030303020204" pitchFamily="34" charset="0"/>
-          </a:endParaRPr>
         </a:p>
       </dgm:t>
     </dgm:pt>
@@ -2053,7 +2055,7 @@
         <a:lstStyle/>
         <a:p>
           <a:r>
-            <a:rPr lang="en-US" b="0" i="0" dirty="0" smtClean="0">
+            <a:rPr lang="en-US" b="0" i="0" dirty="0">
               <a:latin typeface="Candara" panose="020E0502030303020204" pitchFamily="34" charset="0"/>
             </a:rPr>
             <a:t>Testing individual components or units of the prototype to ensure they function correctly.</a:t>
@@ -2113,13 +2115,6 @@
         </dgm:presLayoutVars>
       </dgm:prSet>
       <dgm:spPr/>
-      <dgm:t>
-        <a:bodyPr/>
-        <a:lstStyle/>
-        <a:p>
-          <a:endParaRPr lang="en-US"/>
-        </a:p>
-      </dgm:t>
     </dgm:pt>
     <dgm:pt modelId="{10EA4D31-1340-43E9-8D03-27D0C537FFC9}" type="pres">
       <dgm:prSet presAssocID="{0F68A36B-A73C-4969-BAA9-64B7C676C302}" presName="desTx" presStyleLbl="alignAccFollowNode1" presStyleIdx="0" presStyleCnt="3">
@@ -2128,13 +2123,6 @@
         </dgm:presLayoutVars>
       </dgm:prSet>
       <dgm:spPr/>
-      <dgm:t>
-        <a:bodyPr/>
-        <a:lstStyle/>
-        <a:p>
-          <a:endParaRPr lang="en-US"/>
-        </a:p>
-      </dgm:t>
     </dgm:pt>
     <dgm:pt modelId="{D21BDAD3-AF6C-4DEB-B6C0-9F33B373EAAD}" type="pres">
       <dgm:prSet presAssocID="{65103CC3-30AD-4B60-8EAF-A3444178AEC2}" presName="space" presStyleCnt="0"/>
@@ -2153,13 +2141,6 @@
         </dgm:presLayoutVars>
       </dgm:prSet>
       <dgm:spPr/>
-      <dgm:t>
-        <a:bodyPr/>
-        <a:lstStyle/>
-        <a:p>
-          <a:endParaRPr lang="en-US"/>
-        </a:p>
-      </dgm:t>
     </dgm:pt>
     <dgm:pt modelId="{B3190B89-B3BA-4AD0-BA09-E229B0FC4D2D}" type="pres">
       <dgm:prSet presAssocID="{82CBA92A-0049-46F3-B44C-3BE368BAB2FF}" presName="desTx" presStyleLbl="alignAccFollowNode1" presStyleIdx="1" presStyleCnt="3">
@@ -2168,13 +2149,6 @@
         </dgm:presLayoutVars>
       </dgm:prSet>
       <dgm:spPr/>
-      <dgm:t>
-        <a:bodyPr/>
-        <a:lstStyle/>
-        <a:p>
-          <a:endParaRPr lang="en-US"/>
-        </a:p>
-      </dgm:t>
     </dgm:pt>
     <dgm:pt modelId="{FC9D108C-5854-454B-B3EF-09823E5DFE98}" type="pres">
       <dgm:prSet presAssocID="{1DB30FFF-0FB4-43B0-BF00-0C3D60EA42D2}" presName="space" presStyleCnt="0"/>
@@ -2193,13 +2167,6 @@
         </dgm:presLayoutVars>
       </dgm:prSet>
       <dgm:spPr/>
-      <dgm:t>
-        <a:bodyPr/>
-        <a:lstStyle/>
-        <a:p>
-          <a:endParaRPr lang="en-US"/>
-        </a:p>
-      </dgm:t>
     </dgm:pt>
     <dgm:pt modelId="{CE284E02-305E-4254-8B7C-69498E1E16FD}" type="pres">
       <dgm:prSet presAssocID="{660A9B53-81F7-494B-8EB5-71BDC6006AE7}" presName="desTx" presStyleLbl="alignAccFollowNode1" presStyleIdx="2" presStyleCnt="3">
@@ -2208,29 +2175,22 @@
         </dgm:presLayoutVars>
       </dgm:prSet>
       <dgm:spPr/>
-      <dgm:t>
-        <a:bodyPr/>
-        <a:lstStyle/>
-        <a:p>
-          <a:endParaRPr lang="en-US"/>
-        </a:p>
-      </dgm:t>
     </dgm:pt>
   </dgm:ptLst>
   <dgm:cxnLst>
-    <dgm:cxn modelId="{37AF88B9-1B84-4FDB-A59C-9FD4BF35FE68}" type="presOf" srcId="{7512F0C1-10BA-4169-AF7D-D6993417D2F9}" destId="{CE284E02-305E-4254-8B7C-69498E1E16FD}" srcOrd="0" destOrd="0" presId="urn:microsoft.com/office/officeart/2005/8/layout/hList1"/>
     <dgm:cxn modelId="{E0215A24-861C-41F7-BB10-C89E941140F5}" srcId="{82CBA92A-0049-46F3-B44C-3BE368BAB2FF}" destId="{7067A81B-CE84-4CDF-B384-BD35709B7F92}" srcOrd="0" destOrd="0" parTransId="{72AB9829-97C7-4B8D-A1F9-C16519F4BCCA}" sibTransId="{724DBFE8-7BE0-4649-A9E8-740246997130}"/>
+    <dgm:cxn modelId="{0DA28349-E1F4-4EDB-8104-1504DC1E21DF}" srcId="{BB327EC8-FB62-4FAF-98C0-31217343496F}" destId="{660A9B53-81F7-494B-8EB5-71BDC6006AE7}" srcOrd="2" destOrd="0" parTransId="{ED3B6A12-CD0A-43B1-ADD1-DDF3A0BD724D}" sibTransId="{6F578161-CFB5-4C92-BD61-CBA1639979F7}"/>
     <dgm:cxn modelId="{1BA1D557-C31A-46C1-9C92-D1FCFC3DE8B2}" type="presOf" srcId="{82CBA92A-0049-46F3-B44C-3BE368BAB2FF}" destId="{B4BE7516-06A3-409A-9313-2F44E0970C58}" srcOrd="0" destOrd="0" presId="urn:microsoft.com/office/officeart/2005/8/layout/hList1"/>
-    <dgm:cxn modelId="{26E2A9AE-9835-4DC1-BE36-24EEE0E9518F}" type="presOf" srcId="{7067A81B-CE84-4CDF-B384-BD35709B7F92}" destId="{B3190B89-B3BA-4AD0-BA09-E229B0FC4D2D}" srcOrd="0" destOrd="0" presId="urn:microsoft.com/office/officeart/2005/8/layout/hList1"/>
-    <dgm:cxn modelId="{0DA28349-E1F4-4EDB-8104-1504DC1E21DF}" srcId="{BB327EC8-FB62-4FAF-98C0-31217343496F}" destId="{660A9B53-81F7-494B-8EB5-71BDC6006AE7}" srcOrd="2" destOrd="0" parTransId="{ED3B6A12-CD0A-43B1-ADD1-DDF3A0BD724D}" sibTransId="{6F578161-CFB5-4C92-BD61-CBA1639979F7}"/>
-    <dgm:cxn modelId="{83295B8B-A090-408A-9275-46F54BAB3D91}" srcId="{BB327EC8-FB62-4FAF-98C0-31217343496F}" destId="{0F68A36B-A73C-4969-BAA9-64B7C676C302}" srcOrd="0" destOrd="0" parTransId="{CF5934FC-8DB5-4FDA-A390-5F18295CA38E}" sibTransId="{65103CC3-30AD-4B60-8EAF-A3444178AEC2}"/>
-    <dgm:cxn modelId="{FBEF67CE-7966-4D81-AE9F-0E437555A143}" srcId="{0F68A36B-A73C-4969-BAA9-64B7C676C302}" destId="{1570CC13-DE8E-42C1-ABF2-F01BB04115BA}" srcOrd="0" destOrd="0" parTransId="{0EB093A3-8F55-4E6A-A12D-C23011A756C3}" sibTransId="{E90944B2-BCBA-438C-9DF5-AA127B67B4F6}"/>
     <dgm:cxn modelId="{F358765A-07F3-43F9-B6E8-B042DAB7CD62}" type="presOf" srcId="{BB327EC8-FB62-4FAF-98C0-31217343496F}" destId="{BDF1CB67-FD3F-4770-AD8C-B5DB708677BC}" srcOrd="0" destOrd="0" presId="urn:microsoft.com/office/officeart/2005/8/layout/hList1"/>
     <dgm:cxn modelId="{54A0A65A-7155-4358-963C-864DD4813104}" type="presOf" srcId="{1570CC13-DE8E-42C1-ABF2-F01BB04115BA}" destId="{10EA4D31-1340-43E9-8D03-27D0C537FFC9}" srcOrd="0" destOrd="0" presId="urn:microsoft.com/office/officeart/2005/8/layout/hList1"/>
-    <dgm:cxn modelId="{F19D52F9-0F63-4E8C-BA99-C9041610DC2C}" srcId="{BB327EC8-FB62-4FAF-98C0-31217343496F}" destId="{82CBA92A-0049-46F3-B44C-3BE368BAB2FF}" srcOrd="1" destOrd="0" parTransId="{BC84F7AD-C2D0-40CC-9968-7F4094BE40EC}" sibTransId="{1DB30FFF-0FB4-43B0-BF00-0C3D60EA42D2}"/>
+    <dgm:cxn modelId="{83295B8B-A090-408A-9275-46F54BAB3D91}" srcId="{BB327EC8-FB62-4FAF-98C0-31217343496F}" destId="{0F68A36B-A73C-4969-BAA9-64B7C676C302}" srcOrd="0" destOrd="0" parTransId="{CF5934FC-8DB5-4FDA-A390-5F18295CA38E}" sibTransId="{65103CC3-30AD-4B60-8EAF-A3444178AEC2}"/>
     <dgm:cxn modelId="{0F743D9A-218C-494F-882A-BA95E7AE7986}" srcId="{660A9B53-81F7-494B-8EB5-71BDC6006AE7}" destId="{7512F0C1-10BA-4169-AF7D-D6993417D2F9}" srcOrd="0" destOrd="0" parTransId="{7ADFB01C-7398-4C60-9E33-C08F45D25895}" sibTransId="{6994DD48-2430-4603-B3F1-14A0DF7AC0B5}"/>
     <dgm:cxn modelId="{8955179B-54F6-4806-B8DB-CD58173B7071}" type="presOf" srcId="{0F68A36B-A73C-4969-BAA9-64B7C676C302}" destId="{AC37BE0F-A55F-4D6F-8332-EA142D02862B}" srcOrd="0" destOrd="0" presId="urn:microsoft.com/office/officeart/2005/8/layout/hList1"/>
     <dgm:cxn modelId="{08A93F9D-9BE8-4F3D-8A7D-49E914BE1ECE}" type="presOf" srcId="{660A9B53-81F7-494B-8EB5-71BDC6006AE7}" destId="{1A801A5D-90C2-4AAD-A5A6-1A7088B2AAB8}" srcOrd="0" destOrd="0" presId="urn:microsoft.com/office/officeart/2005/8/layout/hList1"/>
+    <dgm:cxn modelId="{26E2A9AE-9835-4DC1-BE36-24EEE0E9518F}" type="presOf" srcId="{7067A81B-CE84-4CDF-B384-BD35709B7F92}" destId="{B3190B89-B3BA-4AD0-BA09-E229B0FC4D2D}" srcOrd="0" destOrd="0" presId="urn:microsoft.com/office/officeart/2005/8/layout/hList1"/>
+    <dgm:cxn modelId="{37AF88B9-1B84-4FDB-A59C-9FD4BF35FE68}" type="presOf" srcId="{7512F0C1-10BA-4169-AF7D-D6993417D2F9}" destId="{CE284E02-305E-4254-8B7C-69498E1E16FD}" srcOrd="0" destOrd="0" presId="urn:microsoft.com/office/officeart/2005/8/layout/hList1"/>
+    <dgm:cxn modelId="{FBEF67CE-7966-4D81-AE9F-0E437555A143}" srcId="{0F68A36B-A73C-4969-BAA9-64B7C676C302}" destId="{1570CC13-DE8E-42C1-ABF2-F01BB04115BA}" srcOrd="0" destOrd="0" parTransId="{0EB093A3-8F55-4E6A-A12D-C23011A756C3}" sibTransId="{E90944B2-BCBA-438C-9DF5-AA127B67B4F6}"/>
+    <dgm:cxn modelId="{F19D52F9-0F63-4E8C-BA99-C9041610DC2C}" srcId="{BB327EC8-FB62-4FAF-98C0-31217343496F}" destId="{82CBA92A-0049-46F3-B44C-3BE368BAB2FF}" srcOrd="1" destOrd="0" parTransId="{BC84F7AD-C2D0-40CC-9968-7F4094BE40EC}" sibTransId="{1DB30FFF-0FB4-43B0-BF00-0C3D60EA42D2}"/>
     <dgm:cxn modelId="{149168D6-3883-4DD2-AE24-F79D0F1AC81A}" type="presParOf" srcId="{BDF1CB67-FD3F-4770-AD8C-B5DB708677BC}" destId="{AB1FD4BF-8D4A-4946-92F8-BCF1500B7ECE}" srcOrd="0" destOrd="0" presId="urn:microsoft.com/office/officeart/2005/8/layout/hList1"/>
     <dgm:cxn modelId="{4F0AC98E-5A5C-494B-8F3E-DA3CE31DE0B0}" type="presParOf" srcId="{AB1FD4BF-8D4A-4946-92F8-BCF1500B7ECE}" destId="{AC37BE0F-A55F-4D6F-8332-EA142D02862B}" srcOrd="0" destOrd="0" presId="urn:microsoft.com/office/officeart/2005/8/layout/hList1"/>
     <dgm:cxn modelId="{27CC5F26-B221-434A-BA31-1B9448998E01}" type="presParOf" srcId="{AB1FD4BF-8D4A-4946-92F8-BCF1500B7ECE}" destId="{10EA4D31-1340-43E9-8D03-27D0C537FFC9}" srcOrd="1" destOrd="0" presId="urn:microsoft.com/office/officeart/2005/8/layout/hList1"/>
@@ -2275,12 +2235,12 @@
         <a:lstStyle/>
         <a:p>
           <a:r>
-            <a:rPr lang="en-US" b="0" i="0" smtClean="0">
+            <a:rPr lang="en-US" b="1" i="0" dirty="0">
               <a:latin typeface="Candara" panose="020E0502030303020204" pitchFamily="34" charset="0"/>
             </a:rPr>
             <a:t>Iterative development</a:t>
           </a:r>
-          <a:endParaRPr lang="en-US" dirty="0">
+          <a:endParaRPr lang="en-US" b="1" dirty="0">
             <a:latin typeface="Candara" panose="020E0502030303020204" pitchFamily="34" charset="0"/>
           </a:endParaRPr>
         </a:p>
@@ -2320,7 +2280,7 @@
         <a:lstStyle/>
         <a:p>
           <a:r>
-            <a:rPr lang="en-US" b="0" i="0" dirty="0" smtClean="0">
+            <a:rPr lang="en-US" b="0" i="0" dirty="0">
               <a:latin typeface="Candara" panose="020E0502030303020204" pitchFamily="34" charset="0"/>
             </a:rPr>
             <a:t>Building and refining a product incrementally, with feedback from customers and stakeholders.</a:t>
@@ -2365,12 +2325,12 @@
         <a:lstStyle/>
         <a:p>
           <a:r>
-            <a:rPr lang="en-US" b="0" i="0" smtClean="0">
+            <a:rPr lang="en-US" b="1" i="0">
               <a:latin typeface="Candara" panose="020E0502030303020204" pitchFamily="34" charset="0"/>
             </a:rPr>
             <a:t>Customer feedback</a:t>
           </a:r>
-          <a:endParaRPr lang="en-US" dirty="0">
+          <a:endParaRPr lang="en-US" b="1" dirty="0">
             <a:latin typeface="Candara" panose="020E0502030303020204" pitchFamily="34" charset="0"/>
           </a:endParaRPr>
         </a:p>
@@ -2410,7 +2370,7 @@
         <a:lstStyle/>
         <a:p>
           <a:r>
-            <a:rPr lang="en-US" b="0" i="0" smtClean="0">
+            <a:rPr lang="en-US" b="0" i="0">
               <a:latin typeface="Candara" panose="020E0502030303020204" pitchFamily="34" charset="0"/>
             </a:rPr>
             <a:t>Gathering insights from early customers to validate product assumptions and guide product development.</a:t>
@@ -2455,12 +2415,12 @@
         <a:lstStyle/>
         <a:p>
           <a:r>
-            <a:rPr lang="en-US" b="0" i="0" smtClean="0">
+            <a:rPr lang="en-US" b="1" i="0">
               <a:latin typeface="Candara" panose="020E0502030303020204" pitchFamily="34" charset="0"/>
             </a:rPr>
             <a:t>Minimizing waste</a:t>
           </a:r>
-          <a:endParaRPr lang="en-US" dirty="0">
+          <a:endParaRPr lang="en-US" b="1" dirty="0">
             <a:latin typeface="Candara" panose="020E0502030303020204" pitchFamily="34" charset="0"/>
           </a:endParaRPr>
         </a:p>
@@ -2500,7 +2460,7 @@
         <a:lstStyle/>
         <a:p>
           <a:r>
-            <a:rPr lang="en-US" b="0" i="0" dirty="0" smtClean="0">
+            <a:rPr lang="en-US" b="0" i="0" dirty="0">
               <a:latin typeface="Candara" panose="020E0502030303020204" pitchFamily="34" charset="0"/>
             </a:rPr>
             <a:t>Avoiding unnecessary work and resources by focusing on the most valuable features and iteratively refining the product.</a:t>
@@ -2560,13 +2520,6 @@
         </dgm:presLayoutVars>
       </dgm:prSet>
       <dgm:spPr/>
-      <dgm:t>
-        <a:bodyPr/>
-        <a:lstStyle/>
-        <a:p>
-          <a:endParaRPr lang="en-US"/>
-        </a:p>
-      </dgm:t>
     </dgm:pt>
     <dgm:pt modelId="{10EA4D31-1340-43E9-8D03-27D0C537FFC9}" type="pres">
       <dgm:prSet presAssocID="{0F68A36B-A73C-4969-BAA9-64B7C676C302}" presName="desTx" presStyleLbl="alignAccFollowNode1" presStyleIdx="0" presStyleCnt="3">
@@ -2575,13 +2528,6 @@
         </dgm:presLayoutVars>
       </dgm:prSet>
       <dgm:spPr/>
-      <dgm:t>
-        <a:bodyPr/>
-        <a:lstStyle/>
-        <a:p>
-          <a:endParaRPr lang="en-US"/>
-        </a:p>
-      </dgm:t>
     </dgm:pt>
     <dgm:pt modelId="{D21BDAD3-AF6C-4DEB-B6C0-9F33B373EAAD}" type="pres">
       <dgm:prSet presAssocID="{65103CC3-30AD-4B60-8EAF-A3444178AEC2}" presName="space" presStyleCnt="0"/>
@@ -2600,13 +2546,6 @@
         </dgm:presLayoutVars>
       </dgm:prSet>
       <dgm:spPr/>
-      <dgm:t>
-        <a:bodyPr/>
-        <a:lstStyle/>
-        <a:p>
-          <a:endParaRPr lang="en-US"/>
-        </a:p>
-      </dgm:t>
     </dgm:pt>
     <dgm:pt modelId="{B3190B89-B3BA-4AD0-BA09-E229B0FC4D2D}" type="pres">
       <dgm:prSet presAssocID="{82CBA92A-0049-46F3-B44C-3BE368BAB2FF}" presName="desTx" presStyleLbl="alignAccFollowNode1" presStyleIdx="1" presStyleCnt="3">
@@ -2615,13 +2554,6 @@
         </dgm:presLayoutVars>
       </dgm:prSet>
       <dgm:spPr/>
-      <dgm:t>
-        <a:bodyPr/>
-        <a:lstStyle/>
-        <a:p>
-          <a:endParaRPr lang="en-US"/>
-        </a:p>
-      </dgm:t>
     </dgm:pt>
     <dgm:pt modelId="{FC9D108C-5854-454B-B3EF-09823E5DFE98}" type="pres">
       <dgm:prSet presAssocID="{1DB30FFF-0FB4-43B0-BF00-0C3D60EA42D2}" presName="space" presStyleCnt="0"/>
@@ -2640,13 +2572,6 @@
         </dgm:presLayoutVars>
       </dgm:prSet>
       <dgm:spPr/>
-      <dgm:t>
-        <a:bodyPr/>
-        <a:lstStyle/>
-        <a:p>
-          <a:endParaRPr lang="en-US"/>
-        </a:p>
-      </dgm:t>
     </dgm:pt>
     <dgm:pt modelId="{CE284E02-305E-4254-8B7C-69498E1E16FD}" type="pres">
       <dgm:prSet presAssocID="{660A9B53-81F7-494B-8EB5-71BDC6006AE7}" presName="desTx" presStyleLbl="alignAccFollowNode1" presStyleIdx="2" presStyleCnt="3">
@@ -2655,29 +2580,22 @@
         </dgm:presLayoutVars>
       </dgm:prSet>
       <dgm:spPr/>
-      <dgm:t>
-        <a:bodyPr/>
-        <a:lstStyle/>
-        <a:p>
-          <a:endParaRPr lang="en-US"/>
-        </a:p>
-      </dgm:t>
     </dgm:pt>
   </dgm:ptLst>
   <dgm:cxnLst>
-    <dgm:cxn modelId="{37AF88B9-1B84-4FDB-A59C-9FD4BF35FE68}" type="presOf" srcId="{7512F0C1-10BA-4169-AF7D-D6993417D2F9}" destId="{CE284E02-305E-4254-8B7C-69498E1E16FD}" srcOrd="0" destOrd="0" presId="urn:microsoft.com/office/officeart/2005/8/layout/hList1"/>
     <dgm:cxn modelId="{E0215A24-861C-41F7-BB10-C89E941140F5}" srcId="{82CBA92A-0049-46F3-B44C-3BE368BAB2FF}" destId="{7067A81B-CE84-4CDF-B384-BD35709B7F92}" srcOrd="0" destOrd="0" parTransId="{72AB9829-97C7-4B8D-A1F9-C16519F4BCCA}" sibTransId="{724DBFE8-7BE0-4649-A9E8-740246997130}"/>
+    <dgm:cxn modelId="{0DA28349-E1F4-4EDB-8104-1504DC1E21DF}" srcId="{BB327EC8-FB62-4FAF-98C0-31217343496F}" destId="{660A9B53-81F7-494B-8EB5-71BDC6006AE7}" srcOrd="2" destOrd="0" parTransId="{ED3B6A12-CD0A-43B1-ADD1-DDF3A0BD724D}" sibTransId="{6F578161-CFB5-4C92-BD61-CBA1639979F7}"/>
     <dgm:cxn modelId="{1BA1D557-C31A-46C1-9C92-D1FCFC3DE8B2}" type="presOf" srcId="{82CBA92A-0049-46F3-B44C-3BE368BAB2FF}" destId="{B4BE7516-06A3-409A-9313-2F44E0970C58}" srcOrd="0" destOrd="0" presId="urn:microsoft.com/office/officeart/2005/8/layout/hList1"/>
-    <dgm:cxn modelId="{26E2A9AE-9835-4DC1-BE36-24EEE0E9518F}" type="presOf" srcId="{7067A81B-CE84-4CDF-B384-BD35709B7F92}" destId="{B3190B89-B3BA-4AD0-BA09-E229B0FC4D2D}" srcOrd="0" destOrd="0" presId="urn:microsoft.com/office/officeart/2005/8/layout/hList1"/>
-    <dgm:cxn modelId="{0DA28349-E1F4-4EDB-8104-1504DC1E21DF}" srcId="{BB327EC8-FB62-4FAF-98C0-31217343496F}" destId="{660A9B53-81F7-494B-8EB5-71BDC6006AE7}" srcOrd="2" destOrd="0" parTransId="{ED3B6A12-CD0A-43B1-ADD1-DDF3A0BD724D}" sibTransId="{6F578161-CFB5-4C92-BD61-CBA1639979F7}"/>
-    <dgm:cxn modelId="{83295B8B-A090-408A-9275-46F54BAB3D91}" srcId="{BB327EC8-FB62-4FAF-98C0-31217343496F}" destId="{0F68A36B-A73C-4969-BAA9-64B7C676C302}" srcOrd="0" destOrd="0" parTransId="{CF5934FC-8DB5-4FDA-A390-5F18295CA38E}" sibTransId="{65103CC3-30AD-4B60-8EAF-A3444178AEC2}"/>
-    <dgm:cxn modelId="{FBEF67CE-7966-4D81-AE9F-0E437555A143}" srcId="{0F68A36B-A73C-4969-BAA9-64B7C676C302}" destId="{1570CC13-DE8E-42C1-ABF2-F01BB04115BA}" srcOrd="0" destOrd="0" parTransId="{0EB093A3-8F55-4E6A-A12D-C23011A756C3}" sibTransId="{E90944B2-BCBA-438C-9DF5-AA127B67B4F6}"/>
     <dgm:cxn modelId="{F358765A-07F3-43F9-B6E8-B042DAB7CD62}" type="presOf" srcId="{BB327EC8-FB62-4FAF-98C0-31217343496F}" destId="{BDF1CB67-FD3F-4770-AD8C-B5DB708677BC}" srcOrd="0" destOrd="0" presId="urn:microsoft.com/office/officeart/2005/8/layout/hList1"/>
     <dgm:cxn modelId="{54A0A65A-7155-4358-963C-864DD4813104}" type="presOf" srcId="{1570CC13-DE8E-42C1-ABF2-F01BB04115BA}" destId="{10EA4D31-1340-43E9-8D03-27D0C537FFC9}" srcOrd="0" destOrd="0" presId="urn:microsoft.com/office/officeart/2005/8/layout/hList1"/>
-    <dgm:cxn modelId="{F19D52F9-0F63-4E8C-BA99-C9041610DC2C}" srcId="{BB327EC8-FB62-4FAF-98C0-31217343496F}" destId="{82CBA92A-0049-46F3-B44C-3BE368BAB2FF}" srcOrd="1" destOrd="0" parTransId="{BC84F7AD-C2D0-40CC-9968-7F4094BE40EC}" sibTransId="{1DB30FFF-0FB4-43B0-BF00-0C3D60EA42D2}"/>
+    <dgm:cxn modelId="{83295B8B-A090-408A-9275-46F54BAB3D91}" srcId="{BB327EC8-FB62-4FAF-98C0-31217343496F}" destId="{0F68A36B-A73C-4969-BAA9-64B7C676C302}" srcOrd="0" destOrd="0" parTransId="{CF5934FC-8DB5-4FDA-A390-5F18295CA38E}" sibTransId="{65103CC3-30AD-4B60-8EAF-A3444178AEC2}"/>
     <dgm:cxn modelId="{0F743D9A-218C-494F-882A-BA95E7AE7986}" srcId="{660A9B53-81F7-494B-8EB5-71BDC6006AE7}" destId="{7512F0C1-10BA-4169-AF7D-D6993417D2F9}" srcOrd="0" destOrd="0" parTransId="{7ADFB01C-7398-4C60-9E33-C08F45D25895}" sibTransId="{6994DD48-2430-4603-B3F1-14A0DF7AC0B5}"/>
     <dgm:cxn modelId="{8955179B-54F6-4806-B8DB-CD58173B7071}" type="presOf" srcId="{0F68A36B-A73C-4969-BAA9-64B7C676C302}" destId="{AC37BE0F-A55F-4D6F-8332-EA142D02862B}" srcOrd="0" destOrd="0" presId="urn:microsoft.com/office/officeart/2005/8/layout/hList1"/>
     <dgm:cxn modelId="{08A93F9D-9BE8-4F3D-8A7D-49E914BE1ECE}" type="presOf" srcId="{660A9B53-81F7-494B-8EB5-71BDC6006AE7}" destId="{1A801A5D-90C2-4AAD-A5A6-1A7088B2AAB8}" srcOrd="0" destOrd="0" presId="urn:microsoft.com/office/officeart/2005/8/layout/hList1"/>
+    <dgm:cxn modelId="{26E2A9AE-9835-4DC1-BE36-24EEE0E9518F}" type="presOf" srcId="{7067A81B-CE84-4CDF-B384-BD35709B7F92}" destId="{B3190B89-B3BA-4AD0-BA09-E229B0FC4D2D}" srcOrd="0" destOrd="0" presId="urn:microsoft.com/office/officeart/2005/8/layout/hList1"/>
+    <dgm:cxn modelId="{37AF88B9-1B84-4FDB-A59C-9FD4BF35FE68}" type="presOf" srcId="{7512F0C1-10BA-4169-AF7D-D6993417D2F9}" destId="{CE284E02-305E-4254-8B7C-69498E1E16FD}" srcOrd="0" destOrd="0" presId="urn:microsoft.com/office/officeart/2005/8/layout/hList1"/>
+    <dgm:cxn modelId="{FBEF67CE-7966-4D81-AE9F-0E437555A143}" srcId="{0F68A36B-A73C-4969-BAA9-64B7C676C302}" destId="{1570CC13-DE8E-42C1-ABF2-F01BB04115BA}" srcOrd="0" destOrd="0" parTransId="{0EB093A3-8F55-4E6A-A12D-C23011A756C3}" sibTransId="{E90944B2-BCBA-438C-9DF5-AA127B67B4F6}"/>
+    <dgm:cxn modelId="{F19D52F9-0F63-4E8C-BA99-C9041610DC2C}" srcId="{BB327EC8-FB62-4FAF-98C0-31217343496F}" destId="{82CBA92A-0049-46F3-B44C-3BE368BAB2FF}" srcOrd="1" destOrd="0" parTransId="{BC84F7AD-C2D0-40CC-9968-7F4094BE40EC}" sibTransId="{1DB30FFF-0FB4-43B0-BF00-0C3D60EA42D2}"/>
     <dgm:cxn modelId="{149168D6-3883-4DD2-AE24-F79D0F1AC81A}" type="presParOf" srcId="{BDF1CB67-FD3F-4770-AD8C-B5DB708677BC}" destId="{AB1FD4BF-8D4A-4946-92F8-BCF1500B7ECE}" srcOrd="0" destOrd="0" presId="urn:microsoft.com/office/officeart/2005/8/layout/hList1"/>
     <dgm:cxn modelId="{4F0AC98E-5A5C-494B-8F3E-DA3CE31DE0B0}" type="presParOf" srcId="{AB1FD4BF-8D4A-4946-92F8-BCF1500B7ECE}" destId="{AC37BE0F-A55F-4D6F-8332-EA142D02862B}" srcOrd="0" destOrd="0" presId="urn:microsoft.com/office/officeart/2005/8/layout/hList1"/>
     <dgm:cxn modelId="{27CC5F26-B221-434A-BA31-1B9448998E01}" type="presParOf" srcId="{AB1FD4BF-8D4A-4946-92F8-BCF1500B7ECE}" destId="{10EA4D31-1340-43E9-8D03-27D0C537FFC9}" srcOrd="1" destOrd="0" presId="urn:microsoft.com/office/officeart/2005/8/layout/hList1"/>
@@ -2764,7 +2682,7 @@
         </a:bodyPr>
         <a:lstStyle/>
         <a:p>
-          <a:pPr lvl="0" algn="ctr" defTabSz="1377950">
+          <a:pPr marL="0" lvl="0" indent="0" algn="ctr" defTabSz="1377950">
             <a:lnSpc>
               <a:spcPct val="90000"/>
             </a:lnSpc>
@@ -2774,16 +2692,14 @@
             <a:spcAft>
               <a:spcPct val="35000"/>
             </a:spcAft>
+            <a:buNone/>
           </a:pPr>
           <a:r>
-            <a:rPr lang="en-US" sz="3100" kern="1200" dirty="0" smtClean="0">
+            <a:rPr lang="en-US" sz="3100" b="1" kern="1200" dirty="0">
               <a:latin typeface="Candara" panose="020E0502030303020204" pitchFamily="34" charset="0"/>
             </a:rPr>
             <a:t>User testing</a:t>
           </a:r>
-          <a:endParaRPr lang="en-US" sz="3100" kern="1200" dirty="0">
-            <a:latin typeface="Candara" panose="020E0502030303020204" pitchFamily="34" charset="0"/>
-          </a:endParaRPr>
         </a:p>
       </dsp:txBody>
       <dsp:txXfrm>
@@ -2857,10 +2773,10 @@
             <a:spcAft>
               <a:spcPct val="15000"/>
             </a:spcAft>
-            <a:buChar char="••"/>
+            <a:buChar char="•"/>
           </a:pPr>
           <a:r>
-            <a:rPr lang="en-US" sz="3100" b="0" i="0" kern="1200" dirty="0" smtClean="0">
+            <a:rPr lang="en-US" sz="3100" b="0" i="0" kern="1200" dirty="0">
               <a:latin typeface="Candara" panose="020E0502030303020204" pitchFamily="34" charset="0"/>
             </a:rPr>
             <a:t>Testing the prototype with real users to gather feedback and identify usability issues.</a:t>
@@ -2931,7 +2847,7 @@
         </a:bodyPr>
         <a:lstStyle/>
         <a:p>
-          <a:pPr lvl="0" algn="ctr" defTabSz="1377950">
+          <a:pPr marL="0" lvl="0" indent="0" algn="ctr" defTabSz="1377950">
             <a:lnSpc>
               <a:spcPct val="90000"/>
             </a:lnSpc>
@@ -2941,14 +2857,15 @@
             <a:spcAft>
               <a:spcPct val="35000"/>
             </a:spcAft>
+            <a:buNone/>
           </a:pPr>
           <a:r>
-            <a:rPr lang="en-US" sz="3100" b="0" i="0" kern="1200" dirty="0" smtClean="0">
+            <a:rPr lang="en-US" sz="3100" b="1" i="0" kern="1200" dirty="0">
               <a:latin typeface="Candara" panose="020E0502030303020204" pitchFamily="34" charset="0"/>
             </a:rPr>
             <a:t>A/B testing</a:t>
           </a:r>
-          <a:endParaRPr lang="en-US" sz="3100" kern="1200" dirty="0">
+          <a:endParaRPr lang="en-US" sz="3100" b="1" kern="1200" dirty="0">
             <a:latin typeface="Candara" panose="020E0502030303020204" pitchFamily="34" charset="0"/>
           </a:endParaRPr>
         </a:p>
@@ -3024,10 +2941,10 @@
             <a:spcAft>
               <a:spcPct val="15000"/>
             </a:spcAft>
-            <a:buChar char="••"/>
+            <a:buChar char="•"/>
           </a:pPr>
           <a:r>
-            <a:rPr lang="en-US" sz="3100" b="0" i="0" kern="1200" dirty="0" smtClean="0">
+            <a:rPr lang="en-US" sz="3100" b="0" i="0" kern="1200" dirty="0">
               <a:latin typeface="Candara" panose="020E0502030303020204" pitchFamily="34" charset="0"/>
             </a:rPr>
             <a:t>Testing two versions of a prototype to compare user behavior and preferences.</a:t>
@@ -3098,7 +3015,7 @@
         </a:bodyPr>
         <a:lstStyle/>
         <a:p>
-          <a:pPr lvl="0" algn="ctr" defTabSz="1377950">
+          <a:pPr marL="0" lvl="0" indent="0" algn="ctr" defTabSz="1377950">
             <a:lnSpc>
               <a:spcPct val="90000"/>
             </a:lnSpc>
@@ -3108,16 +3025,14 @@
             <a:spcAft>
               <a:spcPct val="35000"/>
             </a:spcAft>
+            <a:buNone/>
           </a:pPr>
           <a:r>
-            <a:rPr lang="en-US" sz="3100" kern="1200" dirty="0" smtClean="0">
+            <a:rPr lang="en-US" sz="3100" b="1" kern="1200" dirty="0">
               <a:latin typeface="Candara" panose="020E0502030303020204" pitchFamily="34" charset="0"/>
             </a:rPr>
             <a:t>Unit testing</a:t>
           </a:r>
-          <a:endParaRPr lang="en-US" sz="3100" kern="1200" dirty="0">
-            <a:latin typeface="Candara" panose="020E0502030303020204" pitchFamily="34" charset="0"/>
-          </a:endParaRPr>
         </a:p>
       </dsp:txBody>
       <dsp:txXfrm>
@@ -3191,10 +3106,10 @@
             <a:spcAft>
               <a:spcPct val="15000"/>
             </a:spcAft>
-            <a:buChar char="••"/>
+            <a:buChar char="•"/>
           </a:pPr>
           <a:r>
-            <a:rPr lang="en-US" sz="3100" b="0" i="0" kern="1200" dirty="0" smtClean="0">
+            <a:rPr lang="en-US" sz="3100" b="0" i="0" kern="1200" dirty="0">
               <a:latin typeface="Candara" panose="020E0502030303020204" pitchFamily="34" charset="0"/>
             </a:rPr>
             <a:t>Testing individual components or units of the prototype to ensure they function correctly.</a:t>
@@ -3277,7 +3192,7 @@
         </a:bodyPr>
         <a:lstStyle/>
         <a:p>
-          <a:pPr lvl="0" algn="ctr" defTabSz="1289050">
+          <a:pPr marL="0" lvl="0" indent="0" algn="ctr" defTabSz="1289050">
             <a:lnSpc>
               <a:spcPct val="90000"/>
             </a:lnSpc>
@@ -3287,14 +3202,15 @@
             <a:spcAft>
               <a:spcPct val="35000"/>
             </a:spcAft>
+            <a:buNone/>
           </a:pPr>
           <a:r>
-            <a:rPr lang="en-US" sz="2900" b="0" i="0" kern="1200" smtClean="0">
+            <a:rPr lang="en-US" sz="2900" b="1" i="0" kern="1200" dirty="0">
               <a:latin typeface="Candara" panose="020E0502030303020204" pitchFamily="34" charset="0"/>
             </a:rPr>
             <a:t>Iterative development</a:t>
           </a:r>
-          <a:endParaRPr lang="en-US" sz="2900" kern="1200" dirty="0">
+          <a:endParaRPr lang="en-US" sz="2900" b="1" kern="1200" dirty="0">
             <a:latin typeface="Candara" panose="020E0502030303020204" pitchFamily="34" charset="0"/>
           </a:endParaRPr>
         </a:p>
@@ -3370,10 +3286,10 @@
             <a:spcAft>
               <a:spcPct val="15000"/>
             </a:spcAft>
-            <a:buChar char="••"/>
+            <a:buChar char="•"/>
           </a:pPr>
           <a:r>
-            <a:rPr lang="en-US" sz="2900" b="0" i="0" kern="1200" dirty="0" smtClean="0">
+            <a:rPr lang="en-US" sz="2900" b="0" i="0" kern="1200" dirty="0">
               <a:latin typeface="Candara" panose="020E0502030303020204" pitchFamily="34" charset="0"/>
             </a:rPr>
             <a:t>Building and refining a product incrementally, with feedback from customers and stakeholders.</a:t>
@@ -3444,7 +3360,7 @@
         </a:bodyPr>
         <a:lstStyle/>
         <a:p>
-          <a:pPr lvl="0" algn="ctr" defTabSz="1289050">
+          <a:pPr marL="0" lvl="0" indent="0" algn="ctr" defTabSz="1289050">
             <a:lnSpc>
               <a:spcPct val="90000"/>
             </a:lnSpc>
@@ -3454,14 +3370,15 @@
             <a:spcAft>
               <a:spcPct val="35000"/>
             </a:spcAft>
+            <a:buNone/>
           </a:pPr>
           <a:r>
-            <a:rPr lang="en-US" sz="2900" b="0" i="0" kern="1200" smtClean="0">
+            <a:rPr lang="en-US" sz="2900" b="1" i="0" kern="1200">
               <a:latin typeface="Candara" panose="020E0502030303020204" pitchFamily="34" charset="0"/>
             </a:rPr>
             <a:t>Customer feedback</a:t>
           </a:r>
-          <a:endParaRPr lang="en-US" sz="2900" kern="1200" dirty="0">
+          <a:endParaRPr lang="en-US" sz="2900" b="1" kern="1200" dirty="0">
             <a:latin typeface="Candara" panose="020E0502030303020204" pitchFamily="34" charset="0"/>
           </a:endParaRPr>
         </a:p>
@@ -3537,10 +3454,10 @@
             <a:spcAft>
               <a:spcPct val="15000"/>
             </a:spcAft>
-            <a:buChar char="••"/>
+            <a:buChar char="•"/>
           </a:pPr>
           <a:r>
-            <a:rPr lang="en-US" sz="2900" b="0" i="0" kern="1200" smtClean="0">
+            <a:rPr lang="en-US" sz="2900" b="0" i="0" kern="1200">
               <a:latin typeface="Candara" panose="020E0502030303020204" pitchFamily="34" charset="0"/>
             </a:rPr>
             <a:t>Gathering insights from early customers to validate product assumptions and guide product development.</a:t>
@@ -3611,7 +3528,7 @@
         </a:bodyPr>
         <a:lstStyle/>
         <a:p>
-          <a:pPr lvl="0" algn="ctr" defTabSz="1289050">
+          <a:pPr marL="0" lvl="0" indent="0" algn="ctr" defTabSz="1289050">
             <a:lnSpc>
               <a:spcPct val="90000"/>
             </a:lnSpc>
@@ -3621,14 +3538,15 @@
             <a:spcAft>
               <a:spcPct val="35000"/>
             </a:spcAft>
+            <a:buNone/>
           </a:pPr>
           <a:r>
-            <a:rPr lang="en-US" sz="2900" b="0" i="0" kern="1200" smtClean="0">
+            <a:rPr lang="en-US" sz="2900" b="1" i="0" kern="1200">
               <a:latin typeface="Candara" panose="020E0502030303020204" pitchFamily="34" charset="0"/>
             </a:rPr>
             <a:t>Minimizing waste</a:t>
           </a:r>
-          <a:endParaRPr lang="en-US" sz="2900" kern="1200" dirty="0">
+          <a:endParaRPr lang="en-US" sz="2900" b="1" kern="1200" dirty="0">
             <a:latin typeface="Candara" panose="020E0502030303020204" pitchFamily="34" charset="0"/>
           </a:endParaRPr>
         </a:p>
@@ -3704,10 +3622,10 @@
             <a:spcAft>
               <a:spcPct val="15000"/>
             </a:spcAft>
-            <a:buChar char="••"/>
+            <a:buChar char="•"/>
           </a:pPr>
           <a:r>
-            <a:rPr lang="en-US" sz="2900" b="0" i="0" kern="1200" dirty="0" smtClean="0">
+            <a:rPr lang="en-US" sz="2900" b="0" i="0" kern="1200" dirty="0">
               <a:latin typeface="Candara" panose="020E0502030303020204" pitchFamily="34" charset="0"/>
             </a:rPr>
             <a:t>Avoiding unnecessary work and resources by focusing on the most valuable features and iteratively refining the product.</a:t>
@@ -6310,7 +6228,7 @@
           <a:p>
             <a:fld id="{41DA9887-9249-49FD-809A-BACB264048C3}" type="datetimeFigureOut">
               <a:rPr lang="en-US" smtClean="0"/>
-              <a:t>11/13/2023</a:t>
+              <a:t>1/29/2024</a:t>
             </a:fld>
             <a:endParaRPr lang="en-US"/>
           </a:p>
@@ -6712,7 +6630,7 @@
           <a:p>
             <a:fld id="{EF213E56-3C1A-435A-851B-5B1F221C2038}" type="datetime1">
               <a:rPr lang="en-US" smtClean="0"/>
-              <a:t>11/13/2023</a:t>
+              <a:t>1/29/2024</a:t>
             </a:fld>
             <a:endParaRPr lang="en-US"/>
           </a:p>
@@ -7013,7 +6931,7 @@
           <a:p>
             <a:fld id="{B4696837-4851-4AA6-8AED-554226C981D1}" type="datetime1">
               <a:rPr lang="en-US" smtClean="0"/>
-              <a:t>11/13/2023</a:t>
+              <a:t>1/29/2024</a:t>
             </a:fld>
             <a:endParaRPr lang="en-US"/>
           </a:p>
@@ -7191,7 +7109,7 @@
           <a:p>
             <a:fld id="{BADD32E1-BB70-4827-BA33-FF5AFC435BE9}" type="datetime1">
               <a:rPr lang="en-US" smtClean="0"/>
-              <a:t>11/13/2023</a:t>
+              <a:t>1/29/2024</a:t>
             </a:fld>
             <a:endParaRPr lang="en-US"/>
           </a:p>
@@ -7434,7 +7352,7 @@
             </a:pPr>
             <a:fld id="{40B9EAF6-54F2-4DF5-9C6B-3F6F95B86356}" type="datetime1">
               <a:rPr lang="en-US" smtClean="0"/>
-              <a:t>11/13/2023</a:t>
+              <a:t>1/29/2024</a:t>
             </a:fld>
             <a:endParaRPr lang="en-US"/>
           </a:p>
@@ -7614,7 +7532,7 @@
             </a:pPr>
             <a:fld id="{D3D64A56-6FF4-479A-8655-719A18A98C4B}" type="datetime1">
               <a:rPr lang="en-US" smtClean="0"/>
-              <a:t>11/13/2023</a:t>
+              <a:t>1/29/2024</a:t>
             </a:fld>
             <a:endParaRPr lang="en-US"/>
           </a:p>
@@ -7895,7 +7813,7 @@
           <a:p>
             <a:fld id="{BB961044-FC46-4CBC-9061-59528F4899F3}" type="datetime1">
               <a:rPr lang="en-US" smtClean="0"/>
-              <a:t>11/13/2023</a:t>
+              <a:t>1/29/2024</a:t>
             </a:fld>
             <a:endParaRPr lang="en-US"/>
           </a:p>
@@ -8245,7 +8163,7 @@
           <a:p>
             <a:fld id="{4466A08C-77F3-471E-A5C4-1D2068144BAC}" type="datetime1">
               <a:rPr lang="en-US" smtClean="0"/>
-              <a:t>11/13/2023</a:t>
+              <a:t>1/29/2024</a:t>
             </a:fld>
             <a:endParaRPr lang="en-US"/>
           </a:p>
@@ -8474,7 +8392,7 @@
           <a:p>
             <a:fld id="{B90A7AD1-16F4-44C3-AE32-24C59A599E9D}" type="datetime1">
               <a:rPr lang="en-US" smtClean="0"/>
-              <a:t>11/13/2023</a:t>
+              <a:t>1/29/2024</a:t>
             </a:fld>
             <a:endParaRPr lang="en-US"/>
           </a:p>
@@ -8838,7 +8756,7 @@
           <a:p>
             <a:fld id="{B583DB4F-4316-4DF5-A229-BC1D787C82A0}" type="datetime1">
               <a:rPr lang="en-US" smtClean="0"/>
-              <a:t>11/13/2023</a:t>
+              <a:t>1/29/2024</a:t>
             </a:fld>
             <a:endParaRPr lang="en-US"/>
           </a:p>
@@ -8933,7 +8851,7 @@
           <a:p>
             <a:fld id="{AE6064B7-7A9F-432D-B7B9-6824267AA574}" type="datetime1">
               <a:rPr lang="en-US" smtClean="0"/>
-              <a:t>11/13/2023</a:t>
+              <a:t>1/29/2024</a:t>
             </a:fld>
             <a:endParaRPr lang="en-US"/>
           </a:p>
@@ -9158,7 +9076,7 @@
             <a:fld id="{B2F5E2FA-C428-4CE7-95B0-168D3259A5BB}" type="datetimeFigureOut">
               <a:rPr lang="en-US" smtClean="0"/>
               <a:pPr/>
-              <a:t>11/13/2023</a:t>
+              <a:t>1/29/2024</a:t>
             </a:fld>
             <a:endParaRPr lang="en-US"/>
           </a:p>
@@ -9335,7 +9253,7 @@
           <a:p>
             <a:fld id="{4E1C93A2-B712-486A-8AB5-D41B95D547BE}" type="datetime1">
               <a:rPr lang="en-US" smtClean="0"/>
-              <a:t>11/13/2023</a:t>
+              <a:t>1/29/2024</a:t>
             </a:fld>
             <a:endParaRPr lang="en-US"/>
           </a:p>
@@ -9610,7 +9528,7 @@
           <a:p>
             <a:fld id="{CAB2F318-F19F-4608-B7EF-F7FB8A482213}" type="datetime1">
               <a:rPr lang="en-US" smtClean="0"/>
-              <a:t>11/13/2023</a:t>
+              <a:t>1/29/2024</a:t>
             </a:fld>
             <a:endParaRPr lang="en-US"/>
           </a:p>
@@ -9862,7 +9780,7 @@
           <a:p>
             <a:fld id="{BB9CEF8C-69D6-4C3E-B892-F682F307A7B6}" type="datetime1">
               <a:rPr lang="en-US" smtClean="0"/>
-              <a:t>11/13/2023</a:t>
+              <a:t>1/29/2024</a:t>
             </a:fld>
             <a:endParaRPr lang="en-US"/>
           </a:p>
@@ -10073,7 +9991,7 @@
           <a:p>
             <a:fld id="{FB737C73-4A31-4C17-AFB7-7B8470027787}" type="datetime1">
               <a:rPr lang="en-US" smtClean="0"/>
-              <a:t>11/13/2023</a:t>
+              <a:t>1/29/2024</a:t>
             </a:fld>
             <a:endParaRPr lang="en-US"/>
           </a:p>
@@ -10505,7 +10423,6 @@
               <a:rPr lang="en-US" dirty="0"/>
               <a:t>Development and Prototyping</a:t>
             </a:r>
-            <a:endParaRPr lang="en-US" dirty="0"/>
           </a:p>
         </p:txBody>
       </p:sp>
@@ -10593,7 +10510,7 @@
       </p:grpSpPr>
       <p:sp>
         <p:nvSpPr>
-          <p:cNvPr id="2" name="Title 1"/>
+          <p:cNvPr id="5" name="Title 4"/>
           <p:cNvSpPr>
             <a:spLocks noGrp="1"/>
           </p:cNvSpPr>
@@ -10608,42 +10525,27 @@
           <a:p>
             <a:r>
               <a:rPr lang="en-US" dirty="0"/>
-              <a:t>Understanding the Core Concepts</a:t>
-            </a:r>
-          </a:p>
-        </p:txBody>
-      </p:sp>
-      <p:sp>
-        <p:nvSpPr>
-          <p:cNvPr id="3" name="Content Placeholder 2"/>
-          <p:cNvSpPr>
-            <a:spLocks noGrp="1"/>
-          </p:cNvSpPr>
-          <p:nvPr>
-            <p:ph idx="1"/>
-          </p:nvPr>
-        </p:nvSpPr>
-        <p:spPr/>
-        <p:txBody>
-          <a:bodyPr/>
-          <a:lstStyle/>
-          <a:p>
-            <a:r>
-              <a:rPr lang="en-US" dirty="0"/>
-              <a:t>Agile and Lean are two methodologies that share similar principles and aim to improve software development processes.</a:t>
-            </a:r>
-          </a:p>
-          <a:p>
-            <a:r>
-              <a:rPr lang="en-US" dirty="0"/>
-              <a:t>Agile focuses on iterative development, customer satisfaction, and team collaboration.</a:t>
-            </a:r>
-          </a:p>
-          <a:p>
-            <a:r>
-              <a:rPr lang="en-US" dirty="0"/>
-              <a:t>Lean emphasizes eliminating waste, continuous improvement, and customer value.</a:t>
-            </a:r>
+              <a:t>Agile and Lean Principles</a:t>
+            </a:r>
+          </a:p>
+        </p:txBody>
+      </p:sp>
+      <p:sp>
+        <p:nvSpPr>
+          <p:cNvPr id="6" name="Text Placeholder 5"/>
+          <p:cNvSpPr>
+            <a:spLocks noGrp="1"/>
+          </p:cNvSpPr>
+          <p:nvPr>
+            <p:ph type="body" idx="1"/>
+          </p:nvPr>
+        </p:nvSpPr>
+        <p:spPr/>
+        <p:txBody>
+          <a:bodyPr/>
+          <a:lstStyle/>
+          <a:p>
+            <a:endParaRPr lang="en-US"/>
           </a:p>
         </p:txBody>
       </p:sp>
@@ -10674,7 +10576,7 @@
     </p:spTree>
     <p:extLst>
       <p:ext uri="{BB962C8B-B14F-4D97-AF65-F5344CB8AC3E}">
-        <p14:creationId xmlns:p14="http://schemas.microsoft.com/office/powerpoint/2010/main" val="4118906593"/>
+        <p14:creationId xmlns:p14="http://schemas.microsoft.com/office/powerpoint/2010/main" val="2208372647"/>
       </p:ext>
     </p:extLst>
   </p:cSld>
@@ -10703,6 +10605,62 @@
       </p:grpSpPr>
       <p:sp>
         <p:nvSpPr>
+          <p:cNvPr id="2" name="Title 1"/>
+          <p:cNvSpPr>
+            <a:spLocks noGrp="1"/>
+          </p:cNvSpPr>
+          <p:nvPr>
+            <p:ph type="title"/>
+          </p:nvPr>
+        </p:nvSpPr>
+        <p:spPr/>
+        <p:txBody>
+          <a:bodyPr/>
+          <a:lstStyle/>
+          <a:p>
+            <a:r>
+              <a:rPr lang="en-US" dirty="0"/>
+              <a:t>Understanding the Core Concepts</a:t>
+            </a:r>
+          </a:p>
+        </p:txBody>
+      </p:sp>
+      <p:sp>
+        <p:nvSpPr>
+          <p:cNvPr id="3" name="Content Placeholder 2"/>
+          <p:cNvSpPr>
+            <a:spLocks noGrp="1"/>
+          </p:cNvSpPr>
+          <p:nvPr>
+            <p:ph idx="1"/>
+          </p:nvPr>
+        </p:nvSpPr>
+        <p:spPr/>
+        <p:txBody>
+          <a:bodyPr/>
+          <a:lstStyle/>
+          <a:p>
+            <a:r>
+              <a:rPr lang="en-US" dirty="0"/>
+              <a:t>Agile and Lean are two methodologies that share similar principles and aim to improve software development processes.</a:t>
+            </a:r>
+          </a:p>
+          <a:p>
+            <a:r>
+              <a:rPr lang="en-US" dirty="0"/>
+              <a:t>Agile focuses on iterative development, customer satisfaction, and team collaboration.</a:t>
+            </a:r>
+          </a:p>
+          <a:p>
+            <a:r>
+              <a:rPr lang="en-US" dirty="0"/>
+              <a:t>Lean emphasizes eliminating waste, continuous improvement, and customer value.</a:t>
+            </a:r>
+          </a:p>
+        </p:txBody>
+      </p:sp>
+      <p:sp>
+        <p:nvSpPr>
           <p:cNvPr id="4" name="Slide Number Placeholder 3"/>
           <p:cNvSpPr>
             <a:spLocks noGrp="1"/>
@@ -10720,6 +10678,60 @@
               <a:rPr lang="en-US" smtClean="0"/>
               <a:pPr/>
               <a:t>11</a:t>
+            </a:fld>
+            <a:endParaRPr lang="en-US" dirty="0"/>
+          </a:p>
+        </p:txBody>
+      </p:sp>
+    </p:spTree>
+    <p:extLst>
+      <p:ext uri="{BB962C8B-B14F-4D97-AF65-F5344CB8AC3E}">
+        <p14:creationId xmlns:p14="http://schemas.microsoft.com/office/powerpoint/2010/main" val="4118906593"/>
+      </p:ext>
+    </p:extLst>
+  </p:cSld>
+  <p:clrMapOvr>
+    <a:masterClrMapping/>
+  </p:clrMapOvr>
+</p:sld>
+</file>
+
+<file path=ppt/slides/slide12.xml><?xml version="1.0" encoding="utf-8"?>
+<p:sld xmlns:a="http://schemas.openxmlformats.org/drawingml/2006/main" xmlns:r="http://schemas.openxmlformats.org/officeDocument/2006/relationships" xmlns:p="http://schemas.openxmlformats.org/presentationml/2006/main">
+  <p:cSld>
+    <p:spTree>
+      <p:nvGrpSpPr>
+        <p:cNvPr id="1" name=""/>
+        <p:cNvGrpSpPr/>
+        <p:nvPr/>
+      </p:nvGrpSpPr>
+      <p:grpSpPr>
+        <a:xfrm>
+          <a:off x="0" y="0"/>
+          <a:ext cx="0" cy="0"/>
+          <a:chOff x="0" y="0"/>
+          <a:chExt cx="0" cy="0"/>
+        </a:xfrm>
+      </p:grpSpPr>
+      <p:sp>
+        <p:nvSpPr>
+          <p:cNvPr id="4" name="Slide Number Placeholder 3"/>
+          <p:cNvSpPr>
+            <a:spLocks noGrp="1"/>
+          </p:cNvSpPr>
+          <p:nvPr>
+            <p:ph type="sldNum" sz="quarter" idx="12"/>
+          </p:nvPr>
+        </p:nvSpPr>
+        <p:spPr/>
+        <p:txBody>
+          <a:bodyPr/>
+          <a:lstStyle/>
+          <a:p>
+            <a:fld id="{B8DACC02-A2BD-4578-8E03-6D891060A695}" type="slidenum">
+              <a:rPr lang="en-US" smtClean="0"/>
+              <a:pPr/>
+              <a:t>12</a:t>
             </a:fld>
             <a:endParaRPr lang="en-US" dirty="0"/>
           </a:p>
@@ -10816,7 +10828,7 @@
 </p:sld>
 </file>
 
-<file path=ppt/slides/slide12.xml><?xml version="1.0" encoding="utf-8"?>
+<file path=ppt/slides/slide13.xml><?xml version="1.0" encoding="utf-8"?>
 <p:sld xmlns:a="http://schemas.openxmlformats.org/drawingml/2006/main" xmlns:r="http://schemas.openxmlformats.org/officeDocument/2006/relationships" xmlns:p="http://schemas.openxmlformats.org/presentationml/2006/main">
   <p:cSld>
     <p:spTree>
@@ -10878,28 +10890,15 @@
           <a:p>
             <a:r>
               <a:rPr lang="en-US" dirty="0"/>
-              <a:t>Key </a:t>
-            </a:r>
-            <a:r>
-              <a:rPr lang="en-US" dirty="0" smtClean="0"/>
-              <a:t>benefits</a:t>
+              <a:t>Key benefits</a:t>
             </a:r>
           </a:p>
           <a:p>
             <a:pPr lvl="1"/>
             <a:r>
-              <a:rPr lang="en-US" dirty="0" smtClean="0"/>
-              <a:t>Faster </a:t>
-            </a:r>
-            <a:r>
-              <a:rPr lang="en-US" dirty="0"/>
-              <a:t>time-to-market, lower risk, and increased adaptability to changing requirements</a:t>
-            </a:r>
-            <a:r>
-              <a:rPr lang="en-US" dirty="0" smtClean="0"/>
-              <a:t>.</a:t>
-            </a:r>
-            <a:endParaRPr lang="en-US" dirty="0"/>
+              <a:rPr lang="en-US" dirty="0"/>
+              <a:t>Faster time-to-market, lower risk, and increased adaptability to changing requirements.</a:t>
+            </a:r>
           </a:p>
         </p:txBody>
       </p:sp>
@@ -10921,7 +10920,7 @@
             <a:fld id="{B8DACC02-A2BD-4578-8E03-6D891060A695}" type="slidenum">
               <a:rPr lang="en-US" smtClean="0"/>
               <a:pPr/>
-              <a:t>12</a:t>
+              <a:t>13</a:t>
             </a:fld>
             <a:endParaRPr lang="en-US" dirty="0"/>
           </a:p>
@@ -10978,17 +10977,10 @@
   <p:clrMapOvr>
     <a:masterClrMapping/>
   </p:clrMapOvr>
-  <p:timing>
-    <p:tnLst>
-      <p:par>
-        <p:cTn id="1" dur="indefinite" restart="never" nodeType="tmRoot"/>
-      </p:par>
-    </p:tnLst>
-  </p:timing>
 </p:sld>
 </file>
 
-<file path=ppt/slides/slide13.xml><?xml version="1.0" encoding="utf-8"?>
+<file path=ppt/slides/slide14.xml><?xml version="1.0" encoding="utf-8"?>
 <p:sld xmlns:a="http://schemas.openxmlformats.org/drawingml/2006/main" xmlns:r="http://schemas.openxmlformats.org/officeDocument/2006/relationships" xmlns:p="http://schemas.openxmlformats.org/presentationml/2006/main">
   <p:cSld>
     <p:spTree>
@@ -11050,28 +11042,15 @@
           <a:p>
             <a:r>
               <a:rPr lang="en-US" dirty="0"/>
-              <a:t>Key </a:t>
-            </a:r>
-            <a:r>
-              <a:rPr lang="en-US" dirty="0" smtClean="0"/>
-              <a:t>benefits</a:t>
+              <a:t>Key benefits</a:t>
             </a:r>
           </a:p>
           <a:p>
             <a:pPr lvl="1"/>
             <a:r>
-              <a:rPr lang="en-US" dirty="0" smtClean="0"/>
-              <a:t>Improved </a:t>
-            </a:r>
-            <a:r>
-              <a:rPr lang="en-US" dirty="0"/>
-              <a:t>productivity, reduced errors, and increased customer satisfaction</a:t>
-            </a:r>
-            <a:r>
-              <a:rPr lang="en-US" dirty="0" smtClean="0"/>
-              <a:t>.</a:t>
-            </a:r>
-            <a:endParaRPr lang="en-US" dirty="0"/>
+              <a:rPr lang="en-US" dirty="0"/>
+              <a:t>Improved productivity, reduced errors, and increased customer satisfaction.</a:t>
+            </a:r>
           </a:p>
         </p:txBody>
       </p:sp>
@@ -11093,7 +11072,7 @@
             <a:fld id="{B8DACC02-A2BD-4578-8E03-6D891060A695}" type="slidenum">
               <a:rPr lang="en-US" smtClean="0"/>
               <a:pPr/>
-              <a:t>13</a:t>
+              <a:t>14</a:t>
             </a:fld>
             <a:endParaRPr lang="en-US" dirty="0"/>
           </a:p>
@@ -11150,138 +11129,6 @@
   <p:clrMapOvr>
     <a:masterClrMapping/>
   </p:clrMapOvr>
-  <p:timing>
-    <p:tnLst>
-      <p:par>
-        <p:cTn id="1" dur="indefinite" restart="never" nodeType="tmRoot"/>
-      </p:par>
-    </p:tnLst>
-  </p:timing>
-</p:sld>
-</file>
-
-<file path=ppt/slides/slide14.xml><?xml version="1.0" encoding="utf-8"?>
-<p:sld xmlns:a="http://schemas.openxmlformats.org/drawingml/2006/main" xmlns:r="http://schemas.openxmlformats.org/officeDocument/2006/relationships" xmlns:p="http://schemas.openxmlformats.org/presentationml/2006/main">
-  <p:cSld>
-    <p:spTree>
-      <p:nvGrpSpPr>
-        <p:cNvPr id="1" name=""/>
-        <p:cNvGrpSpPr/>
-        <p:nvPr/>
-      </p:nvGrpSpPr>
-      <p:grpSpPr>
-        <a:xfrm>
-          <a:off x="0" y="0"/>
-          <a:ext cx="0" cy="0"/>
-          <a:chOff x="0" y="0"/>
-          <a:chExt cx="0" cy="0"/>
-        </a:xfrm>
-      </p:grpSpPr>
-      <p:sp>
-        <p:nvSpPr>
-          <p:cNvPr id="2" name="Title 1"/>
-          <p:cNvSpPr>
-            <a:spLocks noGrp="1"/>
-          </p:cNvSpPr>
-          <p:nvPr>
-            <p:ph type="title"/>
-          </p:nvPr>
-        </p:nvSpPr>
-        <p:spPr/>
-        <p:txBody>
-          <a:bodyPr/>
-          <a:lstStyle/>
-          <a:p>
-            <a:r>
-              <a:rPr lang="en-US" dirty="0"/>
-              <a:t>Customer Feedback</a:t>
-            </a:r>
-          </a:p>
-        </p:txBody>
-      </p:sp>
-      <p:sp>
-        <p:nvSpPr>
-          <p:cNvPr id="3" name="Content Placeholder 2"/>
-          <p:cNvSpPr>
-            <a:spLocks noGrp="1"/>
-          </p:cNvSpPr>
-          <p:nvPr>
-            <p:ph idx="1"/>
-          </p:nvPr>
-        </p:nvSpPr>
-        <p:spPr/>
-        <p:txBody>
-          <a:bodyPr/>
-          <a:lstStyle/>
-          <a:p>
-            <a:r>
-              <a:rPr lang="en-US" dirty="0"/>
-              <a:t>Gathering insights and feedback from customers to validate assumptions and improve the product.</a:t>
-            </a:r>
-          </a:p>
-          <a:p>
-            <a:r>
-              <a:rPr lang="en-US" dirty="0"/>
-              <a:t>Key </a:t>
-            </a:r>
-            <a:r>
-              <a:rPr lang="en-US" dirty="0" smtClean="0"/>
-              <a:t>benefits</a:t>
-            </a:r>
-          </a:p>
-          <a:p>
-            <a:pPr lvl="1"/>
-            <a:r>
-              <a:rPr lang="en-US" dirty="0" smtClean="0"/>
-              <a:t>Better </a:t>
-            </a:r>
-            <a:r>
-              <a:rPr lang="en-US" dirty="0"/>
-              <a:t>alignment with customer needs, increased customer satisfaction, and improved product-market fit.</a:t>
-            </a:r>
-          </a:p>
-          <a:p>
-            <a:r>
-              <a:rPr lang="en-US" dirty="0"/>
-              <a:t>Example: User testing, customer interviews, and feedback sessions.</a:t>
-            </a:r>
-          </a:p>
-        </p:txBody>
-      </p:sp>
-      <p:sp>
-        <p:nvSpPr>
-          <p:cNvPr id="4" name="Slide Number Placeholder 3"/>
-          <p:cNvSpPr>
-            <a:spLocks noGrp="1"/>
-          </p:cNvSpPr>
-          <p:nvPr>
-            <p:ph type="sldNum" sz="quarter" idx="12"/>
-          </p:nvPr>
-        </p:nvSpPr>
-        <p:spPr/>
-        <p:txBody>
-          <a:bodyPr/>
-          <a:lstStyle/>
-          <a:p>
-            <a:fld id="{B8DACC02-A2BD-4578-8E03-6D891060A695}" type="slidenum">
-              <a:rPr lang="en-US" smtClean="0"/>
-              <a:pPr/>
-              <a:t>14</a:t>
-            </a:fld>
-            <a:endParaRPr lang="en-US" dirty="0"/>
-          </a:p>
-        </p:txBody>
-      </p:sp>
-    </p:spTree>
-    <p:extLst>
-      <p:ext uri="{BB962C8B-B14F-4D97-AF65-F5344CB8AC3E}">
-        <p14:creationId xmlns:p14="http://schemas.microsoft.com/office/powerpoint/2010/main" val="1183019440"/>
-      </p:ext>
-    </p:extLst>
-  </p:cSld>
-  <p:clrMapOvr>
-    <a:masterClrMapping/>
-  </p:clrMapOvr>
 </p:sld>
 </file>
 
@@ -11319,7 +11166,7 @@
           <a:p>
             <a:r>
               <a:rPr lang="en-US" dirty="0"/>
-              <a:t>Minimizing Waste</a:t>
+              <a:t>Customer Feedback</a:t>
             </a:r>
           </a:p>
         </p:txBody>
@@ -11341,55 +11188,26 @@
           <a:p>
             <a:r>
               <a:rPr lang="en-US" dirty="0"/>
-              <a:t>Any activity that does not add value to the product or service.</a:t>
-            </a:r>
-          </a:p>
-          <a:p>
-            <a:r>
-              <a:rPr lang="en-US" dirty="0"/>
-              <a:t>Types of </a:t>
-            </a:r>
-            <a:r>
-              <a:rPr lang="en-US" dirty="0" smtClean="0"/>
-              <a:t>waste</a:t>
+              <a:t>Gathering insights and feedback from customers to validate assumptions and improve the product.</a:t>
+            </a:r>
+          </a:p>
+          <a:p>
+            <a:r>
+              <a:rPr lang="en-US" dirty="0"/>
+              <a:t>Key benefits</a:t>
             </a:r>
           </a:p>
           <a:p>
             <a:pPr lvl="1"/>
             <a:r>
-              <a:rPr lang="en-US" dirty="0" smtClean="0"/>
-              <a:t>Extra </a:t>
-            </a:r>
-            <a:r>
-              <a:rPr lang="en-US" dirty="0"/>
-              <a:t>processes, unnecessary features, excessive meetings, and unnecessary overhead.</a:t>
-            </a:r>
-          </a:p>
-          <a:p>
-            <a:r>
-              <a:rPr lang="en-US" dirty="0"/>
-              <a:t>Key </a:t>
-            </a:r>
-            <a:r>
-              <a:rPr lang="en-US" dirty="0" smtClean="0"/>
-              <a:t>benefits</a:t>
-            </a:r>
-          </a:p>
-          <a:p>
-            <a:pPr lvl="1"/>
-            <a:r>
-              <a:rPr lang="en-US" dirty="0" smtClean="0"/>
-              <a:t>Reduced </a:t>
-            </a:r>
-            <a:r>
-              <a:rPr lang="en-US" dirty="0"/>
-              <a:t>costs, increased efficiency, and faster time-to-market.</a:t>
-            </a:r>
-          </a:p>
-          <a:p>
-            <a:r>
-              <a:rPr lang="en-US" dirty="0"/>
-              <a:t>Example: Identifying and eliminating unnecessary steps in the development process.</a:t>
+              <a:rPr lang="en-US" dirty="0"/>
+              <a:t>Better alignment with customer needs, increased customer satisfaction, and improved product-market fit.</a:t>
+            </a:r>
+          </a:p>
+          <a:p>
+            <a:r>
+              <a:rPr lang="en-US" dirty="0"/>
+              <a:t>Example: User testing, customer interviews, and feedback sessions.</a:t>
             </a:r>
           </a:p>
         </p:txBody>
@@ -11421,20 +11239,13 @@
     </p:spTree>
     <p:extLst>
       <p:ext uri="{BB962C8B-B14F-4D97-AF65-F5344CB8AC3E}">
-        <p14:creationId xmlns:p14="http://schemas.microsoft.com/office/powerpoint/2010/main" val="3801868912"/>
+        <p14:creationId xmlns:p14="http://schemas.microsoft.com/office/powerpoint/2010/main" val="1183019440"/>
       </p:ext>
     </p:extLst>
   </p:cSld>
   <p:clrMapOvr>
     <a:masterClrMapping/>
   </p:clrMapOvr>
-  <p:timing>
-    <p:tnLst>
-      <p:par>
-        <p:cTn id="1" dur="indefinite" restart="never" nodeType="tmRoot"/>
-      </p:par>
-    </p:tnLst>
-  </p:timing>
 </p:sld>
 </file>
 
@@ -11472,7 +11283,61 @@
           <a:p>
             <a:r>
               <a:rPr lang="en-US" dirty="0"/>
-              <a:t>Agile Methodologies</a:t>
+              <a:t>Minimizing Waste</a:t>
+            </a:r>
+          </a:p>
+        </p:txBody>
+      </p:sp>
+      <p:sp>
+        <p:nvSpPr>
+          <p:cNvPr id="3" name="Content Placeholder 2"/>
+          <p:cNvSpPr>
+            <a:spLocks noGrp="1"/>
+          </p:cNvSpPr>
+          <p:nvPr>
+            <p:ph idx="1"/>
+          </p:nvPr>
+        </p:nvSpPr>
+        <p:spPr/>
+        <p:txBody>
+          <a:bodyPr/>
+          <a:lstStyle/>
+          <a:p>
+            <a:r>
+              <a:rPr lang="en-US" dirty="0"/>
+              <a:t>Any activity that does not add value to the product or service.</a:t>
+            </a:r>
+          </a:p>
+          <a:p>
+            <a:r>
+              <a:rPr lang="en-US" dirty="0"/>
+              <a:t>Types of waste</a:t>
+            </a:r>
+          </a:p>
+          <a:p>
+            <a:pPr lvl="1"/>
+            <a:r>
+              <a:rPr lang="en-US" dirty="0"/>
+              <a:t>Extra processes, unnecessary features, excessive meetings, and unnecessary overhead.</a:t>
+            </a:r>
+          </a:p>
+          <a:p>
+            <a:r>
+              <a:rPr lang="en-US" dirty="0"/>
+              <a:t>Key benefits</a:t>
+            </a:r>
+          </a:p>
+          <a:p>
+            <a:pPr lvl="1"/>
+            <a:r>
+              <a:rPr lang="en-US" dirty="0"/>
+              <a:t>Reduced costs, increased efficiency, and faster time-to-market.</a:t>
+            </a:r>
+          </a:p>
+          <a:p>
+            <a:r>
+              <a:rPr lang="en-US" dirty="0"/>
+              <a:t>Example: Identifying and eliminating unnecessary steps in the development process.</a:t>
             </a:r>
           </a:p>
         </p:txBody>
@@ -11496,6 +11361,82 @@
               <a:rPr lang="en-US" smtClean="0"/>
               <a:pPr/>
               <a:t>16</a:t>
+            </a:fld>
+            <a:endParaRPr lang="en-US" dirty="0"/>
+          </a:p>
+        </p:txBody>
+      </p:sp>
+    </p:spTree>
+    <p:extLst>
+      <p:ext uri="{BB962C8B-B14F-4D97-AF65-F5344CB8AC3E}">
+        <p14:creationId xmlns:p14="http://schemas.microsoft.com/office/powerpoint/2010/main" val="3801868912"/>
+      </p:ext>
+    </p:extLst>
+  </p:cSld>
+  <p:clrMapOvr>
+    <a:masterClrMapping/>
+  </p:clrMapOvr>
+</p:sld>
+</file>
+
+<file path=ppt/slides/slide17.xml><?xml version="1.0" encoding="utf-8"?>
+<p:sld xmlns:a="http://schemas.openxmlformats.org/drawingml/2006/main" xmlns:r="http://schemas.openxmlformats.org/officeDocument/2006/relationships" xmlns:p="http://schemas.openxmlformats.org/presentationml/2006/main">
+  <p:cSld>
+    <p:spTree>
+      <p:nvGrpSpPr>
+        <p:cNvPr id="1" name=""/>
+        <p:cNvGrpSpPr/>
+        <p:nvPr/>
+      </p:nvGrpSpPr>
+      <p:grpSpPr>
+        <a:xfrm>
+          <a:off x="0" y="0"/>
+          <a:ext cx="0" cy="0"/>
+          <a:chOff x="0" y="0"/>
+          <a:chExt cx="0" cy="0"/>
+        </a:xfrm>
+      </p:grpSpPr>
+      <p:sp>
+        <p:nvSpPr>
+          <p:cNvPr id="2" name="Title 1"/>
+          <p:cNvSpPr>
+            <a:spLocks noGrp="1"/>
+          </p:cNvSpPr>
+          <p:nvPr>
+            <p:ph type="title"/>
+          </p:nvPr>
+        </p:nvSpPr>
+        <p:spPr/>
+        <p:txBody>
+          <a:bodyPr/>
+          <a:lstStyle/>
+          <a:p>
+            <a:r>
+              <a:rPr lang="en-US" dirty="0"/>
+              <a:t>Agile Methodologies</a:t>
+            </a:r>
+          </a:p>
+        </p:txBody>
+      </p:sp>
+      <p:sp>
+        <p:nvSpPr>
+          <p:cNvPr id="4" name="Slide Number Placeholder 3"/>
+          <p:cNvSpPr>
+            <a:spLocks noGrp="1"/>
+          </p:cNvSpPr>
+          <p:nvPr>
+            <p:ph type="sldNum" sz="quarter" idx="12"/>
+          </p:nvPr>
+        </p:nvSpPr>
+        <p:spPr/>
+        <p:txBody>
+          <a:bodyPr/>
+          <a:lstStyle/>
+          <a:p>
+            <a:fld id="{B8DACC02-A2BD-4578-8E03-6D891060A695}" type="slidenum">
+              <a:rPr lang="en-US" smtClean="0"/>
+              <a:pPr/>
+              <a:t>17</a:t>
             </a:fld>
             <a:endParaRPr lang="en-US" dirty="0"/>
           </a:p>
@@ -11550,17 +11491,10 @@
   <p:clrMapOvr>
     <a:masterClrMapping/>
   </p:clrMapOvr>
-  <p:timing>
-    <p:tnLst>
-      <p:par>
-        <p:cTn id="1" dur="indefinite" restart="never" nodeType="tmRoot"/>
-      </p:par>
-    </p:tnLst>
-  </p:timing>
 </p:sld>
 </file>
 
-<file path=ppt/slides/slide17.xml><?xml version="1.0" encoding="utf-8"?>
+<file path=ppt/slides/slide18.xml><?xml version="1.0" encoding="utf-8"?>
 <p:sld xmlns:a="http://schemas.openxmlformats.org/drawingml/2006/main" xmlns:r="http://schemas.openxmlformats.org/officeDocument/2006/relationships" xmlns:p="http://schemas.openxmlformats.org/presentationml/2006/main">
   <p:cSld>
     <p:spTree>
@@ -11579,7 +11513,13 @@
       </p:grpSpPr>
       <p:sp>
         <p:nvSpPr>
-          <p:cNvPr id="2" name="Title 1"/>
+          <p:cNvPr id="2" name="Title 1">
+            <a:extLst>
+              <a:ext uri="{FF2B5EF4-FFF2-40B4-BE49-F238E27FC236}">
+                <a16:creationId xmlns:a16="http://schemas.microsoft.com/office/drawing/2014/main" id="{E999244C-B592-4F6F-8093-F60638715D1D}"/>
+              </a:ext>
+            </a:extLst>
+          </p:cNvPr>
           <p:cNvSpPr>
             <a:spLocks noGrp="1"/>
           </p:cNvSpPr>
@@ -11594,14 +11534,55 @@
           <a:p>
             <a:r>
               <a:rPr lang="en-US" dirty="0"/>
-              <a:t>Lean Principles</a:t>
-            </a:r>
-          </a:p>
-        </p:txBody>
-      </p:sp>
-      <p:sp>
-        <p:nvSpPr>
-          <p:cNvPr id="4" name="Slide Number Placeholder 3"/>
+              <a:t>Agile Teams</a:t>
+            </a:r>
+          </a:p>
+        </p:txBody>
+      </p:sp>
+      <p:pic>
+        <p:nvPicPr>
+          <p:cNvPr id="7" name="Content Placeholder 6">
+            <a:extLst>
+              <a:ext uri="{FF2B5EF4-FFF2-40B4-BE49-F238E27FC236}">
+                <a16:creationId xmlns:a16="http://schemas.microsoft.com/office/drawing/2014/main" id="{0FBBA06E-93EA-4904-A8F9-402A54377DEA}"/>
+              </a:ext>
+            </a:extLst>
+          </p:cNvPr>
+          <p:cNvPicPr>
+            <a:picLocks noGrp="1" noChangeAspect="1"/>
+          </p:cNvPicPr>
+          <p:nvPr>
+            <p:ph idx="1"/>
+          </p:nvPr>
+        </p:nvPicPr>
+        <p:blipFill>
+          <a:blip r:embed="rId2" cstate="print">
+            <a:extLst>
+              <a:ext uri="{28A0092B-C50C-407E-A947-70E740481C1C}">
+                <a14:useLocalDpi xmlns:a14="http://schemas.microsoft.com/office/drawing/2010/main" val="0"/>
+              </a:ext>
+            </a:extLst>
+          </a:blip>
+          <a:stretch>
+            <a:fillRect/>
+          </a:stretch>
+        </p:blipFill>
+        <p:spPr>
+          <a:xfrm>
+            <a:off x="3157902" y="1406525"/>
+            <a:ext cx="6030183" cy="4746625"/>
+          </a:xfrm>
+        </p:spPr>
+      </p:pic>
+      <p:sp>
+        <p:nvSpPr>
+          <p:cNvPr id="4" name="Slide Number Placeholder 3">
+            <a:extLst>
+              <a:ext uri="{FF2B5EF4-FFF2-40B4-BE49-F238E27FC236}">
+                <a16:creationId xmlns:a16="http://schemas.microsoft.com/office/drawing/2014/main" id="{944AA5B7-0F87-4611-ADD4-DC713A0736C4}"/>
+              </a:ext>
+            </a:extLst>
+          </p:cNvPr>
           <p:cNvSpPr>
             <a:spLocks noGrp="1"/>
           </p:cNvSpPr>
@@ -11617,7 +11598,83 @@
             <a:fld id="{B8DACC02-A2BD-4578-8E03-6D891060A695}" type="slidenum">
               <a:rPr lang="en-US" smtClean="0"/>
               <a:pPr/>
-              <a:t>17</a:t>
+              <a:t>18</a:t>
+            </a:fld>
+            <a:endParaRPr lang="en-US" dirty="0"/>
+          </a:p>
+        </p:txBody>
+      </p:sp>
+    </p:spTree>
+    <p:extLst>
+      <p:ext uri="{BB962C8B-B14F-4D97-AF65-F5344CB8AC3E}">
+        <p14:creationId xmlns:p14="http://schemas.microsoft.com/office/powerpoint/2010/main" val="3837016831"/>
+      </p:ext>
+    </p:extLst>
+  </p:cSld>
+  <p:clrMapOvr>
+    <a:masterClrMapping/>
+  </p:clrMapOvr>
+</p:sld>
+</file>
+
+<file path=ppt/slides/slide19.xml><?xml version="1.0" encoding="utf-8"?>
+<p:sld xmlns:a="http://schemas.openxmlformats.org/drawingml/2006/main" xmlns:r="http://schemas.openxmlformats.org/officeDocument/2006/relationships" xmlns:p="http://schemas.openxmlformats.org/presentationml/2006/main">
+  <p:cSld>
+    <p:spTree>
+      <p:nvGrpSpPr>
+        <p:cNvPr id="1" name=""/>
+        <p:cNvGrpSpPr/>
+        <p:nvPr/>
+      </p:nvGrpSpPr>
+      <p:grpSpPr>
+        <a:xfrm>
+          <a:off x="0" y="0"/>
+          <a:ext cx="0" cy="0"/>
+          <a:chOff x="0" y="0"/>
+          <a:chExt cx="0" cy="0"/>
+        </a:xfrm>
+      </p:grpSpPr>
+      <p:sp>
+        <p:nvSpPr>
+          <p:cNvPr id="2" name="Title 1"/>
+          <p:cNvSpPr>
+            <a:spLocks noGrp="1"/>
+          </p:cNvSpPr>
+          <p:nvPr>
+            <p:ph type="title"/>
+          </p:nvPr>
+        </p:nvSpPr>
+        <p:spPr/>
+        <p:txBody>
+          <a:bodyPr/>
+          <a:lstStyle/>
+          <a:p>
+            <a:r>
+              <a:rPr lang="en-US" dirty="0"/>
+              <a:t>Lean Principles</a:t>
+            </a:r>
+          </a:p>
+        </p:txBody>
+      </p:sp>
+      <p:sp>
+        <p:nvSpPr>
+          <p:cNvPr id="4" name="Slide Number Placeholder 3"/>
+          <p:cNvSpPr>
+            <a:spLocks noGrp="1"/>
+          </p:cNvSpPr>
+          <p:nvPr>
+            <p:ph type="sldNum" sz="quarter" idx="12"/>
+          </p:nvPr>
+        </p:nvSpPr>
+        <p:spPr/>
+        <p:txBody>
+          <a:bodyPr/>
+          <a:lstStyle/>
+          <a:p>
+            <a:fld id="{B8DACC02-A2BD-4578-8E03-6D891060A695}" type="slidenum">
+              <a:rPr lang="en-US" smtClean="0"/>
+              <a:pPr/>
+              <a:t>19</a:t>
             </a:fld>
             <a:endParaRPr lang="en-US" dirty="0"/>
           </a:p>
@@ -11677,220 +11734,6 @@
 </p:sld>
 </file>
 
-<file path=ppt/slides/slide18.xml><?xml version="1.0" encoding="utf-8"?>
-<p:sld xmlns:a="http://schemas.openxmlformats.org/drawingml/2006/main" xmlns:r="http://schemas.openxmlformats.org/officeDocument/2006/relationships" xmlns:p="http://schemas.openxmlformats.org/presentationml/2006/main">
-  <p:cSld>
-    <p:spTree>
-      <p:nvGrpSpPr>
-        <p:cNvPr id="1" name=""/>
-        <p:cNvGrpSpPr/>
-        <p:nvPr/>
-      </p:nvGrpSpPr>
-      <p:grpSpPr>
-        <a:xfrm>
-          <a:off x="0" y="0"/>
-          <a:ext cx="0" cy="0"/>
-          <a:chOff x="0" y="0"/>
-          <a:chExt cx="0" cy="0"/>
-        </a:xfrm>
-      </p:grpSpPr>
-      <p:sp>
-        <p:nvSpPr>
-          <p:cNvPr id="2" name="Title 1"/>
-          <p:cNvSpPr>
-            <a:spLocks noGrp="1"/>
-          </p:cNvSpPr>
-          <p:nvPr>
-            <p:ph type="title"/>
-          </p:nvPr>
-        </p:nvSpPr>
-        <p:spPr/>
-        <p:txBody>
-          <a:bodyPr/>
-          <a:lstStyle/>
-          <a:p>
-            <a:r>
-              <a:rPr lang="en-US" dirty="0"/>
-              <a:t>Implementing Agile and Lean Principles</a:t>
-            </a:r>
-          </a:p>
-        </p:txBody>
-      </p:sp>
-      <p:sp>
-        <p:nvSpPr>
-          <p:cNvPr id="3" name="Content Placeholder 2"/>
-          <p:cNvSpPr>
-            <a:spLocks noGrp="1"/>
-          </p:cNvSpPr>
-          <p:nvPr>
-            <p:ph idx="1"/>
-          </p:nvPr>
-        </p:nvSpPr>
-        <p:spPr/>
-        <p:txBody>
-          <a:bodyPr/>
-          <a:lstStyle/>
-          <a:p>
-            <a:r>
-              <a:rPr lang="en-US" dirty="0"/>
-              <a:t>Key </a:t>
-            </a:r>
-            <a:r>
-              <a:rPr lang="en-US" dirty="0" smtClean="0"/>
-              <a:t>strategies</a:t>
-            </a:r>
-          </a:p>
-          <a:p>
-            <a:pPr lvl="1"/>
-            <a:r>
-              <a:rPr lang="en-US" dirty="0" smtClean="0"/>
-              <a:t>Start </a:t>
-            </a:r>
-            <a:r>
-              <a:rPr lang="en-US" dirty="0"/>
-              <a:t>small, train the team, set clear goals, and continuously improve.</a:t>
-            </a:r>
-          </a:p>
-          <a:p>
-            <a:r>
-              <a:rPr lang="en-US" dirty="0"/>
-              <a:t>Importance of leadership buy-in and involvement.</a:t>
-            </a:r>
-          </a:p>
-        </p:txBody>
-      </p:sp>
-      <p:sp>
-        <p:nvSpPr>
-          <p:cNvPr id="4" name="Slide Number Placeholder 3"/>
-          <p:cNvSpPr>
-            <a:spLocks noGrp="1"/>
-          </p:cNvSpPr>
-          <p:nvPr>
-            <p:ph type="sldNum" sz="quarter" idx="12"/>
-          </p:nvPr>
-        </p:nvSpPr>
-        <p:spPr/>
-        <p:txBody>
-          <a:bodyPr/>
-          <a:lstStyle/>
-          <a:p>
-            <a:fld id="{B8DACC02-A2BD-4578-8E03-6D891060A695}" type="slidenum">
-              <a:rPr lang="en-US" smtClean="0"/>
-              <a:pPr/>
-              <a:t>18</a:t>
-            </a:fld>
-            <a:endParaRPr lang="en-US" dirty="0"/>
-          </a:p>
-        </p:txBody>
-      </p:sp>
-    </p:spTree>
-    <p:extLst>
-      <p:ext uri="{BB962C8B-B14F-4D97-AF65-F5344CB8AC3E}">
-        <p14:creationId xmlns:p14="http://schemas.microsoft.com/office/powerpoint/2010/main" val="3464006157"/>
-      </p:ext>
-    </p:extLst>
-  </p:cSld>
-  <p:clrMapOvr>
-    <a:masterClrMapping/>
-  </p:clrMapOvr>
-</p:sld>
-</file>
-
-<file path=ppt/slides/slide19.xml><?xml version="1.0" encoding="utf-8"?>
-<p:sld xmlns:a="http://schemas.openxmlformats.org/drawingml/2006/main" xmlns:r="http://schemas.openxmlformats.org/officeDocument/2006/relationships" xmlns:p="http://schemas.openxmlformats.org/presentationml/2006/main">
-  <p:cSld>
-    <p:spTree>
-      <p:nvGrpSpPr>
-        <p:cNvPr id="1" name=""/>
-        <p:cNvGrpSpPr/>
-        <p:nvPr/>
-      </p:nvGrpSpPr>
-      <p:grpSpPr>
-        <a:xfrm>
-          <a:off x="0" y="0"/>
-          <a:ext cx="0" cy="0"/>
-          <a:chOff x="0" y="0"/>
-          <a:chExt cx="0" cy="0"/>
-        </a:xfrm>
-      </p:grpSpPr>
-      <p:sp>
-        <p:nvSpPr>
-          <p:cNvPr id="5" name="Title 4"/>
-          <p:cNvSpPr>
-            <a:spLocks noGrp="1"/>
-          </p:cNvSpPr>
-          <p:nvPr>
-            <p:ph type="title"/>
-          </p:nvPr>
-        </p:nvSpPr>
-        <p:spPr/>
-        <p:txBody>
-          <a:bodyPr/>
-          <a:lstStyle/>
-          <a:p>
-            <a:r>
-              <a:rPr lang="en-US" dirty="0"/>
-              <a:t>Prototyping and Testing</a:t>
-            </a:r>
-          </a:p>
-        </p:txBody>
-      </p:sp>
-      <p:sp>
-        <p:nvSpPr>
-          <p:cNvPr id="6" name="Text Placeholder 5"/>
-          <p:cNvSpPr>
-            <a:spLocks noGrp="1"/>
-          </p:cNvSpPr>
-          <p:nvPr>
-            <p:ph type="body" idx="1"/>
-          </p:nvPr>
-        </p:nvSpPr>
-        <p:spPr/>
-        <p:txBody>
-          <a:bodyPr/>
-          <a:lstStyle/>
-          <a:p>
-            <a:endParaRPr lang="en-US"/>
-          </a:p>
-        </p:txBody>
-      </p:sp>
-      <p:sp>
-        <p:nvSpPr>
-          <p:cNvPr id="4" name="Slide Number Placeholder 3"/>
-          <p:cNvSpPr>
-            <a:spLocks noGrp="1"/>
-          </p:cNvSpPr>
-          <p:nvPr>
-            <p:ph type="sldNum" sz="quarter" idx="12"/>
-          </p:nvPr>
-        </p:nvSpPr>
-        <p:spPr/>
-        <p:txBody>
-          <a:bodyPr/>
-          <a:lstStyle/>
-          <a:p>
-            <a:fld id="{B8DACC02-A2BD-4578-8E03-6D891060A695}" type="slidenum">
-              <a:rPr lang="en-US" smtClean="0"/>
-              <a:pPr/>
-              <a:t>19</a:t>
-            </a:fld>
-            <a:endParaRPr lang="en-US" dirty="0"/>
-          </a:p>
-        </p:txBody>
-      </p:sp>
-    </p:spTree>
-    <p:extLst>
-      <p:ext uri="{BB962C8B-B14F-4D97-AF65-F5344CB8AC3E}">
-        <p14:creationId xmlns:p14="http://schemas.microsoft.com/office/powerpoint/2010/main" val="1005745965"/>
-      </p:ext>
-    </p:extLst>
-  </p:cSld>
-  <p:clrMapOvr>
-    <a:masterClrMapping/>
-  </p:clrMapOvr>
-</p:sld>
-</file>
-
 <file path=ppt/slides/slide2.xml><?xml version="1.0" encoding="utf-8"?>
 <p:sld xmlns:a="http://schemas.openxmlformats.org/drawingml/2006/main" xmlns:r="http://schemas.openxmlformats.org/officeDocument/2006/relationships" xmlns:p="http://schemas.openxmlformats.org/presentationml/2006/main">
   <p:cSld>
@@ -11924,10 +11767,9 @@
           <a:lstStyle/>
           <a:p>
             <a:r>
-              <a:rPr lang="en-US" dirty="0" smtClean="0"/>
+              <a:rPr lang="en-US" dirty="0"/>
               <a:t>Outline</a:t>
             </a:r>
-            <a:endParaRPr lang="en-US" dirty="0"/>
           </a:p>
         </p:txBody>
       </p:sp>
@@ -11947,33 +11789,25 @@
           <a:lstStyle/>
           <a:p>
             <a:r>
-              <a:rPr lang="en-US" dirty="0" smtClean="0"/>
+              <a:rPr lang="en-US" dirty="0"/>
               <a:t>Overview</a:t>
             </a:r>
           </a:p>
           <a:p>
             <a:r>
               <a:rPr lang="en-US" dirty="0"/>
-              <a:t>Agile and Lean </a:t>
-            </a:r>
-            <a:r>
-              <a:rPr lang="en-US" dirty="0" smtClean="0"/>
-              <a:t>Principles</a:t>
-            </a:r>
-          </a:p>
-          <a:p>
-            <a:r>
-              <a:rPr lang="en-US" dirty="0"/>
-              <a:t>Prototyping and </a:t>
-            </a:r>
-            <a:r>
-              <a:rPr lang="en-US" dirty="0" smtClean="0"/>
-              <a:t>Testing</a:t>
-            </a:r>
-          </a:p>
-          <a:p>
-            <a:r>
-              <a:rPr lang="en-US" dirty="0" smtClean="0"/>
+              <a:t>Agile and Lean Principles</a:t>
+            </a:r>
+          </a:p>
+          <a:p>
+            <a:r>
+              <a:rPr lang="en-US" dirty="0"/>
+              <a:t>Prototyping and Testing</a:t>
+            </a:r>
+          </a:p>
+          <a:p>
+            <a:r>
+              <a:rPr lang="en-US" dirty="0"/>
               <a:t>DevOps</a:t>
             </a:r>
           </a:p>
@@ -11982,14 +11816,12 @@
               <a:rPr lang="en-US" dirty="0"/>
               <a:t>Cloud-based Development and Containerization</a:t>
             </a:r>
-            <a:endParaRPr lang="en-US" dirty="0" smtClean="0"/>
           </a:p>
           <a:p>
             <a:r>
               <a:rPr lang="en-US" dirty="0"/>
               <a:t>MVP and Customer Feedback</a:t>
             </a:r>
-            <a:endParaRPr lang="en-US" dirty="0"/>
           </a:p>
         </p:txBody>
       </p:sp>
@@ -12049,7 +11881,13 @@
       </p:grpSpPr>
       <p:sp>
         <p:nvSpPr>
-          <p:cNvPr id="2" name="Title 1"/>
+          <p:cNvPr id="2" name="Title 1">
+            <a:extLst>
+              <a:ext uri="{FF2B5EF4-FFF2-40B4-BE49-F238E27FC236}">
+                <a16:creationId xmlns:a16="http://schemas.microsoft.com/office/drawing/2014/main" id="{E78F36BD-4748-429E-AE20-F708DB8F1B01}"/>
+              </a:ext>
+            </a:extLst>
+          </p:cNvPr>
           <p:cNvSpPr>
             <a:spLocks noGrp="1"/>
           </p:cNvSpPr>
@@ -12064,14 +11902,20 @@
           <a:p>
             <a:r>
               <a:rPr lang="en-US" dirty="0"/>
-              <a:t>Understanding the Importance of Prototyping</a:t>
-            </a:r>
-          </a:p>
-        </p:txBody>
-      </p:sp>
-      <p:sp>
-        <p:nvSpPr>
-          <p:cNvPr id="3" name="Content Placeholder 2"/>
+              <a:t>Lean Teams</a:t>
+            </a:r>
+          </a:p>
+        </p:txBody>
+      </p:sp>
+      <p:sp>
+        <p:nvSpPr>
+          <p:cNvPr id="3" name="Content Placeholder 2">
+            <a:extLst>
+              <a:ext uri="{FF2B5EF4-FFF2-40B4-BE49-F238E27FC236}">
+                <a16:creationId xmlns:a16="http://schemas.microsoft.com/office/drawing/2014/main" id="{D24C7487-E719-4DEB-97D8-50247FD3A82D}"/>
+              </a:ext>
+            </a:extLst>
+          </p:cNvPr>
           <p:cNvSpPr>
             <a:spLocks noGrp="1"/>
           </p:cNvSpPr>
@@ -12084,26 +11928,19 @@
           <a:bodyPr/>
           <a:lstStyle/>
           <a:p>
-            <a:r>
-              <a:rPr lang="en-US" dirty="0"/>
-              <a:t>A preliminary version of a product or service that is used to test and validate assumptions.</a:t>
-            </a:r>
-          </a:p>
-          <a:p>
-            <a:r>
-              <a:rPr lang="en-US" dirty="0" smtClean="0"/>
-              <a:t>Allows </a:t>
-            </a:r>
-            <a:r>
-              <a:rPr lang="en-US" dirty="0"/>
-              <a:t>for early detection of errors, gathers feedback from users, and reduces the risk of investing in a faulty product.</a:t>
-            </a:r>
-          </a:p>
-        </p:txBody>
-      </p:sp>
-      <p:sp>
-        <p:nvSpPr>
-          <p:cNvPr id="4" name="Slide Number Placeholder 3"/>
+            <a:endParaRPr lang="en-US"/>
+          </a:p>
+        </p:txBody>
+      </p:sp>
+      <p:sp>
+        <p:nvSpPr>
+          <p:cNvPr id="4" name="Slide Number Placeholder 3">
+            <a:extLst>
+              <a:ext uri="{FF2B5EF4-FFF2-40B4-BE49-F238E27FC236}">
+                <a16:creationId xmlns:a16="http://schemas.microsoft.com/office/drawing/2014/main" id="{3A8AF7A2-9739-4992-9980-394AF0945FEB}"/>
+              </a:ext>
+            </a:extLst>
+          </p:cNvPr>
           <p:cNvSpPr>
             <a:spLocks noGrp="1"/>
           </p:cNvSpPr>
@@ -12120,6 +11957,382 @@
               <a:rPr lang="en-US" smtClean="0"/>
               <a:pPr/>
               <a:t>20</a:t>
+            </a:fld>
+            <a:endParaRPr lang="en-US" dirty="0"/>
+          </a:p>
+        </p:txBody>
+      </p:sp>
+      <p:pic>
+        <p:nvPicPr>
+          <p:cNvPr id="1030" name="Picture 6" descr="Principles+of+Lean+Manufacturing+2.webp [webp-to-png output image]">
+            <a:extLst>
+              <a:ext uri="{FF2B5EF4-FFF2-40B4-BE49-F238E27FC236}">
+                <a16:creationId xmlns:a16="http://schemas.microsoft.com/office/drawing/2014/main" id="{2F083D90-9C1C-44EE-9225-DF6F81AE1D3B}"/>
+              </a:ext>
+            </a:extLst>
+          </p:cNvPr>
+          <p:cNvPicPr>
+            <a:picLocks noChangeAspect="1" noChangeArrowheads="1"/>
+          </p:cNvPicPr>
+          <p:nvPr/>
+        </p:nvPicPr>
+        <p:blipFill rotWithShape="1">
+          <a:blip r:embed="rId2">
+            <a:extLst>
+              <a:ext uri="{28A0092B-C50C-407E-A947-70E740481C1C}">
+                <a14:useLocalDpi xmlns:a14="http://schemas.microsoft.com/office/drawing/2010/main" val="0"/>
+              </a:ext>
+            </a:extLst>
+          </a:blip>
+          <a:srcRect b="8694"/>
+          <a:stretch/>
+        </p:blipFill>
+        <p:spPr bwMode="auto">
+          <a:xfrm>
+            <a:off x="2705809" y="1823121"/>
+            <a:ext cx="6934200" cy="3913608"/>
+          </a:xfrm>
+          <a:prstGeom prst="rect">
+            <a:avLst/>
+          </a:prstGeom>
+          <a:noFill/>
+          <a:extLst>
+            <a:ext uri="{909E8E84-426E-40DD-AFC4-6F175D3DCCD1}">
+              <a14:hiddenFill xmlns:a14="http://schemas.microsoft.com/office/drawing/2010/main">
+                <a:solidFill>
+                  <a:srgbClr val="FFFFFF"/>
+                </a:solidFill>
+              </a14:hiddenFill>
+            </a:ext>
+          </a:extLst>
+        </p:spPr>
+      </p:pic>
+    </p:spTree>
+    <p:extLst>
+      <p:ext uri="{BB962C8B-B14F-4D97-AF65-F5344CB8AC3E}">
+        <p14:creationId xmlns:p14="http://schemas.microsoft.com/office/powerpoint/2010/main" val="1272234141"/>
+      </p:ext>
+    </p:extLst>
+  </p:cSld>
+  <p:clrMapOvr>
+    <a:masterClrMapping/>
+  </p:clrMapOvr>
+</p:sld>
+</file>
+
+<file path=ppt/slides/slide21.xml><?xml version="1.0" encoding="utf-8"?>
+<p:sld xmlns:a="http://schemas.openxmlformats.org/drawingml/2006/main" xmlns:r="http://schemas.openxmlformats.org/officeDocument/2006/relationships" xmlns:p="http://schemas.openxmlformats.org/presentationml/2006/main">
+  <p:cSld>
+    <p:spTree>
+      <p:nvGrpSpPr>
+        <p:cNvPr id="1" name=""/>
+        <p:cNvGrpSpPr/>
+        <p:nvPr/>
+      </p:nvGrpSpPr>
+      <p:grpSpPr>
+        <a:xfrm>
+          <a:off x="0" y="0"/>
+          <a:ext cx="0" cy="0"/>
+          <a:chOff x="0" y="0"/>
+          <a:chExt cx="0" cy="0"/>
+        </a:xfrm>
+      </p:grpSpPr>
+      <p:sp>
+        <p:nvSpPr>
+          <p:cNvPr id="2" name="Title 1"/>
+          <p:cNvSpPr>
+            <a:spLocks noGrp="1"/>
+          </p:cNvSpPr>
+          <p:nvPr>
+            <p:ph type="title"/>
+          </p:nvPr>
+        </p:nvSpPr>
+        <p:spPr/>
+        <p:txBody>
+          <a:bodyPr/>
+          <a:lstStyle/>
+          <a:p>
+            <a:r>
+              <a:rPr lang="en-US" dirty="0"/>
+              <a:t>Implementing Agile and Lean Principles</a:t>
+            </a:r>
+          </a:p>
+        </p:txBody>
+      </p:sp>
+      <p:sp>
+        <p:nvSpPr>
+          <p:cNvPr id="3" name="Content Placeholder 2"/>
+          <p:cNvSpPr>
+            <a:spLocks noGrp="1"/>
+          </p:cNvSpPr>
+          <p:nvPr>
+            <p:ph idx="1"/>
+          </p:nvPr>
+        </p:nvSpPr>
+        <p:spPr/>
+        <p:txBody>
+          <a:bodyPr/>
+          <a:lstStyle/>
+          <a:p>
+            <a:r>
+              <a:rPr lang="en-US" dirty="0"/>
+              <a:t>Key strategies</a:t>
+            </a:r>
+          </a:p>
+          <a:p>
+            <a:pPr lvl="1"/>
+            <a:r>
+              <a:rPr lang="en-US" dirty="0"/>
+              <a:t>Start small</a:t>
+            </a:r>
+          </a:p>
+          <a:p>
+            <a:pPr lvl="1"/>
+            <a:r>
+              <a:rPr lang="en-US" dirty="0"/>
+              <a:t>train the team</a:t>
+            </a:r>
+          </a:p>
+          <a:p>
+            <a:pPr lvl="1"/>
+            <a:r>
+              <a:rPr lang="en-US" dirty="0"/>
+              <a:t>set clear goals, and </a:t>
+            </a:r>
+          </a:p>
+          <a:p>
+            <a:pPr lvl="1"/>
+            <a:r>
+              <a:rPr lang="en-US" dirty="0"/>
+              <a:t>continuously improve.</a:t>
+            </a:r>
+          </a:p>
+          <a:p>
+            <a:r>
+              <a:rPr lang="en-US" dirty="0"/>
+              <a:t>Importance of leadership buy-in and involvement.</a:t>
+            </a:r>
+          </a:p>
+        </p:txBody>
+      </p:sp>
+      <p:sp>
+        <p:nvSpPr>
+          <p:cNvPr id="4" name="Slide Number Placeholder 3"/>
+          <p:cNvSpPr>
+            <a:spLocks noGrp="1"/>
+          </p:cNvSpPr>
+          <p:nvPr>
+            <p:ph type="sldNum" sz="quarter" idx="12"/>
+          </p:nvPr>
+        </p:nvSpPr>
+        <p:spPr/>
+        <p:txBody>
+          <a:bodyPr/>
+          <a:lstStyle/>
+          <a:p>
+            <a:fld id="{B8DACC02-A2BD-4578-8E03-6D891060A695}" type="slidenum">
+              <a:rPr lang="en-US" smtClean="0"/>
+              <a:pPr/>
+              <a:t>21</a:t>
+            </a:fld>
+            <a:endParaRPr lang="en-US" dirty="0"/>
+          </a:p>
+        </p:txBody>
+      </p:sp>
+    </p:spTree>
+    <p:extLst>
+      <p:ext uri="{BB962C8B-B14F-4D97-AF65-F5344CB8AC3E}">
+        <p14:creationId xmlns:p14="http://schemas.microsoft.com/office/powerpoint/2010/main" val="3464006157"/>
+      </p:ext>
+    </p:extLst>
+  </p:cSld>
+  <p:clrMapOvr>
+    <a:masterClrMapping/>
+  </p:clrMapOvr>
+</p:sld>
+</file>
+
+<file path=ppt/slides/slide22.xml><?xml version="1.0" encoding="utf-8"?>
+<p:sld xmlns:a="http://schemas.openxmlformats.org/drawingml/2006/main" xmlns:r="http://schemas.openxmlformats.org/officeDocument/2006/relationships" xmlns:p="http://schemas.openxmlformats.org/presentationml/2006/main">
+  <p:cSld>
+    <p:spTree>
+      <p:nvGrpSpPr>
+        <p:cNvPr id="1" name=""/>
+        <p:cNvGrpSpPr/>
+        <p:nvPr/>
+      </p:nvGrpSpPr>
+      <p:grpSpPr>
+        <a:xfrm>
+          <a:off x="0" y="0"/>
+          <a:ext cx="0" cy="0"/>
+          <a:chOff x="0" y="0"/>
+          <a:chExt cx="0" cy="0"/>
+        </a:xfrm>
+      </p:grpSpPr>
+      <p:sp>
+        <p:nvSpPr>
+          <p:cNvPr id="5" name="Title 4"/>
+          <p:cNvSpPr>
+            <a:spLocks noGrp="1"/>
+          </p:cNvSpPr>
+          <p:nvPr>
+            <p:ph type="title"/>
+          </p:nvPr>
+        </p:nvSpPr>
+        <p:spPr/>
+        <p:txBody>
+          <a:bodyPr/>
+          <a:lstStyle/>
+          <a:p>
+            <a:r>
+              <a:rPr lang="en-US" dirty="0"/>
+              <a:t>Prototyping and Testing</a:t>
+            </a:r>
+          </a:p>
+        </p:txBody>
+      </p:sp>
+      <p:sp>
+        <p:nvSpPr>
+          <p:cNvPr id="6" name="Text Placeholder 5"/>
+          <p:cNvSpPr>
+            <a:spLocks noGrp="1"/>
+          </p:cNvSpPr>
+          <p:nvPr>
+            <p:ph type="body" idx="1"/>
+          </p:nvPr>
+        </p:nvSpPr>
+        <p:spPr/>
+        <p:txBody>
+          <a:bodyPr/>
+          <a:lstStyle/>
+          <a:p>
+            <a:endParaRPr lang="en-US"/>
+          </a:p>
+        </p:txBody>
+      </p:sp>
+      <p:sp>
+        <p:nvSpPr>
+          <p:cNvPr id="4" name="Slide Number Placeholder 3"/>
+          <p:cNvSpPr>
+            <a:spLocks noGrp="1"/>
+          </p:cNvSpPr>
+          <p:nvPr>
+            <p:ph type="sldNum" sz="quarter" idx="12"/>
+          </p:nvPr>
+        </p:nvSpPr>
+        <p:spPr/>
+        <p:txBody>
+          <a:bodyPr/>
+          <a:lstStyle/>
+          <a:p>
+            <a:fld id="{B8DACC02-A2BD-4578-8E03-6D891060A695}" type="slidenum">
+              <a:rPr lang="en-US" smtClean="0"/>
+              <a:pPr/>
+              <a:t>22</a:t>
+            </a:fld>
+            <a:endParaRPr lang="en-US" dirty="0"/>
+          </a:p>
+        </p:txBody>
+      </p:sp>
+    </p:spTree>
+    <p:extLst>
+      <p:ext uri="{BB962C8B-B14F-4D97-AF65-F5344CB8AC3E}">
+        <p14:creationId xmlns:p14="http://schemas.microsoft.com/office/powerpoint/2010/main" val="1005745965"/>
+      </p:ext>
+    </p:extLst>
+  </p:cSld>
+  <p:clrMapOvr>
+    <a:masterClrMapping/>
+  </p:clrMapOvr>
+</p:sld>
+</file>
+
+<file path=ppt/slides/slide23.xml><?xml version="1.0" encoding="utf-8"?>
+<p:sld xmlns:a="http://schemas.openxmlformats.org/drawingml/2006/main" xmlns:r="http://schemas.openxmlformats.org/officeDocument/2006/relationships" xmlns:p="http://schemas.openxmlformats.org/presentationml/2006/main">
+  <p:cSld>
+    <p:spTree>
+      <p:nvGrpSpPr>
+        <p:cNvPr id="1" name=""/>
+        <p:cNvGrpSpPr/>
+        <p:nvPr/>
+      </p:nvGrpSpPr>
+      <p:grpSpPr>
+        <a:xfrm>
+          <a:off x="0" y="0"/>
+          <a:ext cx="0" cy="0"/>
+          <a:chOff x="0" y="0"/>
+          <a:chExt cx="0" cy="0"/>
+        </a:xfrm>
+      </p:grpSpPr>
+      <p:sp>
+        <p:nvSpPr>
+          <p:cNvPr id="2" name="Title 1"/>
+          <p:cNvSpPr>
+            <a:spLocks noGrp="1"/>
+          </p:cNvSpPr>
+          <p:nvPr>
+            <p:ph type="title"/>
+          </p:nvPr>
+        </p:nvSpPr>
+        <p:spPr/>
+        <p:txBody>
+          <a:bodyPr/>
+          <a:lstStyle/>
+          <a:p>
+            <a:r>
+              <a:rPr lang="en-US" dirty="0"/>
+              <a:t>Understanding the Importance of Prototyping</a:t>
+            </a:r>
+          </a:p>
+        </p:txBody>
+      </p:sp>
+      <p:sp>
+        <p:nvSpPr>
+          <p:cNvPr id="3" name="Content Placeholder 2"/>
+          <p:cNvSpPr>
+            <a:spLocks noGrp="1"/>
+          </p:cNvSpPr>
+          <p:nvPr>
+            <p:ph idx="1"/>
+          </p:nvPr>
+        </p:nvSpPr>
+        <p:spPr/>
+        <p:txBody>
+          <a:bodyPr/>
+          <a:lstStyle/>
+          <a:p>
+            <a:r>
+              <a:rPr lang="en-US" dirty="0"/>
+              <a:t>A preliminary version of a product or service that is used to test and validate assumptions.</a:t>
+            </a:r>
+          </a:p>
+          <a:p>
+            <a:r>
+              <a:rPr lang="en-US" dirty="0"/>
+              <a:t>Allows for early detection of errors, gathers feedback from users, and reduces the risk of investing in a faulty product.</a:t>
+            </a:r>
+          </a:p>
+        </p:txBody>
+      </p:sp>
+      <p:sp>
+        <p:nvSpPr>
+          <p:cNvPr id="4" name="Slide Number Placeholder 3"/>
+          <p:cNvSpPr>
+            <a:spLocks noGrp="1"/>
+          </p:cNvSpPr>
+          <p:nvPr>
+            <p:ph type="sldNum" sz="quarter" idx="12"/>
+          </p:nvPr>
+        </p:nvSpPr>
+        <p:spPr/>
+        <p:txBody>
+          <a:bodyPr/>
+          <a:lstStyle/>
+          <a:p>
+            <a:fld id="{B8DACC02-A2BD-4578-8E03-6D891060A695}" type="slidenum">
+              <a:rPr lang="en-US" smtClean="0"/>
+              <a:pPr/>
+              <a:t>23</a:t>
             </a:fld>
             <a:endParaRPr lang="en-US" dirty="0"/>
           </a:p>
@@ -12177,7 +12390,7 @@
 </p:sld>
 </file>
 
-<file path=ppt/slides/slide21.xml><?xml version="1.0" encoding="utf-8"?>
+<file path=ppt/slides/slide24.xml><?xml version="1.0" encoding="utf-8"?>
 <p:sld xmlns:a="http://schemas.openxmlformats.org/drawingml/2006/main" xmlns:r="http://schemas.openxmlformats.org/officeDocument/2006/relationships" xmlns:p="http://schemas.openxmlformats.org/presentationml/2006/main">
   <p:cSld>
     <p:spTree>
@@ -12253,7 +12466,7 @@
             <a:fld id="{B8DACC02-A2BD-4578-8E03-6D891060A695}" type="slidenum">
               <a:rPr lang="en-US" smtClean="0"/>
               <a:pPr/>
-              <a:t>21</a:t>
+              <a:t>24</a:t>
             </a:fld>
             <a:endParaRPr lang="en-US" dirty="0"/>
           </a:p>
@@ -12313,7 +12526,7 @@
 </p:sld>
 </file>
 
-<file path=ppt/slides/slide22.xml><?xml version="1.0" encoding="utf-8"?>
+<file path=ppt/slides/slide25.xml><?xml version="1.0" encoding="utf-8"?>
 <p:sld xmlns:a="http://schemas.openxmlformats.org/drawingml/2006/main" xmlns:r="http://schemas.openxmlformats.org/officeDocument/2006/relationships" xmlns:p="http://schemas.openxmlformats.org/presentationml/2006/main">
   <p:cSld>
     <p:spTree>
@@ -12362,7 +12575,7 @@
             <p:ph idx="1"/>
             <p:extLst>
               <p:ext uri="{D42A27DB-BD31-4B8C-83A1-F6EECF244321}">
-                <p14:modId xmlns:p14="http://schemas.microsoft.com/office/powerpoint/2010/main" val="3850919574"/>
+                <p14:modId xmlns:p14="http://schemas.microsoft.com/office/powerpoint/2010/main" val="953131307"/>
               </p:ext>
             </p:extLst>
           </p:nvPr>
@@ -12395,7 +12608,7 @@
             <a:fld id="{B8DACC02-A2BD-4578-8E03-6D891060A695}" type="slidenum">
               <a:rPr lang="en-US" smtClean="0"/>
               <a:pPr/>
-              <a:t>22</a:t>
+              <a:t>25</a:t>
             </a:fld>
             <a:endParaRPr lang="en-US" dirty="0"/>
           </a:p>
@@ -12414,7 +12627,7 @@
 </p:sld>
 </file>
 
-<file path=ppt/slides/slide23.xml><?xml version="1.0" encoding="utf-8"?>
+<file path=ppt/slides/slide26.xml><?xml version="1.0" encoding="utf-8"?>
 <p:sld xmlns:a="http://schemas.openxmlformats.org/drawingml/2006/main" xmlns:r="http://schemas.openxmlformats.org/officeDocument/2006/relationships" xmlns:p="http://schemas.openxmlformats.org/presentationml/2006/main">
   <p:cSld>
     <p:spTree>
@@ -12469,32 +12682,20 @@
           <a:lstStyle/>
           <a:p>
             <a:r>
-              <a:rPr lang="en-US" dirty="0" smtClean="0"/>
-              <a:t>Identifies </a:t>
-            </a:r>
-            <a:r>
-              <a:rPr lang="en-US" dirty="0"/>
-              <a:t>usability issues, validates assumptions, and provides valuable feedback.</a:t>
-            </a:r>
-          </a:p>
-          <a:p>
-            <a:r>
-              <a:rPr lang="en-US" dirty="0" smtClean="0"/>
-              <a:t>Recruiting </a:t>
-            </a:r>
-            <a:r>
-              <a:rPr lang="en-US" dirty="0"/>
-              <a:t>users, creating test scenarios, and setting up equipment.</a:t>
-            </a:r>
-          </a:p>
-          <a:p>
-            <a:r>
-              <a:rPr lang="en-US" dirty="0" smtClean="0"/>
-              <a:t>Observing </a:t>
-            </a:r>
-            <a:r>
-              <a:rPr lang="en-US" dirty="0"/>
-              <a:t>users, asking questions, and gathering feedback.</a:t>
+              <a:rPr lang="en-US" dirty="0"/>
+              <a:t>Identifies usability issues, validates assumptions, and provides valuable feedback.</a:t>
+            </a:r>
+          </a:p>
+          <a:p>
+            <a:r>
+              <a:rPr lang="en-US" dirty="0"/>
+              <a:t>Recruiting users, creating test scenarios, and setting up equipment.</a:t>
+            </a:r>
+          </a:p>
+          <a:p>
+            <a:r>
+              <a:rPr lang="en-US" dirty="0"/>
+              <a:t>Observing users, asking questions, and gathering feedback.</a:t>
             </a:r>
           </a:p>
         </p:txBody>
@@ -12517,7 +12718,7 @@
             <a:fld id="{B8DACC02-A2BD-4578-8E03-6D891060A695}" type="slidenum">
               <a:rPr lang="en-US" smtClean="0"/>
               <a:pPr/>
-              <a:t>23</a:t>
+              <a:t>26</a:t>
             </a:fld>
             <a:endParaRPr lang="en-US" dirty="0"/>
           </a:p>
@@ -12577,7 +12778,7 @@
 </p:sld>
 </file>
 
-<file path=ppt/slides/slide24.xml><?xml version="1.0" encoding="utf-8"?>
+<file path=ppt/slides/slide27.xml><?xml version="1.0" encoding="utf-8"?>
 <p:sld xmlns:a="http://schemas.openxmlformats.org/drawingml/2006/main" xmlns:r="http://schemas.openxmlformats.org/officeDocument/2006/relationships" xmlns:p="http://schemas.openxmlformats.org/presentationml/2006/main">
   <p:cSld>
     <p:spTree>
@@ -12611,13 +12812,8 @@
           <a:p>
             <a:r>
               <a:rPr lang="en-US" dirty="0"/>
-              <a:t>A/B </a:t>
-            </a:r>
-            <a:r>
-              <a:rPr lang="en-US" dirty="0" smtClean="0"/>
-              <a:t>Testing</a:t>
-            </a:r>
-            <a:endParaRPr lang="en-US" dirty="0"/>
+              <a:t>A/B Testing</a:t>
+            </a:r>
           </a:p>
         </p:txBody>
       </p:sp>
@@ -12643,22 +12839,14 @@
           </a:p>
           <a:p>
             <a:r>
-              <a:rPr lang="en-US" dirty="0" smtClean="0"/>
-              <a:t>Identifies </a:t>
-            </a:r>
-            <a:r>
-              <a:rPr lang="en-US" dirty="0"/>
-              <a:t>which version performs better, validates assumptions, and provides valuable feedback.</a:t>
-            </a:r>
-          </a:p>
-          <a:p>
-            <a:r>
-              <a:rPr lang="en-US" dirty="0" smtClean="0"/>
-              <a:t>Defining </a:t>
-            </a:r>
-            <a:r>
-              <a:rPr lang="en-US" dirty="0"/>
-              <a:t>the test scope, creating test variants, and setting up tracking and analysis tools.</a:t>
+              <a:rPr lang="en-US" dirty="0"/>
+              <a:t>Identifies which version performs better, validates assumptions, and provides valuable feedback.</a:t>
+            </a:r>
+          </a:p>
+          <a:p>
+            <a:r>
+              <a:rPr lang="en-US" dirty="0"/>
+              <a:t>Defining the test scope, creating test variants, and setting up tracking and analysis tools.</a:t>
             </a:r>
           </a:p>
         </p:txBody>
@@ -12681,7 +12869,7 @@
             <a:fld id="{B8DACC02-A2BD-4578-8E03-6D891060A695}" type="slidenum">
               <a:rPr lang="en-US" smtClean="0"/>
               <a:pPr/>
-              <a:t>24</a:t>
+              <a:t>27</a:t>
             </a:fld>
             <a:endParaRPr lang="en-US" dirty="0"/>
           </a:p>
@@ -12736,17 +12924,10 @@
   <p:clrMapOvr>
     <a:masterClrMapping/>
   </p:clrMapOvr>
-  <p:timing>
-    <p:tnLst>
-      <p:par>
-        <p:cTn id="1" dur="indefinite" restart="never" nodeType="tmRoot"/>
-      </p:par>
-    </p:tnLst>
-  </p:timing>
 </p:sld>
 </file>
 
-<file path=ppt/slides/slide25.xml><?xml version="1.0" encoding="utf-8"?>
+<file path=ppt/slides/slide28.xml><?xml version="1.0" encoding="utf-8"?>
 <p:sld xmlns:a="http://schemas.openxmlformats.org/drawingml/2006/main" xmlns:r="http://schemas.openxmlformats.org/officeDocument/2006/relationships" xmlns:p="http://schemas.openxmlformats.org/presentationml/2006/main">
   <p:cSld>
     <p:spTree>
@@ -12807,22 +12988,14 @@
           </a:p>
           <a:p>
             <a:r>
-              <a:rPr lang="en-US" dirty="0" smtClean="0"/>
-              <a:t>Identifies </a:t>
-            </a:r>
-            <a:r>
-              <a:rPr lang="en-US" dirty="0"/>
-              <a:t>bugs and issues early on, reduces the risk of system failures, and improves overall quality.</a:t>
-            </a:r>
-          </a:p>
-          <a:p>
-            <a:r>
-              <a:rPr lang="en-US" dirty="0" smtClean="0"/>
-              <a:t>Defining </a:t>
-            </a:r>
-            <a:r>
-              <a:rPr lang="en-US" dirty="0"/>
-              <a:t>test cases, creating test data, and setting up testing environments.</a:t>
+              <a:rPr lang="en-US" dirty="0"/>
+              <a:t>Identifies bugs and issues early on, reduces the risk of system failures, and improves overall quality.</a:t>
+            </a:r>
+          </a:p>
+          <a:p>
+            <a:r>
+              <a:rPr lang="en-US" dirty="0"/>
+              <a:t>Defining test cases, creating test data, and setting up testing environments.</a:t>
             </a:r>
           </a:p>
         </p:txBody>
@@ -12845,7 +13018,7 @@
             <a:fld id="{B8DACC02-A2BD-4578-8E03-6D891060A695}" type="slidenum">
               <a:rPr lang="en-US" smtClean="0"/>
               <a:pPr/>
-              <a:t>25</a:t>
+              <a:t>28</a:t>
             </a:fld>
             <a:endParaRPr lang="en-US" dirty="0"/>
           </a:p>
@@ -12900,17 +13073,10 @@
   <p:clrMapOvr>
     <a:masterClrMapping/>
   </p:clrMapOvr>
-  <p:timing>
-    <p:tnLst>
-      <p:par>
-        <p:cTn id="1" dur="indefinite" restart="never" nodeType="tmRoot"/>
-      </p:par>
-    </p:tnLst>
-  </p:timing>
 </p:sld>
 </file>
 
-<file path=ppt/slides/slide26.xml><?xml version="1.0" encoding="utf-8"?>
+<file path=ppt/slides/slide29.xml><?xml version="1.0" encoding="utf-8"?>
 <p:sld xmlns:a="http://schemas.openxmlformats.org/drawingml/2006/main" xmlns:r="http://schemas.openxmlformats.org/officeDocument/2006/relationships" xmlns:p="http://schemas.openxmlformats.org/presentationml/2006/main">
   <p:cSld>
     <p:spTree>
@@ -12966,43 +13132,27 @@
           <a:p>
             <a:r>
               <a:rPr lang="en-US" dirty="0"/>
-              <a:t>Integrating prototyping and testing into Agile </a:t>
-            </a:r>
-            <a:r>
-              <a:rPr lang="en-US" dirty="0" smtClean="0"/>
-              <a:t>development</a:t>
+              <a:t>Integrating prototyping and testing into Agile development</a:t>
             </a:r>
           </a:p>
           <a:p>
             <a:pPr lvl="1"/>
             <a:r>
-              <a:rPr lang="en-US" dirty="0" smtClean="0"/>
-              <a:t>Iterative </a:t>
-            </a:r>
-            <a:r>
-              <a:rPr lang="en-US" dirty="0"/>
-              <a:t>development, continuous improvement, and customer feedback.</a:t>
-            </a:r>
-          </a:p>
-          <a:p>
-            <a:r>
-              <a:rPr lang="en-US" dirty="0"/>
-              <a:t>Benefits of combining prototyping and testing in Agile </a:t>
-            </a:r>
-            <a:r>
-              <a:rPr lang="en-US" dirty="0" smtClean="0"/>
-              <a:t>development</a:t>
+              <a:rPr lang="en-US" dirty="0"/>
+              <a:t>Iterative development, continuous improvement, and customer feedback.</a:t>
+            </a:r>
+          </a:p>
+          <a:p>
+            <a:r>
+              <a:rPr lang="en-US" dirty="0"/>
+              <a:t>Benefits of combining prototyping and testing in Agile development</a:t>
             </a:r>
           </a:p>
           <a:p>
             <a:pPr lvl="1"/>
             <a:r>
-              <a:rPr lang="en-US" dirty="0" smtClean="0"/>
-              <a:t>Faster </a:t>
-            </a:r>
-            <a:r>
-              <a:rPr lang="en-US" dirty="0"/>
-              <a:t>time-to-market, higher quality, and increased customer satisfaction.</a:t>
+              <a:rPr lang="en-US" dirty="0"/>
+              <a:t>Faster time-to-market, higher quality, and increased customer satisfaction.</a:t>
             </a:r>
           </a:p>
         </p:txBody>
@@ -13025,7 +13175,7 @@
             <a:fld id="{B8DACC02-A2BD-4578-8E03-6D891060A695}" type="slidenum">
               <a:rPr lang="en-US" smtClean="0"/>
               <a:pPr/>
-              <a:t>26</a:t>
+              <a:t>29</a:t>
             </a:fld>
             <a:endParaRPr lang="en-US" dirty="0"/>
           </a:p>
@@ -13044,7 +13194,7 @@
 </p:sld>
 </file>
 
-<file path=ppt/slides/slide27.xml><?xml version="1.0" encoding="utf-8"?>
+<file path=ppt/slides/slide3.xml><?xml version="1.0" encoding="utf-8"?>
 <p:sld xmlns:a="http://schemas.openxmlformats.org/drawingml/2006/main" xmlns:r="http://schemas.openxmlformats.org/officeDocument/2006/relationships" xmlns:p="http://schemas.openxmlformats.org/presentationml/2006/main">
   <p:cSld>
     <p:spTree>
@@ -13078,7 +13228,7 @@
           <a:p>
             <a:r>
               <a:rPr lang="en-US" dirty="0"/>
-              <a:t>DevOps</a:t>
+              <a:t>Overview</a:t>
             </a:r>
           </a:p>
         </p:txBody>
@@ -13120,7 +13270,7 @@
             <a:fld id="{B8DACC02-A2BD-4578-8E03-6D891060A695}" type="slidenum">
               <a:rPr lang="en-US" smtClean="0"/>
               <a:pPr/>
-              <a:t>27</a:t>
+              <a:t>3</a:t>
             </a:fld>
             <a:endParaRPr lang="en-US" dirty="0"/>
           </a:p>
@@ -13129,7 +13279,7 @@
     </p:spTree>
     <p:extLst>
       <p:ext uri="{BB962C8B-B14F-4D97-AF65-F5344CB8AC3E}">
-        <p14:creationId xmlns:p14="http://schemas.microsoft.com/office/powerpoint/2010/main" val="1477929976"/>
+        <p14:creationId xmlns:p14="http://schemas.microsoft.com/office/powerpoint/2010/main" val="3359327900"/>
       </p:ext>
     </p:extLst>
   </p:cSld>
@@ -13139,7 +13289,7 @@
 </p:sld>
 </file>
 
-<file path=ppt/slides/slide28.xml><?xml version="1.0" encoding="utf-8"?>
+<file path=ppt/slides/slide30.xml><?xml version="1.0" encoding="utf-8"?>
 <p:sld xmlns:a="http://schemas.openxmlformats.org/drawingml/2006/main" xmlns:r="http://schemas.openxmlformats.org/officeDocument/2006/relationships" xmlns:p="http://schemas.openxmlformats.org/presentationml/2006/main">
   <p:cSld>
     <p:spTree>
@@ -13158,6 +13308,101 @@
       </p:grpSpPr>
       <p:sp>
         <p:nvSpPr>
+          <p:cNvPr id="5" name="Title 4"/>
+          <p:cNvSpPr>
+            <a:spLocks noGrp="1"/>
+          </p:cNvSpPr>
+          <p:nvPr>
+            <p:ph type="title"/>
+          </p:nvPr>
+        </p:nvSpPr>
+        <p:spPr/>
+        <p:txBody>
+          <a:bodyPr/>
+          <a:lstStyle/>
+          <a:p>
+            <a:r>
+              <a:rPr lang="en-US" dirty="0"/>
+              <a:t>DevOps</a:t>
+            </a:r>
+          </a:p>
+        </p:txBody>
+      </p:sp>
+      <p:sp>
+        <p:nvSpPr>
+          <p:cNvPr id="6" name="Text Placeholder 5"/>
+          <p:cNvSpPr>
+            <a:spLocks noGrp="1"/>
+          </p:cNvSpPr>
+          <p:nvPr>
+            <p:ph type="body" idx="1"/>
+          </p:nvPr>
+        </p:nvSpPr>
+        <p:spPr/>
+        <p:txBody>
+          <a:bodyPr/>
+          <a:lstStyle/>
+          <a:p>
+            <a:endParaRPr lang="en-US"/>
+          </a:p>
+        </p:txBody>
+      </p:sp>
+      <p:sp>
+        <p:nvSpPr>
+          <p:cNvPr id="4" name="Slide Number Placeholder 3"/>
+          <p:cNvSpPr>
+            <a:spLocks noGrp="1"/>
+          </p:cNvSpPr>
+          <p:nvPr>
+            <p:ph type="sldNum" sz="quarter" idx="12"/>
+          </p:nvPr>
+        </p:nvSpPr>
+        <p:spPr/>
+        <p:txBody>
+          <a:bodyPr/>
+          <a:lstStyle/>
+          <a:p>
+            <a:fld id="{B8DACC02-A2BD-4578-8E03-6D891060A695}" type="slidenum">
+              <a:rPr lang="en-US" smtClean="0"/>
+              <a:pPr/>
+              <a:t>30</a:t>
+            </a:fld>
+            <a:endParaRPr lang="en-US" dirty="0"/>
+          </a:p>
+        </p:txBody>
+      </p:sp>
+    </p:spTree>
+    <p:extLst>
+      <p:ext uri="{BB962C8B-B14F-4D97-AF65-F5344CB8AC3E}">
+        <p14:creationId xmlns:p14="http://schemas.microsoft.com/office/powerpoint/2010/main" val="1477929976"/>
+      </p:ext>
+    </p:extLst>
+  </p:cSld>
+  <p:clrMapOvr>
+    <a:masterClrMapping/>
+  </p:clrMapOvr>
+</p:sld>
+</file>
+
+<file path=ppt/slides/slide31.xml><?xml version="1.0" encoding="utf-8"?>
+<p:sld xmlns:a="http://schemas.openxmlformats.org/drawingml/2006/main" xmlns:r="http://schemas.openxmlformats.org/officeDocument/2006/relationships" xmlns:p="http://schemas.openxmlformats.org/presentationml/2006/main">
+  <p:cSld>
+    <p:spTree>
+      <p:nvGrpSpPr>
+        <p:cNvPr id="1" name=""/>
+        <p:cNvGrpSpPr/>
+        <p:nvPr/>
+      </p:nvGrpSpPr>
+      <p:grpSpPr>
+        <a:xfrm>
+          <a:off x="0" y="0"/>
+          <a:ext cx="0" cy="0"/>
+          <a:chOff x="0" y="0"/>
+          <a:chExt cx="0" cy="0"/>
+        </a:xfrm>
+      </p:grpSpPr>
+      <p:sp>
+        <p:nvSpPr>
           <p:cNvPr id="2" name="Title 1"/>
           <p:cNvSpPr>
             <a:spLocks noGrp="1"/>
@@ -13172,10 +13417,9 @@
           <a:lstStyle/>
           <a:p>
             <a:r>
-              <a:rPr lang="en-US" dirty="0" smtClean="0"/>
+              <a:rPr lang="en-US" dirty="0"/>
               <a:t>DevOps</a:t>
             </a:r>
-            <a:endParaRPr lang="en-US" dirty="0"/>
           </a:p>
         </p:txBody>
       </p:sp>
@@ -13206,22 +13450,14 @@
           </a:p>
           <a:p>
             <a:r>
-              <a:rPr lang="en-US" dirty="0" smtClean="0"/>
-              <a:t>Improving </a:t>
-            </a:r>
-            <a:r>
-              <a:rPr lang="en-US" dirty="0"/>
-              <a:t>efficiency, reducing errors, and increasing customer satisfaction.</a:t>
-            </a:r>
-          </a:p>
-          <a:p>
-            <a:r>
-              <a:rPr lang="en-US" dirty="0" smtClean="0"/>
-              <a:t>In </a:t>
-            </a:r>
-            <a:r>
-              <a:rPr lang="en-US" dirty="0"/>
-              <a:t>today's fast-paced digital landscape, DevOps is crucial for delivering high-quality software quickly and reliably.</a:t>
+              <a:rPr lang="en-US" dirty="0"/>
+              <a:t>Improving efficiency, reducing errors, and increasing customer satisfaction.</a:t>
+            </a:r>
+          </a:p>
+          <a:p>
+            <a:r>
+              <a:rPr lang="en-US" dirty="0"/>
+              <a:t>In today's fast-paced digital landscape, DevOps is crucial for delivering high-quality software quickly and reliably.</a:t>
             </a:r>
           </a:p>
         </p:txBody>
@@ -13244,7 +13480,7 @@
             <a:fld id="{B8DACC02-A2BD-4578-8E03-6D891060A695}" type="slidenum">
               <a:rPr lang="en-US" smtClean="0"/>
               <a:pPr/>
-              <a:t>28</a:t>
+              <a:t>31</a:t>
             </a:fld>
             <a:endParaRPr lang="en-US" dirty="0"/>
           </a:p>
@@ -13304,7 +13540,7 @@
 </p:sld>
 </file>
 
-<file path=ppt/slides/slide29.xml><?xml version="1.0" encoding="utf-8"?>
+<file path=ppt/slides/slide32.xml><?xml version="1.0" encoding="utf-8"?>
 <p:sld xmlns:a="http://schemas.openxmlformats.org/drawingml/2006/main" xmlns:r="http://schemas.openxmlformats.org/officeDocument/2006/relationships" xmlns:p="http://schemas.openxmlformats.org/presentationml/2006/main">
   <p:cSld>
     <p:spTree>
@@ -13359,22 +13595,14 @@
           <a:lstStyle/>
           <a:p>
             <a:r>
-              <a:rPr lang="en-US" dirty="0" smtClean="0"/>
-              <a:t>The </a:t>
-            </a:r>
-            <a:r>
-              <a:rPr lang="en-US" dirty="0"/>
-              <a:t>practice of integrating code changes into a central repository frequently, usually through automated processes.</a:t>
-            </a:r>
-          </a:p>
-          <a:p>
-            <a:r>
-              <a:rPr lang="en-US" dirty="0" smtClean="0"/>
-              <a:t>Early </a:t>
-            </a:r>
-            <a:r>
-              <a:rPr lang="en-US" dirty="0"/>
-              <a:t>detection of integration issues, improved build quality, and reduced risk of project delays.</a:t>
+              <a:rPr lang="en-US" dirty="0"/>
+              <a:t>The practice of integrating code changes into a central repository frequently, usually through automated processes.</a:t>
+            </a:r>
+          </a:p>
+          <a:p>
+            <a:r>
+              <a:rPr lang="en-US" dirty="0"/>
+              <a:t>Early detection of integration issues, improved build quality, and reduced risk of project delays.</a:t>
             </a:r>
           </a:p>
           <a:p>
@@ -13419,7 +13647,7 @@
             <a:fld id="{B8DACC02-A2BD-4578-8E03-6D891060A695}" type="slidenum">
               <a:rPr lang="en-US" smtClean="0"/>
               <a:pPr/>
-              <a:t>29</a:t>
+              <a:t>32</a:t>
             </a:fld>
             <a:endParaRPr lang="en-US" dirty="0"/>
           </a:p>
@@ -13477,7 +13705,7 @@
 </p:sld>
 </file>
 
-<file path=ppt/slides/slide3.xml><?xml version="1.0" encoding="utf-8"?>
+<file path=ppt/slides/slide33.xml><?xml version="1.0" encoding="utf-8"?>
 <p:sld xmlns:a="http://schemas.openxmlformats.org/drawingml/2006/main" xmlns:r="http://schemas.openxmlformats.org/officeDocument/2006/relationships" xmlns:p="http://schemas.openxmlformats.org/presentationml/2006/main">
   <p:cSld>
     <p:spTree>
@@ -13496,7 +13724,7 @@
       </p:grpSpPr>
       <p:sp>
         <p:nvSpPr>
-          <p:cNvPr id="5" name="Title 4"/>
+          <p:cNvPr id="2" name="Title 1"/>
           <p:cNvSpPr>
             <a:spLocks noGrp="1"/>
           </p:cNvSpPr>
@@ -13510,29 +13738,51 @@
           <a:lstStyle/>
           <a:p>
             <a:r>
-              <a:rPr lang="en-US" dirty="0" smtClean="0"/>
-              <a:t>Overview</a:t>
-            </a:r>
-            <a:endParaRPr lang="en-US" dirty="0"/>
-          </a:p>
-        </p:txBody>
-      </p:sp>
-      <p:sp>
-        <p:nvSpPr>
-          <p:cNvPr id="6" name="Text Placeholder 5"/>
-          <p:cNvSpPr>
-            <a:spLocks noGrp="1"/>
-          </p:cNvSpPr>
-          <p:nvPr>
-            <p:ph type="body" idx="1"/>
-          </p:nvPr>
-        </p:nvSpPr>
-        <p:spPr/>
-        <p:txBody>
-          <a:bodyPr/>
-          <a:lstStyle/>
-          <a:p>
-            <a:endParaRPr lang="en-US"/>
+              <a:rPr lang="en-US" dirty="0"/>
+              <a:t>Continuous Deployment</a:t>
+            </a:r>
+          </a:p>
+        </p:txBody>
+      </p:sp>
+      <p:sp>
+        <p:nvSpPr>
+          <p:cNvPr id="3" name="Content Placeholder 2"/>
+          <p:cNvSpPr>
+            <a:spLocks noGrp="1"/>
+          </p:cNvSpPr>
+          <p:nvPr>
+            <p:ph idx="1"/>
+          </p:nvPr>
+        </p:nvSpPr>
+        <p:spPr/>
+        <p:txBody>
+          <a:bodyPr/>
+          <a:lstStyle/>
+          <a:p>
+            <a:r>
+              <a:rPr lang="en-US" dirty="0"/>
+              <a:t>The practice of automatically deploying software changes to production after they pass automated tests.</a:t>
+            </a:r>
+          </a:p>
+          <a:p>
+            <a:r>
+              <a:rPr lang="en-US" dirty="0"/>
+              <a:t>Faster time-to-market, reduced risk of human error, and improved collaboration between teams.</a:t>
+            </a:r>
+          </a:p>
+          <a:p>
+            <a:r>
+              <a:rPr lang="en-US" dirty="0"/>
+              <a:t>Tools for continuous deployment: Kubernetes, Docker, </a:t>
+            </a:r>
+            <a:r>
+              <a:rPr lang="en-US" dirty="0" err="1"/>
+              <a:t>Ansible</a:t>
+            </a:r>
+            <a:r>
+              <a:rPr lang="en-US" dirty="0"/>
+              <a:t>, and Puppet.</a:t>
+            </a:r>
           </a:p>
         </p:txBody>
       </p:sp>
@@ -13554,129 +13804,7 @@
             <a:fld id="{B8DACC02-A2BD-4578-8E03-6D891060A695}" type="slidenum">
               <a:rPr lang="en-US" smtClean="0"/>
               <a:pPr/>
-              <a:t>3</a:t>
-            </a:fld>
-            <a:endParaRPr lang="en-US" dirty="0"/>
-          </a:p>
-        </p:txBody>
-      </p:sp>
-    </p:spTree>
-    <p:extLst>
-      <p:ext uri="{BB962C8B-B14F-4D97-AF65-F5344CB8AC3E}">
-        <p14:creationId xmlns:p14="http://schemas.microsoft.com/office/powerpoint/2010/main" val="3359327900"/>
-      </p:ext>
-    </p:extLst>
-  </p:cSld>
-  <p:clrMapOvr>
-    <a:masterClrMapping/>
-  </p:clrMapOvr>
-</p:sld>
-</file>
-
-<file path=ppt/slides/slide30.xml><?xml version="1.0" encoding="utf-8"?>
-<p:sld xmlns:a="http://schemas.openxmlformats.org/drawingml/2006/main" xmlns:r="http://schemas.openxmlformats.org/officeDocument/2006/relationships" xmlns:p="http://schemas.openxmlformats.org/presentationml/2006/main">
-  <p:cSld>
-    <p:spTree>
-      <p:nvGrpSpPr>
-        <p:cNvPr id="1" name=""/>
-        <p:cNvGrpSpPr/>
-        <p:nvPr/>
-      </p:nvGrpSpPr>
-      <p:grpSpPr>
-        <a:xfrm>
-          <a:off x="0" y="0"/>
-          <a:ext cx="0" cy="0"/>
-          <a:chOff x="0" y="0"/>
-          <a:chExt cx="0" cy="0"/>
-        </a:xfrm>
-      </p:grpSpPr>
-      <p:sp>
-        <p:nvSpPr>
-          <p:cNvPr id="2" name="Title 1"/>
-          <p:cNvSpPr>
-            <a:spLocks noGrp="1"/>
-          </p:cNvSpPr>
-          <p:nvPr>
-            <p:ph type="title"/>
-          </p:nvPr>
-        </p:nvSpPr>
-        <p:spPr/>
-        <p:txBody>
-          <a:bodyPr/>
-          <a:lstStyle/>
-          <a:p>
-            <a:r>
-              <a:rPr lang="en-US" dirty="0"/>
-              <a:t>Continuous Deployment</a:t>
-            </a:r>
-          </a:p>
-        </p:txBody>
-      </p:sp>
-      <p:sp>
-        <p:nvSpPr>
-          <p:cNvPr id="3" name="Content Placeholder 2"/>
-          <p:cNvSpPr>
-            <a:spLocks noGrp="1"/>
-          </p:cNvSpPr>
-          <p:nvPr>
-            <p:ph idx="1"/>
-          </p:nvPr>
-        </p:nvSpPr>
-        <p:spPr/>
-        <p:txBody>
-          <a:bodyPr/>
-          <a:lstStyle/>
-          <a:p>
-            <a:r>
-              <a:rPr lang="en-US" dirty="0"/>
-              <a:t>The practice of automatically deploying software changes to production after they pass automated tests.</a:t>
-            </a:r>
-          </a:p>
-          <a:p>
-            <a:r>
-              <a:rPr lang="en-US" dirty="0" smtClean="0"/>
-              <a:t>Faster </a:t>
-            </a:r>
-            <a:r>
-              <a:rPr lang="en-US" dirty="0"/>
-              <a:t>time-to-market, reduced risk of human error, and improved collaboration between teams.</a:t>
-            </a:r>
-          </a:p>
-          <a:p>
-            <a:r>
-              <a:rPr lang="en-US" dirty="0"/>
-              <a:t>Tools for continuous deployment: Kubernetes, Docker, </a:t>
-            </a:r>
-            <a:r>
-              <a:rPr lang="en-US" dirty="0" err="1"/>
-              <a:t>Ansible</a:t>
-            </a:r>
-            <a:r>
-              <a:rPr lang="en-US" dirty="0"/>
-              <a:t>, and Puppet.</a:t>
-            </a:r>
-          </a:p>
-        </p:txBody>
-      </p:sp>
-      <p:sp>
-        <p:nvSpPr>
-          <p:cNvPr id="4" name="Slide Number Placeholder 3"/>
-          <p:cNvSpPr>
-            <a:spLocks noGrp="1"/>
-          </p:cNvSpPr>
-          <p:nvPr>
-            <p:ph type="sldNum" sz="quarter" idx="12"/>
-          </p:nvPr>
-        </p:nvSpPr>
-        <p:spPr/>
-        <p:txBody>
-          <a:bodyPr/>
-          <a:lstStyle/>
-          <a:p>
-            <a:fld id="{B8DACC02-A2BD-4578-8E03-6D891060A695}" type="slidenum">
-              <a:rPr lang="en-US" smtClean="0"/>
-              <a:pPr/>
-              <a:t>30</a:t>
+              <a:t>33</a:t>
             </a:fld>
             <a:endParaRPr lang="en-US" dirty="0"/>
           </a:p>
@@ -13736,7 +13864,7 @@
 </p:sld>
 </file>
 
-<file path=ppt/slides/slide31.xml><?xml version="1.0" encoding="utf-8"?>
+<file path=ppt/slides/slide34.xml><?xml version="1.0" encoding="utf-8"?>
 <p:sld xmlns:a="http://schemas.openxmlformats.org/drawingml/2006/main" xmlns:r="http://schemas.openxmlformats.org/officeDocument/2006/relationships" xmlns:p="http://schemas.openxmlformats.org/presentationml/2006/main">
   <p:cSld>
     <p:spTree>
@@ -13797,12 +13925,8 @@
           </a:p>
           <a:p>
             <a:r>
-              <a:rPr lang="en-US" dirty="0" smtClean="0"/>
-              <a:t>Increased </a:t>
-            </a:r>
-            <a:r>
-              <a:rPr lang="en-US" dirty="0"/>
-              <a:t>efficiency, reduced errors, and improved scalability.</a:t>
+              <a:rPr lang="en-US" dirty="0"/>
+              <a:t>Increased efficiency, reduced errors, and improved scalability.</a:t>
             </a:r>
           </a:p>
           <a:p>
@@ -13847,7 +13971,7 @@
             <a:fld id="{B8DACC02-A2BD-4578-8E03-6D891060A695}" type="slidenum">
               <a:rPr lang="en-US" smtClean="0"/>
               <a:pPr/>
-              <a:t>31</a:t>
+              <a:t>34</a:t>
             </a:fld>
             <a:endParaRPr lang="en-US" dirty="0"/>
           </a:p>
@@ -13907,7 +14031,7 @@
 </p:sld>
 </file>
 
-<file path=ppt/slides/slide32.xml><?xml version="1.0" encoding="utf-8"?>
+<file path=ppt/slides/slide35.xml><?xml version="1.0" encoding="utf-8"?>
 <p:sld xmlns:a="http://schemas.openxmlformats.org/drawingml/2006/main" xmlns:r="http://schemas.openxmlformats.org/officeDocument/2006/relationships" xmlns:p="http://schemas.openxmlformats.org/presentationml/2006/main">
   <p:cSld>
     <p:spTree>
@@ -13968,12 +14092,8 @@
           </a:p>
           <a:p>
             <a:r>
-              <a:rPr lang="en-US" dirty="0" smtClean="0"/>
-              <a:t>Improved </a:t>
-            </a:r>
-            <a:r>
-              <a:rPr lang="en-US" dirty="0"/>
-              <a:t>system reliability, faster issue detection, and better decision-making.</a:t>
+              <a:rPr lang="en-US" dirty="0"/>
+              <a:t>Improved system reliability, faster issue detection, and better decision-making.</a:t>
             </a:r>
           </a:p>
           <a:p>
@@ -14010,7 +14130,7 @@
             <a:fld id="{B8DACC02-A2BD-4578-8E03-6D891060A695}" type="slidenum">
               <a:rPr lang="en-US" smtClean="0"/>
               <a:pPr/>
-              <a:t>32</a:t>
+              <a:t>35</a:t>
             </a:fld>
             <a:endParaRPr lang="en-US" dirty="0"/>
           </a:p>
@@ -14068,7 +14188,7 @@
 </p:sld>
 </file>
 
-<file path=ppt/slides/slide33.xml><?xml version="1.0" encoding="utf-8"?>
+<file path=ppt/slides/slide36.xml><?xml version="1.0" encoding="utf-8"?>
 <p:sld xmlns:a="http://schemas.openxmlformats.org/drawingml/2006/main" xmlns:r="http://schemas.openxmlformats.org/officeDocument/2006/relationships" xmlns:p="http://schemas.openxmlformats.org/presentationml/2006/main">
   <p:cSld>
     <p:spTree>
@@ -14129,12 +14249,8 @@
           </a:p>
           <a:p>
             <a:r>
-              <a:rPr lang="en-US" dirty="0" smtClean="0"/>
-              <a:t>Improved </a:t>
-            </a:r>
-            <a:r>
-              <a:rPr lang="en-US" dirty="0"/>
-              <a:t>collaboration, better communication, and increased transparency.</a:t>
+              <a:rPr lang="en-US" dirty="0"/>
+              <a:t>Improved collaboration, better communication, and increased transparency.</a:t>
             </a:r>
           </a:p>
           <a:p>
@@ -14179,7 +14295,7 @@
             <a:fld id="{B8DACC02-A2BD-4578-8E03-6D891060A695}" type="slidenum">
               <a:rPr lang="en-US" smtClean="0"/>
               <a:pPr/>
-              <a:t>33</a:t>
+              <a:t>36</a:t>
             </a:fld>
             <a:endParaRPr lang="en-US" dirty="0"/>
           </a:p>
@@ -14239,7 +14355,7 @@
 </p:sld>
 </file>
 
-<file path=ppt/slides/slide34.xml><?xml version="1.0" encoding="utf-8"?>
+<file path=ppt/slides/slide37.xml><?xml version="1.0" encoding="utf-8"?>
 <p:sld xmlns:a="http://schemas.openxmlformats.org/drawingml/2006/main" xmlns:r="http://schemas.openxmlformats.org/officeDocument/2006/relationships" xmlns:p="http://schemas.openxmlformats.org/presentationml/2006/main">
   <p:cSld>
     <p:spTree>
@@ -14306,12 +14422,8 @@
           </a:p>
           <a:p>
             <a:r>
-              <a:rPr lang="en-US" dirty="0" smtClean="0"/>
-              <a:t>Improved </a:t>
-            </a:r>
-            <a:r>
-              <a:rPr lang="en-US" dirty="0"/>
-              <a:t>process efficiency, faster issue resolution, and better decision-making.</a:t>
+              <a:rPr lang="en-US" dirty="0"/>
+              <a:t>Improved process efficiency, faster issue resolution, and better decision-making.</a:t>
             </a:r>
           </a:p>
         </p:txBody>
@@ -14334,7 +14446,7 @@
             <a:fld id="{B8DACC02-A2BD-4578-8E03-6D891060A695}" type="slidenum">
               <a:rPr lang="en-US" smtClean="0"/>
               <a:pPr/>
-              <a:t>34</a:t>
+              <a:t>37</a:t>
             </a:fld>
             <a:endParaRPr lang="en-US" dirty="0"/>
           </a:p>
@@ -14392,7 +14504,7 @@
 </p:sld>
 </file>
 
-<file path=ppt/slides/slide35.xml><?xml version="1.0" encoding="utf-8"?>
+<file path=ppt/slides/slide38.xml><?xml version="1.0" encoding="utf-8"?>
 <p:sld xmlns:a="http://schemas.openxmlformats.org/drawingml/2006/main" xmlns:r="http://schemas.openxmlformats.org/officeDocument/2006/relationships" xmlns:p="http://schemas.openxmlformats.org/presentationml/2006/main">
   <p:cSld>
     <p:spTree>
@@ -14468,7 +14580,7 @@
             <a:fld id="{B8DACC02-A2BD-4578-8E03-6D891060A695}" type="slidenum">
               <a:rPr lang="en-US" smtClean="0"/>
               <a:pPr/>
-              <a:t>35</a:t>
+              <a:t>38</a:t>
             </a:fld>
             <a:endParaRPr lang="en-US" dirty="0"/>
           </a:p>
@@ -14487,7 +14599,7 @@
 </p:sld>
 </file>
 
-<file path=ppt/slides/slide36.xml><?xml version="1.0" encoding="utf-8"?>
+<file path=ppt/slides/slide39.xml><?xml version="1.0" encoding="utf-8"?>
 <p:sld xmlns:a="http://schemas.openxmlformats.org/drawingml/2006/main" xmlns:r="http://schemas.openxmlformats.org/officeDocument/2006/relationships" xmlns:p="http://schemas.openxmlformats.org/presentationml/2006/main">
   <p:cSld>
     <p:spTree>
@@ -14542,77 +14654,46 @@
           <a:lstStyle/>
           <a:p>
             <a:r>
-              <a:rPr lang="en-US" dirty="0" smtClean="0"/>
-              <a:t>The </a:t>
-            </a:r>
-            <a:r>
-              <a:rPr lang="en-US" dirty="0"/>
-              <a:t>practice of developing, testing, and deploying software applications using </a:t>
-            </a:r>
-            <a:r>
-              <a:rPr lang="en-US" dirty="0" smtClean="0"/>
-              <a:t>cloud </a:t>
-            </a:r>
-            <a:r>
-              <a:rPr lang="en-US" dirty="0"/>
-              <a:t>computing infrastructure and services</a:t>
-            </a:r>
-            <a:r>
-              <a:rPr lang="en-US" dirty="0" smtClean="0"/>
-              <a:t>.</a:t>
-            </a:r>
-          </a:p>
-          <a:p>
-            <a:r>
-              <a:rPr lang="en-US" dirty="0" err="1" smtClean="0"/>
+              <a:rPr lang="en-US" dirty="0"/>
+              <a:t>The practice of developing, testing, and deploying software applications using cloud computing infrastructure and services.</a:t>
+            </a:r>
+          </a:p>
+          <a:p>
+            <a:r>
+              <a:rPr lang="en-US" dirty="0" err="1"/>
               <a:t>Containerizationis</a:t>
             </a:r>
             <a:r>
-              <a:rPr lang="en-US" dirty="0" smtClean="0"/>
-              <a:t> </a:t>
-            </a:r>
-            <a:r>
-              <a:rPr lang="en-US" dirty="0"/>
-              <a:t>a technique used to package software applications and their dependencies into self-contained units called containers. </a:t>
-            </a:r>
-            <a:endParaRPr lang="en-US" dirty="0" smtClean="0"/>
-          </a:p>
-          <a:p>
-            <a:r>
-              <a:rPr lang="en-US" dirty="0"/>
-              <a:t>Key </a:t>
-            </a:r>
-            <a:r>
-              <a:rPr lang="en-US" dirty="0" smtClean="0"/>
-              <a:t>benefits</a:t>
+              <a:rPr lang="en-US" dirty="0"/>
+              <a:t> a technique used to package software applications and their dependencies into self-contained units called containers. </a:t>
+            </a:r>
+          </a:p>
+          <a:p>
+            <a:r>
+              <a:rPr lang="en-US" dirty="0"/>
+              <a:t>Key benefits</a:t>
             </a:r>
           </a:p>
           <a:p>
             <a:pPr lvl="1"/>
             <a:r>
-              <a:rPr lang="en-US" dirty="0" smtClean="0"/>
+              <a:rPr lang="en-US" dirty="0"/>
               <a:t>Scalability</a:t>
             </a:r>
           </a:p>
           <a:p>
             <a:pPr lvl="1"/>
             <a:r>
-              <a:rPr lang="en-US" dirty="0" smtClean="0"/>
-              <a:t>Flexibility</a:t>
-            </a:r>
-            <a:r>
-              <a:rPr lang="en-US" dirty="0"/>
-              <a:t>, and </a:t>
-            </a:r>
-            <a:endParaRPr lang="en-US" dirty="0" smtClean="0"/>
+              <a:rPr lang="en-US" dirty="0"/>
+              <a:t>Flexibility, and </a:t>
+            </a:r>
           </a:p>
           <a:p>
             <a:pPr lvl="1"/>
             <a:r>
-              <a:rPr lang="en-US" dirty="0" smtClean="0"/>
+              <a:rPr lang="en-US" dirty="0"/>
               <a:t>Cost-effectiveness</a:t>
             </a:r>
-            <a:endParaRPr lang="en-US" dirty="0"/>
           </a:p>
         </p:txBody>
       </p:sp>
@@ -14634,7 +14715,7 @@
             <a:fld id="{B8DACC02-A2BD-4578-8E03-6D891060A695}" type="slidenum">
               <a:rPr lang="en-US" smtClean="0"/>
               <a:pPr/>
-              <a:t>36</a:t>
+              <a:t>39</a:t>
             </a:fld>
             <a:endParaRPr lang="en-US" dirty="0"/>
           </a:p>
@@ -14692,7 +14773,7 @@
 </p:sld>
 </file>
 
-<file path=ppt/slides/slide37.xml><?xml version="1.0" encoding="utf-8"?>
+<file path=ppt/slides/slide4.xml><?xml version="1.0" encoding="utf-8"?>
 <p:sld xmlns:a="http://schemas.openxmlformats.org/drawingml/2006/main" xmlns:r="http://schemas.openxmlformats.org/officeDocument/2006/relationships" xmlns:p="http://schemas.openxmlformats.org/presentationml/2006/main">
   <p:cSld>
     <p:spTree>
@@ -14726,7 +14807,41 @@
           <a:p>
             <a:r>
               <a:rPr lang="en-US" dirty="0"/>
-              <a:t>Cloud-based Development and Containerization</a:t>
+              <a:t>Why Development and Prototyping Matter</a:t>
+            </a:r>
+          </a:p>
+        </p:txBody>
+      </p:sp>
+      <p:sp>
+        <p:nvSpPr>
+          <p:cNvPr id="3" name="Content Placeholder 2"/>
+          <p:cNvSpPr>
+            <a:spLocks noGrp="1"/>
+          </p:cNvSpPr>
+          <p:nvPr>
+            <p:ph idx="1"/>
+          </p:nvPr>
+        </p:nvSpPr>
+        <p:spPr/>
+        <p:txBody>
+          <a:bodyPr/>
+          <a:lstStyle/>
+          <a:p>
+            <a:r>
+              <a:rPr lang="en-US" dirty="0"/>
+              <a:t>Development and prototyping are critical steps in turning ideas into functional software products.</a:t>
+            </a:r>
+          </a:p>
+          <a:p>
+            <a:r>
+              <a:rPr lang="en-US" dirty="0"/>
+              <a:t>They allow entrepreneurs to test and validate their ideas, identify potential issues, and refine their products.</a:t>
+            </a:r>
+          </a:p>
+          <a:p>
+            <a:r>
+              <a:rPr lang="en-US" dirty="0"/>
+              <a:t>Development and prototyping also help entrepreneurs to communicate their ideas effectively to stakeholders, investors, and potential customers.</a:t>
             </a:r>
           </a:p>
         </p:txBody>
@@ -14749,7 +14864,83 @@
             <a:fld id="{B8DACC02-A2BD-4578-8E03-6D891060A695}" type="slidenum">
               <a:rPr lang="en-US" smtClean="0"/>
               <a:pPr/>
-              <a:t>37</a:t>
+              <a:t>4</a:t>
+            </a:fld>
+            <a:endParaRPr lang="en-US" dirty="0"/>
+          </a:p>
+        </p:txBody>
+      </p:sp>
+    </p:spTree>
+    <p:extLst>
+      <p:ext uri="{BB962C8B-B14F-4D97-AF65-F5344CB8AC3E}">
+        <p14:creationId xmlns:p14="http://schemas.microsoft.com/office/powerpoint/2010/main" val="4130345764"/>
+      </p:ext>
+    </p:extLst>
+  </p:cSld>
+  <p:clrMapOvr>
+    <a:masterClrMapping/>
+  </p:clrMapOvr>
+</p:sld>
+</file>
+
+<file path=ppt/slides/slide40.xml><?xml version="1.0" encoding="utf-8"?>
+<p:sld xmlns:a="http://schemas.openxmlformats.org/drawingml/2006/main" xmlns:r="http://schemas.openxmlformats.org/officeDocument/2006/relationships" xmlns:p="http://schemas.openxmlformats.org/presentationml/2006/main">
+  <p:cSld>
+    <p:spTree>
+      <p:nvGrpSpPr>
+        <p:cNvPr id="1" name=""/>
+        <p:cNvGrpSpPr/>
+        <p:nvPr/>
+      </p:nvGrpSpPr>
+      <p:grpSpPr>
+        <a:xfrm>
+          <a:off x="0" y="0"/>
+          <a:ext cx="0" cy="0"/>
+          <a:chOff x="0" y="0"/>
+          <a:chExt cx="0" cy="0"/>
+        </a:xfrm>
+      </p:grpSpPr>
+      <p:sp>
+        <p:nvSpPr>
+          <p:cNvPr id="2" name="Title 1"/>
+          <p:cNvSpPr>
+            <a:spLocks noGrp="1"/>
+          </p:cNvSpPr>
+          <p:nvPr>
+            <p:ph type="title"/>
+          </p:nvPr>
+        </p:nvSpPr>
+        <p:spPr/>
+        <p:txBody>
+          <a:bodyPr/>
+          <a:lstStyle/>
+          <a:p>
+            <a:r>
+              <a:rPr lang="en-US" dirty="0"/>
+              <a:t>Cloud-based Development and Containerization</a:t>
+            </a:r>
+          </a:p>
+        </p:txBody>
+      </p:sp>
+      <p:sp>
+        <p:nvSpPr>
+          <p:cNvPr id="4" name="Slide Number Placeholder 3"/>
+          <p:cNvSpPr>
+            <a:spLocks noGrp="1"/>
+          </p:cNvSpPr>
+          <p:nvPr>
+            <p:ph type="sldNum" sz="quarter" idx="12"/>
+          </p:nvPr>
+        </p:nvSpPr>
+        <p:spPr/>
+        <p:txBody>
+          <a:bodyPr/>
+          <a:lstStyle/>
+          <a:p>
+            <a:fld id="{B8DACC02-A2BD-4578-8E03-6D891060A695}" type="slidenum">
+              <a:rPr lang="en-US" smtClean="0"/>
+              <a:pPr/>
+              <a:t>40</a:t>
             </a:fld>
             <a:endParaRPr lang="en-US" dirty="0"/>
           </a:p>
@@ -14809,7 +15000,7 @@
 </p:sld>
 </file>
 
-<file path=ppt/slides/slide38.xml><?xml version="1.0" encoding="utf-8"?>
+<file path=ppt/slides/slide41.xml><?xml version="1.0" encoding="utf-8"?>
 <p:sld xmlns:a="http://schemas.openxmlformats.org/drawingml/2006/main" xmlns:r="http://schemas.openxmlformats.org/officeDocument/2006/relationships" xmlns:p="http://schemas.openxmlformats.org/presentationml/2006/main">
   <p:cSld>
     <p:spTree>
@@ -14844,7 +15035,7 @@
             <a:fld id="{B8DACC02-A2BD-4578-8E03-6D891060A695}" type="slidenum">
               <a:rPr lang="en-US" smtClean="0"/>
               <a:pPr/>
-              <a:t>38</a:t>
+              <a:t>41</a:t>
             </a:fld>
             <a:endParaRPr lang="en-US" dirty="0"/>
           </a:p>
@@ -14902,7 +15093,7 @@
 </p:sld>
 </file>
 
-<file path=ppt/slides/slide39.xml><?xml version="1.0" encoding="utf-8"?>
+<file path=ppt/slides/slide42.xml><?xml version="1.0" encoding="utf-8"?>
 <p:sld xmlns:a="http://schemas.openxmlformats.org/drawingml/2006/main" xmlns:r="http://schemas.openxmlformats.org/officeDocument/2006/relationships" xmlns:p="http://schemas.openxmlformats.org/presentationml/2006/main">
   <p:cSld>
     <p:spTree>
@@ -14937,7 +15128,7 @@
             <a:fld id="{B8DACC02-A2BD-4578-8E03-6D891060A695}" type="slidenum">
               <a:rPr lang="en-US" smtClean="0"/>
               <a:pPr/>
-              <a:t>39</a:t>
+              <a:t>42</a:t>
             </a:fld>
             <a:endParaRPr lang="en-US" dirty="0"/>
           </a:p>
@@ -14997,7 +15188,7 @@
 </p:sld>
 </file>
 
-<file path=ppt/slides/slide4.xml><?xml version="1.0" encoding="utf-8"?>
+<file path=ppt/slides/slide43.xml><?xml version="1.0" encoding="utf-8"?>
 <p:sld xmlns:a="http://schemas.openxmlformats.org/drawingml/2006/main" xmlns:r="http://schemas.openxmlformats.org/officeDocument/2006/relationships" xmlns:p="http://schemas.openxmlformats.org/presentationml/2006/main">
   <p:cSld>
     <p:spTree>
@@ -15016,7 +15207,7 @@
       </p:grpSpPr>
       <p:sp>
         <p:nvSpPr>
-          <p:cNvPr id="2" name="Title 1"/>
+          <p:cNvPr id="3" name="Title 2"/>
           <p:cNvSpPr>
             <a:spLocks noGrp="1"/>
           </p:cNvSpPr>
@@ -15030,51 +15221,19 @@
           <a:lstStyle/>
           <a:p>
             <a:r>
-              <a:rPr lang="en-US" dirty="0"/>
-              <a:t>Why Development and Prototyping Matter</a:t>
-            </a:r>
-            <a:endParaRPr lang="en-US" dirty="0"/>
-          </a:p>
-        </p:txBody>
-      </p:sp>
-      <p:sp>
-        <p:nvSpPr>
-          <p:cNvPr id="3" name="Content Placeholder 2"/>
-          <p:cNvSpPr>
-            <a:spLocks noGrp="1"/>
-          </p:cNvSpPr>
-          <p:nvPr>
-            <p:ph idx="1"/>
-          </p:nvPr>
-        </p:nvSpPr>
-        <p:spPr/>
-        <p:txBody>
-          <a:bodyPr/>
-          <a:lstStyle/>
-          <a:p>
-            <a:r>
-              <a:rPr lang="en-US" dirty="0"/>
-              <a:t>Development and prototyping are critical steps in turning ideas into functional software products.</a:t>
-            </a:r>
-          </a:p>
-          <a:p>
-            <a:r>
-              <a:rPr lang="en-US" dirty="0"/>
-              <a:t>They allow entrepreneurs to test and validate their ideas, identify potential issues, and refine their products.</a:t>
-            </a:r>
-          </a:p>
-          <a:p>
-            <a:r>
-              <a:rPr lang="en-US" dirty="0"/>
-              <a:t>Development and prototyping also help entrepreneurs to communicate their ideas effectively to stakeholders, investors, and potential customers.</a:t>
-            </a:r>
-            <a:endParaRPr lang="en-US" dirty="0"/>
-          </a:p>
-        </p:txBody>
-      </p:sp>
-      <p:sp>
-        <p:nvSpPr>
-          <p:cNvPr id="4" name="Slide Number Placeholder 3"/>
+              <a:rPr lang="en-US" dirty="0" err="1"/>
+              <a:t>Serverless</a:t>
+            </a:r>
+            <a:r>
+              <a:rPr lang="en-US" dirty="0"/>
+              <a:t> Computing</a:t>
+            </a:r>
+          </a:p>
+        </p:txBody>
+      </p:sp>
+      <p:sp>
+        <p:nvSpPr>
+          <p:cNvPr id="2" name="Slide Number Placeholder 1"/>
           <p:cNvSpPr>
             <a:spLocks noGrp="1"/>
           </p:cNvSpPr>
@@ -15089,87 +15248,7 @@
           <a:p>
             <a:fld id="{B8DACC02-A2BD-4578-8E03-6D891060A695}" type="slidenum">
               <a:rPr lang="en-US" smtClean="0"/>
-              <a:pPr/>
-              <a:t>4</a:t>
-            </a:fld>
-            <a:endParaRPr lang="en-US" dirty="0"/>
-          </a:p>
-        </p:txBody>
-      </p:sp>
-    </p:spTree>
-    <p:extLst>
-      <p:ext uri="{BB962C8B-B14F-4D97-AF65-F5344CB8AC3E}">
-        <p14:creationId xmlns:p14="http://schemas.microsoft.com/office/powerpoint/2010/main" val="4130345764"/>
-      </p:ext>
-    </p:extLst>
-  </p:cSld>
-  <p:clrMapOvr>
-    <a:masterClrMapping/>
-  </p:clrMapOvr>
-</p:sld>
-</file>
-
-<file path=ppt/slides/slide40.xml><?xml version="1.0" encoding="utf-8"?>
-<p:sld xmlns:a="http://schemas.openxmlformats.org/drawingml/2006/main" xmlns:r="http://schemas.openxmlformats.org/officeDocument/2006/relationships" xmlns:p="http://schemas.openxmlformats.org/presentationml/2006/main">
-  <p:cSld>
-    <p:spTree>
-      <p:nvGrpSpPr>
-        <p:cNvPr id="1" name=""/>
-        <p:cNvGrpSpPr/>
-        <p:nvPr/>
-      </p:nvGrpSpPr>
-      <p:grpSpPr>
-        <a:xfrm>
-          <a:off x="0" y="0"/>
-          <a:ext cx="0" cy="0"/>
-          <a:chOff x="0" y="0"/>
-          <a:chExt cx="0" cy="0"/>
-        </a:xfrm>
-      </p:grpSpPr>
-      <p:sp>
-        <p:nvSpPr>
-          <p:cNvPr id="3" name="Title 2"/>
-          <p:cNvSpPr>
-            <a:spLocks noGrp="1"/>
-          </p:cNvSpPr>
-          <p:nvPr>
-            <p:ph type="title"/>
-          </p:nvPr>
-        </p:nvSpPr>
-        <p:spPr/>
-        <p:txBody>
-          <a:bodyPr/>
-          <a:lstStyle/>
-          <a:p>
-            <a:r>
-              <a:rPr lang="en-US" dirty="0" err="1"/>
-              <a:t>Serverless</a:t>
-            </a:r>
-            <a:r>
-              <a:rPr lang="en-US" dirty="0"/>
-              <a:t> Computing</a:t>
-            </a:r>
-          </a:p>
-        </p:txBody>
-      </p:sp>
-      <p:sp>
-        <p:nvSpPr>
-          <p:cNvPr id="2" name="Slide Number Placeholder 1"/>
-          <p:cNvSpPr>
-            <a:spLocks noGrp="1"/>
-          </p:cNvSpPr>
-          <p:nvPr>
-            <p:ph type="sldNum" sz="quarter" idx="12"/>
-          </p:nvPr>
-        </p:nvSpPr>
-        <p:spPr/>
-        <p:txBody>
-          <a:bodyPr/>
-          <a:lstStyle/>
-          <a:p>
-            <a:fld id="{B8DACC02-A2BD-4578-8E03-6D891060A695}" type="slidenum">
-              <a:rPr lang="en-US" smtClean="0"/>
-              <a:t>40</a:t>
+              <a:t>43</a:t>
             </a:fld>
             <a:endParaRPr lang="en-US"/>
           </a:p>
@@ -15229,7 +15308,7 @@
 </p:sld>
 </file>
 
-<file path=ppt/slides/slide41.xml><?xml version="1.0" encoding="utf-8"?>
+<file path=ppt/slides/slide44.xml><?xml version="1.0" encoding="utf-8"?>
 <p:sld xmlns:a="http://schemas.openxmlformats.org/drawingml/2006/main" xmlns:r="http://schemas.openxmlformats.org/officeDocument/2006/relationships" xmlns:p="http://schemas.openxmlformats.org/presentationml/2006/main">
   <p:cSld>
     <p:spTree>
@@ -15303,11 +15382,10 @@
               <a:rPr lang="en-US" dirty="0"/>
               <a:t>), is a cloud computing model where the cloud provider manages the underlying infrastructure and automatically allocates resources to execute code in response to events or requests. </a:t>
             </a:r>
-            <a:endParaRPr lang="en-US" dirty="0" smtClean="0"/>
-          </a:p>
-          <a:p>
-            <a:r>
-              <a:rPr lang="en-US" dirty="0" smtClean="0"/>
+          </a:p>
+          <a:p>
+            <a:r>
+              <a:rPr lang="en-US" dirty="0"/>
               <a:t>In </a:t>
             </a:r>
             <a:r>
@@ -15338,7 +15416,7 @@
           <a:p>
             <a:fld id="{B8DACC02-A2BD-4578-8E03-6D891060A695}" type="slidenum">
               <a:rPr lang="en-US" smtClean="0"/>
-              <a:t>41</a:t>
+              <a:t>44</a:t>
             </a:fld>
             <a:endParaRPr lang="en-US"/>
           </a:p>
@@ -15357,7 +15435,7 @@
 </p:sld>
 </file>
 
-<file path=ppt/slides/slide42.xml><?xml version="1.0" encoding="utf-8"?>
+<file path=ppt/slides/slide45.xml><?xml version="1.0" encoding="utf-8"?>
 <p:sld xmlns:a="http://schemas.openxmlformats.org/drawingml/2006/main" xmlns:r="http://schemas.openxmlformats.org/officeDocument/2006/relationships" xmlns:p="http://schemas.openxmlformats.org/presentationml/2006/main">
   <p:cSld>
     <p:spTree>
@@ -15416,10 +15494,9 @@
           <a:lstStyle/>
           <a:p>
             <a:r>
-              <a:rPr lang="en-US" dirty="0" smtClean="0"/>
+              <a:rPr lang="en-US" dirty="0"/>
               <a:t>Key Benefits:</a:t>
             </a:r>
-            <a:endParaRPr lang="en-US" dirty="0"/>
           </a:p>
         </p:txBody>
       </p:sp>
@@ -15440,7 +15517,7 @@
           <a:p>
             <a:fld id="{B8DACC02-A2BD-4578-8E03-6D891060A695}" type="slidenum">
               <a:rPr lang="en-US" smtClean="0"/>
-              <a:t>42</a:t>
+              <a:t>45</a:t>
             </a:fld>
             <a:endParaRPr lang="en-US"/>
           </a:p>
@@ -15498,330 +15575,6 @@
 </p:sld>
 </file>
 
-<file path=ppt/slides/slide43.xml><?xml version="1.0" encoding="utf-8"?>
-<p:sld xmlns:a="http://schemas.openxmlformats.org/drawingml/2006/main" xmlns:r="http://schemas.openxmlformats.org/officeDocument/2006/relationships" xmlns:p="http://schemas.openxmlformats.org/presentationml/2006/main">
-  <p:cSld>
-    <p:spTree>
-      <p:nvGrpSpPr>
-        <p:cNvPr id="1" name=""/>
-        <p:cNvGrpSpPr/>
-        <p:nvPr/>
-      </p:nvGrpSpPr>
-      <p:grpSpPr>
-        <a:xfrm>
-          <a:off x="0" y="0"/>
-          <a:ext cx="0" cy="0"/>
-          <a:chOff x="0" y="0"/>
-          <a:chExt cx="0" cy="0"/>
-        </a:xfrm>
-      </p:grpSpPr>
-      <p:sp>
-        <p:nvSpPr>
-          <p:cNvPr id="2" name="Title 1"/>
-          <p:cNvSpPr>
-            <a:spLocks noGrp="1"/>
-          </p:cNvSpPr>
-          <p:nvPr>
-            <p:ph type="title"/>
-          </p:nvPr>
-        </p:nvSpPr>
-        <p:spPr/>
-        <p:txBody>
-          <a:bodyPr/>
-          <a:lstStyle/>
-          <a:p>
-            <a:r>
-              <a:rPr lang="en-US" dirty="0"/>
-              <a:t>Key Concepts in </a:t>
-            </a:r>
-            <a:r>
-              <a:rPr lang="en-US" dirty="0" err="1"/>
-              <a:t>Serverless</a:t>
-            </a:r>
-            <a:r>
-              <a:rPr lang="en-US" dirty="0"/>
-              <a:t> Computing</a:t>
-            </a:r>
-          </a:p>
-        </p:txBody>
-      </p:sp>
-      <p:sp>
-        <p:nvSpPr>
-          <p:cNvPr id="3" name="Content Placeholder 2"/>
-          <p:cNvSpPr>
-            <a:spLocks noGrp="1"/>
-          </p:cNvSpPr>
-          <p:nvPr>
-            <p:ph idx="1"/>
-          </p:nvPr>
-        </p:nvSpPr>
-        <p:spPr/>
-        <p:txBody>
-          <a:bodyPr/>
-          <a:lstStyle/>
-          <a:p>
-            <a:r>
-              <a:rPr lang="en-US" dirty="0"/>
-              <a:t>Event-driven architecture: designing applications around events and triggers</a:t>
-            </a:r>
-          </a:p>
-          <a:p>
-            <a:r>
-              <a:rPr lang="en-US" dirty="0"/>
-              <a:t>Third-party services: using existing services instead of building everything from scratch</a:t>
-            </a:r>
-          </a:p>
-          <a:p>
-            <a:r>
-              <a:rPr lang="en-US" dirty="0"/>
-              <a:t>Reduced overhead: reduced infrastructure and maintenance costs</a:t>
-            </a:r>
-          </a:p>
-        </p:txBody>
-      </p:sp>
-      <p:sp>
-        <p:nvSpPr>
-          <p:cNvPr id="4" name="Slide Number Placeholder 3"/>
-          <p:cNvSpPr>
-            <a:spLocks noGrp="1"/>
-          </p:cNvSpPr>
-          <p:nvPr>
-            <p:ph type="sldNum" sz="quarter" idx="12"/>
-          </p:nvPr>
-        </p:nvSpPr>
-        <p:spPr/>
-        <p:txBody>
-          <a:bodyPr/>
-          <a:lstStyle/>
-          <a:p>
-            <a:fld id="{B8DACC02-A2BD-4578-8E03-6D891060A695}" type="slidenum">
-              <a:rPr lang="en-US" smtClean="0"/>
-              <a:pPr/>
-              <a:t>43</a:t>
-            </a:fld>
-            <a:endParaRPr lang="en-US" dirty="0"/>
-          </a:p>
-        </p:txBody>
-      </p:sp>
-    </p:spTree>
-    <p:extLst>
-      <p:ext uri="{BB962C8B-B14F-4D97-AF65-F5344CB8AC3E}">
-        <p14:creationId xmlns:p14="http://schemas.microsoft.com/office/powerpoint/2010/main" val="4226952283"/>
-      </p:ext>
-    </p:extLst>
-  </p:cSld>
-  <p:clrMapOvr>
-    <a:masterClrMapping/>
-  </p:clrMapOvr>
-</p:sld>
-</file>
-
-<file path=ppt/slides/slide44.xml><?xml version="1.0" encoding="utf-8"?>
-<p:sld xmlns:a="http://schemas.openxmlformats.org/drawingml/2006/main" xmlns:r="http://schemas.openxmlformats.org/officeDocument/2006/relationships" xmlns:p="http://schemas.openxmlformats.org/presentationml/2006/main">
-  <p:cSld>
-    <p:spTree>
-      <p:nvGrpSpPr>
-        <p:cNvPr id="1" name=""/>
-        <p:cNvGrpSpPr/>
-        <p:nvPr/>
-      </p:nvGrpSpPr>
-      <p:grpSpPr>
-        <a:xfrm>
-          <a:off x="0" y="0"/>
-          <a:ext cx="0" cy="0"/>
-          <a:chOff x="0" y="0"/>
-          <a:chExt cx="0" cy="0"/>
-        </a:xfrm>
-      </p:grpSpPr>
-      <p:sp>
-        <p:nvSpPr>
-          <p:cNvPr id="2" name="Title 1"/>
-          <p:cNvSpPr>
-            <a:spLocks noGrp="1"/>
-          </p:cNvSpPr>
-          <p:nvPr>
-            <p:ph type="title"/>
-          </p:nvPr>
-        </p:nvSpPr>
-        <p:spPr/>
-        <p:txBody>
-          <a:bodyPr/>
-          <a:lstStyle/>
-          <a:p>
-            <a:r>
-              <a:rPr lang="en-US" dirty="0"/>
-              <a:t>Reusing Existing Libraries and Platforms</a:t>
-            </a:r>
-          </a:p>
-        </p:txBody>
-      </p:sp>
-      <p:sp>
-        <p:nvSpPr>
-          <p:cNvPr id="3" name="Content Placeholder 2"/>
-          <p:cNvSpPr>
-            <a:spLocks noGrp="1"/>
-          </p:cNvSpPr>
-          <p:nvPr>
-            <p:ph idx="1"/>
-          </p:nvPr>
-        </p:nvSpPr>
-        <p:spPr/>
-        <p:txBody>
-          <a:bodyPr/>
-          <a:lstStyle/>
-          <a:p>
-            <a:r>
-              <a:rPr lang="en-US" dirty="0"/>
-              <a:t>Reducing development time: using existing libraries and platforms to speed up development</a:t>
-            </a:r>
-          </a:p>
-          <a:p>
-            <a:r>
-              <a:rPr lang="en-US" dirty="0"/>
-              <a:t>Leveraging existing resources: using existing resources to reduce costs and improve efficiency</a:t>
-            </a:r>
-          </a:p>
-          <a:p>
-            <a:r>
-              <a:rPr lang="en-US" dirty="0"/>
-              <a:t>Minimizing waste: reducing unnecessary work and minimizing waste</a:t>
-            </a:r>
-          </a:p>
-        </p:txBody>
-      </p:sp>
-      <p:sp>
-        <p:nvSpPr>
-          <p:cNvPr id="4" name="Slide Number Placeholder 3"/>
-          <p:cNvSpPr>
-            <a:spLocks noGrp="1"/>
-          </p:cNvSpPr>
-          <p:nvPr>
-            <p:ph type="sldNum" sz="quarter" idx="12"/>
-          </p:nvPr>
-        </p:nvSpPr>
-        <p:spPr/>
-        <p:txBody>
-          <a:bodyPr/>
-          <a:lstStyle/>
-          <a:p>
-            <a:fld id="{B8DACC02-A2BD-4578-8E03-6D891060A695}" type="slidenum">
-              <a:rPr lang="en-US" smtClean="0"/>
-              <a:pPr/>
-              <a:t>44</a:t>
-            </a:fld>
-            <a:endParaRPr lang="en-US" dirty="0"/>
-          </a:p>
-        </p:txBody>
-      </p:sp>
-    </p:spTree>
-    <p:extLst>
-      <p:ext uri="{BB962C8B-B14F-4D97-AF65-F5344CB8AC3E}">
-        <p14:creationId xmlns:p14="http://schemas.microsoft.com/office/powerpoint/2010/main" val="2339552701"/>
-      </p:ext>
-    </p:extLst>
-  </p:cSld>
-  <p:clrMapOvr>
-    <a:masterClrMapping/>
-  </p:clrMapOvr>
-</p:sld>
-</file>
-
-<file path=ppt/slides/slide45.xml><?xml version="1.0" encoding="utf-8"?>
-<p:sld xmlns:a="http://schemas.openxmlformats.org/drawingml/2006/main" xmlns:r="http://schemas.openxmlformats.org/officeDocument/2006/relationships" xmlns:p="http://schemas.openxmlformats.org/presentationml/2006/main">
-  <p:cSld>
-    <p:spTree>
-      <p:nvGrpSpPr>
-        <p:cNvPr id="1" name=""/>
-        <p:cNvGrpSpPr/>
-        <p:nvPr/>
-      </p:nvGrpSpPr>
-      <p:grpSpPr>
-        <a:xfrm>
-          <a:off x="0" y="0"/>
-          <a:ext cx="0" cy="0"/>
-          <a:chOff x="0" y="0"/>
-          <a:chExt cx="0" cy="0"/>
-        </a:xfrm>
-      </p:grpSpPr>
-      <p:sp>
-        <p:nvSpPr>
-          <p:cNvPr id="5" name="Title 4"/>
-          <p:cNvSpPr>
-            <a:spLocks noGrp="1"/>
-          </p:cNvSpPr>
-          <p:nvPr>
-            <p:ph type="title"/>
-          </p:nvPr>
-        </p:nvSpPr>
-        <p:spPr/>
-        <p:txBody>
-          <a:bodyPr/>
-          <a:lstStyle/>
-          <a:p>
-            <a:r>
-              <a:rPr lang="en-US" dirty="0" smtClean="0"/>
-              <a:t>MVP and Customer Feedback</a:t>
-            </a:r>
-            <a:endParaRPr lang="en-US" dirty="0"/>
-          </a:p>
-        </p:txBody>
-      </p:sp>
-      <p:sp>
-        <p:nvSpPr>
-          <p:cNvPr id="6" name="Text Placeholder 5"/>
-          <p:cNvSpPr>
-            <a:spLocks noGrp="1"/>
-          </p:cNvSpPr>
-          <p:nvPr>
-            <p:ph type="body" idx="1"/>
-          </p:nvPr>
-        </p:nvSpPr>
-        <p:spPr/>
-        <p:txBody>
-          <a:bodyPr/>
-          <a:lstStyle/>
-          <a:p>
-            <a:endParaRPr lang="en-US"/>
-          </a:p>
-        </p:txBody>
-      </p:sp>
-      <p:sp>
-        <p:nvSpPr>
-          <p:cNvPr id="4" name="Slide Number Placeholder 3"/>
-          <p:cNvSpPr>
-            <a:spLocks noGrp="1"/>
-          </p:cNvSpPr>
-          <p:nvPr>
-            <p:ph type="sldNum" sz="quarter" idx="12"/>
-          </p:nvPr>
-        </p:nvSpPr>
-        <p:spPr/>
-        <p:txBody>
-          <a:bodyPr/>
-          <a:lstStyle/>
-          <a:p>
-            <a:fld id="{B8DACC02-A2BD-4578-8E03-6D891060A695}" type="slidenum">
-              <a:rPr lang="en-US" smtClean="0"/>
-              <a:pPr/>
-              <a:t>45</a:t>
-            </a:fld>
-            <a:endParaRPr lang="en-US" dirty="0"/>
-          </a:p>
-        </p:txBody>
-      </p:sp>
-    </p:spTree>
-    <p:extLst>
-      <p:ext uri="{BB962C8B-B14F-4D97-AF65-F5344CB8AC3E}">
-        <p14:creationId xmlns:p14="http://schemas.microsoft.com/office/powerpoint/2010/main" val="3003310574"/>
-      </p:ext>
-    </p:extLst>
-  </p:cSld>
-  <p:clrMapOvr>
-    <a:masterClrMapping/>
-  </p:clrMapOvr>
-</p:sld>
-</file>
-
 <file path=ppt/slides/slide46.xml><?xml version="1.0" encoding="utf-8"?>
 <p:sld xmlns:a="http://schemas.openxmlformats.org/drawingml/2006/main" xmlns:r="http://schemas.openxmlformats.org/officeDocument/2006/relationships" xmlns:p="http://schemas.openxmlformats.org/presentationml/2006/main">
   <p:cSld>
@@ -15856,7 +15609,15 @@
           <a:p>
             <a:r>
               <a:rPr lang="en-US" dirty="0"/>
-              <a:t>Minimum Viable Product (MVP)</a:t>
+              <a:t>Key Concepts in </a:t>
+            </a:r>
+            <a:r>
+              <a:rPr lang="en-US" dirty="0" err="1"/>
+              <a:t>Serverless</a:t>
+            </a:r>
+            <a:r>
+              <a:rPr lang="en-US" dirty="0"/>
+              <a:t> Computing</a:t>
             </a:r>
           </a:p>
         </p:txBody>
@@ -15878,25 +15639,19 @@
           <a:p>
             <a:r>
               <a:rPr lang="en-US" dirty="0"/>
-              <a:t>A product </a:t>
-            </a:r>
-            <a:r>
-              <a:rPr lang="en-US" dirty="0" smtClean="0"/>
-              <a:t>or service with </a:t>
-            </a:r>
-            <a:r>
-              <a:rPr lang="en-US" dirty="0"/>
-              <a:t>just enough features to gather feedback from early customers and validate the product's value proposition.</a:t>
-            </a:r>
-          </a:p>
-          <a:p>
-            <a:r>
-              <a:rPr lang="en-US" dirty="0" smtClean="0"/>
-              <a:t>Reduces </a:t>
-            </a:r>
-            <a:r>
-              <a:rPr lang="en-US" dirty="0"/>
-              <a:t>risk, saves time and resources, and helps validate product assumptions.</a:t>
+              <a:t>Event-driven architecture: designing applications around events and triggers</a:t>
+            </a:r>
+          </a:p>
+          <a:p>
+            <a:r>
+              <a:rPr lang="en-US" dirty="0"/>
+              <a:t>Third-party services: using existing services instead of building everything from scratch</a:t>
+            </a:r>
+          </a:p>
+          <a:p>
+            <a:r>
+              <a:rPr lang="en-US" dirty="0"/>
+              <a:t>Reduced overhead: reduced infrastructure and maintenance costs</a:t>
             </a:r>
           </a:p>
         </p:txBody>
@@ -15920,6 +15675,315 @@
               <a:rPr lang="en-US" smtClean="0"/>
               <a:pPr/>
               <a:t>46</a:t>
+            </a:fld>
+            <a:endParaRPr lang="en-US" dirty="0"/>
+          </a:p>
+        </p:txBody>
+      </p:sp>
+    </p:spTree>
+    <p:extLst>
+      <p:ext uri="{BB962C8B-B14F-4D97-AF65-F5344CB8AC3E}">
+        <p14:creationId xmlns:p14="http://schemas.microsoft.com/office/powerpoint/2010/main" val="4226952283"/>
+      </p:ext>
+    </p:extLst>
+  </p:cSld>
+  <p:clrMapOvr>
+    <a:masterClrMapping/>
+  </p:clrMapOvr>
+</p:sld>
+</file>
+
+<file path=ppt/slides/slide47.xml><?xml version="1.0" encoding="utf-8"?>
+<p:sld xmlns:a="http://schemas.openxmlformats.org/drawingml/2006/main" xmlns:r="http://schemas.openxmlformats.org/officeDocument/2006/relationships" xmlns:p="http://schemas.openxmlformats.org/presentationml/2006/main">
+  <p:cSld>
+    <p:spTree>
+      <p:nvGrpSpPr>
+        <p:cNvPr id="1" name=""/>
+        <p:cNvGrpSpPr/>
+        <p:nvPr/>
+      </p:nvGrpSpPr>
+      <p:grpSpPr>
+        <a:xfrm>
+          <a:off x="0" y="0"/>
+          <a:ext cx="0" cy="0"/>
+          <a:chOff x="0" y="0"/>
+          <a:chExt cx="0" cy="0"/>
+        </a:xfrm>
+      </p:grpSpPr>
+      <p:sp>
+        <p:nvSpPr>
+          <p:cNvPr id="2" name="Title 1"/>
+          <p:cNvSpPr>
+            <a:spLocks noGrp="1"/>
+          </p:cNvSpPr>
+          <p:nvPr>
+            <p:ph type="title"/>
+          </p:nvPr>
+        </p:nvSpPr>
+        <p:spPr/>
+        <p:txBody>
+          <a:bodyPr/>
+          <a:lstStyle/>
+          <a:p>
+            <a:r>
+              <a:rPr lang="en-US" dirty="0"/>
+              <a:t>Reusing Existing Libraries and Platforms</a:t>
+            </a:r>
+          </a:p>
+        </p:txBody>
+      </p:sp>
+      <p:sp>
+        <p:nvSpPr>
+          <p:cNvPr id="3" name="Content Placeholder 2"/>
+          <p:cNvSpPr>
+            <a:spLocks noGrp="1"/>
+          </p:cNvSpPr>
+          <p:nvPr>
+            <p:ph idx="1"/>
+          </p:nvPr>
+        </p:nvSpPr>
+        <p:spPr/>
+        <p:txBody>
+          <a:bodyPr/>
+          <a:lstStyle/>
+          <a:p>
+            <a:r>
+              <a:rPr lang="en-US" dirty="0"/>
+              <a:t>Reducing development time: using existing libraries and platforms to speed up development</a:t>
+            </a:r>
+          </a:p>
+          <a:p>
+            <a:r>
+              <a:rPr lang="en-US" dirty="0"/>
+              <a:t>Leveraging existing resources: using existing resources to reduce costs and improve efficiency</a:t>
+            </a:r>
+          </a:p>
+          <a:p>
+            <a:r>
+              <a:rPr lang="en-US" dirty="0"/>
+              <a:t>Minimizing waste: reducing unnecessary work and minimizing waste</a:t>
+            </a:r>
+          </a:p>
+        </p:txBody>
+      </p:sp>
+      <p:sp>
+        <p:nvSpPr>
+          <p:cNvPr id="4" name="Slide Number Placeholder 3"/>
+          <p:cNvSpPr>
+            <a:spLocks noGrp="1"/>
+          </p:cNvSpPr>
+          <p:nvPr>
+            <p:ph type="sldNum" sz="quarter" idx="12"/>
+          </p:nvPr>
+        </p:nvSpPr>
+        <p:spPr/>
+        <p:txBody>
+          <a:bodyPr/>
+          <a:lstStyle/>
+          <a:p>
+            <a:fld id="{B8DACC02-A2BD-4578-8E03-6D891060A695}" type="slidenum">
+              <a:rPr lang="en-US" smtClean="0"/>
+              <a:pPr/>
+              <a:t>47</a:t>
+            </a:fld>
+            <a:endParaRPr lang="en-US" dirty="0"/>
+          </a:p>
+        </p:txBody>
+      </p:sp>
+    </p:spTree>
+    <p:extLst>
+      <p:ext uri="{BB962C8B-B14F-4D97-AF65-F5344CB8AC3E}">
+        <p14:creationId xmlns:p14="http://schemas.microsoft.com/office/powerpoint/2010/main" val="2339552701"/>
+      </p:ext>
+    </p:extLst>
+  </p:cSld>
+  <p:clrMapOvr>
+    <a:masterClrMapping/>
+  </p:clrMapOvr>
+</p:sld>
+</file>
+
+<file path=ppt/slides/slide48.xml><?xml version="1.0" encoding="utf-8"?>
+<p:sld xmlns:a="http://schemas.openxmlformats.org/drawingml/2006/main" xmlns:r="http://schemas.openxmlformats.org/officeDocument/2006/relationships" xmlns:p="http://schemas.openxmlformats.org/presentationml/2006/main">
+  <p:cSld>
+    <p:spTree>
+      <p:nvGrpSpPr>
+        <p:cNvPr id="1" name=""/>
+        <p:cNvGrpSpPr/>
+        <p:nvPr/>
+      </p:nvGrpSpPr>
+      <p:grpSpPr>
+        <a:xfrm>
+          <a:off x="0" y="0"/>
+          <a:ext cx="0" cy="0"/>
+          <a:chOff x="0" y="0"/>
+          <a:chExt cx="0" cy="0"/>
+        </a:xfrm>
+      </p:grpSpPr>
+      <p:sp>
+        <p:nvSpPr>
+          <p:cNvPr id="5" name="Title 4"/>
+          <p:cNvSpPr>
+            <a:spLocks noGrp="1"/>
+          </p:cNvSpPr>
+          <p:nvPr>
+            <p:ph type="title"/>
+          </p:nvPr>
+        </p:nvSpPr>
+        <p:spPr/>
+        <p:txBody>
+          <a:bodyPr/>
+          <a:lstStyle/>
+          <a:p>
+            <a:r>
+              <a:rPr lang="en-US" dirty="0"/>
+              <a:t>MVP and Customer Feedback</a:t>
+            </a:r>
+          </a:p>
+        </p:txBody>
+      </p:sp>
+      <p:sp>
+        <p:nvSpPr>
+          <p:cNvPr id="6" name="Text Placeholder 5"/>
+          <p:cNvSpPr>
+            <a:spLocks noGrp="1"/>
+          </p:cNvSpPr>
+          <p:nvPr>
+            <p:ph type="body" idx="1"/>
+          </p:nvPr>
+        </p:nvSpPr>
+        <p:spPr/>
+        <p:txBody>
+          <a:bodyPr/>
+          <a:lstStyle/>
+          <a:p>
+            <a:endParaRPr lang="en-US"/>
+          </a:p>
+        </p:txBody>
+      </p:sp>
+      <p:sp>
+        <p:nvSpPr>
+          <p:cNvPr id="4" name="Slide Number Placeholder 3"/>
+          <p:cNvSpPr>
+            <a:spLocks noGrp="1"/>
+          </p:cNvSpPr>
+          <p:nvPr>
+            <p:ph type="sldNum" sz="quarter" idx="12"/>
+          </p:nvPr>
+        </p:nvSpPr>
+        <p:spPr/>
+        <p:txBody>
+          <a:bodyPr/>
+          <a:lstStyle/>
+          <a:p>
+            <a:fld id="{B8DACC02-A2BD-4578-8E03-6D891060A695}" type="slidenum">
+              <a:rPr lang="en-US" smtClean="0"/>
+              <a:pPr/>
+              <a:t>48</a:t>
+            </a:fld>
+            <a:endParaRPr lang="en-US" dirty="0"/>
+          </a:p>
+        </p:txBody>
+      </p:sp>
+    </p:spTree>
+    <p:extLst>
+      <p:ext uri="{BB962C8B-B14F-4D97-AF65-F5344CB8AC3E}">
+        <p14:creationId xmlns:p14="http://schemas.microsoft.com/office/powerpoint/2010/main" val="3003310574"/>
+      </p:ext>
+    </p:extLst>
+  </p:cSld>
+  <p:clrMapOvr>
+    <a:masterClrMapping/>
+  </p:clrMapOvr>
+</p:sld>
+</file>
+
+<file path=ppt/slides/slide49.xml><?xml version="1.0" encoding="utf-8"?>
+<p:sld xmlns:a="http://schemas.openxmlformats.org/drawingml/2006/main" xmlns:r="http://schemas.openxmlformats.org/officeDocument/2006/relationships" xmlns:p="http://schemas.openxmlformats.org/presentationml/2006/main">
+  <p:cSld>
+    <p:spTree>
+      <p:nvGrpSpPr>
+        <p:cNvPr id="1" name=""/>
+        <p:cNvGrpSpPr/>
+        <p:nvPr/>
+      </p:nvGrpSpPr>
+      <p:grpSpPr>
+        <a:xfrm>
+          <a:off x="0" y="0"/>
+          <a:ext cx="0" cy="0"/>
+          <a:chOff x="0" y="0"/>
+          <a:chExt cx="0" cy="0"/>
+        </a:xfrm>
+      </p:grpSpPr>
+      <p:sp>
+        <p:nvSpPr>
+          <p:cNvPr id="2" name="Title 1"/>
+          <p:cNvSpPr>
+            <a:spLocks noGrp="1"/>
+          </p:cNvSpPr>
+          <p:nvPr>
+            <p:ph type="title"/>
+          </p:nvPr>
+        </p:nvSpPr>
+        <p:spPr/>
+        <p:txBody>
+          <a:bodyPr/>
+          <a:lstStyle/>
+          <a:p>
+            <a:r>
+              <a:rPr lang="en-US" dirty="0"/>
+              <a:t>Minimum Viable Product (MVP)</a:t>
+            </a:r>
+          </a:p>
+        </p:txBody>
+      </p:sp>
+      <p:sp>
+        <p:nvSpPr>
+          <p:cNvPr id="3" name="Content Placeholder 2"/>
+          <p:cNvSpPr>
+            <a:spLocks noGrp="1"/>
+          </p:cNvSpPr>
+          <p:nvPr>
+            <p:ph idx="1"/>
+          </p:nvPr>
+        </p:nvSpPr>
+        <p:spPr/>
+        <p:txBody>
+          <a:bodyPr/>
+          <a:lstStyle/>
+          <a:p>
+            <a:r>
+              <a:rPr lang="en-US" dirty="0"/>
+              <a:t>A product or service with just enough features to gather feedback from early customers and validate the product's value proposition.</a:t>
+            </a:r>
+          </a:p>
+          <a:p>
+            <a:r>
+              <a:rPr lang="en-US" dirty="0"/>
+              <a:t>Reduces risk, saves time and resources, and helps validate product assumptions.</a:t>
+            </a:r>
+          </a:p>
+        </p:txBody>
+      </p:sp>
+      <p:sp>
+        <p:nvSpPr>
+          <p:cNvPr id="4" name="Slide Number Placeholder 3"/>
+          <p:cNvSpPr>
+            <a:spLocks noGrp="1"/>
+          </p:cNvSpPr>
+          <p:nvPr>
+            <p:ph type="sldNum" sz="quarter" idx="12"/>
+          </p:nvPr>
+        </p:nvSpPr>
+        <p:spPr/>
+        <p:txBody>
+          <a:bodyPr/>
+          <a:lstStyle/>
+          <a:p>
+            <a:fld id="{B8DACC02-A2BD-4578-8E03-6D891060A695}" type="slidenum">
+              <a:rPr lang="en-US" smtClean="0"/>
+              <a:pPr/>
+              <a:t>49</a:t>
             </a:fld>
             <a:endParaRPr lang="en-US" dirty="0"/>
           </a:p>
@@ -15977,7 +16041,7 @@
 </p:sld>
 </file>
 
-<file path=ppt/slides/slide47.xml><?xml version="1.0" encoding="utf-8"?>
+<file path=ppt/slides/slide5.xml><?xml version="1.0" encoding="utf-8"?>
 <p:sld xmlns:a="http://schemas.openxmlformats.org/drawingml/2006/main" xmlns:r="http://schemas.openxmlformats.org/officeDocument/2006/relationships" xmlns:p="http://schemas.openxmlformats.org/presentationml/2006/main">
   <p:cSld>
     <p:spTree>
@@ -16011,7 +16075,55 @@
           <a:p>
             <a:r>
               <a:rPr lang="en-US" dirty="0"/>
-              <a:t>Key Concepts in MVP</a:t>
+              <a:t>What is Development?</a:t>
+            </a:r>
+          </a:p>
+        </p:txBody>
+      </p:sp>
+      <p:sp>
+        <p:nvSpPr>
+          <p:cNvPr id="3" name="Content Placeholder 2"/>
+          <p:cNvSpPr>
+            <a:spLocks noGrp="1"/>
+          </p:cNvSpPr>
+          <p:nvPr>
+            <p:ph idx="1"/>
+          </p:nvPr>
+        </p:nvSpPr>
+        <p:spPr/>
+        <p:txBody>
+          <a:bodyPr/>
+          <a:lstStyle/>
+          <a:p>
+            <a:r>
+              <a:rPr lang="en-US" dirty="0"/>
+              <a:t>The process of designing, creating, testing, and maintaining software products.</a:t>
+            </a:r>
+          </a:p>
+          <a:p>
+            <a:r>
+              <a:rPr lang="en-US" dirty="0"/>
+              <a:t>Key stages of software development</a:t>
+            </a:r>
+          </a:p>
+          <a:p>
+            <a:pPr lvl="1"/>
+            <a:r>
+              <a:rPr lang="en-US" dirty="0"/>
+              <a:t>Requirements gathering, design, implementation, testing, deployment, and maintenance.</a:t>
+            </a:r>
+          </a:p>
+          <a:p>
+            <a:r>
+              <a:rPr lang="en-US" dirty="0"/>
+              <a:t>Importance of development in software entrepreneurship</a:t>
+            </a:r>
+          </a:p>
+          <a:p>
+            <a:pPr lvl="1"/>
+            <a:r>
+              <a:rPr lang="en-US" dirty="0"/>
+              <a:t>Turning ideas into functional products that meet customer needs.</a:t>
             </a:r>
           </a:p>
         </p:txBody>
@@ -16034,7 +16146,426 @@
             <a:fld id="{B8DACC02-A2BD-4578-8E03-6D891060A695}" type="slidenum">
               <a:rPr lang="en-US" smtClean="0"/>
               <a:pPr/>
-              <a:t>47</a:t>
+              <a:t>5</a:t>
+            </a:fld>
+            <a:endParaRPr lang="en-US" dirty="0"/>
+          </a:p>
+        </p:txBody>
+      </p:sp>
+    </p:spTree>
+    <p:extLst>
+      <p:ext uri="{BB962C8B-B14F-4D97-AF65-F5344CB8AC3E}">
+        <p14:creationId xmlns:p14="http://schemas.microsoft.com/office/powerpoint/2010/main" val="2739722245"/>
+      </p:ext>
+    </p:extLst>
+  </p:cSld>
+  <p:clrMapOvr>
+    <a:masterClrMapping/>
+  </p:clrMapOvr>
+</p:sld>
+</file>
+
+<file path=ppt/slides/slide50.xml><?xml version="1.0" encoding="utf-8"?>
+<p:sld xmlns:a="http://schemas.openxmlformats.org/drawingml/2006/main" xmlns:r="http://schemas.openxmlformats.org/officeDocument/2006/relationships" xmlns:p="http://schemas.openxmlformats.org/presentationml/2006/main">
+  <p:cSld>
+    <p:spTree>
+      <p:nvGrpSpPr>
+        <p:cNvPr id="1" name=""/>
+        <p:cNvGrpSpPr/>
+        <p:nvPr/>
+      </p:nvGrpSpPr>
+      <p:grpSpPr>
+        <a:xfrm>
+          <a:off x="0" y="0"/>
+          <a:ext cx="0" cy="0"/>
+          <a:chOff x="0" y="0"/>
+          <a:chExt cx="0" cy="0"/>
+        </a:xfrm>
+      </p:grpSpPr>
+      <p:sp>
+        <p:nvSpPr>
+          <p:cNvPr id="2" name="Title 1">
+            <a:extLst>
+              <a:ext uri="{FF2B5EF4-FFF2-40B4-BE49-F238E27FC236}">
+                <a16:creationId xmlns:a16="http://schemas.microsoft.com/office/drawing/2014/main" id="{6A9E38CE-F2D8-492A-882A-3F289422CAB7}"/>
+              </a:ext>
+            </a:extLst>
+          </p:cNvPr>
+          <p:cNvSpPr>
+            <a:spLocks noGrp="1"/>
+          </p:cNvSpPr>
+          <p:nvPr>
+            <p:ph type="title"/>
+          </p:nvPr>
+        </p:nvSpPr>
+        <p:spPr/>
+        <p:txBody>
+          <a:bodyPr>
+            <a:normAutofit/>
+          </a:bodyPr>
+          <a:lstStyle/>
+          <a:p>
+            <a:r>
+              <a:rPr lang="en-US" dirty="0"/>
+              <a:t>Benefits of MVP</a:t>
+            </a:r>
+          </a:p>
+        </p:txBody>
+      </p:sp>
+      <p:sp>
+        <p:nvSpPr>
+          <p:cNvPr id="3" name="Content Placeholder 2">
+            <a:extLst>
+              <a:ext uri="{FF2B5EF4-FFF2-40B4-BE49-F238E27FC236}">
+                <a16:creationId xmlns:a16="http://schemas.microsoft.com/office/drawing/2014/main" id="{DA7DECFB-94F5-43A4-B1EC-D25AA3904D0E}"/>
+              </a:ext>
+            </a:extLst>
+          </p:cNvPr>
+          <p:cNvSpPr>
+            <a:spLocks noGrp="1"/>
+          </p:cNvSpPr>
+          <p:nvPr>
+            <p:ph idx="1"/>
+          </p:nvPr>
+        </p:nvSpPr>
+        <p:spPr>
+          <a:xfrm>
+            <a:off x="347526" y="1288008"/>
+            <a:ext cx="11650767" cy="4746091"/>
+          </a:xfrm>
+        </p:spPr>
+        <p:txBody>
+          <a:bodyPr/>
+          <a:lstStyle/>
+          <a:p>
+            <a:pPr>
+              <a:lnSpc>
+                <a:spcPct val="150000"/>
+              </a:lnSpc>
+            </a:pPr>
+            <a:r>
+              <a:rPr lang="en-US" dirty="0"/>
+              <a:t>Reduced risk</a:t>
+            </a:r>
+          </a:p>
+          <a:p>
+            <a:pPr lvl="1">
+              <a:lnSpc>
+                <a:spcPct val="150000"/>
+              </a:lnSpc>
+            </a:pPr>
+            <a:r>
+              <a:rPr lang="en-US" dirty="0"/>
+              <a:t>Test the product's assumptions without investing a lot of time and resources.</a:t>
+            </a:r>
+          </a:p>
+          <a:p>
+            <a:pPr>
+              <a:lnSpc>
+                <a:spcPct val="150000"/>
+              </a:lnSpc>
+            </a:pPr>
+            <a:r>
+              <a:rPr lang="en-US" dirty="0"/>
+              <a:t>Faster time-to-market</a:t>
+            </a:r>
+          </a:p>
+          <a:p>
+            <a:pPr lvl="1">
+              <a:lnSpc>
+                <a:spcPct val="150000"/>
+              </a:lnSpc>
+            </a:pPr>
+            <a:r>
+              <a:rPr lang="en-US" dirty="0"/>
+              <a:t>Get your product to market quickly, which can give you a competitive advantage.</a:t>
+            </a:r>
+          </a:p>
+          <a:p>
+            <a:pPr>
+              <a:lnSpc>
+                <a:spcPct val="150000"/>
+              </a:lnSpc>
+            </a:pPr>
+            <a:r>
+              <a:rPr lang="en-US" dirty="0"/>
+              <a:t>Customer feedback</a:t>
+            </a:r>
+          </a:p>
+          <a:p>
+            <a:pPr lvl="1">
+              <a:lnSpc>
+                <a:spcPct val="150000"/>
+              </a:lnSpc>
+            </a:pPr>
+            <a:r>
+              <a:rPr lang="en-US" dirty="0"/>
+              <a:t>Gather feedback from early customers, which can help you validate the product's value proposition and improve the product.</a:t>
+            </a:r>
+          </a:p>
+        </p:txBody>
+      </p:sp>
+      <p:sp>
+        <p:nvSpPr>
+          <p:cNvPr id="4" name="Slide Number Placeholder 3">
+            <a:extLst>
+              <a:ext uri="{FF2B5EF4-FFF2-40B4-BE49-F238E27FC236}">
+                <a16:creationId xmlns:a16="http://schemas.microsoft.com/office/drawing/2014/main" id="{533F8944-C0F4-49A4-A463-504F8DE8AA77}"/>
+              </a:ext>
+            </a:extLst>
+          </p:cNvPr>
+          <p:cNvSpPr>
+            <a:spLocks noGrp="1"/>
+          </p:cNvSpPr>
+          <p:nvPr>
+            <p:ph type="sldNum" sz="quarter" idx="12"/>
+          </p:nvPr>
+        </p:nvSpPr>
+        <p:spPr/>
+        <p:txBody>
+          <a:bodyPr/>
+          <a:lstStyle/>
+          <a:p>
+            <a:fld id="{B8DACC02-A2BD-4578-8E03-6D891060A695}" type="slidenum">
+              <a:rPr lang="en-US" smtClean="0"/>
+              <a:pPr/>
+              <a:t>50</a:t>
+            </a:fld>
+            <a:endParaRPr lang="en-US" dirty="0"/>
+          </a:p>
+        </p:txBody>
+      </p:sp>
+    </p:spTree>
+    <p:extLst>
+      <p:ext uri="{BB962C8B-B14F-4D97-AF65-F5344CB8AC3E}">
+        <p14:creationId xmlns:p14="http://schemas.microsoft.com/office/powerpoint/2010/main" val="3559443721"/>
+      </p:ext>
+    </p:extLst>
+  </p:cSld>
+  <p:clrMapOvr>
+    <a:masterClrMapping/>
+  </p:clrMapOvr>
+</p:sld>
+</file>
+
+<file path=ppt/slides/slide51.xml><?xml version="1.0" encoding="utf-8"?>
+<p:sld xmlns:a="http://schemas.openxmlformats.org/drawingml/2006/main" xmlns:r="http://schemas.openxmlformats.org/officeDocument/2006/relationships" xmlns:p="http://schemas.openxmlformats.org/presentationml/2006/main">
+  <p:cSld>
+    <p:spTree>
+      <p:nvGrpSpPr>
+        <p:cNvPr id="1" name=""/>
+        <p:cNvGrpSpPr/>
+        <p:nvPr/>
+      </p:nvGrpSpPr>
+      <p:grpSpPr>
+        <a:xfrm>
+          <a:off x="0" y="0"/>
+          <a:ext cx="0" cy="0"/>
+          <a:chOff x="0" y="0"/>
+          <a:chExt cx="0" cy="0"/>
+        </a:xfrm>
+      </p:grpSpPr>
+      <p:sp>
+        <p:nvSpPr>
+          <p:cNvPr id="2" name="Title 1">
+            <a:extLst>
+              <a:ext uri="{FF2B5EF4-FFF2-40B4-BE49-F238E27FC236}">
+                <a16:creationId xmlns:a16="http://schemas.microsoft.com/office/drawing/2014/main" id="{90DFCA66-6D2D-49F8-8786-133716B1C2FC}"/>
+              </a:ext>
+            </a:extLst>
+          </p:cNvPr>
+          <p:cNvSpPr>
+            <a:spLocks noGrp="1"/>
+          </p:cNvSpPr>
+          <p:nvPr>
+            <p:ph type="title"/>
+          </p:nvPr>
+        </p:nvSpPr>
+        <p:spPr/>
+        <p:txBody>
+          <a:bodyPr/>
+          <a:lstStyle/>
+          <a:p>
+            <a:r>
+              <a:rPr lang="en-US" dirty="0"/>
+              <a:t>Benefits of MVP</a:t>
+            </a:r>
+          </a:p>
+        </p:txBody>
+      </p:sp>
+      <p:sp>
+        <p:nvSpPr>
+          <p:cNvPr id="3" name="Content Placeholder 2">
+            <a:extLst>
+              <a:ext uri="{FF2B5EF4-FFF2-40B4-BE49-F238E27FC236}">
+                <a16:creationId xmlns:a16="http://schemas.microsoft.com/office/drawing/2014/main" id="{D9DCE89F-4E8B-4084-8ADB-63FAF543D816}"/>
+              </a:ext>
+            </a:extLst>
+          </p:cNvPr>
+          <p:cNvSpPr>
+            <a:spLocks noGrp="1"/>
+          </p:cNvSpPr>
+          <p:nvPr>
+            <p:ph idx="1"/>
+          </p:nvPr>
+        </p:nvSpPr>
+        <p:spPr/>
+        <p:txBody>
+          <a:bodyPr/>
+          <a:lstStyle/>
+          <a:p>
+            <a:endParaRPr lang="en-US"/>
+          </a:p>
+        </p:txBody>
+      </p:sp>
+      <p:sp>
+        <p:nvSpPr>
+          <p:cNvPr id="4" name="Slide Number Placeholder 3">
+            <a:extLst>
+              <a:ext uri="{FF2B5EF4-FFF2-40B4-BE49-F238E27FC236}">
+                <a16:creationId xmlns:a16="http://schemas.microsoft.com/office/drawing/2014/main" id="{AD23C12F-4338-49BE-B5BD-C18BD910D450}"/>
+              </a:ext>
+            </a:extLst>
+          </p:cNvPr>
+          <p:cNvSpPr>
+            <a:spLocks noGrp="1"/>
+          </p:cNvSpPr>
+          <p:nvPr>
+            <p:ph type="sldNum" sz="quarter" idx="12"/>
+          </p:nvPr>
+        </p:nvSpPr>
+        <p:spPr/>
+        <p:txBody>
+          <a:bodyPr/>
+          <a:lstStyle/>
+          <a:p>
+            <a:fld id="{B8DACC02-A2BD-4578-8E03-6D891060A695}" type="slidenum">
+              <a:rPr lang="en-US" smtClean="0"/>
+              <a:pPr/>
+              <a:t>51</a:t>
+            </a:fld>
+            <a:endParaRPr lang="en-US" dirty="0"/>
+          </a:p>
+        </p:txBody>
+      </p:sp>
+      <p:pic>
+        <p:nvPicPr>
+          <p:cNvPr id="2050" name="Picture 2" descr="Benefits Of MVP Development Approach In Product Development">
+            <a:extLst>
+              <a:ext uri="{FF2B5EF4-FFF2-40B4-BE49-F238E27FC236}">
+                <a16:creationId xmlns:a16="http://schemas.microsoft.com/office/drawing/2014/main" id="{F9D44061-B050-4F0E-87BB-9BBC938E06E5}"/>
+              </a:ext>
+            </a:extLst>
+          </p:cNvPr>
+          <p:cNvPicPr>
+            <a:picLocks noChangeAspect="1" noChangeArrowheads="1"/>
+          </p:cNvPicPr>
+          <p:nvPr/>
+        </p:nvPicPr>
+        <p:blipFill>
+          <a:blip r:embed="rId2">
+            <a:extLst>
+              <a:ext uri="{28A0092B-C50C-407E-A947-70E740481C1C}">
+                <a14:useLocalDpi xmlns:a14="http://schemas.microsoft.com/office/drawing/2010/main" val="0"/>
+              </a:ext>
+            </a:extLst>
+          </a:blip>
+          <a:srcRect/>
+          <a:stretch>
+            <a:fillRect/>
+          </a:stretch>
+        </p:blipFill>
+        <p:spPr bwMode="auto">
+          <a:xfrm>
+            <a:off x="2438400" y="1841587"/>
+            <a:ext cx="7315200" cy="3876675"/>
+          </a:xfrm>
+          <a:prstGeom prst="rect">
+            <a:avLst/>
+          </a:prstGeom>
+          <a:noFill/>
+          <a:extLst>
+            <a:ext uri="{909E8E84-426E-40DD-AFC4-6F175D3DCCD1}">
+              <a14:hiddenFill xmlns:a14="http://schemas.microsoft.com/office/drawing/2010/main">
+                <a:solidFill>
+                  <a:srgbClr val="FFFFFF"/>
+                </a:solidFill>
+              </a14:hiddenFill>
+            </a:ext>
+          </a:extLst>
+        </p:spPr>
+      </p:pic>
+    </p:spTree>
+    <p:extLst>
+      <p:ext uri="{BB962C8B-B14F-4D97-AF65-F5344CB8AC3E}">
+        <p14:creationId xmlns:p14="http://schemas.microsoft.com/office/powerpoint/2010/main" val="1632166940"/>
+      </p:ext>
+    </p:extLst>
+  </p:cSld>
+  <p:clrMapOvr>
+    <a:masterClrMapping/>
+  </p:clrMapOvr>
+</p:sld>
+</file>
+
+<file path=ppt/slides/slide52.xml><?xml version="1.0" encoding="utf-8"?>
+<p:sld xmlns:a="http://schemas.openxmlformats.org/drawingml/2006/main" xmlns:r="http://schemas.openxmlformats.org/officeDocument/2006/relationships" xmlns:p="http://schemas.openxmlformats.org/presentationml/2006/main">
+  <p:cSld>
+    <p:spTree>
+      <p:nvGrpSpPr>
+        <p:cNvPr id="1" name=""/>
+        <p:cNvGrpSpPr/>
+        <p:nvPr/>
+      </p:nvGrpSpPr>
+      <p:grpSpPr>
+        <a:xfrm>
+          <a:off x="0" y="0"/>
+          <a:ext cx="0" cy="0"/>
+          <a:chOff x="0" y="0"/>
+          <a:chExt cx="0" cy="0"/>
+        </a:xfrm>
+      </p:grpSpPr>
+      <p:sp>
+        <p:nvSpPr>
+          <p:cNvPr id="2" name="Title 1"/>
+          <p:cNvSpPr>
+            <a:spLocks noGrp="1"/>
+          </p:cNvSpPr>
+          <p:nvPr>
+            <p:ph type="title"/>
+          </p:nvPr>
+        </p:nvSpPr>
+        <p:spPr/>
+        <p:txBody>
+          <a:bodyPr/>
+          <a:lstStyle/>
+          <a:p>
+            <a:r>
+              <a:rPr lang="en-US" dirty="0"/>
+              <a:t>Key Concepts in MVP</a:t>
+            </a:r>
+          </a:p>
+        </p:txBody>
+      </p:sp>
+      <p:sp>
+        <p:nvSpPr>
+          <p:cNvPr id="4" name="Slide Number Placeholder 3"/>
+          <p:cNvSpPr>
+            <a:spLocks noGrp="1"/>
+          </p:cNvSpPr>
+          <p:nvPr>
+            <p:ph type="sldNum" sz="quarter" idx="12"/>
+          </p:nvPr>
+        </p:nvSpPr>
+        <p:spPr/>
+        <p:txBody>
+          <a:bodyPr/>
+          <a:lstStyle/>
+          <a:p>
+            <a:fld id="{B8DACC02-A2BD-4578-8E03-6D891060A695}" type="slidenum">
+              <a:rPr lang="en-US" smtClean="0"/>
+              <a:pPr/>
+              <a:t>52</a:t>
             </a:fld>
             <a:endParaRPr lang="en-US" dirty="0"/>
           </a:p>
@@ -16050,7 +16581,7 @@
             <p:ph idx="1"/>
             <p:extLst>
               <p:ext uri="{D42A27DB-BD31-4B8C-83A1-F6EECF244321}">
-                <p14:modId xmlns:p14="http://schemas.microsoft.com/office/powerpoint/2010/main" val="1411807873"/>
+                <p14:modId xmlns:p14="http://schemas.microsoft.com/office/powerpoint/2010/main" val="1178416411"/>
               </p:ext>
             </p:extLst>
           </p:nvPr>
@@ -16078,7 +16609,7 @@
 </p:sld>
 </file>
 
-<file path=ppt/slides/slide48.xml><?xml version="1.0" encoding="utf-8"?>
+<file path=ppt/slides/slide53.xml><?xml version="1.0" encoding="utf-8"?>
 <p:sld xmlns:a="http://schemas.openxmlformats.org/drawingml/2006/main" xmlns:r="http://schemas.openxmlformats.org/officeDocument/2006/relationships" xmlns:p="http://schemas.openxmlformats.org/presentationml/2006/main">
   <p:cSld>
     <p:spTree>
@@ -16135,73 +16666,55 @@
           <a:lstStyle/>
           <a:p>
             <a:r>
-              <a:rPr lang="en-US" dirty="0" smtClean="0"/>
-              <a:t>Helps validate </a:t>
-            </a:r>
-            <a:r>
-              <a:rPr lang="en-US" dirty="0"/>
-              <a:t>product assumptions and ensures the product meets customer needs.</a:t>
-            </a:r>
-          </a:p>
-          <a:p>
-            <a:r>
-              <a:rPr lang="en-US" dirty="0" smtClean="0"/>
-              <a:t>Helps </a:t>
-            </a:r>
-            <a:r>
-              <a:rPr lang="en-US" dirty="0"/>
-              <a:t>identify usability issues and areas for improvement.</a:t>
-            </a:r>
-          </a:p>
-          <a:p>
-            <a:r>
-              <a:rPr lang="en-US" dirty="0" smtClean="0"/>
-              <a:t>Helps </a:t>
-            </a:r>
-            <a:r>
-              <a:rPr lang="en-US" dirty="0"/>
-              <a:t>build trust and rapport with early customers, which can lead to loyalty and positive word-of-mouth</a:t>
-            </a:r>
-            <a:r>
-              <a:rPr lang="en-US" dirty="0" smtClean="0"/>
-              <a:t>.</a:t>
-            </a:r>
-          </a:p>
-          <a:p>
-            <a:r>
-              <a:rPr lang="en-US" dirty="0" smtClean="0"/>
+              <a:rPr lang="en-US" dirty="0"/>
+              <a:t>Helps validate product assumptions and ensures the product meets customer needs.</a:t>
+            </a:r>
+          </a:p>
+          <a:p>
+            <a:r>
+              <a:rPr lang="en-US" dirty="0"/>
+              <a:t>Helps identify usability issues and areas for improvement.</a:t>
+            </a:r>
+          </a:p>
+          <a:p>
+            <a:r>
+              <a:rPr lang="en-US" dirty="0"/>
+              <a:t>Helps build trust and rapport with early customers, which can lead to loyalty and positive word-of-mouth.</a:t>
+            </a:r>
+          </a:p>
+          <a:p>
+            <a:r>
+              <a:rPr lang="en-US" dirty="0"/>
               <a:t>Methods:</a:t>
             </a:r>
           </a:p>
           <a:p>
             <a:pPr lvl="1"/>
             <a:r>
-              <a:rPr lang="en-US" dirty="0" smtClean="0"/>
+              <a:rPr lang="en-US" dirty="0"/>
               <a:t>Surveys</a:t>
             </a:r>
-            <a:endParaRPr lang="en-US" dirty="0"/>
           </a:p>
           <a:p>
             <a:pPr lvl="1"/>
             <a:r>
-              <a:rPr lang="en-US" dirty="0" smtClean="0"/>
+              <a:rPr lang="en-US" dirty="0"/>
               <a:t>Interviews</a:t>
             </a:r>
           </a:p>
           <a:p>
             <a:pPr lvl="1"/>
             <a:r>
-              <a:rPr lang="en-US" dirty="0" smtClean="0"/>
+              <a:rPr lang="en-US" dirty="0"/>
               <a:t>User testing</a:t>
             </a:r>
           </a:p>
           <a:p>
             <a:pPr lvl="1"/>
             <a:r>
-              <a:rPr lang="en-US" dirty="0" smtClean="0"/>
+              <a:rPr lang="en-US" dirty="0"/>
               <a:t>Focus groups</a:t>
             </a:r>
-            <a:endParaRPr lang="en-US" dirty="0"/>
           </a:p>
         </p:txBody>
       </p:sp>
@@ -16223,7 +16736,7 @@
             <a:fld id="{B8DACC02-A2BD-4578-8E03-6D891060A695}" type="slidenum">
               <a:rPr lang="en-US" smtClean="0"/>
               <a:pPr/>
-              <a:t>48</a:t>
+              <a:t>53</a:t>
             </a:fld>
             <a:endParaRPr lang="en-US" dirty="0"/>
           </a:p>
@@ -16242,7 +16755,7 @@
 </p:sld>
 </file>
 
-<file path=ppt/slides/slide49.xml><?xml version="1.0" encoding="utf-8"?>
+<file path=ppt/slides/slide54.xml><?xml version="1.0" encoding="utf-8"?>
 <p:sld xmlns:a="http://schemas.openxmlformats.org/drawingml/2006/main" xmlns:r="http://schemas.openxmlformats.org/officeDocument/2006/relationships" xmlns:p="http://schemas.openxmlformats.org/presentationml/2006/main">
   <p:cSld>
     <p:spTree>
@@ -16333,7 +16846,7 @@
             <a:fld id="{B8DACC02-A2BD-4578-8E03-6D891060A695}" type="slidenum">
               <a:rPr lang="en-US" smtClean="0"/>
               <a:pPr/>
-              <a:t>49</a:t>
+              <a:t>54</a:t>
             </a:fld>
             <a:endParaRPr lang="en-US" dirty="0"/>
           </a:p>
@@ -16352,7 +16865,7 @@
 </p:sld>
 </file>
 
-<file path=ppt/slides/slide5.xml><?xml version="1.0" encoding="utf-8"?>
+<file path=ppt/slides/slide55.xml><?xml version="1.0" encoding="utf-8"?>
 <p:sld xmlns:a="http://schemas.openxmlformats.org/drawingml/2006/main" xmlns:r="http://schemas.openxmlformats.org/officeDocument/2006/relationships" xmlns:p="http://schemas.openxmlformats.org/presentationml/2006/main">
   <p:cSld>
     <p:spTree>
@@ -16371,7 +16884,13 @@
       </p:grpSpPr>
       <p:sp>
         <p:nvSpPr>
-          <p:cNvPr id="2" name="Title 1"/>
+          <p:cNvPr id="2" name="Title 1">
+            <a:extLst>
+              <a:ext uri="{FF2B5EF4-FFF2-40B4-BE49-F238E27FC236}">
+                <a16:creationId xmlns:a16="http://schemas.microsoft.com/office/drawing/2014/main" id="{E766B482-5D90-4CED-9DBF-066333DE19BE}"/>
+              </a:ext>
+            </a:extLst>
+          </p:cNvPr>
           <p:cNvSpPr>
             <a:spLocks noGrp="1"/>
           </p:cNvSpPr>
@@ -16381,19 +16900,27 @@
         </p:nvSpPr>
         <p:spPr/>
         <p:txBody>
-          <a:bodyPr/>
-          <a:lstStyle/>
-          <a:p>
-            <a:r>
-              <a:rPr lang="en-US" dirty="0"/>
-              <a:t>What is Development?</a:t>
-            </a:r>
-          </a:p>
-        </p:txBody>
-      </p:sp>
-      <p:sp>
-        <p:nvSpPr>
-          <p:cNvPr id="3" name="Content Placeholder 2"/>
+          <a:bodyPr>
+            <a:normAutofit/>
+          </a:bodyPr>
+          <a:lstStyle/>
+          <a:p>
+            <a:r>
+              <a:rPr lang="en-US" dirty="0"/>
+              <a:t>MVP Roadmap</a:t>
+            </a:r>
+          </a:p>
+        </p:txBody>
+      </p:sp>
+      <p:sp>
+        <p:nvSpPr>
+          <p:cNvPr id="3" name="Content Placeholder 2">
+            <a:extLst>
+              <a:ext uri="{FF2B5EF4-FFF2-40B4-BE49-F238E27FC236}">
+                <a16:creationId xmlns:a16="http://schemas.microsoft.com/office/drawing/2014/main" id="{B671ABD6-1621-4255-A16B-39DBB20A1FE5}"/>
+              </a:ext>
+            </a:extLst>
+          </p:cNvPr>
           <p:cNvSpPr>
             <a:spLocks noGrp="1"/>
           </p:cNvSpPr>
@@ -16406,58 +16933,19 @@
           <a:bodyPr/>
           <a:lstStyle/>
           <a:p>
-            <a:r>
-              <a:rPr lang="en-US" dirty="0"/>
-              <a:t>The process of designing, creating, testing, and maintaining software products.</a:t>
-            </a:r>
-          </a:p>
-          <a:p>
-            <a:r>
-              <a:rPr lang="en-US" dirty="0"/>
-              <a:t>Key stages of software </a:t>
-            </a:r>
-            <a:r>
-              <a:rPr lang="en-US" dirty="0" smtClean="0"/>
-              <a:t>development</a:t>
-            </a:r>
-          </a:p>
-          <a:p>
-            <a:pPr lvl="1"/>
-            <a:r>
-              <a:rPr lang="en-US" dirty="0" smtClean="0"/>
-              <a:t>Requirements </a:t>
-            </a:r>
-            <a:r>
-              <a:rPr lang="en-US" dirty="0"/>
-              <a:t>gathering, design, implementation, testing, deployment, and maintenance.</a:t>
-            </a:r>
-          </a:p>
-          <a:p>
-            <a:r>
-              <a:rPr lang="en-US" dirty="0"/>
-              <a:t>Importance of development in software </a:t>
-            </a:r>
-            <a:r>
-              <a:rPr lang="en-US" dirty="0" smtClean="0"/>
-              <a:t>entrepreneurship</a:t>
-            </a:r>
-          </a:p>
-          <a:p>
-            <a:pPr lvl="1"/>
-            <a:r>
-              <a:rPr lang="en-US" dirty="0" smtClean="0"/>
-              <a:t>Turning </a:t>
-            </a:r>
-            <a:r>
-              <a:rPr lang="en-US" dirty="0"/>
-              <a:t>ideas into functional products that meet customer needs.</a:t>
-            </a:r>
-          </a:p>
-        </p:txBody>
-      </p:sp>
-      <p:sp>
-        <p:nvSpPr>
-          <p:cNvPr id="4" name="Slide Number Placeholder 3"/>
+            <a:endParaRPr lang="en-US"/>
+          </a:p>
+        </p:txBody>
+      </p:sp>
+      <p:sp>
+        <p:nvSpPr>
+          <p:cNvPr id="4" name="Slide Number Placeholder 3">
+            <a:extLst>
+              <a:ext uri="{FF2B5EF4-FFF2-40B4-BE49-F238E27FC236}">
+                <a16:creationId xmlns:a16="http://schemas.microsoft.com/office/drawing/2014/main" id="{27167B03-1B3C-46DC-8700-A936304DD7E3}"/>
+              </a:ext>
+            </a:extLst>
+          </p:cNvPr>
           <p:cNvSpPr>
             <a:spLocks noGrp="1"/>
           </p:cNvSpPr>
@@ -16473,16 +16961,435 @@
             <a:fld id="{B8DACC02-A2BD-4578-8E03-6D891060A695}" type="slidenum">
               <a:rPr lang="en-US" smtClean="0"/>
               <a:pPr/>
-              <a:t>5</a:t>
+              <a:t>55</a:t>
             </a:fld>
             <a:endParaRPr lang="en-US" dirty="0"/>
           </a:p>
         </p:txBody>
       </p:sp>
+      <p:pic>
+        <p:nvPicPr>
+          <p:cNvPr id="3074" name="Picture 2" descr="Guide to Minimum Viable Product: Make Something Out of Nothing - Cobbleweb">
+            <a:extLst>
+              <a:ext uri="{FF2B5EF4-FFF2-40B4-BE49-F238E27FC236}">
+                <a16:creationId xmlns:a16="http://schemas.microsoft.com/office/drawing/2014/main" id="{3B47BC76-1130-422B-9E21-34A10AC50A6D}"/>
+              </a:ext>
+            </a:extLst>
+          </p:cNvPr>
+          <p:cNvPicPr>
+            <a:picLocks noChangeAspect="1" noChangeArrowheads="1"/>
+          </p:cNvPicPr>
+          <p:nvPr/>
+        </p:nvPicPr>
+        <p:blipFill>
+          <a:blip r:embed="rId2">
+            <a:extLst>
+              <a:ext uri="{28A0092B-C50C-407E-A947-70E740481C1C}">
+                <a14:useLocalDpi xmlns:a14="http://schemas.microsoft.com/office/drawing/2010/main" val="0"/>
+              </a:ext>
+            </a:extLst>
+          </a:blip>
+          <a:srcRect/>
+          <a:stretch>
+            <a:fillRect/>
+          </a:stretch>
+        </p:blipFill>
+        <p:spPr bwMode="auto">
+          <a:xfrm>
+            <a:off x="2515309" y="1406880"/>
+            <a:ext cx="7315200" cy="4819650"/>
+          </a:xfrm>
+          <a:prstGeom prst="rect">
+            <a:avLst/>
+          </a:prstGeom>
+          <a:noFill/>
+          <a:extLst>
+            <a:ext uri="{909E8E84-426E-40DD-AFC4-6F175D3DCCD1}">
+              <a14:hiddenFill xmlns:a14="http://schemas.microsoft.com/office/drawing/2010/main">
+                <a:solidFill>
+                  <a:srgbClr val="FFFFFF"/>
+                </a:solidFill>
+              </a14:hiddenFill>
+            </a:ext>
+          </a:extLst>
+        </p:spPr>
+      </p:pic>
     </p:spTree>
     <p:extLst>
       <p:ext uri="{BB962C8B-B14F-4D97-AF65-F5344CB8AC3E}">
-        <p14:creationId xmlns:p14="http://schemas.microsoft.com/office/powerpoint/2010/main" val="2739722245"/>
+        <p14:creationId xmlns:p14="http://schemas.microsoft.com/office/powerpoint/2010/main" val="901574386"/>
+      </p:ext>
+    </p:extLst>
+  </p:cSld>
+  <p:clrMapOvr>
+    <a:masterClrMapping/>
+  </p:clrMapOvr>
+</p:sld>
+</file>
+
+<file path=ppt/slides/slide56.xml><?xml version="1.0" encoding="utf-8"?>
+<p:sld xmlns:a="http://schemas.openxmlformats.org/drawingml/2006/main" xmlns:r="http://schemas.openxmlformats.org/officeDocument/2006/relationships" xmlns:p="http://schemas.openxmlformats.org/presentationml/2006/main">
+  <p:cSld>
+    <p:spTree>
+      <p:nvGrpSpPr>
+        <p:cNvPr id="1" name=""/>
+        <p:cNvGrpSpPr/>
+        <p:nvPr/>
+      </p:nvGrpSpPr>
+      <p:grpSpPr>
+        <a:xfrm>
+          <a:off x="0" y="0"/>
+          <a:ext cx="0" cy="0"/>
+          <a:chOff x="0" y="0"/>
+          <a:chExt cx="0" cy="0"/>
+        </a:xfrm>
+      </p:grpSpPr>
+      <p:sp>
+        <p:nvSpPr>
+          <p:cNvPr id="2" name="Title 1">
+            <a:extLst>
+              <a:ext uri="{FF2B5EF4-FFF2-40B4-BE49-F238E27FC236}">
+                <a16:creationId xmlns:a16="http://schemas.microsoft.com/office/drawing/2014/main" id="{2EEB40C8-AA4B-4C2A-AB42-EB3811A6A25A}"/>
+              </a:ext>
+            </a:extLst>
+          </p:cNvPr>
+          <p:cNvSpPr>
+            <a:spLocks noGrp="1"/>
+          </p:cNvSpPr>
+          <p:nvPr>
+            <p:ph type="title"/>
+          </p:nvPr>
+        </p:nvSpPr>
+        <p:spPr/>
+        <p:txBody>
+          <a:bodyPr/>
+          <a:lstStyle/>
+          <a:p>
+            <a:r>
+              <a:rPr lang="en-US" dirty="0"/>
+              <a:t>Successful MVP Examples</a:t>
+            </a:r>
+          </a:p>
+        </p:txBody>
+      </p:sp>
+      <p:sp>
+        <p:nvSpPr>
+          <p:cNvPr id="3" name="Content Placeholder 2">
+            <a:extLst>
+              <a:ext uri="{FF2B5EF4-FFF2-40B4-BE49-F238E27FC236}">
+                <a16:creationId xmlns:a16="http://schemas.microsoft.com/office/drawing/2014/main" id="{D6CFD837-CCE3-4B60-AC67-2BC08B6EB582}"/>
+              </a:ext>
+            </a:extLst>
+          </p:cNvPr>
+          <p:cNvSpPr>
+            <a:spLocks noGrp="1"/>
+          </p:cNvSpPr>
+          <p:nvPr>
+            <p:ph idx="1"/>
+          </p:nvPr>
+        </p:nvSpPr>
+        <p:spPr/>
+        <p:txBody>
+          <a:bodyPr>
+            <a:normAutofit/>
+          </a:bodyPr>
+          <a:lstStyle/>
+          <a:p>
+            <a:r>
+              <a:rPr lang="en-US" dirty="0"/>
+              <a:t>The cost of building a prototype was too high. </a:t>
+            </a:r>
+          </a:p>
+          <a:p>
+            <a:r>
+              <a:rPr lang="en-US" dirty="0"/>
+              <a:t>To test their value proposition, Dropbox developed a low-fidelity MVP in the form of a video. </a:t>
+            </a:r>
+          </a:p>
+          <a:p>
+            <a:r>
+              <a:rPr lang="en-US" dirty="0"/>
+              <a:t>Using simple animation, this 3-minute video conveyed the basic functionality of the product and why someone would want to pay to use it. </a:t>
+            </a:r>
+          </a:p>
+          <a:p>
+            <a:r>
+              <a:rPr lang="en-US" dirty="0"/>
+              <a:t>Because of that video, 75,000 users signed up to use Dropbox before the product was developed. </a:t>
+            </a:r>
+          </a:p>
+          <a:p>
+            <a:r>
+              <a:rPr lang="en-US" dirty="0"/>
+              <a:t>This gave the founders the confidence they needed to proceed with their development.</a:t>
+            </a:r>
+          </a:p>
+        </p:txBody>
+      </p:sp>
+      <p:sp>
+        <p:nvSpPr>
+          <p:cNvPr id="4" name="Slide Number Placeholder 3">
+            <a:extLst>
+              <a:ext uri="{FF2B5EF4-FFF2-40B4-BE49-F238E27FC236}">
+                <a16:creationId xmlns:a16="http://schemas.microsoft.com/office/drawing/2014/main" id="{6EEF9E45-8EA1-4916-ACDF-2B0F6868F0EA}"/>
+              </a:ext>
+            </a:extLst>
+          </p:cNvPr>
+          <p:cNvSpPr>
+            <a:spLocks noGrp="1"/>
+          </p:cNvSpPr>
+          <p:nvPr>
+            <p:ph type="sldNum" sz="quarter" idx="12"/>
+          </p:nvPr>
+        </p:nvSpPr>
+        <p:spPr/>
+        <p:txBody>
+          <a:bodyPr/>
+          <a:lstStyle/>
+          <a:p>
+            <a:fld id="{B8DACC02-A2BD-4578-8E03-6D891060A695}" type="slidenum">
+              <a:rPr lang="en-US" smtClean="0"/>
+              <a:pPr/>
+              <a:t>56</a:t>
+            </a:fld>
+            <a:endParaRPr lang="en-US" dirty="0"/>
+          </a:p>
+        </p:txBody>
+      </p:sp>
+      <p:pic>
+        <p:nvPicPr>
+          <p:cNvPr id="4098" name="Picture 2" descr="https://www.cobbleweb.co.uk/wp/wp-content/uploads/2018/01/dropbox-2-1-1.png">
+            <a:extLst>
+              <a:ext uri="{FF2B5EF4-FFF2-40B4-BE49-F238E27FC236}">
+                <a16:creationId xmlns:a16="http://schemas.microsoft.com/office/drawing/2014/main" id="{2B41C3B9-5D64-43A7-824F-10DF5D0FF463}"/>
+              </a:ext>
+            </a:extLst>
+          </p:cNvPr>
+          <p:cNvPicPr>
+            <a:picLocks noChangeAspect="1" noChangeArrowheads="1"/>
+          </p:cNvPicPr>
+          <p:nvPr/>
+        </p:nvPicPr>
+        <p:blipFill>
+          <a:blip r:embed="rId2">
+            <a:extLst>
+              <a:ext uri="{28A0092B-C50C-407E-A947-70E740481C1C}">
+                <a14:useLocalDpi xmlns:a14="http://schemas.microsoft.com/office/drawing/2010/main" val="0"/>
+              </a:ext>
+            </a:extLst>
+          </a:blip>
+          <a:srcRect/>
+          <a:stretch>
+            <a:fillRect/>
+          </a:stretch>
+        </p:blipFill>
+        <p:spPr bwMode="auto">
+          <a:xfrm>
+            <a:off x="10552938" y="103586"/>
+            <a:ext cx="723900" cy="1000125"/>
+          </a:xfrm>
+          <a:prstGeom prst="rect">
+            <a:avLst/>
+          </a:prstGeom>
+          <a:noFill/>
+          <a:extLst>
+            <a:ext uri="{909E8E84-426E-40DD-AFC4-6F175D3DCCD1}">
+              <a14:hiddenFill xmlns:a14="http://schemas.microsoft.com/office/drawing/2010/main">
+                <a:solidFill>
+                  <a:srgbClr val="FFFFFF"/>
+                </a:solidFill>
+              </a14:hiddenFill>
+            </a:ext>
+          </a:extLst>
+        </p:spPr>
+      </p:pic>
+    </p:spTree>
+    <p:extLst>
+      <p:ext uri="{BB962C8B-B14F-4D97-AF65-F5344CB8AC3E}">
+        <p14:creationId xmlns:p14="http://schemas.microsoft.com/office/powerpoint/2010/main" val="1652856257"/>
+      </p:ext>
+    </p:extLst>
+  </p:cSld>
+  <p:clrMapOvr>
+    <a:masterClrMapping/>
+  </p:clrMapOvr>
+</p:sld>
+</file>
+
+<file path=ppt/slides/slide57.xml><?xml version="1.0" encoding="utf-8"?>
+<p:sld xmlns:a="http://schemas.openxmlformats.org/drawingml/2006/main" xmlns:r="http://schemas.openxmlformats.org/officeDocument/2006/relationships" xmlns:p="http://schemas.openxmlformats.org/presentationml/2006/main">
+  <p:cSld>
+    <p:spTree>
+      <p:nvGrpSpPr>
+        <p:cNvPr id="1" name=""/>
+        <p:cNvGrpSpPr/>
+        <p:nvPr/>
+      </p:nvGrpSpPr>
+      <p:grpSpPr>
+        <a:xfrm>
+          <a:off x="0" y="0"/>
+          <a:ext cx="0" cy="0"/>
+          <a:chOff x="0" y="0"/>
+          <a:chExt cx="0" cy="0"/>
+        </a:xfrm>
+      </p:grpSpPr>
+      <p:sp>
+        <p:nvSpPr>
+          <p:cNvPr id="2" name="Title 1">
+            <a:extLst>
+              <a:ext uri="{FF2B5EF4-FFF2-40B4-BE49-F238E27FC236}">
+                <a16:creationId xmlns:a16="http://schemas.microsoft.com/office/drawing/2014/main" id="{2EEB40C8-AA4B-4C2A-AB42-EB3811A6A25A}"/>
+              </a:ext>
+            </a:extLst>
+          </p:cNvPr>
+          <p:cNvSpPr>
+            <a:spLocks noGrp="1"/>
+          </p:cNvSpPr>
+          <p:nvPr>
+            <p:ph type="title"/>
+          </p:nvPr>
+        </p:nvSpPr>
+        <p:spPr/>
+        <p:txBody>
+          <a:bodyPr/>
+          <a:lstStyle/>
+          <a:p>
+            <a:r>
+              <a:rPr lang="en-US" dirty="0"/>
+              <a:t>Successful MVP Examples</a:t>
+            </a:r>
+          </a:p>
+        </p:txBody>
+      </p:sp>
+      <p:sp>
+        <p:nvSpPr>
+          <p:cNvPr id="3" name="Content Placeholder 2">
+            <a:extLst>
+              <a:ext uri="{FF2B5EF4-FFF2-40B4-BE49-F238E27FC236}">
+                <a16:creationId xmlns:a16="http://schemas.microsoft.com/office/drawing/2014/main" id="{D6CFD837-CCE3-4B60-AC67-2BC08B6EB582}"/>
+              </a:ext>
+            </a:extLst>
+          </p:cNvPr>
+          <p:cNvSpPr>
+            <a:spLocks noGrp="1"/>
+          </p:cNvSpPr>
+          <p:nvPr>
+            <p:ph idx="1"/>
+          </p:nvPr>
+        </p:nvSpPr>
+        <p:spPr/>
+        <p:txBody>
+          <a:bodyPr>
+            <a:normAutofit fontScale="92500" lnSpcReduction="10000"/>
+          </a:bodyPr>
+          <a:lstStyle/>
+          <a:p>
+            <a:r>
+              <a:rPr lang="en-US" dirty="0"/>
+              <a:t>To test the principle, the founders took pictures of their apartment and advertised online that it was available for rent during a popular conference in their town.</a:t>
+            </a:r>
+          </a:p>
+          <a:p>
+            <a:r>
+              <a:rPr lang="en-US" dirty="0"/>
+              <a:t>The founders were able to “book” their apartment for the entire duration of the conference to three separate, unrelated customers, validating their initial assumption. Further, the founders were able to interact with their guests during their stay.</a:t>
+            </a:r>
+          </a:p>
+          <a:p>
+            <a:r>
+              <a:rPr lang="en-US" dirty="0"/>
+              <a:t>The Airbnb founders used this experience to understand what potential customers might want and were able to generate a list of features to develop in the future.</a:t>
+            </a:r>
+          </a:p>
+          <a:p>
+            <a:r>
+              <a:rPr lang="en-US" dirty="0"/>
+              <a:t>Using this information, the founders then began to develop their now famous platform.</a:t>
+            </a:r>
+          </a:p>
+        </p:txBody>
+      </p:sp>
+      <p:sp>
+        <p:nvSpPr>
+          <p:cNvPr id="4" name="Slide Number Placeholder 3">
+            <a:extLst>
+              <a:ext uri="{FF2B5EF4-FFF2-40B4-BE49-F238E27FC236}">
+                <a16:creationId xmlns:a16="http://schemas.microsoft.com/office/drawing/2014/main" id="{6EEF9E45-8EA1-4916-ACDF-2B0F6868F0EA}"/>
+              </a:ext>
+            </a:extLst>
+          </p:cNvPr>
+          <p:cNvSpPr>
+            <a:spLocks noGrp="1"/>
+          </p:cNvSpPr>
+          <p:nvPr>
+            <p:ph type="sldNum" sz="quarter" idx="12"/>
+          </p:nvPr>
+        </p:nvSpPr>
+        <p:spPr/>
+        <p:txBody>
+          <a:bodyPr/>
+          <a:lstStyle/>
+          <a:p>
+            <a:fld id="{B8DACC02-A2BD-4578-8E03-6D891060A695}" type="slidenum">
+              <a:rPr lang="en-US" smtClean="0"/>
+              <a:pPr/>
+              <a:t>57</a:t>
+            </a:fld>
+            <a:endParaRPr lang="en-US" dirty="0"/>
+          </a:p>
+        </p:txBody>
+      </p:sp>
+      <p:pic>
+        <p:nvPicPr>
+          <p:cNvPr id="5122" name="Picture 2" descr="https://www.cobbleweb.co.uk/wp/wp-content/uploads/2018/01/airbnb-1.png">
+            <a:extLst>
+              <a:ext uri="{FF2B5EF4-FFF2-40B4-BE49-F238E27FC236}">
+                <a16:creationId xmlns:a16="http://schemas.microsoft.com/office/drawing/2014/main" id="{0A12E3A0-8B6E-4EDE-A2A6-E35869EEEBCF}"/>
+              </a:ext>
+            </a:extLst>
+          </p:cNvPr>
+          <p:cNvPicPr>
+            <a:picLocks noChangeAspect="1" noChangeArrowheads="1"/>
+          </p:cNvPicPr>
+          <p:nvPr/>
+        </p:nvPicPr>
+        <p:blipFill>
+          <a:blip r:embed="rId2">
+            <a:extLst>
+              <a:ext uri="{28A0092B-C50C-407E-A947-70E740481C1C}">
+                <a14:useLocalDpi xmlns:a14="http://schemas.microsoft.com/office/drawing/2010/main" val="0"/>
+              </a:ext>
+            </a:extLst>
+          </a:blip>
+          <a:srcRect/>
+          <a:stretch>
+            <a:fillRect/>
+          </a:stretch>
+        </p:blipFill>
+        <p:spPr bwMode="auto">
+          <a:xfrm>
+            <a:off x="9888855" y="375049"/>
+            <a:ext cx="1466850" cy="457200"/>
+          </a:xfrm>
+          <a:prstGeom prst="rect">
+            <a:avLst/>
+          </a:prstGeom>
+          <a:noFill/>
+          <a:extLst>
+            <a:ext uri="{909E8E84-426E-40DD-AFC4-6F175D3DCCD1}">
+              <a14:hiddenFill xmlns:a14="http://schemas.microsoft.com/office/drawing/2010/main">
+                <a:solidFill>
+                  <a:srgbClr val="FFFFFF"/>
+                </a:solidFill>
+              </a14:hiddenFill>
+            </a:ext>
+          </a:extLst>
+        </p:spPr>
+      </p:pic>
+    </p:spTree>
+    <p:extLst>
+      <p:ext uri="{BB962C8B-B14F-4D97-AF65-F5344CB8AC3E}">
+        <p14:creationId xmlns:p14="http://schemas.microsoft.com/office/powerpoint/2010/main" val="3290376929"/>
       </p:ext>
     </p:extLst>
   </p:cSld>
@@ -16547,54 +17454,34 @@
           <a:lstStyle/>
           <a:p>
             <a:r>
-              <a:rPr lang="en-US" dirty="0" smtClean="0"/>
-              <a:t>The </a:t>
-            </a:r>
-            <a:r>
-              <a:rPr lang="en-US" dirty="0"/>
-              <a:t>process of creating a preliminary or experimental model of a product, service, or system.</a:t>
-            </a:r>
-          </a:p>
-          <a:p>
-            <a:r>
-              <a:rPr lang="en-US" dirty="0"/>
-              <a:t>Key purposes of </a:t>
-            </a:r>
-            <a:r>
-              <a:rPr lang="en-US" dirty="0" smtClean="0"/>
-              <a:t>prototyping</a:t>
+              <a:rPr lang="en-US" dirty="0"/>
+              <a:t>The process of creating a preliminary or experimental model of a product, service, or system.</a:t>
+            </a:r>
+          </a:p>
+          <a:p>
+            <a:r>
+              <a:rPr lang="en-US" dirty="0"/>
+              <a:t>Key purposes of prototyping</a:t>
             </a:r>
           </a:p>
           <a:p>
             <a:pPr lvl="1"/>
             <a:r>
-              <a:rPr lang="en-US" dirty="0" smtClean="0"/>
-              <a:t>Testing</a:t>
-            </a:r>
-            <a:r>
-              <a:rPr lang="en-US" dirty="0"/>
-              <a:t>, validating, and refining ideas, identifying potential issues, and communicating concepts to stakeholders.</a:t>
-            </a:r>
-          </a:p>
-          <a:p>
-            <a:r>
-              <a:rPr lang="en-US" dirty="0"/>
-              <a:t>Importance of prototyping in software </a:t>
-            </a:r>
-            <a:r>
-              <a:rPr lang="en-US" dirty="0" smtClean="0"/>
-              <a:t>entrepreneurship</a:t>
+              <a:rPr lang="en-US" dirty="0"/>
+              <a:t>Testing, validating, and refining ideas, identifying potential issues, and communicating concepts to stakeholders.</a:t>
+            </a:r>
+          </a:p>
+          <a:p>
+            <a:r>
+              <a:rPr lang="en-US" dirty="0"/>
+              <a:t>Importance of prototyping in software entrepreneurship</a:t>
             </a:r>
           </a:p>
           <a:p>
             <a:pPr lvl="1"/>
             <a:r>
-              <a:rPr lang="en-US" dirty="0" smtClean="0"/>
-              <a:t>Allows </a:t>
-            </a:r>
-            <a:r>
-              <a:rPr lang="en-US" dirty="0"/>
-              <a:t>entrepreneurs to validate their ideas before investing time, money, and resources into a full-scale product development.</a:t>
+              <a:rPr lang="en-US" dirty="0"/>
+              <a:t>Allows entrepreneurs to validate their ideas before investing time, money, and resources into a full-scale product development.</a:t>
             </a:r>
           </a:p>
         </p:txBody>
@@ -16822,13 +17709,8 @@
           <a:p>
             <a:r>
               <a:rPr lang="en-US" dirty="0"/>
-              <a:t>Best practices for </a:t>
-            </a:r>
-            <a:r>
-              <a:rPr lang="en-US" dirty="0" smtClean="0"/>
-              <a:t>prototyping:</a:t>
-            </a:r>
-            <a:endParaRPr lang="en-US" dirty="0"/>
+              <a:t>Best practices for prototyping:</a:t>
+            </a:r>
           </a:p>
           <a:p>
             <a:pPr lvl="1"/>
@@ -16916,7 +17798,13 @@
       </p:grpSpPr>
       <p:sp>
         <p:nvSpPr>
-          <p:cNvPr id="5" name="Title 4"/>
+          <p:cNvPr id="2" name="Title 1">
+            <a:extLst>
+              <a:ext uri="{FF2B5EF4-FFF2-40B4-BE49-F238E27FC236}">
+                <a16:creationId xmlns:a16="http://schemas.microsoft.com/office/drawing/2014/main" id="{E0F607C7-5B93-4CCA-8BE7-E9D709A7E9C2}"/>
+              </a:ext>
+            </a:extLst>
+          </p:cNvPr>
           <p:cNvSpPr>
             <a:spLocks noGrp="1"/>
           </p:cNvSpPr>
@@ -16931,19 +17819,25 @@
           <a:p>
             <a:r>
               <a:rPr lang="en-US" dirty="0"/>
-              <a:t>Agile and Lean Principles</a:t>
-            </a:r>
-          </a:p>
-        </p:txBody>
-      </p:sp>
-      <p:sp>
-        <p:nvSpPr>
-          <p:cNvPr id="6" name="Text Placeholder 5"/>
-          <p:cNvSpPr>
-            <a:spLocks noGrp="1"/>
-          </p:cNvSpPr>
-          <p:nvPr>
-            <p:ph type="body" idx="1"/>
+              <a:t>Prototyping Stages</a:t>
+            </a:r>
+          </a:p>
+        </p:txBody>
+      </p:sp>
+      <p:sp>
+        <p:nvSpPr>
+          <p:cNvPr id="3" name="Content Placeholder 2">
+            <a:extLst>
+              <a:ext uri="{FF2B5EF4-FFF2-40B4-BE49-F238E27FC236}">
+                <a16:creationId xmlns:a16="http://schemas.microsoft.com/office/drawing/2014/main" id="{642981AF-6E60-4FFF-8999-186526F0B165}"/>
+              </a:ext>
+            </a:extLst>
+          </p:cNvPr>
+          <p:cNvSpPr>
+            <a:spLocks noGrp="1"/>
+          </p:cNvSpPr>
+          <p:nvPr>
+            <p:ph idx="1"/>
           </p:nvPr>
         </p:nvSpPr>
         <p:spPr/>
@@ -16957,7 +17851,13 @@
       </p:sp>
       <p:sp>
         <p:nvSpPr>
-          <p:cNvPr id="4" name="Slide Number Placeholder 3"/>
+          <p:cNvPr id="4" name="Slide Number Placeholder 3">
+            <a:extLst>
+              <a:ext uri="{FF2B5EF4-FFF2-40B4-BE49-F238E27FC236}">
+                <a16:creationId xmlns:a16="http://schemas.microsoft.com/office/drawing/2014/main" id="{CF9CDAB1-2ED1-46DD-A746-F0C105161DFF}"/>
+              </a:ext>
+            </a:extLst>
+          </p:cNvPr>
           <p:cNvSpPr>
             <a:spLocks noGrp="1"/>
           </p:cNvSpPr>
@@ -16979,10 +17879,55 @@
           </a:p>
         </p:txBody>
       </p:sp>
+      <p:pic>
+        <p:nvPicPr>
+          <p:cNvPr id="1028" name="Picture 4" descr="Prototyping: Five Steps from Concept to Reality | SEA-LECT Plastics |  Plastic Injection Molding">
+            <a:extLst>
+              <a:ext uri="{FF2B5EF4-FFF2-40B4-BE49-F238E27FC236}">
+                <a16:creationId xmlns:a16="http://schemas.microsoft.com/office/drawing/2014/main" id="{35B1C08E-862D-4A0B-B1A4-62C4A80CB7F2}"/>
+              </a:ext>
+            </a:extLst>
+          </p:cNvPr>
+          <p:cNvPicPr>
+            <a:picLocks noChangeAspect="1" noChangeArrowheads="1"/>
+          </p:cNvPicPr>
+          <p:nvPr/>
+        </p:nvPicPr>
+        <p:blipFill rotWithShape="1">
+          <a:blip r:embed="rId2">
+            <a:extLst>
+              <a:ext uri="{28A0092B-C50C-407E-A947-70E740481C1C}">
+                <a14:useLocalDpi xmlns:a14="http://schemas.microsoft.com/office/drawing/2010/main" val="0"/>
+              </a:ext>
+            </a:extLst>
+          </a:blip>
+          <a:srcRect l="2347" t="14134" r="4212" b="7067"/>
+          <a:stretch/>
+        </p:blipFill>
+        <p:spPr bwMode="auto">
+          <a:xfrm>
+            <a:off x="1170432" y="1448777"/>
+            <a:ext cx="9491472" cy="4802620"/>
+          </a:xfrm>
+          <a:prstGeom prst="rect">
+            <a:avLst/>
+          </a:prstGeom>
+          <a:noFill/>
+          <a:extLst>
+            <a:ext uri="{909E8E84-426E-40DD-AFC4-6F175D3DCCD1}">
+              <a14:hiddenFill xmlns:a14="http://schemas.microsoft.com/office/drawing/2010/main">
+                <a:solidFill>
+                  <a:srgbClr val="FFFFFF"/>
+                </a:solidFill>
+              </a14:hiddenFill>
+            </a:ext>
+          </a:extLst>
+        </p:spPr>
+      </p:pic>
     </p:spTree>
     <p:extLst>
       <p:ext uri="{BB962C8B-B14F-4D97-AF65-F5344CB8AC3E}">
-        <p14:creationId xmlns:p14="http://schemas.microsoft.com/office/powerpoint/2010/main" val="2208372647"/>
+        <p14:creationId xmlns:p14="http://schemas.microsoft.com/office/powerpoint/2010/main" val="1356939173"/>
       </p:ext>
     </p:extLst>
   </p:cSld>

--- a/SE495/Lectures/4-Development and Prototyping/Development and Prototyping.pptx
+++ b/SE495/Lectures/4-Development and Prototyping/Development and Prototyping.pptx
@@ -5,7 +5,7 @@
     <p:sldMasterId id="2147483648" r:id="rId1"/>
   </p:sldMasterIdLst>
   <p:notesMasterIdLst>
-    <p:notesMasterId r:id="rId59"/>
+    <p:notesMasterId r:id="rId62"/>
   </p:notesMasterIdLst>
   <p:sldIdLst>
     <p:sldId id="256" r:id="rId2"/>
@@ -23,48 +23,51 @@
     <p:sldId id="756" r:id="rId14"/>
     <p:sldId id="758" r:id="rId15"/>
     <p:sldId id="759" r:id="rId16"/>
-    <p:sldId id="760" r:id="rId17"/>
-    <p:sldId id="761" r:id="rId18"/>
-    <p:sldId id="796" r:id="rId19"/>
-    <p:sldId id="762" r:id="rId20"/>
-    <p:sldId id="797" r:id="rId21"/>
-    <p:sldId id="763" r:id="rId22"/>
-    <p:sldId id="765" r:id="rId23"/>
-    <p:sldId id="764" r:id="rId24"/>
-    <p:sldId id="766" r:id="rId25"/>
-    <p:sldId id="767" r:id="rId26"/>
-    <p:sldId id="768" r:id="rId27"/>
-    <p:sldId id="769" r:id="rId28"/>
-    <p:sldId id="770" r:id="rId29"/>
-    <p:sldId id="771" r:id="rId30"/>
-    <p:sldId id="773" r:id="rId31"/>
-    <p:sldId id="772" r:id="rId32"/>
-    <p:sldId id="774" r:id="rId33"/>
-    <p:sldId id="775" r:id="rId34"/>
-    <p:sldId id="776" r:id="rId35"/>
-    <p:sldId id="777" r:id="rId36"/>
-    <p:sldId id="778" r:id="rId37"/>
-    <p:sldId id="779" r:id="rId38"/>
-    <p:sldId id="786" r:id="rId39"/>
-    <p:sldId id="785" r:id="rId40"/>
-    <p:sldId id="787" r:id="rId41"/>
-    <p:sldId id="788" r:id="rId42"/>
-    <p:sldId id="789" r:id="rId43"/>
-    <p:sldId id="791" r:id="rId44"/>
-    <p:sldId id="792" r:id="rId45"/>
-    <p:sldId id="790" r:id="rId46"/>
-    <p:sldId id="793" r:id="rId47"/>
-    <p:sldId id="794" r:id="rId48"/>
-    <p:sldId id="781" r:id="rId49"/>
-    <p:sldId id="780" r:id="rId50"/>
-    <p:sldId id="798" r:id="rId51"/>
-    <p:sldId id="799" r:id="rId52"/>
-    <p:sldId id="782" r:id="rId53"/>
-    <p:sldId id="783" r:id="rId54"/>
-    <p:sldId id="784" r:id="rId55"/>
-    <p:sldId id="800" r:id="rId56"/>
-    <p:sldId id="801" r:id="rId57"/>
-    <p:sldId id="802" r:id="rId58"/>
+    <p:sldId id="804" r:id="rId17"/>
+    <p:sldId id="760" r:id="rId18"/>
+    <p:sldId id="761" r:id="rId19"/>
+    <p:sldId id="796" r:id="rId20"/>
+    <p:sldId id="805" r:id="rId21"/>
+    <p:sldId id="762" r:id="rId22"/>
+    <p:sldId id="797" r:id="rId23"/>
+    <p:sldId id="763" r:id="rId24"/>
+    <p:sldId id="765" r:id="rId25"/>
+    <p:sldId id="764" r:id="rId26"/>
+    <p:sldId id="766" r:id="rId27"/>
+    <p:sldId id="767" r:id="rId28"/>
+    <p:sldId id="768" r:id="rId29"/>
+    <p:sldId id="769" r:id="rId30"/>
+    <p:sldId id="770" r:id="rId31"/>
+    <p:sldId id="771" r:id="rId32"/>
+    <p:sldId id="773" r:id="rId33"/>
+    <p:sldId id="772" r:id="rId34"/>
+    <p:sldId id="774" r:id="rId35"/>
+    <p:sldId id="775" r:id="rId36"/>
+    <p:sldId id="776" r:id="rId37"/>
+    <p:sldId id="777" r:id="rId38"/>
+    <p:sldId id="778" r:id="rId39"/>
+    <p:sldId id="779" r:id="rId40"/>
+    <p:sldId id="786" r:id="rId41"/>
+    <p:sldId id="785" r:id="rId42"/>
+    <p:sldId id="787" r:id="rId43"/>
+    <p:sldId id="788" r:id="rId44"/>
+    <p:sldId id="789" r:id="rId45"/>
+    <p:sldId id="791" r:id="rId46"/>
+    <p:sldId id="792" r:id="rId47"/>
+    <p:sldId id="790" r:id="rId48"/>
+    <p:sldId id="793" r:id="rId49"/>
+    <p:sldId id="794" r:id="rId50"/>
+    <p:sldId id="781" r:id="rId51"/>
+    <p:sldId id="780" r:id="rId52"/>
+    <p:sldId id="798" r:id="rId53"/>
+    <p:sldId id="799" r:id="rId54"/>
+    <p:sldId id="782" r:id="rId55"/>
+    <p:sldId id="783" r:id="rId56"/>
+    <p:sldId id="784" r:id="rId57"/>
+    <p:sldId id="803" r:id="rId58"/>
+    <p:sldId id="800" r:id="rId59"/>
+    <p:sldId id="801" r:id="rId60"/>
+    <p:sldId id="802" r:id="rId61"/>
   </p:sldIdLst>
   <p:sldSz cx="12192000" cy="6858000"/>
   <p:notesSz cx="6858000" cy="9144000"/>
@@ -1839,7 +1842,7 @@
             <a:rPr lang="en-US" b="1" dirty="0">
               <a:latin typeface="Candara" panose="020E0502030303020204" pitchFamily="34" charset="0"/>
             </a:rPr>
-            <a:t>User testing</a:t>
+            <a:t>User Testing</a:t>
           </a:r>
         </a:p>
       </dgm:t>
@@ -1926,7 +1929,7 @@
             <a:rPr lang="en-US" b="1" i="0" dirty="0">
               <a:latin typeface="Candara" panose="020E0502030303020204" pitchFamily="34" charset="0"/>
             </a:rPr>
-            <a:t>A/B testing</a:t>
+            <a:t>A/B Testing</a:t>
           </a:r>
           <a:endParaRPr lang="en-US" b="1" dirty="0">
             <a:latin typeface="Candara" panose="020E0502030303020204" pitchFamily="34" charset="0"/>
@@ -2016,7 +2019,7 @@
             <a:rPr lang="en-US" b="1" dirty="0">
               <a:latin typeface="Candara" panose="020E0502030303020204" pitchFamily="34" charset="0"/>
             </a:rPr>
-            <a:t>Unit testing</a:t>
+            <a:t>Unit Testing</a:t>
           </a:r>
         </a:p>
       </dgm:t>
@@ -2238,7 +2241,7 @@
             <a:rPr lang="en-US" b="1" i="0" dirty="0">
               <a:latin typeface="Candara" panose="020E0502030303020204" pitchFamily="34" charset="0"/>
             </a:rPr>
-            <a:t>Iterative development</a:t>
+            <a:t>Iterative Development</a:t>
           </a:r>
           <a:endParaRPr lang="en-US" b="1" dirty="0">
             <a:latin typeface="Candara" panose="020E0502030303020204" pitchFamily="34" charset="0"/>
@@ -2325,10 +2328,10 @@
         <a:lstStyle/>
         <a:p>
           <a:r>
-            <a:rPr lang="en-US" b="1" i="0">
+            <a:rPr lang="en-US" b="1" i="0" dirty="0">
               <a:latin typeface="Candara" panose="020E0502030303020204" pitchFamily="34" charset="0"/>
             </a:rPr>
-            <a:t>Customer feedback</a:t>
+            <a:t>Customer Feedback</a:t>
           </a:r>
           <a:endParaRPr lang="en-US" b="1" dirty="0">
             <a:latin typeface="Candara" panose="020E0502030303020204" pitchFamily="34" charset="0"/>
@@ -2415,10 +2418,10 @@
         <a:lstStyle/>
         <a:p>
           <a:r>
-            <a:rPr lang="en-US" b="1" i="0">
+            <a:rPr lang="en-US" b="1" i="0" dirty="0">
               <a:latin typeface="Candara" panose="020E0502030303020204" pitchFamily="34" charset="0"/>
             </a:rPr>
-            <a:t>Minimizing waste</a:t>
+            <a:t>Minimizing Waste</a:t>
           </a:r>
           <a:endParaRPr lang="en-US" b="1" dirty="0">
             <a:latin typeface="Candara" panose="020E0502030303020204" pitchFamily="34" charset="0"/>
@@ -2698,7 +2701,7 @@
             <a:rPr lang="en-US" sz="3100" b="1" kern="1200" dirty="0">
               <a:latin typeface="Candara" panose="020E0502030303020204" pitchFamily="34" charset="0"/>
             </a:rPr>
-            <a:t>User testing</a:t>
+            <a:t>User Testing</a:t>
           </a:r>
         </a:p>
       </dsp:txBody>
@@ -2863,7 +2866,7 @@
             <a:rPr lang="en-US" sz="3100" b="1" i="0" kern="1200" dirty="0">
               <a:latin typeface="Candara" panose="020E0502030303020204" pitchFamily="34" charset="0"/>
             </a:rPr>
-            <a:t>A/B testing</a:t>
+            <a:t>A/B Testing</a:t>
           </a:r>
           <a:endParaRPr lang="en-US" sz="3100" b="1" kern="1200" dirty="0">
             <a:latin typeface="Candara" panose="020E0502030303020204" pitchFamily="34" charset="0"/>
@@ -3031,7 +3034,7 @@
             <a:rPr lang="en-US" sz="3100" b="1" kern="1200" dirty="0">
               <a:latin typeface="Candara" panose="020E0502030303020204" pitchFamily="34" charset="0"/>
             </a:rPr>
-            <a:t>Unit testing</a:t>
+            <a:t>Unit Testing</a:t>
           </a:r>
         </a:p>
       </dsp:txBody>
@@ -3208,7 +3211,7 @@
             <a:rPr lang="en-US" sz="2900" b="1" i="0" kern="1200" dirty="0">
               <a:latin typeface="Candara" panose="020E0502030303020204" pitchFamily="34" charset="0"/>
             </a:rPr>
-            <a:t>Iterative development</a:t>
+            <a:t>Iterative Development</a:t>
           </a:r>
           <a:endParaRPr lang="en-US" sz="2900" b="1" kern="1200" dirty="0">
             <a:latin typeface="Candara" panose="020E0502030303020204" pitchFamily="34" charset="0"/>
@@ -3373,10 +3376,10 @@
             <a:buNone/>
           </a:pPr>
           <a:r>
-            <a:rPr lang="en-US" sz="2900" b="1" i="0" kern="1200">
+            <a:rPr lang="en-US" sz="2900" b="1" i="0" kern="1200" dirty="0">
               <a:latin typeface="Candara" panose="020E0502030303020204" pitchFamily="34" charset="0"/>
             </a:rPr>
-            <a:t>Customer feedback</a:t>
+            <a:t>Customer Feedback</a:t>
           </a:r>
           <a:endParaRPr lang="en-US" sz="2900" b="1" kern="1200" dirty="0">
             <a:latin typeface="Candara" panose="020E0502030303020204" pitchFamily="34" charset="0"/>
@@ -3541,10 +3544,10 @@
             <a:buNone/>
           </a:pPr>
           <a:r>
-            <a:rPr lang="en-US" sz="2900" b="1" i="0" kern="1200">
+            <a:rPr lang="en-US" sz="2900" b="1" i="0" kern="1200" dirty="0">
               <a:latin typeface="Candara" panose="020E0502030303020204" pitchFamily="34" charset="0"/>
             </a:rPr>
-            <a:t>Minimizing waste</a:t>
+            <a:t>Minimizing Waste</a:t>
           </a:r>
           <a:endParaRPr lang="en-US" sz="2900" b="1" kern="1200" dirty="0">
             <a:latin typeface="Candara" panose="020E0502030303020204" pitchFamily="34" charset="0"/>
@@ -6228,7 +6231,7 @@
           <a:p>
             <a:fld id="{41DA9887-9249-49FD-809A-BACB264048C3}" type="datetimeFigureOut">
               <a:rPr lang="en-US" smtClean="0"/>
-              <a:t>1/29/2024</a:t>
+              <a:t>1/30/2024</a:t>
             </a:fld>
             <a:endParaRPr lang="en-US"/>
           </a:p>
@@ -6630,7 +6633,7 @@
           <a:p>
             <a:fld id="{EF213E56-3C1A-435A-851B-5B1F221C2038}" type="datetime1">
               <a:rPr lang="en-US" smtClean="0"/>
-              <a:t>1/29/2024</a:t>
+              <a:t>1/30/2024</a:t>
             </a:fld>
             <a:endParaRPr lang="en-US"/>
           </a:p>
@@ -6931,7 +6934,7 @@
           <a:p>
             <a:fld id="{B4696837-4851-4AA6-8AED-554226C981D1}" type="datetime1">
               <a:rPr lang="en-US" smtClean="0"/>
-              <a:t>1/29/2024</a:t>
+              <a:t>1/30/2024</a:t>
             </a:fld>
             <a:endParaRPr lang="en-US"/>
           </a:p>
@@ -7109,7 +7112,7 @@
           <a:p>
             <a:fld id="{BADD32E1-BB70-4827-BA33-FF5AFC435BE9}" type="datetime1">
               <a:rPr lang="en-US" smtClean="0"/>
-              <a:t>1/29/2024</a:t>
+              <a:t>1/30/2024</a:t>
             </a:fld>
             <a:endParaRPr lang="en-US"/>
           </a:p>
@@ -7352,7 +7355,7 @@
             </a:pPr>
             <a:fld id="{40B9EAF6-54F2-4DF5-9C6B-3F6F95B86356}" type="datetime1">
               <a:rPr lang="en-US" smtClean="0"/>
-              <a:t>1/29/2024</a:t>
+              <a:t>1/30/2024</a:t>
             </a:fld>
             <a:endParaRPr lang="en-US"/>
           </a:p>
@@ -7532,7 +7535,7 @@
             </a:pPr>
             <a:fld id="{D3D64A56-6FF4-479A-8655-719A18A98C4B}" type="datetime1">
               <a:rPr lang="en-US" smtClean="0"/>
-              <a:t>1/29/2024</a:t>
+              <a:t>1/30/2024</a:t>
             </a:fld>
             <a:endParaRPr lang="en-US"/>
           </a:p>
@@ -7813,7 +7816,7 @@
           <a:p>
             <a:fld id="{BB961044-FC46-4CBC-9061-59528F4899F3}" type="datetime1">
               <a:rPr lang="en-US" smtClean="0"/>
-              <a:t>1/29/2024</a:t>
+              <a:t>1/30/2024</a:t>
             </a:fld>
             <a:endParaRPr lang="en-US"/>
           </a:p>
@@ -8163,7 +8166,7 @@
           <a:p>
             <a:fld id="{4466A08C-77F3-471E-A5C4-1D2068144BAC}" type="datetime1">
               <a:rPr lang="en-US" smtClean="0"/>
-              <a:t>1/29/2024</a:t>
+              <a:t>1/30/2024</a:t>
             </a:fld>
             <a:endParaRPr lang="en-US"/>
           </a:p>
@@ -8392,7 +8395,7 @@
           <a:p>
             <a:fld id="{B90A7AD1-16F4-44C3-AE32-24C59A599E9D}" type="datetime1">
               <a:rPr lang="en-US" smtClean="0"/>
-              <a:t>1/29/2024</a:t>
+              <a:t>1/30/2024</a:t>
             </a:fld>
             <a:endParaRPr lang="en-US"/>
           </a:p>
@@ -8756,7 +8759,7 @@
           <a:p>
             <a:fld id="{B583DB4F-4316-4DF5-A229-BC1D787C82A0}" type="datetime1">
               <a:rPr lang="en-US" smtClean="0"/>
-              <a:t>1/29/2024</a:t>
+              <a:t>1/30/2024</a:t>
             </a:fld>
             <a:endParaRPr lang="en-US"/>
           </a:p>
@@ -8851,7 +8854,7 @@
           <a:p>
             <a:fld id="{AE6064B7-7A9F-432D-B7B9-6824267AA574}" type="datetime1">
               <a:rPr lang="en-US" smtClean="0"/>
-              <a:t>1/29/2024</a:t>
+              <a:t>1/30/2024</a:t>
             </a:fld>
             <a:endParaRPr lang="en-US"/>
           </a:p>
@@ -9076,7 +9079,7 @@
             <a:fld id="{B2F5E2FA-C428-4CE7-95B0-168D3259A5BB}" type="datetimeFigureOut">
               <a:rPr lang="en-US" smtClean="0"/>
               <a:pPr/>
-              <a:t>1/29/2024</a:t>
+              <a:t>1/30/2024</a:t>
             </a:fld>
             <a:endParaRPr lang="en-US"/>
           </a:p>
@@ -9253,7 +9256,7 @@
           <a:p>
             <a:fld id="{4E1C93A2-B712-486A-8AB5-D41B95D547BE}" type="datetime1">
               <a:rPr lang="en-US" smtClean="0"/>
-              <a:t>1/29/2024</a:t>
+              <a:t>1/30/2024</a:t>
             </a:fld>
             <a:endParaRPr lang="en-US"/>
           </a:p>
@@ -9528,7 +9531,7 @@
           <a:p>
             <a:fld id="{CAB2F318-F19F-4608-B7EF-F7FB8A482213}" type="datetime1">
               <a:rPr lang="en-US" smtClean="0"/>
-              <a:t>1/29/2024</a:t>
+              <a:t>1/30/2024</a:t>
             </a:fld>
             <a:endParaRPr lang="en-US"/>
           </a:p>
@@ -9780,7 +9783,7 @@
           <a:p>
             <a:fld id="{BB9CEF8C-69D6-4C3E-B892-F682F307A7B6}" type="datetime1">
               <a:rPr lang="en-US" smtClean="0"/>
-              <a:t>1/29/2024</a:t>
+              <a:t>1/30/2024</a:t>
             </a:fld>
             <a:endParaRPr lang="en-US"/>
           </a:p>
@@ -9991,7 +9994,7 @@
           <a:p>
             <a:fld id="{FB737C73-4A31-4C17-AFB7-7B8470027787}" type="datetime1">
               <a:rPr lang="en-US" smtClean="0"/>
-              <a:t>1/29/2024</a:t>
+              <a:t>1/30/2024</a:t>
             </a:fld>
             <a:endParaRPr lang="en-US"/>
           </a:p>
@@ -11283,61 +11286,7 @@
           <a:p>
             <a:r>
               <a:rPr lang="en-US" dirty="0"/>
-              <a:t>Minimizing Waste</a:t>
-            </a:r>
-          </a:p>
-        </p:txBody>
-      </p:sp>
-      <p:sp>
-        <p:nvSpPr>
-          <p:cNvPr id="3" name="Content Placeholder 2"/>
-          <p:cNvSpPr>
-            <a:spLocks noGrp="1"/>
-          </p:cNvSpPr>
-          <p:nvPr>
-            <p:ph idx="1"/>
-          </p:nvPr>
-        </p:nvSpPr>
-        <p:spPr/>
-        <p:txBody>
-          <a:bodyPr/>
-          <a:lstStyle/>
-          <a:p>
-            <a:r>
-              <a:rPr lang="en-US" dirty="0"/>
-              <a:t>Any activity that does not add value to the product or service.</a:t>
-            </a:r>
-          </a:p>
-          <a:p>
-            <a:r>
-              <a:rPr lang="en-US" dirty="0"/>
-              <a:t>Types of waste</a:t>
-            </a:r>
-          </a:p>
-          <a:p>
-            <a:pPr lvl="1"/>
-            <a:r>
-              <a:rPr lang="en-US" dirty="0"/>
-              <a:t>Extra processes, unnecessary features, excessive meetings, and unnecessary overhead.</a:t>
-            </a:r>
-          </a:p>
-          <a:p>
-            <a:r>
-              <a:rPr lang="en-US" dirty="0"/>
-              <a:t>Key benefits</a:t>
-            </a:r>
-          </a:p>
-          <a:p>
-            <a:pPr lvl="1"/>
-            <a:r>
-              <a:rPr lang="en-US" dirty="0"/>
-              <a:t>Reduced costs, increased efficiency, and faster time-to-market.</a:t>
-            </a:r>
-          </a:p>
-          <a:p>
-            <a:r>
-              <a:rPr lang="en-US" dirty="0"/>
-              <a:t>Example: Identifying and eliminating unnecessary steps in the development process.</a:t>
+              <a:t>Customer Feedback</a:t>
             </a:r>
           </a:p>
         </p:txBody>
@@ -11366,10 +11315,55 @@
           </a:p>
         </p:txBody>
       </p:sp>
+      <p:pic>
+        <p:nvPicPr>
+          <p:cNvPr id="1026" name="Picture 2" descr="Product Feedback: 4 Steps to Improve Your Products | Maze">
+            <a:extLst>
+              <a:ext uri="{FF2B5EF4-FFF2-40B4-BE49-F238E27FC236}">
+                <a16:creationId xmlns:a16="http://schemas.microsoft.com/office/drawing/2014/main" id="{0EE0F222-5C16-467F-B3BC-52BD21A1103E}"/>
+              </a:ext>
+            </a:extLst>
+          </p:cNvPr>
+          <p:cNvPicPr>
+            <a:picLocks noChangeAspect="1" noChangeArrowheads="1"/>
+          </p:cNvPicPr>
+          <p:nvPr/>
+        </p:nvPicPr>
+        <p:blipFill rotWithShape="1">
+          <a:blip r:embed="rId2">
+            <a:extLst>
+              <a:ext uri="{28A0092B-C50C-407E-A947-70E740481C1C}">
+                <a14:useLocalDpi xmlns:a14="http://schemas.microsoft.com/office/drawing/2010/main" val="0"/>
+              </a:ext>
+            </a:extLst>
+          </a:blip>
+          <a:srcRect l="4747" t="7381" r="4214" b="6363"/>
+          <a:stretch/>
+        </p:blipFill>
+        <p:spPr bwMode="auto">
+          <a:xfrm>
+            <a:off x="1133856" y="1303700"/>
+            <a:ext cx="9208008" cy="4878279"/>
+          </a:xfrm>
+          <a:prstGeom prst="rect">
+            <a:avLst/>
+          </a:prstGeom>
+          <a:noFill/>
+          <a:extLst>
+            <a:ext uri="{909E8E84-426E-40DD-AFC4-6F175D3DCCD1}">
+              <a14:hiddenFill xmlns:a14="http://schemas.microsoft.com/office/drawing/2010/main">
+                <a:solidFill>
+                  <a:srgbClr val="FFFFFF"/>
+                </a:solidFill>
+              </a14:hiddenFill>
+            </a:ext>
+          </a:extLst>
+        </p:spPr>
+      </p:pic>
     </p:spTree>
     <p:extLst>
       <p:ext uri="{BB962C8B-B14F-4D97-AF65-F5344CB8AC3E}">
-        <p14:creationId xmlns:p14="http://schemas.microsoft.com/office/powerpoint/2010/main" val="3801868912"/>
+        <p14:creationId xmlns:p14="http://schemas.microsoft.com/office/powerpoint/2010/main" val="2037545769"/>
       </p:ext>
     </p:extLst>
   </p:cSld>
@@ -11413,7 +11407,61 @@
           <a:p>
             <a:r>
               <a:rPr lang="en-US" dirty="0"/>
-              <a:t>Agile Methodologies</a:t>
+              <a:t>Minimizing Waste</a:t>
+            </a:r>
+          </a:p>
+        </p:txBody>
+      </p:sp>
+      <p:sp>
+        <p:nvSpPr>
+          <p:cNvPr id="3" name="Content Placeholder 2"/>
+          <p:cNvSpPr>
+            <a:spLocks noGrp="1"/>
+          </p:cNvSpPr>
+          <p:nvPr>
+            <p:ph idx="1"/>
+          </p:nvPr>
+        </p:nvSpPr>
+        <p:spPr/>
+        <p:txBody>
+          <a:bodyPr/>
+          <a:lstStyle/>
+          <a:p>
+            <a:r>
+              <a:rPr lang="en-US" dirty="0"/>
+              <a:t>Any activity that does not add value to the product or service.</a:t>
+            </a:r>
+          </a:p>
+          <a:p>
+            <a:r>
+              <a:rPr lang="en-US" dirty="0"/>
+              <a:t>Types of waste</a:t>
+            </a:r>
+          </a:p>
+          <a:p>
+            <a:pPr lvl="1"/>
+            <a:r>
+              <a:rPr lang="en-US" dirty="0"/>
+              <a:t>Extra processes, unnecessary features, excessive meetings, and unnecessary overhead.</a:t>
+            </a:r>
+          </a:p>
+          <a:p>
+            <a:r>
+              <a:rPr lang="en-US" dirty="0"/>
+              <a:t>Key benefits</a:t>
+            </a:r>
+          </a:p>
+          <a:p>
+            <a:pPr lvl="1"/>
+            <a:r>
+              <a:rPr lang="en-US" dirty="0"/>
+              <a:t>Reduced costs, increased efficiency, and faster time-to-market.</a:t>
+            </a:r>
+          </a:p>
+          <a:p>
+            <a:r>
+              <a:rPr lang="en-US" dirty="0"/>
+              <a:t>Example: Identifying and eliminating unnecessary steps in the development process.</a:t>
             </a:r>
           </a:p>
         </p:txBody>
@@ -11437,6 +11485,82 @@
               <a:rPr lang="en-US" smtClean="0"/>
               <a:pPr/>
               <a:t>17</a:t>
+            </a:fld>
+            <a:endParaRPr lang="en-US" dirty="0"/>
+          </a:p>
+        </p:txBody>
+      </p:sp>
+    </p:spTree>
+    <p:extLst>
+      <p:ext uri="{BB962C8B-B14F-4D97-AF65-F5344CB8AC3E}">
+        <p14:creationId xmlns:p14="http://schemas.microsoft.com/office/powerpoint/2010/main" val="3801868912"/>
+      </p:ext>
+    </p:extLst>
+  </p:cSld>
+  <p:clrMapOvr>
+    <a:masterClrMapping/>
+  </p:clrMapOvr>
+</p:sld>
+</file>
+
+<file path=ppt/slides/slide18.xml><?xml version="1.0" encoding="utf-8"?>
+<p:sld xmlns:a="http://schemas.openxmlformats.org/drawingml/2006/main" xmlns:r="http://schemas.openxmlformats.org/officeDocument/2006/relationships" xmlns:p="http://schemas.openxmlformats.org/presentationml/2006/main">
+  <p:cSld>
+    <p:spTree>
+      <p:nvGrpSpPr>
+        <p:cNvPr id="1" name=""/>
+        <p:cNvGrpSpPr/>
+        <p:nvPr/>
+      </p:nvGrpSpPr>
+      <p:grpSpPr>
+        <a:xfrm>
+          <a:off x="0" y="0"/>
+          <a:ext cx="0" cy="0"/>
+          <a:chOff x="0" y="0"/>
+          <a:chExt cx="0" cy="0"/>
+        </a:xfrm>
+      </p:grpSpPr>
+      <p:sp>
+        <p:nvSpPr>
+          <p:cNvPr id="2" name="Title 1"/>
+          <p:cNvSpPr>
+            <a:spLocks noGrp="1"/>
+          </p:cNvSpPr>
+          <p:nvPr>
+            <p:ph type="title"/>
+          </p:nvPr>
+        </p:nvSpPr>
+        <p:spPr/>
+        <p:txBody>
+          <a:bodyPr/>
+          <a:lstStyle/>
+          <a:p>
+            <a:r>
+              <a:rPr lang="en-US" dirty="0"/>
+              <a:t>Agile Methodologies</a:t>
+            </a:r>
+          </a:p>
+        </p:txBody>
+      </p:sp>
+      <p:sp>
+        <p:nvSpPr>
+          <p:cNvPr id="4" name="Slide Number Placeholder 3"/>
+          <p:cNvSpPr>
+            <a:spLocks noGrp="1"/>
+          </p:cNvSpPr>
+          <p:nvPr>
+            <p:ph type="sldNum" sz="quarter" idx="12"/>
+          </p:nvPr>
+        </p:nvSpPr>
+        <p:spPr/>
+        <p:txBody>
+          <a:bodyPr/>
+          <a:lstStyle/>
+          <a:p>
+            <a:fld id="{B8DACC02-A2BD-4578-8E03-6D891060A695}" type="slidenum">
+              <a:rPr lang="en-US" smtClean="0"/>
+              <a:pPr/>
+              <a:t>18</a:t>
             </a:fld>
             <a:endParaRPr lang="en-US" dirty="0"/>
           </a:p>
@@ -11494,7 +11618,7 @@
 </p:sld>
 </file>
 
-<file path=ppt/slides/slide18.xml><?xml version="1.0" encoding="utf-8"?>
+<file path=ppt/slides/slide19.xml><?xml version="1.0" encoding="utf-8"?>
 <p:sld xmlns:a="http://schemas.openxmlformats.org/drawingml/2006/main" xmlns:r="http://schemas.openxmlformats.org/officeDocument/2006/relationships" xmlns:p="http://schemas.openxmlformats.org/presentationml/2006/main">
   <p:cSld>
     <p:spTree>
@@ -11598,7 +11722,7 @@
             <a:fld id="{B8DACC02-A2BD-4578-8E03-6D891060A695}" type="slidenum">
               <a:rPr lang="en-US" smtClean="0"/>
               <a:pPr/>
-              <a:t>18</a:t>
+              <a:t>19</a:t>
             </a:fld>
             <a:endParaRPr lang="en-US" dirty="0"/>
           </a:p>
@@ -11617,7 +11741,7 @@
 </p:sld>
 </file>
 
-<file path=ppt/slides/slide19.xml><?xml version="1.0" encoding="utf-8"?>
+<file path=ppt/slides/slide2.xml><?xml version="1.0" encoding="utf-8"?>
 <p:sld xmlns:a="http://schemas.openxmlformats.org/drawingml/2006/main" xmlns:r="http://schemas.openxmlformats.org/officeDocument/2006/relationships" xmlns:p="http://schemas.openxmlformats.org/presentationml/2006/main">
   <p:cSld>
     <p:spTree>
@@ -11651,7 +11775,59 @@
           <a:p>
             <a:r>
               <a:rPr lang="en-US" dirty="0"/>
-              <a:t>Lean Principles</a:t>
+              <a:t>Outline</a:t>
+            </a:r>
+          </a:p>
+        </p:txBody>
+      </p:sp>
+      <p:sp>
+        <p:nvSpPr>
+          <p:cNvPr id="3" name="Content Placeholder 2"/>
+          <p:cNvSpPr>
+            <a:spLocks noGrp="1"/>
+          </p:cNvSpPr>
+          <p:nvPr>
+            <p:ph idx="1"/>
+          </p:nvPr>
+        </p:nvSpPr>
+        <p:spPr/>
+        <p:txBody>
+          <a:bodyPr/>
+          <a:lstStyle/>
+          <a:p>
+            <a:r>
+              <a:rPr lang="en-US" dirty="0"/>
+              <a:t>Overview</a:t>
+            </a:r>
+          </a:p>
+          <a:p>
+            <a:r>
+              <a:rPr lang="en-US" dirty="0"/>
+              <a:t>Agile and Lean Principles</a:t>
+            </a:r>
+          </a:p>
+          <a:p>
+            <a:r>
+              <a:rPr lang="en-US" dirty="0"/>
+              <a:t>Prototyping and Testing</a:t>
+            </a:r>
+          </a:p>
+          <a:p>
+            <a:r>
+              <a:rPr lang="en-US" dirty="0"/>
+              <a:t>DevOps</a:t>
+            </a:r>
+          </a:p>
+          <a:p>
+            <a:r>
+              <a:rPr lang="en-US" dirty="0"/>
+              <a:t>Cloud-based Development and Containerization</a:t>
+            </a:r>
+          </a:p>
+          <a:p>
+            <a:r>
+              <a:rPr lang="en-US" dirty="0"/>
+              <a:t>MVP and Customer Feedback</a:t>
             </a:r>
           </a:p>
         </p:txBody>
@@ -11674,7 +11850,241 @@
             <a:fld id="{B8DACC02-A2BD-4578-8E03-6D891060A695}" type="slidenum">
               <a:rPr lang="en-US" smtClean="0"/>
               <a:pPr/>
-              <a:t>19</a:t>
+              <a:t>2</a:t>
+            </a:fld>
+            <a:endParaRPr lang="en-US" dirty="0"/>
+          </a:p>
+        </p:txBody>
+      </p:sp>
+    </p:spTree>
+    <p:extLst>
+      <p:ext uri="{BB962C8B-B14F-4D97-AF65-F5344CB8AC3E}">
+        <p14:creationId xmlns:p14="http://schemas.microsoft.com/office/powerpoint/2010/main" val="4056791088"/>
+      </p:ext>
+    </p:extLst>
+  </p:cSld>
+  <p:clrMapOvr>
+    <a:masterClrMapping/>
+  </p:clrMapOvr>
+</p:sld>
+</file>
+
+<file path=ppt/slides/slide20.xml><?xml version="1.0" encoding="utf-8"?>
+<p:sld xmlns:a="http://schemas.openxmlformats.org/drawingml/2006/main" xmlns:r="http://schemas.openxmlformats.org/officeDocument/2006/relationships" xmlns:p="http://schemas.openxmlformats.org/presentationml/2006/main">
+  <p:cSld>
+    <p:spTree>
+      <p:nvGrpSpPr>
+        <p:cNvPr id="1" name=""/>
+        <p:cNvGrpSpPr/>
+        <p:nvPr/>
+      </p:nvGrpSpPr>
+      <p:grpSpPr>
+        <a:xfrm>
+          <a:off x="0" y="0"/>
+          <a:ext cx="0" cy="0"/>
+          <a:chOff x="0" y="0"/>
+          <a:chExt cx="0" cy="0"/>
+        </a:xfrm>
+      </p:grpSpPr>
+      <p:sp>
+        <p:nvSpPr>
+          <p:cNvPr id="2" name="Title 1">
+            <a:extLst>
+              <a:ext uri="{FF2B5EF4-FFF2-40B4-BE49-F238E27FC236}">
+                <a16:creationId xmlns:a16="http://schemas.microsoft.com/office/drawing/2014/main" id="{908538FF-05AF-4C06-AE88-870EA5940A0D}"/>
+              </a:ext>
+            </a:extLst>
+          </p:cNvPr>
+          <p:cNvSpPr>
+            <a:spLocks noGrp="1"/>
+          </p:cNvSpPr>
+          <p:nvPr>
+            <p:ph type="title"/>
+          </p:nvPr>
+        </p:nvSpPr>
+        <p:spPr/>
+        <p:txBody>
+          <a:bodyPr/>
+          <a:lstStyle/>
+          <a:p>
+            <a:r>
+              <a:rPr lang="en-US" dirty="0"/>
+              <a:t>Lean Development </a:t>
+            </a:r>
+          </a:p>
+        </p:txBody>
+      </p:sp>
+      <p:sp>
+        <p:nvSpPr>
+          <p:cNvPr id="3" name="Content Placeholder 2">
+            <a:extLst>
+              <a:ext uri="{FF2B5EF4-FFF2-40B4-BE49-F238E27FC236}">
+                <a16:creationId xmlns:a16="http://schemas.microsoft.com/office/drawing/2014/main" id="{3C22CCD5-2E5F-47ED-BCFA-58C6099712F2}"/>
+              </a:ext>
+            </a:extLst>
+          </p:cNvPr>
+          <p:cNvSpPr>
+            <a:spLocks noGrp="1"/>
+          </p:cNvSpPr>
+          <p:nvPr>
+            <p:ph idx="1"/>
+          </p:nvPr>
+        </p:nvSpPr>
+        <p:spPr/>
+        <p:txBody>
+          <a:bodyPr/>
+          <a:lstStyle/>
+          <a:p>
+            <a:endParaRPr lang="en-US"/>
+          </a:p>
+        </p:txBody>
+      </p:sp>
+      <p:sp>
+        <p:nvSpPr>
+          <p:cNvPr id="4" name="Slide Number Placeholder 3">
+            <a:extLst>
+              <a:ext uri="{FF2B5EF4-FFF2-40B4-BE49-F238E27FC236}">
+                <a16:creationId xmlns:a16="http://schemas.microsoft.com/office/drawing/2014/main" id="{4FA8A0A2-475C-4ADB-9F15-C3341D6E3FED}"/>
+              </a:ext>
+            </a:extLst>
+          </p:cNvPr>
+          <p:cNvSpPr>
+            <a:spLocks noGrp="1"/>
+          </p:cNvSpPr>
+          <p:nvPr>
+            <p:ph type="sldNum" sz="quarter" idx="12"/>
+          </p:nvPr>
+        </p:nvSpPr>
+        <p:spPr/>
+        <p:txBody>
+          <a:bodyPr/>
+          <a:lstStyle/>
+          <a:p>
+            <a:fld id="{B8DACC02-A2BD-4578-8E03-6D891060A695}" type="slidenum">
+              <a:rPr lang="en-US" smtClean="0"/>
+              <a:pPr/>
+              <a:t>20</a:t>
+            </a:fld>
+            <a:endParaRPr lang="en-US" dirty="0"/>
+          </a:p>
+        </p:txBody>
+      </p:sp>
+      <p:pic>
+        <p:nvPicPr>
+          <p:cNvPr id="2050" name="Picture 2" descr="The 7 Principles of Lean Software Development">
+            <a:extLst>
+              <a:ext uri="{FF2B5EF4-FFF2-40B4-BE49-F238E27FC236}">
+                <a16:creationId xmlns:a16="http://schemas.microsoft.com/office/drawing/2014/main" id="{2AFC5344-4AC8-410C-8FBE-58377DC176E8}"/>
+              </a:ext>
+            </a:extLst>
+          </p:cNvPr>
+          <p:cNvPicPr>
+            <a:picLocks noChangeAspect="1" noChangeArrowheads="1"/>
+          </p:cNvPicPr>
+          <p:nvPr/>
+        </p:nvPicPr>
+        <p:blipFill rotWithShape="1">
+          <a:blip r:embed="rId2">
+            <a:extLst>
+              <a:ext uri="{28A0092B-C50C-407E-A947-70E740481C1C}">
+                <a14:useLocalDpi xmlns:a14="http://schemas.microsoft.com/office/drawing/2010/main" val="0"/>
+              </a:ext>
+            </a:extLst>
+          </a:blip>
+          <a:srcRect l="3441" t="5512" r="2106" b="18322"/>
+          <a:stretch/>
+        </p:blipFill>
+        <p:spPr bwMode="auto">
+          <a:xfrm>
+            <a:off x="1106424" y="1321771"/>
+            <a:ext cx="9491472" cy="5056633"/>
+          </a:xfrm>
+          <a:prstGeom prst="rect">
+            <a:avLst/>
+          </a:prstGeom>
+          <a:noFill/>
+          <a:extLst>
+            <a:ext uri="{909E8E84-426E-40DD-AFC4-6F175D3DCCD1}">
+              <a14:hiddenFill xmlns:a14="http://schemas.microsoft.com/office/drawing/2010/main">
+                <a:solidFill>
+                  <a:srgbClr val="FFFFFF"/>
+                </a:solidFill>
+              </a14:hiddenFill>
+            </a:ext>
+          </a:extLst>
+        </p:spPr>
+      </p:pic>
+    </p:spTree>
+    <p:extLst>
+      <p:ext uri="{BB962C8B-B14F-4D97-AF65-F5344CB8AC3E}">
+        <p14:creationId xmlns:p14="http://schemas.microsoft.com/office/powerpoint/2010/main" val="2333739678"/>
+      </p:ext>
+    </p:extLst>
+  </p:cSld>
+  <p:clrMapOvr>
+    <a:masterClrMapping/>
+  </p:clrMapOvr>
+</p:sld>
+</file>
+
+<file path=ppt/slides/slide21.xml><?xml version="1.0" encoding="utf-8"?>
+<p:sld xmlns:a="http://schemas.openxmlformats.org/drawingml/2006/main" xmlns:r="http://schemas.openxmlformats.org/officeDocument/2006/relationships" xmlns:p="http://schemas.openxmlformats.org/presentationml/2006/main">
+  <p:cSld>
+    <p:spTree>
+      <p:nvGrpSpPr>
+        <p:cNvPr id="1" name=""/>
+        <p:cNvGrpSpPr/>
+        <p:nvPr/>
+      </p:nvGrpSpPr>
+      <p:grpSpPr>
+        <a:xfrm>
+          <a:off x="0" y="0"/>
+          <a:ext cx="0" cy="0"/>
+          <a:chOff x="0" y="0"/>
+          <a:chExt cx="0" cy="0"/>
+        </a:xfrm>
+      </p:grpSpPr>
+      <p:sp>
+        <p:nvSpPr>
+          <p:cNvPr id="2" name="Title 1"/>
+          <p:cNvSpPr>
+            <a:spLocks noGrp="1"/>
+          </p:cNvSpPr>
+          <p:nvPr>
+            <p:ph type="title"/>
+          </p:nvPr>
+        </p:nvSpPr>
+        <p:spPr/>
+        <p:txBody>
+          <a:bodyPr/>
+          <a:lstStyle/>
+          <a:p>
+            <a:r>
+              <a:rPr lang="en-US" dirty="0"/>
+              <a:t>Lean Principles</a:t>
+            </a:r>
+          </a:p>
+        </p:txBody>
+      </p:sp>
+      <p:sp>
+        <p:nvSpPr>
+          <p:cNvPr id="4" name="Slide Number Placeholder 3"/>
+          <p:cNvSpPr>
+            <a:spLocks noGrp="1"/>
+          </p:cNvSpPr>
+          <p:nvPr>
+            <p:ph type="sldNum" sz="quarter" idx="12"/>
+          </p:nvPr>
+        </p:nvSpPr>
+        <p:spPr/>
+        <p:txBody>
+          <a:bodyPr/>
+          <a:lstStyle/>
+          <a:p>
+            <a:fld id="{B8DACC02-A2BD-4578-8E03-6D891060A695}" type="slidenum">
+              <a:rPr lang="en-US" smtClean="0"/>
+              <a:pPr/>
+              <a:t>21</a:t>
             </a:fld>
             <a:endParaRPr lang="en-US" dirty="0"/>
           </a:p>
@@ -11734,7 +12144,7 @@
 </p:sld>
 </file>
 
-<file path=ppt/slides/slide2.xml><?xml version="1.0" encoding="utf-8"?>
+<file path=ppt/slides/slide22.xml><?xml version="1.0" encoding="utf-8"?>
 <p:sld xmlns:a="http://schemas.openxmlformats.org/drawingml/2006/main" xmlns:r="http://schemas.openxmlformats.org/officeDocument/2006/relationships" xmlns:p="http://schemas.openxmlformats.org/presentationml/2006/main">
   <p:cSld>
     <p:spTree>
@@ -11753,134 +12163,6 @@
       </p:grpSpPr>
       <p:sp>
         <p:nvSpPr>
-          <p:cNvPr id="2" name="Title 1"/>
-          <p:cNvSpPr>
-            <a:spLocks noGrp="1"/>
-          </p:cNvSpPr>
-          <p:nvPr>
-            <p:ph type="title"/>
-          </p:nvPr>
-        </p:nvSpPr>
-        <p:spPr/>
-        <p:txBody>
-          <a:bodyPr/>
-          <a:lstStyle/>
-          <a:p>
-            <a:r>
-              <a:rPr lang="en-US" dirty="0"/>
-              <a:t>Outline</a:t>
-            </a:r>
-          </a:p>
-        </p:txBody>
-      </p:sp>
-      <p:sp>
-        <p:nvSpPr>
-          <p:cNvPr id="3" name="Content Placeholder 2"/>
-          <p:cNvSpPr>
-            <a:spLocks noGrp="1"/>
-          </p:cNvSpPr>
-          <p:nvPr>
-            <p:ph idx="1"/>
-          </p:nvPr>
-        </p:nvSpPr>
-        <p:spPr/>
-        <p:txBody>
-          <a:bodyPr/>
-          <a:lstStyle/>
-          <a:p>
-            <a:r>
-              <a:rPr lang="en-US" dirty="0"/>
-              <a:t>Overview</a:t>
-            </a:r>
-          </a:p>
-          <a:p>
-            <a:r>
-              <a:rPr lang="en-US" dirty="0"/>
-              <a:t>Agile and Lean Principles</a:t>
-            </a:r>
-          </a:p>
-          <a:p>
-            <a:r>
-              <a:rPr lang="en-US" dirty="0"/>
-              <a:t>Prototyping and Testing</a:t>
-            </a:r>
-          </a:p>
-          <a:p>
-            <a:r>
-              <a:rPr lang="en-US" dirty="0"/>
-              <a:t>DevOps</a:t>
-            </a:r>
-          </a:p>
-          <a:p>
-            <a:r>
-              <a:rPr lang="en-US" dirty="0"/>
-              <a:t>Cloud-based Development and Containerization</a:t>
-            </a:r>
-          </a:p>
-          <a:p>
-            <a:r>
-              <a:rPr lang="en-US" dirty="0"/>
-              <a:t>MVP and Customer Feedback</a:t>
-            </a:r>
-          </a:p>
-        </p:txBody>
-      </p:sp>
-      <p:sp>
-        <p:nvSpPr>
-          <p:cNvPr id="4" name="Slide Number Placeholder 3"/>
-          <p:cNvSpPr>
-            <a:spLocks noGrp="1"/>
-          </p:cNvSpPr>
-          <p:nvPr>
-            <p:ph type="sldNum" sz="quarter" idx="12"/>
-          </p:nvPr>
-        </p:nvSpPr>
-        <p:spPr/>
-        <p:txBody>
-          <a:bodyPr/>
-          <a:lstStyle/>
-          <a:p>
-            <a:fld id="{B8DACC02-A2BD-4578-8E03-6D891060A695}" type="slidenum">
-              <a:rPr lang="en-US" smtClean="0"/>
-              <a:pPr/>
-              <a:t>2</a:t>
-            </a:fld>
-            <a:endParaRPr lang="en-US" dirty="0"/>
-          </a:p>
-        </p:txBody>
-      </p:sp>
-    </p:spTree>
-    <p:extLst>
-      <p:ext uri="{BB962C8B-B14F-4D97-AF65-F5344CB8AC3E}">
-        <p14:creationId xmlns:p14="http://schemas.microsoft.com/office/powerpoint/2010/main" val="4056791088"/>
-      </p:ext>
-    </p:extLst>
-  </p:cSld>
-  <p:clrMapOvr>
-    <a:masterClrMapping/>
-  </p:clrMapOvr>
-</p:sld>
-</file>
-
-<file path=ppt/slides/slide20.xml><?xml version="1.0" encoding="utf-8"?>
-<p:sld xmlns:a="http://schemas.openxmlformats.org/drawingml/2006/main" xmlns:r="http://schemas.openxmlformats.org/officeDocument/2006/relationships" xmlns:p="http://schemas.openxmlformats.org/presentationml/2006/main">
-  <p:cSld>
-    <p:spTree>
-      <p:nvGrpSpPr>
-        <p:cNvPr id="1" name=""/>
-        <p:cNvGrpSpPr/>
-        <p:nvPr/>
-      </p:nvGrpSpPr>
-      <p:grpSpPr>
-        <a:xfrm>
-          <a:off x="0" y="0"/>
-          <a:ext cx="0" cy="0"/>
-          <a:chOff x="0" y="0"/>
-          <a:chExt cx="0" cy="0"/>
-        </a:xfrm>
-      </p:grpSpPr>
-      <p:sp>
-        <p:nvSpPr>
           <p:cNvPr id="2" name="Title 1">
             <a:extLst>
               <a:ext uri="{FF2B5EF4-FFF2-40B4-BE49-F238E27FC236}">
@@ -11956,7 +12238,7 @@
             <a:fld id="{B8DACC02-A2BD-4578-8E03-6D891060A695}" type="slidenum">
               <a:rPr lang="en-US" smtClean="0"/>
               <a:pPr/>
-              <a:t>20</a:t>
+              <a:t>22</a:t>
             </a:fld>
             <a:endParaRPr lang="en-US" dirty="0"/>
           </a:p>
@@ -12020,233 +12302,6 @@
 </p:sld>
 </file>
 
-<file path=ppt/slides/slide21.xml><?xml version="1.0" encoding="utf-8"?>
-<p:sld xmlns:a="http://schemas.openxmlformats.org/drawingml/2006/main" xmlns:r="http://schemas.openxmlformats.org/officeDocument/2006/relationships" xmlns:p="http://schemas.openxmlformats.org/presentationml/2006/main">
-  <p:cSld>
-    <p:spTree>
-      <p:nvGrpSpPr>
-        <p:cNvPr id="1" name=""/>
-        <p:cNvGrpSpPr/>
-        <p:nvPr/>
-      </p:nvGrpSpPr>
-      <p:grpSpPr>
-        <a:xfrm>
-          <a:off x="0" y="0"/>
-          <a:ext cx="0" cy="0"/>
-          <a:chOff x="0" y="0"/>
-          <a:chExt cx="0" cy="0"/>
-        </a:xfrm>
-      </p:grpSpPr>
-      <p:sp>
-        <p:nvSpPr>
-          <p:cNvPr id="2" name="Title 1"/>
-          <p:cNvSpPr>
-            <a:spLocks noGrp="1"/>
-          </p:cNvSpPr>
-          <p:nvPr>
-            <p:ph type="title"/>
-          </p:nvPr>
-        </p:nvSpPr>
-        <p:spPr/>
-        <p:txBody>
-          <a:bodyPr/>
-          <a:lstStyle/>
-          <a:p>
-            <a:r>
-              <a:rPr lang="en-US" dirty="0"/>
-              <a:t>Implementing Agile and Lean Principles</a:t>
-            </a:r>
-          </a:p>
-        </p:txBody>
-      </p:sp>
-      <p:sp>
-        <p:nvSpPr>
-          <p:cNvPr id="3" name="Content Placeholder 2"/>
-          <p:cNvSpPr>
-            <a:spLocks noGrp="1"/>
-          </p:cNvSpPr>
-          <p:nvPr>
-            <p:ph idx="1"/>
-          </p:nvPr>
-        </p:nvSpPr>
-        <p:spPr/>
-        <p:txBody>
-          <a:bodyPr/>
-          <a:lstStyle/>
-          <a:p>
-            <a:r>
-              <a:rPr lang="en-US" dirty="0"/>
-              <a:t>Key strategies</a:t>
-            </a:r>
-          </a:p>
-          <a:p>
-            <a:pPr lvl="1"/>
-            <a:r>
-              <a:rPr lang="en-US" dirty="0"/>
-              <a:t>Start small</a:t>
-            </a:r>
-          </a:p>
-          <a:p>
-            <a:pPr lvl="1"/>
-            <a:r>
-              <a:rPr lang="en-US" dirty="0"/>
-              <a:t>train the team</a:t>
-            </a:r>
-          </a:p>
-          <a:p>
-            <a:pPr lvl="1"/>
-            <a:r>
-              <a:rPr lang="en-US" dirty="0"/>
-              <a:t>set clear goals, and </a:t>
-            </a:r>
-          </a:p>
-          <a:p>
-            <a:pPr lvl="1"/>
-            <a:r>
-              <a:rPr lang="en-US" dirty="0"/>
-              <a:t>continuously improve.</a:t>
-            </a:r>
-          </a:p>
-          <a:p>
-            <a:r>
-              <a:rPr lang="en-US" dirty="0"/>
-              <a:t>Importance of leadership buy-in and involvement.</a:t>
-            </a:r>
-          </a:p>
-        </p:txBody>
-      </p:sp>
-      <p:sp>
-        <p:nvSpPr>
-          <p:cNvPr id="4" name="Slide Number Placeholder 3"/>
-          <p:cNvSpPr>
-            <a:spLocks noGrp="1"/>
-          </p:cNvSpPr>
-          <p:nvPr>
-            <p:ph type="sldNum" sz="quarter" idx="12"/>
-          </p:nvPr>
-        </p:nvSpPr>
-        <p:spPr/>
-        <p:txBody>
-          <a:bodyPr/>
-          <a:lstStyle/>
-          <a:p>
-            <a:fld id="{B8DACC02-A2BD-4578-8E03-6D891060A695}" type="slidenum">
-              <a:rPr lang="en-US" smtClean="0"/>
-              <a:pPr/>
-              <a:t>21</a:t>
-            </a:fld>
-            <a:endParaRPr lang="en-US" dirty="0"/>
-          </a:p>
-        </p:txBody>
-      </p:sp>
-    </p:spTree>
-    <p:extLst>
-      <p:ext uri="{BB962C8B-B14F-4D97-AF65-F5344CB8AC3E}">
-        <p14:creationId xmlns:p14="http://schemas.microsoft.com/office/powerpoint/2010/main" val="3464006157"/>
-      </p:ext>
-    </p:extLst>
-  </p:cSld>
-  <p:clrMapOvr>
-    <a:masterClrMapping/>
-  </p:clrMapOvr>
-</p:sld>
-</file>
-
-<file path=ppt/slides/slide22.xml><?xml version="1.0" encoding="utf-8"?>
-<p:sld xmlns:a="http://schemas.openxmlformats.org/drawingml/2006/main" xmlns:r="http://schemas.openxmlformats.org/officeDocument/2006/relationships" xmlns:p="http://schemas.openxmlformats.org/presentationml/2006/main">
-  <p:cSld>
-    <p:spTree>
-      <p:nvGrpSpPr>
-        <p:cNvPr id="1" name=""/>
-        <p:cNvGrpSpPr/>
-        <p:nvPr/>
-      </p:nvGrpSpPr>
-      <p:grpSpPr>
-        <a:xfrm>
-          <a:off x="0" y="0"/>
-          <a:ext cx="0" cy="0"/>
-          <a:chOff x="0" y="0"/>
-          <a:chExt cx="0" cy="0"/>
-        </a:xfrm>
-      </p:grpSpPr>
-      <p:sp>
-        <p:nvSpPr>
-          <p:cNvPr id="5" name="Title 4"/>
-          <p:cNvSpPr>
-            <a:spLocks noGrp="1"/>
-          </p:cNvSpPr>
-          <p:nvPr>
-            <p:ph type="title"/>
-          </p:nvPr>
-        </p:nvSpPr>
-        <p:spPr/>
-        <p:txBody>
-          <a:bodyPr/>
-          <a:lstStyle/>
-          <a:p>
-            <a:r>
-              <a:rPr lang="en-US" dirty="0"/>
-              <a:t>Prototyping and Testing</a:t>
-            </a:r>
-          </a:p>
-        </p:txBody>
-      </p:sp>
-      <p:sp>
-        <p:nvSpPr>
-          <p:cNvPr id="6" name="Text Placeholder 5"/>
-          <p:cNvSpPr>
-            <a:spLocks noGrp="1"/>
-          </p:cNvSpPr>
-          <p:nvPr>
-            <p:ph type="body" idx="1"/>
-          </p:nvPr>
-        </p:nvSpPr>
-        <p:spPr/>
-        <p:txBody>
-          <a:bodyPr/>
-          <a:lstStyle/>
-          <a:p>
-            <a:endParaRPr lang="en-US"/>
-          </a:p>
-        </p:txBody>
-      </p:sp>
-      <p:sp>
-        <p:nvSpPr>
-          <p:cNvPr id="4" name="Slide Number Placeholder 3"/>
-          <p:cNvSpPr>
-            <a:spLocks noGrp="1"/>
-          </p:cNvSpPr>
-          <p:nvPr>
-            <p:ph type="sldNum" sz="quarter" idx="12"/>
-          </p:nvPr>
-        </p:nvSpPr>
-        <p:spPr/>
-        <p:txBody>
-          <a:bodyPr/>
-          <a:lstStyle/>
-          <a:p>
-            <a:fld id="{B8DACC02-A2BD-4578-8E03-6D891060A695}" type="slidenum">
-              <a:rPr lang="en-US" smtClean="0"/>
-              <a:pPr/>
-              <a:t>22</a:t>
-            </a:fld>
-            <a:endParaRPr lang="en-US" dirty="0"/>
-          </a:p>
-        </p:txBody>
-      </p:sp>
-    </p:spTree>
-    <p:extLst>
-      <p:ext uri="{BB962C8B-B14F-4D97-AF65-F5344CB8AC3E}">
-        <p14:creationId xmlns:p14="http://schemas.microsoft.com/office/powerpoint/2010/main" val="1005745965"/>
-      </p:ext>
-    </p:extLst>
-  </p:cSld>
-  <p:clrMapOvr>
-    <a:masterClrMapping/>
-  </p:clrMapOvr>
-</p:sld>
-</file>
-
 <file path=ppt/slides/slide23.xml><?xml version="1.0" encoding="utf-8"?>
 <p:sld xmlns:a="http://schemas.openxmlformats.org/drawingml/2006/main" xmlns:r="http://schemas.openxmlformats.org/officeDocument/2006/relationships" xmlns:p="http://schemas.openxmlformats.org/presentationml/2006/main">
   <p:cSld>
@@ -12281,7 +12336,7 @@
           <a:p>
             <a:r>
               <a:rPr lang="en-US" dirty="0"/>
-              <a:t>Understanding the Importance of Prototyping</a:t>
+              <a:t>Implementing Agile and Lean Principles</a:t>
             </a:r>
           </a:p>
         </p:txBody>
@@ -12303,13 +12358,41 @@
           <a:p>
             <a:r>
               <a:rPr lang="en-US" dirty="0"/>
-              <a:t>A preliminary version of a product or service that is used to test and validate assumptions.</a:t>
-            </a:r>
-          </a:p>
-          <a:p>
-            <a:r>
-              <a:rPr lang="en-US" dirty="0"/>
-              <a:t>Allows for early detection of errors, gathers feedback from users, and reduces the risk of investing in a faulty product.</a:t>
+              <a:t>Key strategies</a:t>
+            </a:r>
+          </a:p>
+          <a:p>
+            <a:pPr lvl="1"/>
+            <a:r>
+              <a:rPr lang="en-US" dirty="0"/>
+              <a:t>Start small</a:t>
+            </a:r>
+          </a:p>
+          <a:p>
+            <a:pPr lvl="1"/>
+            <a:r>
+              <a:rPr lang="en-US" dirty="0"/>
+              <a:t>train the team</a:t>
+            </a:r>
+          </a:p>
+          <a:p>
+            <a:pPr lvl="1"/>
+            <a:r>
+              <a:rPr lang="en-US" dirty="0"/>
+              <a:t>set clear goals, and </a:t>
+            </a:r>
+          </a:p>
+          <a:p>
+            <a:pPr lvl="1"/>
+            <a:r>
+              <a:rPr lang="en-US" dirty="0"/>
+              <a:t>continuously improve.</a:t>
+            </a:r>
+          </a:p>
+          <a:p>
+            <a:r>
+              <a:rPr lang="en-US" dirty="0"/>
+              <a:t>Importance of leadership buy-in and involvement.</a:t>
             </a:r>
           </a:p>
         </p:txBody>
@@ -12333,6 +12416,205 @@
               <a:rPr lang="en-US" smtClean="0"/>
               <a:pPr/>
               <a:t>23</a:t>
+            </a:fld>
+            <a:endParaRPr lang="en-US" dirty="0"/>
+          </a:p>
+        </p:txBody>
+      </p:sp>
+    </p:spTree>
+    <p:extLst>
+      <p:ext uri="{BB962C8B-B14F-4D97-AF65-F5344CB8AC3E}">
+        <p14:creationId xmlns:p14="http://schemas.microsoft.com/office/powerpoint/2010/main" val="3464006157"/>
+      </p:ext>
+    </p:extLst>
+  </p:cSld>
+  <p:clrMapOvr>
+    <a:masterClrMapping/>
+  </p:clrMapOvr>
+</p:sld>
+</file>
+
+<file path=ppt/slides/slide24.xml><?xml version="1.0" encoding="utf-8"?>
+<p:sld xmlns:a="http://schemas.openxmlformats.org/drawingml/2006/main" xmlns:r="http://schemas.openxmlformats.org/officeDocument/2006/relationships" xmlns:p="http://schemas.openxmlformats.org/presentationml/2006/main">
+  <p:cSld>
+    <p:spTree>
+      <p:nvGrpSpPr>
+        <p:cNvPr id="1" name=""/>
+        <p:cNvGrpSpPr/>
+        <p:nvPr/>
+      </p:nvGrpSpPr>
+      <p:grpSpPr>
+        <a:xfrm>
+          <a:off x="0" y="0"/>
+          <a:ext cx="0" cy="0"/>
+          <a:chOff x="0" y="0"/>
+          <a:chExt cx="0" cy="0"/>
+        </a:xfrm>
+      </p:grpSpPr>
+      <p:sp>
+        <p:nvSpPr>
+          <p:cNvPr id="5" name="Title 4"/>
+          <p:cNvSpPr>
+            <a:spLocks noGrp="1"/>
+          </p:cNvSpPr>
+          <p:nvPr>
+            <p:ph type="title"/>
+          </p:nvPr>
+        </p:nvSpPr>
+        <p:spPr/>
+        <p:txBody>
+          <a:bodyPr/>
+          <a:lstStyle/>
+          <a:p>
+            <a:r>
+              <a:rPr lang="en-US" dirty="0"/>
+              <a:t>Prototyping and Testing</a:t>
+            </a:r>
+          </a:p>
+        </p:txBody>
+      </p:sp>
+      <p:sp>
+        <p:nvSpPr>
+          <p:cNvPr id="6" name="Text Placeholder 5"/>
+          <p:cNvSpPr>
+            <a:spLocks noGrp="1"/>
+          </p:cNvSpPr>
+          <p:nvPr>
+            <p:ph type="body" idx="1"/>
+          </p:nvPr>
+        </p:nvSpPr>
+        <p:spPr/>
+        <p:txBody>
+          <a:bodyPr/>
+          <a:lstStyle/>
+          <a:p>
+            <a:endParaRPr lang="en-US"/>
+          </a:p>
+        </p:txBody>
+      </p:sp>
+      <p:sp>
+        <p:nvSpPr>
+          <p:cNvPr id="4" name="Slide Number Placeholder 3"/>
+          <p:cNvSpPr>
+            <a:spLocks noGrp="1"/>
+          </p:cNvSpPr>
+          <p:nvPr>
+            <p:ph type="sldNum" sz="quarter" idx="12"/>
+          </p:nvPr>
+        </p:nvSpPr>
+        <p:spPr/>
+        <p:txBody>
+          <a:bodyPr/>
+          <a:lstStyle/>
+          <a:p>
+            <a:fld id="{B8DACC02-A2BD-4578-8E03-6D891060A695}" type="slidenum">
+              <a:rPr lang="en-US" smtClean="0"/>
+              <a:pPr/>
+              <a:t>24</a:t>
+            </a:fld>
+            <a:endParaRPr lang="en-US" dirty="0"/>
+          </a:p>
+        </p:txBody>
+      </p:sp>
+    </p:spTree>
+    <p:extLst>
+      <p:ext uri="{BB962C8B-B14F-4D97-AF65-F5344CB8AC3E}">
+        <p14:creationId xmlns:p14="http://schemas.microsoft.com/office/powerpoint/2010/main" val="1005745965"/>
+      </p:ext>
+    </p:extLst>
+  </p:cSld>
+  <p:clrMapOvr>
+    <a:masterClrMapping/>
+  </p:clrMapOvr>
+</p:sld>
+</file>
+
+<file path=ppt/slides/slide25.xml><?xml version="1.0" encoding="utf-8"?>
+<p:sld xmlns:a="http://schemas.openxmlformats.org/drawingml/2006/main" xmlns:r="http://schemas.openxmlformats.org/officeDocument/2006/relationships" xmlns:p="http://schemas.openxmlformats.org/presentationml/2006/main">
+  <p:cSld>
+    <p:spTree>
+      <p:nvGrpSpPr>
+        <p:cNvPr id="1" name=""/>
+        <p:cNvGrpSpPr/>
+        <p:nvPr/>
+      </p:nvGrpSpPr>
+      <p:grpSpPr>
+        <a:xfrm>
+          <a:off x="0" y="0"/>
+          <a:ext cx="0" cy="0"/>
+          <a:chOff x="0" y="0"/>
+          <a:chExt cx="0" cy="0"/>
+        </a:xfrm>
+      </p:grpSpPr>
+      <p:sp>
+        <p:nvSpPr>
+          <p:cNvPr id="2" name="Title 1"/>
+          <p:cNvSpPr>
+            <a:spLocks noGrp="1"/>
+          </p:cNvSpPr>
+          <p:nvPr>
+            <p:ph type="title"/>
+          </p:nvPr>
+        </p:nvSpPr>
+        <p:spPr/>
+        <p:txBody>
+          <a:bodyPr/>
+          <a:lstStyle/>
+          <a:p>
+            <a:r>
+              <a:rPr lang="en-US" dirty="0"/>
+              <a:t>Understanding the Importance of Prototyping</a:t>
+            </a:r>
+          </a:p>
+        </p:txBody>
+      </p:sp>
+      <p:sp>
+        <p:nvSpPr>
+          <p:cNvPr id="3" name="Content Placeholder 2"/>
+          <p:cNvSpPr>
+            <a:spLocks noGrp="1"/>
+          </p:cNvSpPr>
+          <p:nvPr>
+            <p:ph idx="1"/>
+          </p:nvPr>
+        </p:nvSpPr>
+        <p:spPr/>
+        <p:txBody>
+          <a:bodyPr/>
+          <a:lstStyle/>
+          <a:p>
+            <a:r>
+              <a:rPr lang="en-US" dirty="0"/>
+              <a:t>A preliminary version of a product or service that is used to test and validate assumptions.</a:t>
+            </a:r>
+          </a:p>
+          <a:p>
+            <a:r>
+              <a:rPr lang="en-US" dirty="0"/>
+              <a:t>Allows for early detection of errors, gathers feedback from users, and reduces the risk of investing in a faulty product.</a:t>
+            </a:r>
+          </a:p>
+        </p:txBody>
+      </p:sp>
+      <p:sp>
+        <p:nvSpPr>
+          <p:cNvPr id="4" name="Slide Number Placeholder 3"/>
+          <p:cNvSpPr>
+            <a:spLocks noGrp="1"/>
+          </p:cNvSpPr>
+          <p:nvPr>
+            <p:ph type="sldNum" sz="quarter" idx="12"/>
+          </p:nvPr>
+        </p:nvSpPr>
+        <p:spPr/>
+        <p:txBody>
+          <a:bodyPr/>
+          <a:lstStyle/>
+          <a:p>
+            <a:fld id="{B8DACC02-A2BD-4578-8E03-6D891060A695}" type="slidenum">
+              <a:rPr lang="en-US" smtClean="0"/>
+              <a:pPr/>
+              <a:t>25</a:t>
             </a:fld>
             <a:endParaRPr lang="en-US" dirty="0"/>
           </a:p>
@@ -12390,7 +12672,7 @@
 </p:sld>
 </file>
 
-<file path=ppt/slides/slide24.xml><?xml version="1.0" encoding="utf-8"?>
+<file path=ppt/slides/slide26.xml><?xml version="1.0" encoding="utf-8"?>
 <p:sld xmlns:a="http://schemas.openxmlformats.org/drawingml/2006/main" xmlns:r="http://schemas.openxmlformats.org/officeDocument/2006/relationships" xmlns:p="http://schemas.openxmlformats.org/presentationml/2006/main">
   <p:cSld>
     <p:spTree>
@@ -12466,7 +12748,7 @@
             <a:fld id="{B8DACC02-A2BD-4578-8E03-6D891060A695}" type="slidenum">
               <a:rPr lang="en-US" smtClean="0"/>
               <a:pPr/>
-              <a:t>24</a:t>
+              <a:t>26</a:t>
             </a:fld>
             <a:endParaRPr lang="en-US" dirty="0"/>
           </a:p>
@@ -12526,7 +12808,7 @@
 </p:sld>
 </file>
 
-<file path=ppt/slides/slide25.xml><?xml version="1.0" encoding="utf-8"?>
+<file path=ppt/slides/slide27.xml><?xml version="1.0" encoding="utf-8"?>
 <p:sld xmlns:a="http://schemas.openxmlformats.org/drawingml/2006/main" xmlns:r="http://schemas.openxmlformats.org/officeDocument/2006/relationships" xmlns:p="http://schemas.openxmlformats.org/presentationml/2006/main">
   <p:cSld>
     <p:spTree>
@@ -12575,7 +12857,7 @@
             <p:ph idx="1"/>
             <p:extLst>
               <p:ext uri="{D42A27DB-BD31-4B8C-83A1-F6EECF244321}">
-                <p14:modId xmlns:p14="http://schemas.microsoft.com/office/powerpoint/2010/main" val="953131307"/>
+                <p14:modId xmlns:p14="http://schemas.microsoft.com/office/powerpoint/2010/main" val="4171954093"/>
               </p:ext>
             </p:extLst>
           </p:nvPr>
@@ -12608,7 +12890,7 @@
             <a:fld id="{B8DACC02-A2BD-4578-8E03-6D891060A695}" type="slidenum">
               <a:rPr lang="en-US" smtClean="0"/>
               <a:pPr/>
-              <a:t>25</a:t>
+              <a:t>27</a:t>
             </a:fld>
             <a:endParaRPr lang="en-US" dirty="0"/>
           </a:p>
@@ -12627,7 +12909,7 @@
 </p:sld>
 </file>
 
-<file path=ppt/slides/slide26.xml><?xml version="1.0" encoding="utf-8"?>
+<file path=ppt/slides/slide28.xml><?xml version="1.0" encoding="utf-8"?>
 <p:sld xmlns:a="http://schemas.openxmlformats.org/drawingml/2006/main" xmlns:r="http://schemas.openxmlformats.org/officeDocument/2006/relationships" xmlns:p="http://schemas.openxmlformats.org/presentationml/2006/main">
   <p:cSld>
     <p:spTree>
@@ -12718,7 +13000,7 @@
             <a:fld id="{B8DACC02-A2BD-4578-8E03-6D891060A695}" type="slidenum">
               <a:rPr lang="en-US" smtClean="0"/>
               <a:pPr/>
-              <a:t>26</a:t>
+              <a:t>28</a:t>
             </a:fld>
             <a:endParaRPr lang="en-US" dirty="0"/>
           </a:p>
@@ -12778,7 +13060,7 @@
 </p:sld>
 </file>
 
-<file path=ppt/slides/slide27.xml><?xml version="1.0" encoding="utf-8"?>
+<file path=ppt/slides/slide29.xml><?xml version="1.0" encoding="utf-8"?>
 <p:sld xmlns:a="http://schemas.openxmlformats.org/drawingml/2006/main" xmlns:r="http://schemas.openxmlformats.org/officeDocument/2006/relationships" xmlns:p="http://schemas.openxmlformats.org/presentationml/2006/main">
   <p:cSld>
     <p:spTree>
@@ -12869,7 +13151,7 @@
             <a:fld id="{B8DACC02-A2BD-4578-8E03-6D891060A695}" type="slidenum">
               <a:rPr lang="en-US" smtClean="0"/>
               <a:pPr/>
-              <a:t>27</a:t>
+              <a:t>29</a:t>
             </a:fld>
             <a:endParaRPr lang="en-US" dirty="0"/>
           </a:p>
@@ -12927,7 +13209,7 @@
 </p:sld>
 </file>
 
-<file path=ppt/slides/slide28.xml><?xml version="1.0" encoding="utf-8"?>
+<file path=ppt/slides/slide3.xml><?xml version="1.0" encoding="utf-8"?>
 <p:sld xmlns:a="http://schemas.openxmlformats.org/drawingml/2006/main" xmlns:r="http://schemas.openxmlformats.org/officeDocument/2006/relationships" xmlns:p="http://schemas.openxmlformats.org/presentationml/2006/main">
   <p:cSld>
     <p:spTree>
@@ -12946,7 +13228,7 @@
       </p:grpSpPr>
       <p:sp>
         <p:nvSpPr>
-          <p:cNvPr id="2" name="Title 1"/>
+          <p:cNvPr id="5" name="Title 4"/>
           <p:cNvSpPr>
             <a:spLocks noGrp="1"/>
           </p:cNvSpPr>
@@ -12961,42 +13243,27 @@
           <a:p>
             <a:r>
               <a:rPr lang="en-US" dirty="0"/>
-              <a:t>Unit Testing</a:t>
-            </a:r>
-          </a:p>
-        </p:txBody>
-      </p:sp>
-      <p:sp>
-        <p:nvSpPr>
-          <p:cNvPr id="3" name="Content Placeholder 2"/>
-          <p:cNvSpPr>
-            <a:spLocks noGrp="1"/>
-          </p:cNvSpPr>
-          <p:nvPr>
-            <p:ph idx="1"/>
-          </p:nvPr>
-        </p:nvSpPr>
-        <p:spPr/>
-        <p:txBody>
-          <a:bodyPr/>
-          <a:lstStyle/>
-          <a:p>
-            <a:r>
-              <a:rPr lang="en-US" dirty="0"/>
-              <a:t>Testing individual components or units of the prototype to ensure they function correctly.</a:t>
-            </a:r>
-          </a:p>
-          <a:p>
-            <a:r>
-              <a:rPr lang="en-US" dirty="0"/>
-              <a:t>Identifies bugs and issues early on, reduces the risk of system failures, and improves overall quality.</a:t>
-            </a:r>
-          </a:p>
-          <a:p>
-            <a:r>
-              <a:rPr lang="en-US" dirty="0"/>
-              <a:t>Defining test cases, creating test data, and setting up testing environments.</a:t>
-            </a:r>
+              <a:t>Overview</a:t>
+            </a:r>
+          </a:p>
+        </p:txBody>
+      </p:sp>
+      <p:sp>
+        <p:nvSpPr>
+          <p:cNvPr id="6" name="Text Placeholder 5"/>
+          <p:cNvSpPr>
+            <a:spLocks noGrp="1"/>
+          </p:cNvSpPr>
+          <p:nvPr>
+            <p:ph type="body" idx="1"/>
+          </p:nvPr>
+        </p:nvSpPr>
+        <p:spPr/>
+        <p:txBody>
+          <a:bodyPr/>
+          <a:lstStyle/>
+          <a:p>
+            <a:endParaRPr lang="en-US"/>
           </a:p>
         </p:txBody>
       </p:sp>
@@ -13018,7 +13285,117 @@
             <a:fld id="{B8DACC02-A2BD-4578-8E03-6D891060A695}" type="slidenum">
               <a:rPr lang="en-US" smtClean="0"/>
               <a:pPr/>
-              <a:t>28</a:t>
+              <a:t>3</a:t>
+            </a:fld>
+            <a:endParaRPr lang="en-US" dirty="0"/>
+          </a:p>
+        </p:txBody>
+      </p:sp>
+    </p:spTree>
+    <p:extLst>
+      <p:ext uri="{BB962C8B-B14F-4D97-AF65-F5344CB8AC3E}">
+        <p14:creationId xmlns:p14="http://schemas.microsoft.com/office/powerpoint/2010/main" val="3359327900"/>
+      </p:ext>
+    </p:extLst>
+  </p:cSld>
+  <p:clrMapOvr>
+    <a:masterClrMapping/>
+  </p:clrMapOvr>
+</p:sld>
+</file>
+
+<file path=ppt/slides/slide30.xml><?xml version="1.0" encoding="utf-8"?>
+<p:sld xmlns:a="http://schemas.openxmlformats.org/drawingml/2006/main" xmlns:r="http://schemas.openxmlformats.org/officeDocument/2006/relationships" xmlns:p="http://schemas.openxmlformats.org/presentationml/2006/main">
+  <p:cSld>
+    <p:spTree>
+      <p:nvGrpSpPr>
+        <p:cNvPr id="1" name=""/>
+        <p:cNvGrpSpPr/>
+        <p:nvPr/>
+      </p:nvGrpSpPr>
+      <p:grpSpPr>
+        <a:xfrm>
+          <a:off x="0" y="0"/>
+          <a:ext cx="0" cy="0"/>
+          <a:chOff x="0" y="0"/>
+          <a:chExt cx="0" cy="0"/>
+        </a:xfrm>
+      </p:grpSpPr>
+      <p:sp>
+        <p:nvSpPr>
+          <p:cNvPr id="2" name="Title 1"/>
+          <p:cNvSpPr>
+            <a:spLocks noGrp="1"/>
+          </p:cNvSpPr>
+          <p:nvPr>
+            <p:ph type="title"/>
+          </p:nvPr>
+        </p:nvSpPr>
+        <p:spPr/>
+        <p:txBody>
+          <a:bodyPr/>
+          <a:lstStyle/>
+          <a:p>
+            <a:r>
+              <a:rPr lang="en-US" dirty="0"/>
+              <a:t>Unit Testing</a:t>
+            </a:r>
+          </a:p>
+        </p:txBody>
+      </p:sp>
+      <p:sp>
+        <p:nvSpPr>
+          <p:cNvPr id="3" name="Content Placeholder 2"/>
+          <p:cNvSpPr>
+            <a:spLocks noGrp="1"/>
+          </p:cNvSpPr>
+          <p:nvPr>
+            <p:ph idx="1"/>
+          </p:nvPr>
+        </p:nvSpPr>
+        <p:spPr/>
+        <p:txBody>
+          <a:bodyPr/>
+          <a:lstStyle/>
+          <a:p>
+            <a:r>
+              <a:rPr lang="en-US" dirty="0"/>
+              <a:t>Testing individual components or units of the prototype to ensure they function correctly.</a:t>
+            </a:r>
+          </a:p>
+          <a:p>
+            <a:r>
+              <a:rPr lang="en-US" dirty="0"/>
+              <a:t>Identifies bugs and issues early on, reduces the risk of system failures, and improves overall quality.</a:t>
+            </a:r>
+          </a:p>
+          <a:p>
+            <a:r>
+              <a:rPr lang="en-US" dirty="0"/>
+              <a:t>Defining test cases, creating test data, and setting up testing environments.</a:t>
+            </a:r>
+          </a:p>
+        </p:txBody>
+      </p:sp>
+      <p:sp>
+        <p:nvSpPr>
+          <p:cNvPr id="4" name="Slide Number Placeholder 3"/>
+          <p:cNvSpPr>
+            <a:spLocks noGrp="1"/>
+          </p:cNvSpPr>
+          <p:nvPr>
+            <p:ph type="sldNum" sz="quarter" idx="12"/>
+          </p:nvPr>
+        </p:nvSpPr>
+        <p:spPr/>
+        <p:txBody>
+          <a:bodyPr/>
+          <a:lstStyle/>
+          <a:p>
+            <a:fld id="{B8DACC02-A2BD-4578-8E03-6D891060A695}" type="slidenum">
+              <a:rPr lang="en-US" smtClean="0"/>
+              <a:pPr/>
+              <a:t>30</a:t>
             </a:fld>
             <a:endParaRPr lang="en-US" dirty="0"/>
           </a:p>
@@ -13076,314 +13453,6 @@
 </p:sld>
 </file>
 
-<file path=ppt/slides/slide29.xml><?xml version="1.0" encoding="utf-8"?>
-<p:sld xmlns:a="http://schemas.openxmlformats.org/drawingml/2006/main" xmlns:r="http://schemas.openxmlformats.org/officeDocument/2006/relationships" xmlns:p="http://schemas.openxmlformats.org/presentationml/2006/main">
-  <p:cSld>
-    <p:spTree>
-      <p:nvGrpSpPr>
-        <p:cNvPr id="1" name=""/>
-        <p:cNvGrpSpPr/>
-        <p:nvPr/>
-      </p:nvGrpSpPr>
-      <p:grpSpPr>
-        <a:xfrm>
-          <a:off x="0" y="0"/>
-          <a:ext cx="0" cy="0"/>
-          <a:chOff x="0" y="0"/>
-          <a:chExt cx="0" cy="0"/>
-        </a:xfrm>
-      </p:grpSpPr>
-      <p:sp>
-        <p:nvSpPr>
-          <p:cNvPr id="2" name="Title 1"/>
-          <p:cNvSpPr>
-            <a:spLocks noGrp="1"/>
-          </p:cNvSpPr>
-          <p:nvPr>
-            <p:ph type="title"/>
-          </p:nvPr>
-        </p:nvSpPr>
-        <p:spPr/>
-        <p:txBody>
-          <a:bodyPr/>
-          <a:lstStyle/>
-          <a:p>
-            <a:r>
-              <a:rPr lang="en-US" dirty="0"/>
-              <a:t>Prototyping and Testing in Agile Development</a:t>
-            </a:r>
-          </a:p>
-        </p:txBody>
-      </p:sp>
-      <p:sp>
-        <p:nvSpPr>
-          <p:cNvPr id="3" name="Content Placeholder 2"/>
-          <p:cNvSpPr>
-            <a:spLocks noGrp="1"/>
-          </p:cNvSpPr>
-          <p:nvPr>
-            <p:ph idx="1"/>
-          </p:nvPr>
-        </p:nvSpPr>
-        <p:spPr/>
-        <p:txBody>
-          <a:bodyPr/>
-          <a:lstStyle/>
-          <a:p>
-            <a:r>
-              <a:rPr lang="en-US" dirty="0"/>
-              <a:t>Integrating prototyping and testing into Agile development</a:t>
-            </a:r>
-          </a:p>
-          <a:p>
-            <a:pPr lvl="1"/>
-            <a:r>
-              <a:rPr lang="en-US" dirty="0"/>
-              <a:t>Iterative development, continuous improvement, and customer feedback.</a:t>
-            </a:r>
-          </a:p>
-          <a:p>
-            <a:r>
-              <a:rPr lang="en-US" dirty="0"/>
-              <a:t>Benefits of combining prototyping and testing in Agile development</a:t>
-            </a:r>
-          </a:p>
-          <a:p>
-            <a:pPr lvl="1"/>
-            <a:r>
-              <a:rPr lang="en-US" dirty="0"/>
-              <a:t>Faster time-to-market, higher quality, and increased customer satisfaction.</a:t>
-            </a:r>
-          </a:p>
-        </p:txBody>
-      </p:sp>
-      <p:sp>
-        <p:nvSpPr>
-          <p:cNvPr id="4" name="Slide Number Placeholder 3"/>
-          <p:cNvSpPr>
-            <a:spLocks noGrp="1"/>
-          </p:cNvSpPr>
-          <p:nvPr>
-            <p:ph type="sldNum" sz="quarter" idx="12"/>
-          </p:nvPr>
-        </p:nvSpPr>
-        <p:spPr/>
-        <p:txBody>
-          <a:bodyPr/>
-          <a:lstStyle/>
-          <a:p>
-            <a:fld id="{B8DACC02-A2BD-4578-8E03-6D891060A695}" type="slidenum">
-              <a:rPr lang="en-US" smtClean="0"/>
-              <a:pPr/>
-              <a:t>29</a:t>
-            </a:fld>
-            <a:endParaRPr lang="en-US" dirty="0"/>
-          </a:p>
-        </p:txBody>
-      </p:sp>
-    </p:spTree>
-    <p:extLst>
-      <p:ext uri="{BB962C8B-B14F-4D97-AF65-F5344CB8AC3E}">
-        <p14:creationId xmlns:p14="http://schemas.microsoft.com/office/powerpoint/2010/main" val="3374571592"/>
-      </p:ext>
-    </p:extLst>
-  </p:cSld>
-  <p:clrMapOvr>
-    <a:masterClrMapping/>
-  </p:clrMapOvr>
-</p:sld>
-</file>
-
-<file path=ppt/slides/slide3.xml><?xml version="1.0" encoding="utf-8"?>
-<p:sld xmlns:a="http://schemas.openxmlformats.org/drawingml/2006/main" xmlns:r="http://schemas.openxmlformats.org/officeDocument/2006/relationships" xmlns:p="http://schemas.openxmlformats.org/presentationml/2006/main">
-  <p:cSld>
-    <p:spTree>
-      <p:nvGrpSpPr>
-        <p:cNvPr id="1" name=""/>
-        <p:cNvGrpSpPr/>
-        <p:nvPr/>
-      </p:nvGrpSpPr>
-      <p:grpSpPr>
-        <a:xfrm>
-          <a:off x="0" y="0"/>
-          <a:ext cx="0" cy="0"/>
-          <a:chOff x="0" y="0"/>
-          <a:chExt cx="0" cy="0"/>
-        </a:xfrm>
-      </p:grpSpPr>
-      <p:sp>
-        <p:nvSpPr>
-          <p:cNvPr id="5" name="Title 4"/>
-          <p:cNvSpPr>
-            <a:spLocks noGrp="1"/>
-          </p:cNvSpPr>
-          <p:nvPr>
-            <p:ph type="title"/>
-          </p:nvPr>
-        </p:nvSpPr>
-        <p:spPr/>
-        <p:txBody>
-          <a:bodyPr/>
-          <a:lstStyle/>
-          <a:p>
-            <a:r>
-              <a:rPr lang="en-US" dirty="0"/>
-              <a:t>Overview</a:t>
-            </a:r>
-          </a:p>
-        </p:txBody>
-      </p:sp>
-      <p:sp>
-        <p:nvSpPr>
-          <p:cNvPr id="6" name="Text Placeholder 5"/>
-          <p:cNvSpPr>
-            <a:spLocks noGrp="1"/>
-          </p:cNvSpPr>
-          <p:nvPr>
-            <p:ph type="body" idx="1"/>
-          </p:nvPr>
-        </p:nvSpPr>
-        <p:spPr/>
-        <p:txBody>
-          <a:bodyPr/>
-          <a:lstStyle/>
-          <a:p>
-            <a:endParaRPr lang="en-US"/>
-          </a:p>
-        </p:txBody>
-      </p:sp>
-      <p:sp>
-        <p:nvSpPr>
-          <p:cNvPr id="4" name="Slide Number Placeholder 3"/>
-          <p:cNvSpPr>
-            <a:spLocks noGrp="1"/>
-          </p:cNvSpPr>
-          <p:nvPr>
-            <p:ph type="sldNum" sz="quarter" idx="12"/>
-          </p:nvPr>
-        </p:nvSpPr>
-        <p:spPr/>
-        <p:txBody>
-          <a:bodyPr/>
-          <a:lstStyle/>
-          <a:p>
-            <a:fld id="{B8DACC02-A2BD-4578-8E03-6D891060A695}" type="slidenum">
-              <a:rPr lang="en-US" smtClean="0"/>
-              <a:pPr/>
-              <a:t>3</a:t>
-            </a:fld>
-            <a:endParaRPr lang="en-US" dirty="0"/>
-          </a:p>
-        </p:txBody>
-      </p:sp>
-    </p:spTree>
-    <p:extLst>
-      <p:ext uri="{BB962C8B-B14F-4D97-AF65-F5344CB8AC3E}">
-        <p14:creationId xmlns:p14="http://schemas.microsoft.com/office/powerpoint/2010/main" val="3359327900"/>
-      </p:ext>
-    </p:extLst>
-  </p:cSld>
-  <p:clrMapOvr>
-    <a:masterClrMapping/>
-  </p:clrMapOvr>
-</p:sld>
-</file>
-
-<file path=ppt/slides/slide30.xml><?xml version="1.0" encoding="utf-8"?>
-<p:sld xmlns:a="http://schemas.openxmlformats.org/drawingml/2006/main" xmlns:r="http://schemas.openxmlformats.org/officeDocument/2006/relationships" xmlns:p="http://schemas.openxmlformats.org/presentationml/2006/main">
-  <p:cSld>
-    <p:spTree>
-      <p:nvGrpSpPr>
-        <p:cNvPr id="1" name=""/>
-        <p:cNvGrpSpPr/>
-        <p:nvPr/>
-      </p:nvGrpSpPr>
-      <p:grpSpPr>
-        <a:xfrm>
-          <a:off x="0" y="0"/>
-          <a:ext cx="0" cy="0"/>
-          <a:chOff x="0" y="0"/>
-          <a:chExt cx="0" cy="0"/>
-        </a:xfrm>
-      </p:grpSpPr>
-      <p:sp>
-        <p:nvSpPr>
-          <p:cNvPr id="5" name="Title 4"/>
-          <p:cNvSpPr>
-            <a:spLocks noGrp="1"/>
-          </p:cNvSpPr>
-          <p:nvPr>
-            <p:ph type="title"/>
-          </p:nvPr>
-        </p:nvSpPr>
-        <p:spPr/>
-        <p:txBody>
-          <a:bodyPr/>
-          <a:lstStyle/>
-          <a:p>
-            <a:r>
-              <a:rPr lang="en-US" dirty="0"/>
-              <a:t>DevOps</a:t>
-            </a:r>
-          </a:p>
-        </p:txBody>
-      </p:sp>
-      <p:sp>
-        <p:nvSpPr>
-          <p:cNvPr id="6" name="Text Placeholder 5"/>
-          <p:cNvSpPr>
-            <a:spLocks noGrp="1"/>
-          </p:cNvSpPr>
-          <p:nvPr>
-            <p:ph type="body" idx="1"/>
-          </p:nvPr>
-        </p:nvSpPr>
-        <p:spPr/>
-        <p:txBody>
-          <a:bodyPr/>
-          <a:lstStyle/>
-          <a:p>
-            <a:endParaRPr lang="en-US"/>
-          </a:p>
-        </p:txBody>
-      </p:sp>
-      <p:sp>
-        <p:nvSpPr>
-          <p:cNvPr id="4" name="Slide Number Placeholder 3"/>
-          <p:cNvSpPr>
-            <a:spLocks noGrp="1"/>
-          </p:cNvSpPr>
-          <p:nvPr>
-            <p:ph type="sldNum" sz="quarter" idx="12"/>
-          </p:nvPr>
-        </p:nvSpPr>
-        <p:spPr/>
-        <p:txBody>
-          <a:bodyPr/>
-          <a:lstStyle/>
-          <a:p>
-            <a:fld id="{B8DACC02-A2BD-4578-8E03-6D891060A695}" type="slidenum">
-              <a:rPr lang="en-US" smtClean="0"/>
-              <a:pPr/>
-              <a:t>30</a:t>
-            </a:fld>
-            <a:endParaRPr lang="en-US" dirty="0"/>
-          </a:p>
-        </p:txBody>
-      </p:sp>
-    </p:spTree>
-    <p:extLst>
-      <p:ext uri="{BB962C8B-B14F-4D97-AF65-F5344CB8AC3E}">
-        <p14:creationId xmlns:p14="http://schemas.microsoft.com/office/powerpoint/2010/main" val="1477929976"/>
-      </p:ext>
-    </p:extLst>
-  </p:cSld>
-  <p:clrMapOvr>
-    <a:masterClrMapping/>
-  </p:clrMapOvr>
-</p:sld>
-</file>
-
 <file path=ppt/slides/slide31.xml><?xml version="1.0" encoding="utf-8"?>
 <p:sld xmlns:a="http://schemas.openxmlformats.org/drawingml/2006/main" xmlns:r="http://schemas.openxmlformats.org/officeDocument/2006/relationships" xmlns:p="http://schemas.openxmlformats.org/presentationml/2006/main">
   <p:cSld>
@@ -13418,6 +13487,219 @@
           <a:p>
             <a:r>
               <a:rPr lang="en-US" dirty="0"/>
+              <a:t>Prototyping and Testing in Agile Development</a:t>
+            </a:r>
+          </a:p>
+        </p:txBody>
+      </p:sp>
+      <p:sp>
+        <p:nvSpPr>
+          <p:cNvPr id="3" name="Content Placeholder 2"/>
+          <p:cNvSpPr>
+            <a:spLocks noGrp="1"/>
+          </p:cNvSpPr>
+          <p:nvPr>
+            <p:ph idx="1"/>
+          </p:nvPr>
+        </p:nvSpPr>
+        <p:spPr/>
+        <p:txBody>
+          <a:bodyPr/>
+          <a:lstStyle/>
+          <a:p>
+            <a:r>
+              <a:rPr lang="en-US" dirty="0"/>
+              <a:t>Integrating prototyping and testing into Agile development</a:t>
+            </a:r>
+          </a:p>
+          <a:p>
+            <a:pPr lvl="1"/>
+            <a:r>
+              <a:rPr lang="en-US" dirty="0"/>
+              <a:t>Iterative development, continuous improvement, and customer feedback.</a:t>
+            </a:r>
+          </a:p>
+          <a:p>
+            <a:r>
+              <a:rPr lang="en-US" dirty="0"/>
+              <a:t>Benefits of combining prototyping and testing in Agile development</a:t>
+            </a:r>
+          </a:p>
+          <a:p>
+            <a:pPr lvl="1"/>
+            <a:r>
+              <a:rPr lang="en-US" dirty="0"/>
+              <a:t>Faster time-to-market, higher quality, and increased customer satisfaction.</a:t>
+            </a:r>
+          </a:p>
+        </p:txBody>
+      </p:sp>
+      <p:sp>
+        <p:nvSpPr>
+          <p:cNvPr id="4" name="Slide Number Placeholder 3"/>
+          <p:cNvSpPr>
+            <a:spLocks noGrp="1"/>
+          </p:cNvSpPr>
+          <p:nvPr>
+            <p:ph type="sldNum" sz="quarter" idx="12"/>
+          </p:nvPr>
+        </p:nvSpPr>
+        <p:spPr/>
+        <p:txBody>
+          <a:bodyPr/>
+          <a:lstStyle/>
+          <a:p>
+            <a:fld id="{B8DACC02-A2BD-4578-8E03-6D891060A695}" type="slidenum">
+              <a:rPr lang="en-US" smtClean="0"/>
+              <a:pPr/>
+              <a:t>31</a:t>
+            </a:fld>
+            <a:endParaRPr lang="en-US" dirty="0"/>
+          </a:p>
+        </p:txBody>
+      </p:sp>
+    </p:spTree>
+    <p:extLst>
+      <p:ext uri="{BB962C8B-B14F-4D97-AF65-F5344CB8AC3E}">
+        <p14:creationId xmlns:p14="http://schemas.microsoft.com/office/powerpoint/2010/main" val="3374571592"/>
+      </p:ext>
+    </p:extLst>
+  </p:cSld>
+  <p:clrMapOvr>
+    <a:masterClrMapping/>
+  </p:clrMapOvr>
+</p:sld>
+</file>
+
+<file path=ppt/slides/slide32.xml><?xml version="1.0" encoding="utf-8"?>
+<p:sld xmlns:a="http://schemas.openxmlformats.org/drawingml/2006/main" xmlns:r="http://schemas.openxmlformats.org/officeDocument/2006/relationships" xmlns:p="http://schemas.openxmlformats.org/presentationml/2006/main">
+  <p:cSld>
+    <p:spTree>
+      <p:nvGrpSpPr>
+        <p:cNvPr id="1" name=""/>
+        <p:cNvGrpSpPr/>
+        <p:nvPr/>
+      </p:nvGrpSpPr>
+      <p:grpSpPr>
+        <a:xfrm>
+          <a:off x="0" y="0"/>
+          <a:ext cx="0" cy="0"/>
+          <a:chOff x="0" y="0"/>
+          <a:chExt cx="0" cy="0"/>
+        </a:xfrm>
+      </p:grpSpPr>
+      <p:sp>
+        <p:nvSpPr>
+          <p:cNvPr id="5" name="Title 4"/>
+          <p:cNvSpPr>
+            <a:spLocks noGrp="1"/>
+          </p:cNvSpPr>
+          <p:nvPr>
+            <p:ph type="title"/>
+          </p:nvPr>
+        </p:nvSpPr>
+        <p:spPr/>
+        <p:txBody>
+          <a:bodyPr/>
+          <a:lstStyle/>
+          <a:p>
+            <a:r>
+              <a:rPr lang="en-US" dirty="0"/>
+              <a:t>DevOps</a:t>
+            </a:r>
+          </a:p>
+        </p:txBody>
+      </p:sp>
+      <p:sp>
+        <p:nvSpPr>
+          <p:cNvPr id="6" name="Text Placeholder 5"/>
+          <p:cNvSpPr>
+            <a:spLocks noGrp="1"/>
+          </p:cNvSpPr>
+          <p:nvPr>
+            <p:ph type="body" idx="1"/>
+          </p:nvPr>
+        </p:nvSpPr>
+        <p:spPr/>
+        <p:txBody>
+          <a:bodyPr/>
+          <a:lstStyle/>
+          <a:p>
+            <a:endParaRPr lang="en-US"/>
+          </a:p>
+        </p:txBody>
+      </p:sp>
+      <p:sp>
+        <p:nvSpPr>
+          <p:cNvPr id="4" name="Slide Number Placeholder 3"/>
+          <p:cNvSpPr>
+            <a:spLocks noGrp="1"/>
+          </p:cNvSpPr>
+          <p:nvPr>
+            <p:ph type="sldNum" sz="quarter" idx="12"/>
+          </p:nvPr>
+        </p:nvSpPr>
+        <p:spPr/>
+        <p:txBody>
+          <a:bodyPr/>
+          <a:lstStyle/>
+          <a:p>
+            <a:fld id="{B8DACC02-A2BD-4578-8E03-6D891060A695}" type="slidenum">
+              <a:rPr lang="en-US" smtClean="0"/>
+              <a:pPr/>
+              <a:t>32</a:t>
+            </a:fld>
+            <a:endParaRPr lang="en-US" dirty="0"/>
+          </a:p>
+        </p:txBody>
+      </p:sp>
+    </p:spTree>
+    <p:extLst>
+      <p:ext uri="{BB962C8B-B14F-4D97-AF65-F5344CB8AC3E}">
+        <p14:creationId xmlns:p14="http://schemas.microsoft.com/office/powerpoint/2010/main" val="1477929976"/>
+      </p:ext>
+    </p:extLst>
+  </p:cSld>
+  <p:clrMapOvr>
+    <a:masterClrMapping/>
+  </p:clrMapOvr>
+</p:sld>
+</file>
+
+<file path=ppt/slides/slide33.xml><?xml version="1.0" encoding="utf-8"?>
+<p:sld xmlns:a="http://schemas.openxmlformats.org/drawingml/2006/main" xmlns:r="http://schemas.openxmlformats.org/officeDocument/2006/relationships" xmlns:p="http://schemas.openxmlformats.org/presentationml/2006/main">
+  <p:cSld>
+    <p:spTree>
+      <p:nvGrpSpPr>
+        <p:cNvPr id="1" name=""/>
+        <p:cNvGrpSpPr/>
+        <p:nvPr/>
+      </p:nvGrpSpPr>
+      <p:grpSpPr>
+        <a:xfrm>
+          <a:off x="0" y="0"/>
+          <a:ext cx="0" cy="0"/>
+          <a:chOff x="0" y="0"/>
+          <a:chExt cx="0" cy="0"/>
+        </a:xfrm>
+      </p:grpSpPr>
+      <p:sp>
+        <p:nvSpPr>
+          <p:cNvPr id="2" name="Title 1"/>
+          <p:cNvSpPr>
+            <a:spLocks noGrp="1"/>
+          </p:cNvSpPr>
+          <p:nvPr>
+            <p:ph type="title"/>
+          </p:nvPr>
+        </p:nvSpPr>
+        <p:spPr/>
+        <p:txBody>
+          <a:bodyPr/>
+          <a:lstStyle/>
+          <a:p>
+            <a:r>
+              <a:rPr lang="en-US" dirty="0"/>
               <a:t>DevOps</a:t>
             </a:r>
           </a:p>
@@ -13480,7 +13762,7 @@
             <a:fld id="{B8DACC02-A2BD-4578-8E03-6D891060A695}" type="slidenum">
               <a:rPr lang="en-US" smtClean="0"/>
               <a:pPr/>
-              <a:t>31</a:t>
+              <a:t>33</a:t>
             </a:fld>
             <a:endParaRPr lang="en-US" dirty="0"/>
           </a:p>
@@ -13540,7 +13822,7 @@
 </p:sld>
 </file>
 
-<file path=ppt/slides/slide32.xml><?xml version="1.0" encoding="utf-8"?>
+<file path=ppt/slides/slide34.xml><?xml version="1.0" encoding="utf-8"?>
 <p:sld xmlns:a="http://schemas.openxmlformats.org/drawingml/2006/main" xmlns:r="http://schemas.openxmlformats.org/officeDocument/2006/relationships" xmlns:p="http://schemas.openxmlformats.org/presentationml/2006/main">
   <p:cSld>
     <p:spTree>
@@ -13647,7 +13929,7 @@
             <a:fld id="{B8DACC02-A2BD-4578-8E03-6D891060A695}" type="slidenum">
               <a:rPr lang="en-US" smtClean="0"/>
               <a:pPr/>
-              <a:t>32</a:t>
+              <a:t>34</a:t>
             </a:fld>
             <a:endParaRPr lang="en-US" dirty="0"/>
           </a:p>
@@ -13705,7 +13987,7 @@
 </p:sld>
 </file>
 
-<file path=ppt/slides/slide33.xml><?xml version="1.0" encoding="utf-8"?>
+<file path=ppt/slides/slide35.xml><?xml version="1.0" encoding="utf-8"?>
 <p:sld xmlns:a="http://schemas.openxmlformats.org/drawingml/2006/main" xmlns:r="http://schemas.openxmlformats.org/officeDocument/2006/relationships" xmlns:p="http://schemas.openxmlformats.org/presentationml/2006/main">
   <p:cSld>
     <p:spTree>
@@ -13804,7 +14086,7 @@
             <a:fld id="{B8DACC02-A2BD-4578-8E03-6D891060A695}" type="slidenum">
               <a:rPr lang="en-US" smtClean="0"/>
               <a:pPr/>
-              <a:t>33</a:t>
+              <a:t>35</a:t>
             </a:fld>
             <a:endParaRPr lang="en-US" dirty="0"/>
           </a:p>
@@ -13864,7 +14146,7 @@
 </p:sld>
 </file>
 
-<file path=ppt/slides/slide34.xml><?xml version="1.0" encoding="utf-8"?>
+<file path=ppt/slides/slide36.xml><?xml version="1.0" encoding="utf-8"?>
 <p:sld xmlns:a="http://schemas.openxmlformats.org/drawingml/2006/main" xmlns:r="http://schemas.openxmlformats.org/officeDocument/2006/relationships" xmlns:p="http://schemas.openxmlformats.org/presentationml/2006/main">
   <p:cSld>
     <p:spTree>
@@ -13971,7 +14253,7 @@
             <a:fld id="{B8DACC02-A2BD-4578-8E03-6D891060A695}" type="slidenum">
               <a:rPr lang="en-US" smtClean="0"/>
               <a:pPr/>
-              <a:t>34</a:t>
+              <a:t>36</a:t>
             </a:fld>
             <a:endParaRPr lang="en-US" dirty="0"/>
           </a:p>
@@ -14031,7 +14313,7 @@
 </p:sld>
 </file>
 
-<file path=ppt/slides/slide35.xml><?xml version="1.0" encoding="utf-8"?>
+<file path=ppt/slides/slide37.xml><?xml version="1.0" encoding="utf-8"?>
 <p:sld xmlns:a="http://schemas.openxmlformats.org/drawingml/2006/main" xmlns:r="http://schemas.openxmlformats.org/officeDocument/2006/relationships" xmlns:p="http://schemas.openxmlformats.org/presentationml/2006/main">
   <p:cSld>
     <p:spTree>
@@ -14130,7 +14412,7 @@
             <a:fld id="{B8DACC02-A2BD-4578-8E03-6D891060A695}" type="slidenum">
               <a:rPr lang="en-US" smtClean="0"/>
               <a:pPr/>
-              <a:t>35</a:t>
+              <a:t>37</a:t>
             </a:fld>
             <a:endParaRPr lang="en-US" dirty="0"/>
           </a:p>
@@ -14188,7 +14470,7 @@
 </p:sld>
 </file>
 
-<file path=ppt/slides/slide36.xml><?xml version="1.0" encoding="utf-8"?>
+<file path=ppt/slides/slide38.xml><?xml version="1.0" encoding="utf-8"?>
 <p:sld xmlns:a="http://schemas.openxmlformats.org/drawingml/2006/main" xmlns:r="http://schemas.openxmlformats.org/officeDocument/2006/relationships" xmlns:p="http://schemas.openxmlformats.org/presentationml/2006/main">
   <p:cSld>
     <p:spTree>
@@ -14295,7 +14577,7 @@
             <a:fld id="{B8DACC02-A2BD-4578-8E03-6D891060A695}" type="slidenum">
               <a:rPr lang="en-US" smtClean="0"/>
               <a:pPr/>
-              <a:t>36</a:t>
+              <a:t>38</a:t>
             </a:fld>
             <a:endParaRPr lang="en-US" dirty="0"/>
           </a:p>
@@ -14355,7 +14637,7 @@
 </p:sld>
 </file>
 
-<file path=ppt/slides/slide37.xml><?xml version="1.0" encoding="utf-8"?>
+<file path=ppt/slides/slide39.xml><?xml version="1.0" encoding="utf-8"?>
 <p:sld xmlns:a="http://schemas.openxmlformats.org/drawingml/2006/main" xmlns:r="http://schemas.openxmlformats.org/officeDocument/2006/relationships" xmlns:p="http://schemas.openxmlformats.org/presentationml/2006/main">
   <p:cSld>
     <p:spTree>
@@ -14446,7 +14728,7 @@
             <a:fld id="{B8DACC02-A2BD-4578-8E03-6D891060A695}" type="slidenum">
               <a:rPr lang="en-US" smtClean="0"/>
               <a:pPr/>
-              <a:t>37</a:t>
+              <a:t>39</a:t>
             </a:fld>
             <a:endParaRPr lang="en-US" dirty="0"/>
           </a:p>
@@ -14504,7 +14786,7 @@
 </p:sld>
 </file>
 
-<file path=ppt/slides/slide38.xml><?xml version="1.0" encoding="utf-8"?>
+<file path=ppt/slides/slide4.xml><?xml version="1.0" encoding="utf-8"?>
 <p:sld xmlns:a="http://schemas.openxmlformats.org/drawingml/2006/main" xmlns:r="http://schemas.openxmlformats.org/officeDocument/2006/relationships" xmlns:p="http://schemas.openxmlformats.org/presentationml/2006/main">
   <p:cSld>
     <p:spTree>
@@ -14523,7 +14805,7 @@
       </p:grpSpPr>
       <p:sp>
         <p:nvSpPr>
-          <p:cNvPr id="5" name="Title 4"/>
+          <p:cNvPr id="2" name="Title 1"/>
           <p:cNvSpPr>
             <a:spLocks noGrp="1"/>
           </p:cNvSpPr>
@@ -14538,27 +14820,42 @@
           <a:p>
             <a:r>
               <a:rPr lang="en-US" dirty="0"/>
-              <a:t>Cloud-based Development and Containerization</a:t>
-            </a:r>
-          </a:p>
-        </p:txBody>
-      </p:sp>
-      <p:sp>
-        <p:nvSpPr>
-          <p:cNvPr id="6" name="Text Placeholder 5"/>
-          <p:cNvSpPr>
-            <a:spLocks noGrp="1"/>
-          </p:cNvSpPr>
-          <p:nvPr>
-            <p:ph type="body" idx="1"/>
-          </p:nvPr>
-        </p:nvSpPr>
-        <p:spPr/>
-        <p:txBody>
-          <a:bodyPr/>
-          <a:lstStyle/>
-          <a:p>
-            <a:endParaRPr lang="en-US"/>
+              <a:t>Why Development and Prototyping Matter</a:t>
+            </a:r>
+          </a:p>
+        </p:txBody>
+      </p:sp>
+      <p:sp>
+        <p:nvSpPr>
+          <p:cNvPr id="3" name="Content Placeholder 2"/>
+          <p:cNvSpPr>
+            <a:spLocks noGrp="1"/>
+          </p:cNvSpPr>
+          <p:nvPr>
+            <p:ph idx="1"/>
+          </p:nvPr>
+        </p:nvSpPr>
+        <p:spPr/>
+        <p:txBody>
+          <a:bodyPr/>
+          <a:lstStyle/>
+          <a:p>
+            <a:r>
+              <a:rPr lang="en-US" dirty="0"/>
+              <a:t>Development and prototyping are critical steps in turning ideas into functional software products.</a:t>
+            </a:r>
+          </a:p>
+          <a:p>
+            <a:r>
+              <a:rPr lang="en-US" dirty="0"/>
+              <a:t>They allow entrepreneurs to test and validate their ideas, identify potential issues, and refine their products.</a:t>
+            </a:r>
+          </a:p>
+          <a:p>
+            <a:r>
+              <a:rPr lang="en-US" dirty="0"/>
+              <a:t>Development and prototyping also help entrepreneurs to communicate their ideas effectively to stakeholders, investors, and potential customers.</a:t>
+            </a:r>
           </a:p>
         </p:txBody>
       </p:sp>
@@ -14580,7 +14877,7 @@
             <a:fld id="{B8DACC02-A2BD-4578-8E03-6D891060A695}" type="slidenum">
               <a:rPr lang="en-US" smtClean="0"/>
               <a:pPr/>
-              <a:t>38</a:t>
+              <a:t>4</a:t>
             </a:fld>
             <a:endParaRPr lang="en-US" dirty="0"/>
           </a:p>
@@ -14589,7 +14886,7 @@
     </p:spTree>
     <p:extLst>
       <p:ext uri="{BB962C8B-B14F-4D97-AF65-F5344CB8AC3E}">
-        <p14:creationId xmlns:p14="http://schemas.microsoft.com/office/powerpoint/2010/main" val="2658333495"/>
+        <p14:creationId xmlns:p14="http://schemas.microsoft.com/office/powerpoint/2010/main" val="4130345764"/>
       </p:ext>
     </p:extLst>
   </p:cSld>
@@ -14599,7 +14896,7 @@
 </p:sld>
 </file>
 
-<file path=ppt/slides/slide39.xml><?xml version="1.0" encoding="utf-8"?>
+<file path=ppt/slides/slide40.xml><?xml version="1.0" encoding="utf-8"?>
 <p:sld xmlns:a="http://schemas.openxmlformats.org/drawingml/2006/main" xmlns:r="http://schemas.openxmlformats.org/officeDocument/2006/relationships" xmlns:p="http://schemas.openxmlformats.org/presentationml/2006/main">
   <p:cSld>
     <p:spTree>
@@ -14618,7 +14915,7 @@
       </p:grpSpPr>
       <p:sp>
         <p:nvSpPr>
-          <p:cNvPr id="2" name="Title 1"/>
+          <p:cNvPr id="5" name="Title 4"/>
           <p:cNvSpPr>
             <a:spLocks noGrp="1"/>
           </p:cNvSpPr>
@@ -14640,60 +14937,20 @@
       </p:sp>
       <p:sp>
         <p:nvSpPr>
-          <p:cNvPr id="3" name="Content Placeholder 2"/>
-          <p:cNvSpPr>
-            <a:spLocks noGrp="1"/>
-          </p:cNvSpPr>
-          <p:nvPr>
-            <p:ph idx="1"/>
-          </p:nvPr>
-        </p:nvSpPr>
-        <p:spPr/>
-        <p:txBody>
-          <a:bodyPr/>
-          <a:lstStyle/>
-          <a:p>
-            <a:r>
-              <a:rPr lang="en-US" dirty="0"/>
-              <a:t>The practice of developing, testing, and deploying software applications using cloud computing infrastructure and services.</a:t>
-            </a:r>
-          </a:p>
-          <a:p>
-            <a:r>
-              <a:rPr lang="en-US" dirty="0" err="1"/>
-              <a:t>Containerizationis</a:t>
-            </a:r>
-            <a:r>
-              <a:rPr lang="en-US" dirty="0"/>
-              <a:t> a technique used to package software applications and their dependencies into self-contained units called containers. </a:t>
-            </a:r>
-          </a:p>
-          <a:p>
-            <a:r>
-              <a:rPr lang="en-US" dirty="0"/>
-              <a:t>Key benefits</a:t>
-            </a:r>
-          </a:p>
-          <a:p>
-            <a:pPr lvl="1"/>
-            <a:r>
-              <a:rPr lang="en-US" dirty="0"/>
-              <a:t>Scalability</a:t>
-            </a:r>
-          </a:p>
-          <a:p>
-            <a:pPr lvl="1"/>
-            <a:r>
-              <a:rPr lang="en-US" dirty="0"/>
-              <a:t>Flexibility, and </a:t>
-            </a:r>
-          </a:p>
-          <a:p>
-            <a:pPr lvl="1"/>
-            <a:r>
-              <a:rPr lang="en-US" dirty="0"/>
-              <a:t>Cost-effectiveness</a:t>
-            </a:r>
+          <p:cNvPr id="6" name="Text Placeholder 5"/>
+          <p:cNvSpPr>
+            <a:spLocks noGrp="1"/>
+          </p:cNvSpPr>
+          <p:nvPr>
+            <p:ph type="body" idx="1"/>
+          </p:nvPr>
+        </p:nvSpPr>
+        <p:spPr/>
+        <p:txBody>
+          <a:bodyPr/>
+          <a:lstStyle/>
+          <a:p>
+            <a:endParaRPr lang="en-US"/>
           </a:p>
         </p:txBody>
       </p:sp>
@@ -14715,7 +14972,142 @@
             <a:fld id="{B8DACC02-A2BD-4578-8E03-6D891060A695}" type="slidenum">
               <a:rPr lang="en-US" smtClean="0"/>
               <a:pPr/>
-              <a:t>39</a:t>
+              <a:t>40</a:t>
+            </a:fld>
+            <a:endParaRPr lang="en-US" dirty="0"/>
+          </a:p>
+        </p:txBody>
+      </p:sp>
+    </p:spTree>
+    <p:extLst>
+      <p:ext uri="{BB962C8B-B14F-4D97-AF65-F5344CB8AC3E}">
+        <p14:creationId xmlns:p14="http://schemas.microsoft.com/office/powerpoint/2010/main" val="2658333495"/>
+      </p:ext>
+    </p:extLst>
+  </p:cSld>
+  <p:clrMapOvr>
+    <a:masterClrMapping/>
+  </p:clrMapOvr>
+</p:sld>
+</file>
+
+<file path=ppt/slides/slide41.xml><?xml version="1.0" encoding="utf-8"?>
+<p:sld xmlns:a="http://schemas.openxmlformats.org/drawingml/2006/main" xmlns:r="http://schemas.openxmlformats.org/officeDocument/2006/relationships" xmlns:p="http://schemas.openxmlformats.org/presentationml/2006/main">
+  <p:cSld>
+    <p:spTree>
+      <p:nvGrpSpPr>
+        <p:cNvPr id="1" name=""/>
+        <p:cNvGrpSpPr/>
+        <p:nvPr/>
+      </p:nvGrpSpPr>
+      <p:grpSpPr>
+        <a:xfrm>
+          <a:off x="0" y="0"/>
+          <a:ext cx="0" cy="0"/>
+          <a:chOff x="0" y="0"/>
+          <a:chExt cx="0" cy="0"/>
+        </a:xfrm>
+      </p:grpSpPr>
+      <p:sp>
+        <p:nvSpPr>
+          <p:cNvPr id="2" name="Title 1"/>
+          <p:cNvSpPr>
+            <a:spLocks noGrp="1"/>
+          </p:cNvSpPr>
+          <p:nvPr>
+            <p:ph type="title"/>
+          </p:nvPr>
+        </p:nvSpPr>
+        <p:spPr/>
+        <p:txBody>
+          <a:bodyPr/>
+          <a:lstStyle/>
+          <a:p>
+            <a:r>
+              <a:rPr lang="en-US" dirty="0"/>
+              <a:t>Cloud-based Development and Containerization</a:t>
+            </a:r>
+          </a:p>
+        </p:txBody>
+      </p:sp>
+      <p:sp>
+        <p:nvSpPr>
+          <p:cNvPr id="3" name="Content Placeholder 2"/>
+          <p:cNvSpPr>
+            <a:spLocks noGrp="1"/>
+          </p:cNvSpPr>
+          <p:nvPr>
+            <p:ph idx="1"/>
+          </p:nvPr>
+        </p:nvSpPr>
+        <p:spPr/>
+        <p:txBody>
+          <a:bodyPr/>
+          <a:lstStyle/>
+          <a:p>
+            <a:r>
+              <a:rPr lang="en-US" dirty="0"/>
+              <a:t>The practice of developing, testing, and deploying software applications using cloud computing infrastructure and services.</a:t>
+            </a:r>
+          </a:p>
+          <a:p>
+            <a:r>
+              <a:rPr lang="en-US" dirty="0" err="1"/>
+              <a:t>Containerizationis</a:t>
+            </a:r>
+            <a:r>
+              <a:rPr lang="en-US" dirty="0"/>
+              <a:t> a technique used to package software applications and their dependencies into self-contained units called containers. </a:t>
+            </a:r>
+          </a:p>
+          <a:p>
+            <a:r>
+              <a:rPr lang="en-US" dirty="0"/>
+              <a:t>Key benefits</a:t>
+            </a:r>
+          </a:p>
+          <a:p>
+            <a:pPr lvl="1"/>
+            <a:r>
+              <a:rPr lang="en-US" dirty="0"/>
+              <a:t>Scalability</a:t>
+            </a:r>
+          </a:p>
+          <a:p>
+            <a:pPr lvl="1"/>
+            <a:r>
+              <a:rPr lang="en-US" dirty="0"/>
+              <a:t>Flexibility, and </a:t>
+            </a:r>
+          </a:p>
+          <a:p>
+            <a:pPr lvl="1"/>
+            <a:r>
+              <a:rPr lang="en-US" dirty="0"/>
+              <a:t>Cost-effectiveness</a:t>
+            </a:r>
+          </a:p>
+        </p:txBody>
+      </p:sp>
+      <p:sp>
+        <p:nvSpPr>
+          <p:cNvPr id="4" name="Slide Number Placeholder 3"/>
+          <p:cNvSpPr>
+            <a:spLocks noGrp="1"/>
+          </p:cNvSpPr>
+          <p:nvPr>
+            <p:ph type="sldNum" sz="quarter" idx="12"/>
+          </p:nvPr>
+        </p:nvSpPr>
+        <p:spPr/>
+        <p:txBody>
+          <a:bodyPr/>
+          <a:lstStyle/>
+          <a:p>
+            <a:fld id="{B8DACC02-A2BD-4578-8E03-6D891060A695}" type="slidenum">
+              <a:rPr lang="en-US" smtClean="0"/>
+              <a:pPr/>
+              <a:t>41</a:t>
             </a:fld>
             <a:endParaRPr lang="en-US" dirty="0"/>
           </a:p>
@@ -14773,7 +15165,7 @@
 </p:sld>
 </file>
 
-<file path=ppt/slides/slide4.xml><?xml version="1.0" encoding="utf-8"?>
+<file path=ppt/slides/slide42.xml><?xml version="1.0" encoding="utf-8"?>
 <p:sld xmlns:a="http://schemas.openxmlformats.org/drawingml/2006/main" xmlns:r="http://schemas.openxmlformats.org/officeDocument/2006/relationships" xmlns:p="http://schemas.openxmlformats.org/presentationml/2006/main">
   <p:cSld>
     <p:spTree>
@@ -14807,41 +15199,7 @@
           <a:p>
             <a:r>
               <a:rPr lang="en-US" dirty="0"/>
-              <a:t>Why Development and Prototyping Matter</a:t>
-            </a:r>
-          </a:p>
-        </p:txBody>
-      </p:sp>
-      <p:sp>
-        <p:nvSpPr>
-          <p:cNvPr id="3" name="Content Placeholder 2"/>
-          <p:cNvSpPr>
-            <a:spLocks noGrp="1"/>
-          </p:cNvSpPr>
-          <p:nvPr>
-            <p:ph idx="1"/>
-          </p:nvPr>
-        </p:nvSpPr>
-        <p:spPr/>
-        <p:txBody>
-          <a:bodyPr/>
-          <a:lstStyle/>
-          <a:p>
-            <a:r>
-              <a:rPr lang="en-US" dirty="0"/>
-              <a:t>Development and prototyping are critical steps in turning ideas into functional software products.</a:t>
-            </a:r>
-          </a:p>
-          <a:p>
-            <a:r>
-              <a:rPr lang="en-US" dirty="0"/>
-              <a:t>They allow entrepreneurs to test and validate their ideas, identify potential issues, and refine their products.</a:t>
-            </a:r>
-          </a:p>
-          <a:p>
-            <a:r>
-              <a:rPr lang="en-US" dirty="0"/>
-              <a:t>Development and prototyping also help entrepreneurs to communicate their ideas effectively to stakeholders, investors, and potential customers.</a:t>
+              <a:t>Cloud-based Development and Containerization</a:t>
             </a:r>
           </a:p>
         </p:txBody>
@@ -14864,83 +15222,7 @@
             <a:fld id="{B8DACC02-A2BD-4578-8E03-6D891060A695}" type="slidenum">
               <a:rPr lang="en-US" smtClean="0"/>
               <a:pPr/>
-              <a:t>4</a:t>
-            </a:fld>
-            <a:endParaRPr lang="en-US" dirty="0"/>
-          </a:p>
-        </p:txBody>
-      </p:sp>
-    </p:spTree>
-    <p:extLst>
-      <p:ext uri="{BB962C8B-B14F-4D97-AF65-F5344CB8AC3E}">
-        <p14:creationId xmlns:p14="http://schemas.microsoft.com/office/powerpoint/2010/main" val="4130345764"/>
-      </p:ext>
-    </p:extLst>
-  </p:cSld>
-  <p:clrMapOvr>
-    <a:masterClrMapping/>
-  </p:clrMapOvr>
-</p:sld>
-</file>
-
-<file path=ppt/slides/slide40.xml><?xml version="1.0" encoding="utf-8"?>
-<p:sld xmlns:a="http://schemas.openxmlformats.org/drawingml/2006/main" xmlns:r="http://schemas.openxmlformats.org/officeDocument/2006/relationships" xmlns:p="http://schemas.openxmlformats.org/presentationml/2006/main">
-  <p:cSld>
-    <p:spTree>
-      <p:nvGrpSpPr>
-        <p:cNvPr id="1" name=""/>
-        <p:cNvGrpSpPr/>
-        <p:nvPr/>
-      </p:nvGrpSpPr>
-      <p:grpSpPr>
-        <a:xfrm>
-          <a:off x="0" y="0"/>
-          <a:ext cx="0" cy="0"/>
-          <a:chOff x="0" y="0"/>
-          <a:chExt cx="0" cy="0"/>
-        </a:xfrm>
-      </p:grpSpPr>
-      <p:sp>
-        <p:nvSpPr>
-          <p:cNvPr id="2" name="Title 1"/>
-          <p:cNvSpPr>
-            <a:spLocks noGrp="1"/>
-          </p:cNvSpPr>
-          <p:nvPr>
-            <p:ph type="title"/>
-          </p:nvPr>
-        </p:nvSpPr>
-        <p:spPr/>
-        <p:txBody>
-          <a:bodyPr/>
-          <a:lstStyle/>
-          <a:p>
-            <a:r>
-              <a:rPr lang="en-US" dirty="0"/>
-              <a:t>Cloud-based Development and Containerization</a:t>
-            </a:r>
-          </a:p>
-        </p:txBody>
-      </p:sp>
-      <p:sp>
-        <p:nvSpPr>
-          <p:cNvPr id="4" name="Slide Number Placeholder 3"/>
-          <p:cNvSpPr>
-            <a:spLocks noGrp="1"/>
-          </p:cNvSpPr>
-          <p:nvPr>
-            <p:ph type="sldNum" sz="quarter" idx="12"/>
-          </p:nvPr>
-        </p:nvSpPr>
-        <p:spPr/>
-        <p:txBody>
-          <a:bodyPr/>
-          <a:lstStyle/>
-          <a:p>
-            <a:fld id="{B8DACC02-A2BD-4578-8E03-6D891060A695}" type="slidenum">
-              <a:rPr lang="en-US" smtClean="0"/>
-              <a:pPr/>
-              <a:t>40</a:t>
+              <a:t>42</a:t>
             </a:fld>
             <a:endParaRPr lang="en-US" dirty="0"/>
           </a:p>
@@ -15000,7 +15282,7 @@
 </p:sld>
 </file>
 
-<file path=ppt/slides/slide41.xml><?xml version="1.0" encoding="utf-8"?>
+<file path=ppt/slides/slide43.xml><?xml version="1.0" encoding="utf-8"?>
 <p:sld xmlns:a="http://schemas.openxmlformats.org/drawingml/2006/main" xmlns:r="http://schemas.openxmlformats.org/officeDocument/2006/relationships" xmlns:p="http://schemas.openxmlformats.org/presentationml/2006/main">
   <p:cSld>
     <p:spTree>
@@ -15035,7 +15317,7 @@
             <a:fld id="{B8DACC02-A2BD-4578-8E03-6D891060A695}" type="slidenum">
               <a:rPr lang="en-US" smtClean="0"/>
               <a:pPr/>
-              <a:t>41</a:t>
+              <a:t>43</a:t>
             </a:fld>
             <a:endParaRPr lang="en-US" dirty="0"/>
           </a:p>
@@ -15093,7 +15375,7 @@
 </p:sld>
 </file>
 
-<file path=ppt/slides/slide42.xml><?xml version="1.0" encoding="utf-8"?>
+<file path=ppt/slides/slide44.xml><?xml version="1.0" encoding="utf-8"?>
 <p:sld xmlns:a="http://schemas.openxmlformats.org/drawingml/2006/main" xmlns:r="http://schemas.openxmlformats.org/officeDocument/2006/relationships" xmlns:p="http://schemas.openxmlformats.org/presentationml/2006/main">
   <p:cSld>
     <p:spTree>
@@ -15128,7 +15410,7 @@
             <a:fld id="{B8DACC02-A2BD-4578-8E03-6D891060A695}" type="slidenum">
               <a:rPr lang="en-US" smtClean="0"/>
               <a:pPr/>
-              <a:t>42</a:t>
+              <a:t>44</a:t>
             </a:fld>
             <a:endParaRPr lang="en-US" dirty="0"/>
           </a:p>
@@ -15188,7 +15470,7 @@
 </p:sld>
 </file>
 
-<file path=ppt/slides/slide43.xml><?xml version="1.0" encoding="utf-8"?>
+<file path=ppt/slides/slide45.xml><?xml version="1.0" encoding="utf-8"?>
 <p:sld xmlns:a="http://schemas.openxmlformats.org/drawingml/2006/main" xmlns:r="http://schemas.openxmlformats.org/officeDocument/2006/relationships" xmlns:p="http://schemas.openxmlformats.org/presentationml/2006/main">
   <p:cSld>
     <p:spTree>
@@ -15248,7 +15530,7 @@
           <a:p>
             <a:fld id="{B8DACC02-A2BD-4578-8E03-6D891060A695}" type="slidenum">
               <a:rPr lang="en-US" smtClean="0"/>
-              <a:t>43</a:t>
+              <a:t>45</a:t>
             </a:fld>
             <a:endParaRPr lang="en-US"/>
           </a:p>
@@ -15308,7 +15590,7 @@
 </p:sld>
 </file>
 
-<file path=ppt/slides/slide44.xml><?xml version="1.0" encoding="utf-8"?>
+<file path=ppt/slides/slide46.xml><?xml version="1.0" encoding="utf-8"?>
 <p:sld xmlns:a="http://schemas.openxmlformats.org/drawingml/2006/main" xmlns:r="http://schemas.openxmlformats.org/officeDocument/2006/relationships" xmlns:p="http://schemas.openxmlformats.org/presentationml/2006/main">
   <p:cSld>
     <p:spTree>
@@ -15416,7 +15698,7 @@
           <a:p>
             <a:fld id="{B8DACC02-A2BD-4578-8E03-6D891060A695}" type="slidenum">
               <a:rPr lang="en-US" smtClean="0"/>
-              <a:t>44</a:t>
+              <a:t>46</a:t>
             </a:fld>
             <a:endParaRPr lang="en-US"/>
           </a:p>
@@ -15435,7 +15717,7 @@
 </p:sld>
 </file>
 
-<file path=ppt/slides/slide45.xml><?xml version="1.0" encoding="utf-8"?>
+<file path=ppt/slides/slide47.xml><?xml version="1.0" encoding="utf-8"?>
 <p:sld xmlns:a="http://schemas.openxmlformats.org/drawingml/2006/main" xmlns:r="http://schemas.openxmlformats.org/officeDocument/2006/relationships" xmlns:p="http://schemas.openxmlformats.org/presentationml/2006/main">
   <p:cSld>
     <p:spTree>
@@ -15517,7 +15799,7 @@
           <a:p>
             <a:fld id="{B8DACC02-A2BD-4578-8E03-6D891060A695}" type="slidenum">
               <a:rPr lang="en-US" smtClean="0"/>
-              <a:t>45</a:t>
+              <a:t>47</a:t>
             </a:fld>
             <a:endParaRPr lang="en-US"/>
           </a:p>
@@ -15575,234 +15857,6 @@
 </p:sld>
 </file>
 
-<file path=ppt/slides/slide46.xml><?xml version="1.0" encoding="utf-8"?>
-<p:sld xmlns:a="http://schemas.openxmlformats.org/drawingml/2006/main" xmlns:r="http://schemas.openxmlformats.org/officeDocument/2006/relationships" xmlns:p="http://schemas.openxmlformats.org/presentationml/2006/main">
-  <p:cSld>
-    <p:spTree>
-      <p:nvGrpSpPr>
-        <p:cNvPr id="1" name=""/>
-        <p:cNvGrpSpPr/>
-        <p:nvPr/>
-      </p:nvGrpSpPr>
-      <p:grpSpPr>
-        <a:xfrm>
-          <a:off x="0" y="0"/>
-          <a:ext cx="0" cy="0"/>
-          <a:chOff x="0" y="0"/>
-          <a:chExt cx="0" cy="0"/>
-        </a:xfrm>
-      </p:grpSpPr>
-      <p:sp>
-        <p:nvSpPr>
-          <p:cNvPr id="2" name="Title 1"/>
-          <p:cNvSpPr>
-            <a:spLocks noGrp="1"/>
-          </p:cNvSpPr>
-          <p:nvPr>
-            <p:ph type="title"/>
-          </p:nvPr>
-        </p:nvSpPr>
-        <p:spPr/>
-        <p:txBody>
-          <a:bodyPr/>
-          <a:lstStyle/>
-          <a:p>
-            <a:r>
-              <a:rPr lang="en-US" dirty="0"/>
-              <a:t>Key Concepts in </a:t>
-            </a:r>
-            <a:r>
-              <a:rPr lang="en-US" dirty="0" err="1"/>
-              <a:t>Serverless</a:t>
-            </a:r>
-            <a:r>
-              <a:rPr lang="en-US" dirty="0"/>
-              <a:t> Computing</a:t>
-            </a:r>
-          </a:p>
-        </p:txBody>
-      </p:sp>
-      <p:sp>
-        <p:nvSpPr>
-          <p:cNvPr id="3" name="Content Placeholder 2"/>
-          <p:cNvSpPr>
-            <a:spLocks noGrp="1"/>
-          </p:cNvSpPr>
-          <p:nvPr>
-            <p:ph idx="1"/>
-          </p:nvPr>
-        </p:nvSpPr>
-        <p:spPr/>
-        <p:txBody>
-          <a:bodyPr/>
-          <a:lstStyle/>
-          <a:p>
-            <a:r>
-              <a:rPr lang="en-US" dirty="0"/>
-              <a:t>Event-driven architecture: designing applications around events and triggers</a:t>
-            </a:r>
-          </a:p>
-          <a:p>
-            <a:r>
-              <a:rPr lang="en-US" dirty="0"/>
-              <a:t>Third-party services: using existing services instead of building everything from scratch</a:t>
-            </a:r>
-          </a:p>
-          <a:p>
-            <a:r>
-              <a:rPr lang="en-US" dirty="0"/>
-              <a:t>Reduced overhead: reduced infrastructure and maintenance costs</a:t>
-            </a:r>
-          </a:p>
-        </p:txBody>
-      </p:sp>
-      <p:sp>
-        <p:nvSpPr>
-          <p:cNvPr id="4" name="Slide Number Placeholder 3"/>
-          <p:cNvSpPr>
-            <a:spLocks noGrp="1"/>
-          </p:cNvSpPr>
-          <p:nvPr>
-            <p:ph type="sldNum" sz="quarter" idx="12"/>
-          </p:nvPr>
-        </p:nvSpPr>
-        <p:spPr/>
-        <p:txBody>
-          <a:bodyPr/>
-          <a:lstStyle/>
-          <a:p>
-            <a:fld id="{B8DACC02-A2BD-4578-8E03-6D891060A695}" type="slidenum">
-              <a:rPr lang="en-US" smtClean="0"/>
-              <a:pPr/>
-              <a:t>46</a:t>
-            </a:fld>
-            <a:endParaRPr lang="en-US" dirty="0"/>
-          </a:p>
-        </p:txBody>
-      </p:sp>
-    </p:spTree>
-    <p:extLst>
-      <p:ext uri="{BB962C8B-B14F-4D97-AF65-F5344CB8AC3E}">
-        <p14:creationId xmlns:p14="http://schemas.microsoft.com/office/powerpoint/2010/main" val="4226952283"/>
-      </p:ext>
-    </p:extLst>
-  </p:cSld>
-  <p:clrMapOvr>
-    <a:masterClrMapping/>
-  </p:clrMapOvr>
-</p:sld>
-</file>
-
-<file path=ppt/slides/slide47.xml><?xml version="1.0" encoding="utf-8"?>
-<p:sld xmlns:a="http://schemas.openxmlformats.org/drawingml/2006/main" xmlns:r="http://schemas.openxmlformats.org/officeDocument/2006/relationships" xmlns:p="http://schemas.openxmlformats.org/presentationml/2006/main">
-  <p:cSld>
-    <p:spTree>
-      <p:nvGrpSpPr>
-        <p:cNvPr id="1" name=""/>
-        <p:cNvGrpSpPr/>
-        <p:nvPr/>
-      </p:nvGrpSpPr>
-      <p:grpSpPr>
-        <a:xfrm>
-          <a:off x="0" y="0"/>
-          <a:ext cx="0" cy="0"/>
-          <a:chOff x="0" y="0"/>
-          <a:chExt cx="0" cy="0"/>
-        </a:xfrm>
-      </p:grpSpPr>
-      <p:sp>
-        <p:nvSpPr>
-          <p:cNvPr id="2" name="Title 1"/>
-          <p:cNvSpPr>
-            <a:spLocks noGrp="1"/>
-          </p:cNvSpPr>
-          <p:nvPr>
-            <p:ph type="title"/>
-          </p:nvPr>
-        </p:nvSpPr>
-        <p:spPr/>
-        <p:txBody>
-          <a:bodyPr/>
-          <a:lstStyle/>
-          <a:p>
-            <a:r>
-              <a:rPr lang="en-US" dirty="0"/>
-              <a:t>Reusing Existing Libraries and Platforms</a:t>
-            </a:r>
-          </a:p>
-        </p:txBody>
-      </p:sp>
-      <p:sp>
-        <p:nvSpPr>
-          <p:cNvPr id="3" name="Content Placeholder 2"/>
-          <p:cNvSpPr>
-            <a:spLocks noGrp="1"/>
-          </p:cNvSpPr>
-          <p:nvPr>
-            <p:ph idx="1"/>
-          </p:nvPr>
-        </p:nvSpPr>
-        <p:spPr/>
-        <p:txBody>
-          <a:bodyPr/>
-          <a:lstStyle/>
-          <a:p>
-            <a:r>
-              <a:rPr lang="en-US" dirty="0"/>
-              <a:t>Reducing development time: using existing libraries and platforms to speed up development</a:t>
-            </a:r>
-          </a:p>
-          <a:p>
-            <a:r>
-              <a:rPr lang="en-US" dirty="0"/>
-              <a:t>Leveraging existing resources: using existing resources to reduce costs and improve efficiency</a:t>
-            </a:r>
-          </a:p>
-          <a:p>
-            <a:r>
-              <a:rPr lang="en-US" dirty="0"/>
-              <a:t>Minimizing waste: reducing unnecessary work and minimizing waste</a:t>
-            </a:r>
-          </a:p>
-        </p:txBody>
-      </p:sp>
-      <p:sp>
-        <p:nvSpPr>
-          <p:cNvPr id="4" name="Slide Number Placeholder 3"/>
-          <p:cNvSpPr>
-            <a:spLocks noGrp="1"/>
-          </p:cNvSpPr>
-          <p:nvPr>
-            <p:ph type="sldNum" sz="quarter" idx="12"/>
-          </p:nvPr>
-        </p:nvSpPr>
-        <p:spPr/>
-        <p:txBody>
-          <a:bodyPr/>
-          <a:lstStyle/>
-          <a:p>
-            <a:fld id="{B8DACC02-A2BD-4578-8E03-6D891060A695}" type="slidenum">
-              <a:rPr lang="en-US" smtClean="0"/>
-              <a:pPr/>
-              <a:t>47</a:t>
-            </a:fld>
-            <a:endParaRPr lang="en-US" dirty="0"/>
-          </a:p>
-        </p:txBody>
-      </p:sp>
-    </p:spTree>
-    <p:extLst>
-      <p:ext uri="{BB962C8B-B14F-4D97-AF65-F5344CB8AC3E}">
-        <p14:creationId xmlns:p14="http://schemas.microsoft.com/office/powerpoint/2010/main" val="2339552701"/>
-      </p:ext>
-    </p:extLst>
-  </p:cSld>
-  <p:clrMapOvr>
-    <a:masterClrMapping/>
-  </p:clrMapOvr>
-</p:sld>
-</file>
-
 <file path=ppt/slides/slide48.xml><?xml version="1.0" encoding="utf-8"?>
 <p:sld xmlns:a="http://schemas.openxmlformats.org/drawingml/2006/main" xmlns:r="http://schemas.openxmlformats.org/officeDocument/2006/relationships" xmlns:p="http://schemas.openxmlformats.org/presentationml/2006/main">
   <p:cSld>
@@ -15822,7 +15876,7 @@
       </p:grpSpPr>
       <p:sp>
         <p:nvSpPr>
-          <p:cNvPr id="5" name="Title 4"/>
+          <p:cNvPr id="2" name="Title 1"/>
           <p:cNvSpPr>
             <a:spLocks noGrp="1"/>
           </p:cNvSpPr>
@@ -15837,27 +15891,50 @@
           <a:p>
             <a:r>
               <a:rPr lang="en-US" dirty="0"/>
-              <a:t>MVP and Customer Feedback</a:t>
-            </a:r>
-          </a:p>
-        </p:txBody>
-      </p:sp>
-      <p:sp>
-        <p:nvSpPr>
-          <p:cNvPr id="6" name="Text Placeholder 5"/>
-          <p:cNvSpPr>
-            <a:spLocks noGrp="1"/>
-          </p:cNvSpPr>
-          <p:nvPr>
-            <p:ph type="body" idx="1"/>
-          </p:nvPr>
-        </p:nvSpPr>
-        <p:spPr/>
-        <p:txBody>
-          <a:bodyPr/>
-          <a:lstStyle/>
-          <a:p>
-            <a:endParaRPr lang="en-US"/>
+              <a:t>Key Concepts in </a:t>
+            </a:r>
+            <a:r>
+              <a:rPr lang="en-US" dirty="0" err="1"/>
+              <a:t>Serverless</a:t>
+            </a:r>
+            <a:r>
+              <a:rPr lang="en-US" dirty="0"/>
+              <a:t> Computing</a:t>
+            </a:r>
+          </a:p>
+        </p:txBody>
+      </p:sp>
+      <p:sp>
+        <p:nvSpPr>
+          <p:cNvPr id="3" name="Content Placeholder 2"/>
+          <p:cNvSpPr>
+            <a:spLocks noGrp="1"/>
+          </p:cNvSpPr>
+          <p:nvPr>
+            <p:ph idx="1"/>
+          </p:nvPr>
+        </p:nvSpPr>
+        <p:spPr/>
+        <p:txBody>
+          <a:bodyPr/>
+          <a:lstStyle/>
+          <a:p>
+            <a:r>
+              <a:rPr lang="en-US" dirty="0"/>
+              <a:t>Event-driven architecture: designing applications around events and triggers</a:t>
+            </a:r>
+          </a:p>
+          <a:p>
+            <a:r>
+              <a:rPr lang="en-US" dirty="0"/>
+              <a:t>Third-party services: using existing services instead of building everything from scratch</a:t>
+            </a:r>
+          </a:p>
+          <a:p>
+            <a:r>
+              <a:rPr lang="en-US" dirty="0"/>
+              <a:t>Reduced overhead: reduced infrastructure and maintenance costs</a:t>
+            </a:r>
           </a:p>
         </p:txBody>
       </p:sp>
@@ -15888,7 +15965,7 @@
     </p:spTree>
     <p:extLst>
       <p:ext uri="{BB962C8B-B14F-4D97-AF65-F5344CB8AC3E}">
-        <p14:creationId xmlns:p14="http://schemas.microsoft.com/office/powerpoint/2010/main" val="3003310574"/>
+        <p14:creationId xmlns:p14="http://schemas.microsoft.com/office/powerpoint/2010/main" val="4226952283"/>
       </p:ext>
     </p:extLst>
   </p:cSld>
@@ -15932,7 +16009,7 @@
           <a:p>
             <a:r>
               <a:rPr lang="en-US" dirty="0"/>
-              <a:t>Minimum Viable Product (MVP)</a:t>
+              <a:t>Reusing Existing Libraries and Platforms</a:t>
             </a:r>
           </a:p>
         </p:txBody>
@@ -15954,13 +16031,19 @@
           <a:p>
             <a:r>
               <a:rPr lang="en-US" dirty="0"/>
-              <a:t>A product or service with just enough features to gather feedback from early customers and validate the product's value proposition.</a:t>
-            </a:r>
-          </a:p>
-          <a:p>
-            <a:r>
-              <a:rPr lang="en-US" dirty="0"/>
-              <a:t>Reduces risk, saves time and resources, and helps validate product assumptions.</a:t>
+              <a:t>Reducing development time: using existing libraries and platforms to speed up development</a:t>
+            </a:r>
+          </a:p>
+          <a:p>
+            <a:r>
+              <a:rPr lang="en-US" dirty="0"/>
+              <a:t>Leveraging existing resources: using existing resources to reduce costs and improve efficiency</a:t>
+            </a:r>
+          </a:p>
+          <a:p>
+            <a:r>
+              <a:rPr lang="en-US" dirty="0"/>
+              <a:t>Minimizing waste: reducing unnecessary work and minimizing waste</a:t>
             </a:r>
           </a:p>
         </p:txBody>
@@ -15984,6 +16067,329 @@
               <a:rPr lang="en-US" smtClean="0"/>
               <a:pPr/>
               <a:t>49</a:t>
+            </a:fld>
+            <a:endParaRPr lang="en-US" dirty="0"/>
+          </a:p>
+        </p:txBody>
+      </p:sp>
+    </p:spTree>
+    <p:extLst>
+      <p:ext uri="{BB962C8B-B14F-4D97-AF65-F5344CB8AC3E}">
+        <p14:creationId xmlns:p14="http://schemas.microsoft.com/office/powerpoint/2010/main" val="2339552701"/>
+      </p:ext>
+    </p:extLst>
+  </p:cSld>
+  <p:clrMapOvr>
+    <a:masterClrMapping/>
+  </p:clrMapOvr>
+</p:sld>
+</file>
+
+<file path=ppt/slides/slide5.xml><?xml version="1.0" encoding="utf-8"?>
+<p:sld xmlns:a="http://schemas.openxmlformats.org/drawingml/2006/main" xmlns:r="http://schemas.openxmlformats.org/officeDocument/2006/relationships" xmlns:p="http://schemas.openxmlformats.org/presentationml/2006/main">
+  <p:cSld>
+    <p:spTree>
+      <p:nvGrpSpPr>
+        <p:cNvPr id="1" name=""/>
+        <p:cNvGrpSpPr/>
+        <p:nvPr/>
+      </p:nvGrpSpPr>
+      <p:grpSpPr>
+        <a:xfrm>
+          <a:off x="0" y="0"/>
+          <a:ext cx="0" cy="0"/>
+          <a:chOff x="0" y="0"/>
+          <a:chExt cx="0" cy="0"/>
+        </a:xfrm>
+      </p:grpSpPr>
+      <p:sp>
+        <p:nvSpPr>
+          <p:cNvPr id="2" name="Title 1"/>
+          <p:cNvSpPr>
+            <a:spLocks noGrp="1"/>
+          </p:cNvSpPr>
+          <p:nvPr>
+            <p:ph type="title"/>
+          </p:nvPr>
+        </p:nvSpPr>
+        <p:spPr/>
+        <p:txBody>
+          <a:bodyPr/>
+          <a:lstStyle/>
+          <a:p>
+            <a:r>
+              <a:rPr lang="en-US" dirty="0"/>
+              <a:t>What is Development?</a:t>
+            </a:r>
+          </a:p>
+        </p:txBody>
+      </p:sp>
+      <p:sp>
+        <p:nvSpPr>
+          <p:cNvPr id="3" name="Content Placeholder 2"/>
+          <p:cNvSpPr>
+            <a:spLocks noGrp="1"/>
+          </p:cNvSpPr>
+          <p:nvPr>
+            <p:ph idx="1"/>
+          </p:nvPr>
+        </p:nvSpPr>
+        <p:spPr/>
+        <p:txBody>
+          <a:bodyPr/>
+          <a:lstStyle/>
+          <a:p>
+            <a:r>
+              <a:rPr lang="en-US" dirty="0"/>
+              <a:t>The process of designing, creating, testing, and maintaining software products.</a:t>
+            </a:r>
+          </a:p>
+          <a:p>
+            <a:r>
+              <a:rPr lang="en-US" dirty="0"/>
+              <a:t>Key stages of software development</a:t>
+            </a:r>
+          </a:p>
+          <a:p>
+            <a:pPr lvl="1"/>
+            <a:r>
+              <a:rPr lang="en-US" dirty="0"/>
+              <a:t>Requirements gathering, design, implementation, testing, deployment, and maintenance.</a:t>
+            </a:r>
+          </a:p>
+          <a:p>
+            <a:r>
+              <a:rPr lang="en-US" dirty="0"/>
+              <a:t>Importance of development in software entrepreneurship</a:t>
+            </a:r>
+          </a:p>
+          <a:p>
+            <a:pPr lvl="1"/>
+            <a:r>
+              <a:rPr lang="en-US" dirty="0"/>
+              <a:t>Turning ideas into functional products that meet customer needs.</a:t>
+            </a:r>
+          </a:p>
+        </p:txBody>
+      </p:sp>
+      <p:sp>
+        <p:nvSpPr>
+          <p:cNvPr id="4" name="Slide Number Placeholder 3"/>
+          <p:cNvSpPr>
+            <a:spLocks noGrp="1"/>
+          </p:cNvSpPr>
+          <p:nvPr>
+            <p:ph type="sldNum" sz="quarter" idx="12"/>
+          </p:nvPr>
+        </p:nvSpPr>
+        <p:spPr/>
+        <p:txBody>
+          <a:bodyPr/>
+          <a:lstStyle/>
+          <a:p>
+            <a:fld id="{B8DACC02-A2BD-4578-8E03-6D891060A695}" type="slidenum">
+              <a:rPr lang="en-US" smtClean="0"/>
+              <a:pPr/>
+              <a:t>5</a:t>
+            </a:fld>
+            <a:endParaRPr lang="en-US" dirty="0"/>
+          </a:p>
+        </p:txBody>
+      </p:sp>
+    </p:spTree>
+    <p:extLst>
+      <p:ext uri="{BB962C8B-B14F-4D97-AF65-F5344CB8AC3E}">
+        <p14:creationId xmlns:p14="http://schemas.microsoft.com/office/powerpoint/2010/main" val="2739722245"/>
+      </p:ext>
+    </p:extLst>
+  </p:cSld>
+  <p:clrMapOvr>
+    <a:masterClrMapping/>
+  </p:clrMapOvr>
+</p:sld>
+</file>
+
+<file path=ppt/slides/slide50.xml><?xml version="1.0" encoding="utf-8"?>
+<p:sld xmlns:a="http://schemas.openxmlformats.org/drawingml/2006/main" xmlns:r="http://schemas.openxmlformats.org/officeDocument/2006/relationships" xmlns:p="http://schemas.openxmlformats.org/presentationml/2006/main">
+  <p:cSld>
+    <p:spTree>
+      <p:nvGrpSpPr>
+        <p:cNvPr id="1" name=""/>
+        <p:cNvGrpSpPr/>
+        <p:nvPr/>
+      </p:nvGrpSpPr>
+      <p:grpSpPr>
+        <a:xfrm>
+          <a:off x="0" y="0"/>
+          <a:ext cx="0" cy="0"/>
+          <a:chOff x="0" y="0"/>
+          <a:chExt cx="0" cy="0"/>
+        </a:xfrm>
+      </p:grpSpPr>
+      <p:sp>
+        <p:nvSpPr>
+          <p:cNvPr id="5" name="Title 4"/>
+          <p:cNvSpPr>
+            <a:spLocks noGrp="1"/>
+          </p:cNvSpPr>
+          <p:nvPr>
+            <p:ph type="title"/>
+          </p:nvPr>
+        </p:nvSpPr>
+        <p:spPr/>
+        <p:txBody>
+          <a:bodyPr/>
+          <a:lstStyle/>
+          <a:p>
+            <a:r>
+              <a:rPr lang="en-US" dirty="0"/>
+              <a:t>MVP and Customer Feedback</a:t>
+            </a:r>
+          </a:p>
+        </p:txBody>
+      </p:sp>
+      <p:sp>
+        <p:nvSpPr>
+          <p:cNvPr id="6" name="Text Placeholder 5"/>
+          <p:cNvSpPr>
+            <a:spLocks noGrp="1"/>
+          </p:cNvSpPr>
+          <p:nvPr>
+            <p:ph type="body" idx="1"/>
+          </p:nvPr>
+        </p:nvSpPr>
+        <p:spPr/>
+        <p:txBody>
+          <a:bodyPr/>
+          <a:lstStyle/>
+          <a:p>
+            <a:endParaRPr lang="en-US"/>
+          </a:p>
+        </p:txBody>
+      </p:sp>
+      <p:sp>
+        <p:nvSpPr>
+          <p:cNvPr id="4" name="Slide Number Placeholder 3"/>
+          <p:cNvSpPr>
+            <a:spLocks noGrp="1"/>
+          </p:cNvSpPr>
+          <p:nvPr>
+            <p:ph type="sldNum" sz="quarter" idx="12"/>
+          </p:nvPr>
+        </p:nvSpPr>
+        <p:spPr/>
+        <p:txBody>
+          <a:bodyPr/>
+          <a:lstStyle/>
+          <a:p>
+            <a:fld id="{B8DACC02-A2BD-4578-8E03-6D891060A695}" type="slidenum">
+              <a:rPr lang="en-US" smtClean="0"/>
+              <a:pPr/>
+              <a:t>50</a:t>
+            </a:fld>
+            <a:endParaRPr lang="en-US" dirty="0"/>
+          </a:p>
+        </p:txBody>
+      </p:sp>
+    </p:spTree>
+    <p:extLst>
+      <p:ext uri="{BB962C8B-B14F-4D97-AF65-F5344CB8AC3E}">
+        <p14:creationId xmlns:p14="http://schemas.microsoft.com/office/powerpoint/2010/main" val="3003310574"/>
+      </p:ext>
+    </p:extLst>
+  </p:cSld>
+  <p:clrMapOvr>
+    <a:masterClrMapping/>
+  </p:clrMapOvr>
+</p:sld>
+</file>
+
+<file path=ppt/slides/slide51.xml><?xml version="1.0" encoding="utf-8"?>
+<p:sld xmlns:a="http://schemas.openxmlformats.org/drawingml/2006/main" xmlns:r="http://schemas.openxmlformats.org/officeDocument/2006/relationships" xmlns:p="http://schemas.openxmlformats.org/presentationml/2006/main">
+  <p:cSld>
+    <p:spTree>
+      <p:nvGrpSpPr>
+        <p:cNvPr id="1" name=""/>
+        <p:cNvGrpSpPr/>
+        <p:nvPr/>
+      </p:nvGrpSpPr>
+      <p:grpSpPr>
+        <a:xfrm>
+          <a:off x="0" y="0"/>
+          <a:ext cx="0" cy="0"/>
+          <a:chOff x="0" y="0"/>
+          <a:chExt cx="0" cy="0"/>
+        </a:xfrm>
+      </p:grpSpPr>
+      <p:sp>
+        <p:nvSpPr>
+          <p:cNvPr id="2" name="Title 1"/>
+          <p:cNvSpPr>
+            <a:spLocks noGrp="1"/>
+          </p:cNvSpPr>
+          <p:nvPr>
+            <p:ph type="title"/>
+          </p:nvPr>
+        </p:nvSpPr>
+        <p:spPr/>
+        <p:txBody>
+          <a:bodyPr/>
+          <a:lstStyle/>
+          <a:p>
+            <a:r>
+              <a:rPr lang="en-US" dirty="0"/>
+              <a:t>Minimum Viable Product (MVP)</a:t>
+            </a:r>
+          </a:p>
+        </p:txBody>
+      </p:sp>
+      <p:sp>
+        <p:nvSpPr>
+          <p:cNvPr id="3" name="Content Placeholder 2"/>
+          <p:cNvSpPr>
+            <a:spLocks noGrp="1"/>
+          </p:cNvSpPr>
+          <p:nvPr>
+            <p:ph idx="1"/>
+          </p:nvPr>
+        </p:nvSpPr>
+        <p:spPr/>
+        <p:txBody>
+          <a:bodyPr/>
+          <a:lstStyle/>
+          <a:p>
+            <a:r>
+              <a:rPr lang="en-US" dirty="0"/>
+              <a:t>A product or service with just enough features to gather feedback from early customers and validate the product's value proposition.</a:t>
+            </a:r>
+          </a:p>
+          <a:p>
+            <a:r>
+              <a:rPr lang="en-US" dirty="0"/>
+              <a:t>Reduces risk, saves time and resources, and helps validate product assumptions.</a:t>
+            </a:r>
+          </a:p>
+        </p:txBody>
+      </p:sp>
+      <p:sp>
+        <p:nvSpPr>
+          <p:cNvPr id="4" name="Slide Number Placeholder 3"/>
+          <p:cNvSpPr>
+            <a:spLocks noGrp="1"/>
+          </p:cNvSpPr>
+          <p:nvPr>
+            <p:ph type="sldNum" sz="quarter" idx="12"/>
+          </p:nvPr>
+        </p:nvSpPr>
+        <p:spPr/>
+        <p:txBody>
+          <a:bodyPr/>
+          <a:lstStyle/>
+          <a:p>
+            <a:fld id="{B8DACC02-A2BD-4578-8E03-6D891060A695}" type="slidenum">
+              <a:rPr lang="en-US" smtClean="0"/>
+              <a:pPr/>
+              <a:t>51</a:t>
             </a:fld>
             <a:endParaRPr lang="en-US" dirty="0"/>
           </a:p>
@@ -16041,7 +16447,7 @@
 </p:sld>
 </file>
 
-<file path=ppt/slides/slide5.xml><?xml version="1.0" encoding="utf-8"?>
+<file path=ppt/slides/slide52.xml><?xml version="1.0" encoding="utf-8"?>
 <p:sld xmlns:a="http://schemas.openxmlformats.org/drawingml/2006/main" xmlns:r="http://schemas.openxmlformats.org/officeDocument/2006/relationships" xmlns:p="http://schemas.openxmlformats.org/presentationml/2006/main">
   <p:cSld>
     <p:spTree>
@@ -16060,7 +16466,13 @@
       </p:grpSpPr>
       <p:sp>
         <p:nvSpPr>
-          <p:cNvPr id="2" name="Title 1"/>
+          <p:cNvPr id="2" name="Title 1">
+            <a:extLst>
+              <a:ext uri="{FF2B5EF4-FFF2-40B4-BE49-F238E27FC236}">
+                <a16:creationId xmlns:a16="http://schemas.microsoft.com/office/drawing/2014/main" id="{6A9E38CE-F2D8-492A-882A-3F289422CAB7}"/>
+              </a:ext>
+            </a:extLst>
+          </p:cNvPr>
           <p:cNvSpPr>
             <a:spLocks noGrp="1"/>
           </p:cNvSpPr>
@@ -16070,19 +16482,27 @@
         </p:nvSpPr>
         <p:spPr/>
         <p:txBody>
-          <a:bodyPr/>
-          <a:lstStyle/>
-          <a:p>
-            <a:r>
-              <a:rPr lang="en-US" dirty="0"/>
-              <a:t>What is Development?</a:t>
-            </a:r>
-          </a:p>
-        </p:txBody>
-      </p:sp>
-      <p:sp>
-        <p:nvSpPr>
-          <p:cNvPr id="3" name="Content Placeholder 2"/>
+          <a:bodyPr>
+            <a:normAutofit/>
+          </a:bodyPr>
+          <a:lstStyle/>
+          <a:p>
+            <a:r>
+              <a:rPr lang="en-US" dirty="0"/>
+              <a:t>Benefits of MVP</a:t>
+            </a:r>
+          </a:p>
+        </p:txBody>
+      </p:sp>
+      <p:sp>
+        <p:nvSpPr>
+          <p:cNvPr id="3" name="Content Placeholder 2">
+            <a:extLst>
+              <a:ext uri="{FF2B5EF4-FFF2-40B4-BE49-F238E27FC236}">
+                <a16:creationId xmlns:a16="http://schemas.microsoft.com/office/drawing/2014/main" id="{DA7DECFB-94F5-43A4-B1EC-D25AA3904D0E}"/>
+              </a:ext>
+            </a:extLst>
+          </p:cNvPr>
           <p:cNvSpPr>
             <a:spLocks noGrp="1"/>
           </p:cNvSpPr>
@@ -16090,47 +16510,92 @@
             <p:ph idx="1"/>
           </p:nvPr>
         </p:nvSpPr>
-        <p:spPr/>
-        <p:txBody>
-          <a:bodyPr/>
-          <a:lstStyle/>
-          <a:p>
-            <a:r>
-              <a:rPr lang="en-US" dirty="0"/>
-              <a:t>The process of designing, creating, testing, and maintaining software products.</a:t>
-            </a:r>
-          </a:p>
-          <a:p>
-            <a:r>
-              <a:rPr lang="en-US" dirty="0"/>
-              <a:t>Key stages of software development</a:t>
-            </a:r>
-          </a:p>
-          <a:p>
-            <a:pPr lvl="1"/>
-            <a:r>
-              <a:rPr lang="en-US" dirty="0"/>
-              <a:t>Requirements gathering, design, implementation, testing, deployment, and maintenance.</a:t>
-            </a:r>
-          </a:p>
-          <a:p>
-            <a:r>
-              <a:rPr lang="en-US" dirty="0"/>
-              <a:t>Importance of development in software entrepreneurship</a:t>
-            </a:r>
-          </a:p>
-          <a:p>
-            <a:pPr lvl="1"/>
-            <a:r>
-              <a:rPr lang="en-US" dirty="0"/>
-              <a:t>Turning ideas into functional products that meet customer needs.</a:t>
-            </a:r>
-          </a:p>
-        </p:txBody>
-      </p:sp>
-      <p:sp>
-        <p:nvSpPr>
-          <p:cNvPr id="4" name="Slide Number Placeholder 3"/>
+        <p:spPr>
+          <a:xfrm>
+            <a:off x="347526" y="1288008"/>
+            <a:ext cx="11650767" cy="4746091"/>
+          </a:xfrm>
+        </p:spPr>
+        <p:txBody>
+          <a:bodyPr/>
+          <a:lstStyle/>
+          <a:p>
+            <a:pPr>
+              <a:lnSpc>
+                <a:spcPct val="150000"/>
+              </a:lnSpc>
+            </a:pPr>
+            <a:r>
+              <a:rPr lang="en-US" dirty="0"/>
+              <a:t>Reduced risk</a:t>
+            </a:r>
+          </a:p>
+          <a:p>
+            <a:pPr lvl="1">
+              <a:lnSpc>
+                <a:spcPct val="150000"/>
+              </a:lnSpc>
+            </a:pPr>
+            <a:r>
+              <a:rPr lang="en-US" dirty="0"/>
+              <a:t>Test the product's assumptions without investing a lot of time and resources.</a:t>
+            </a:r>
+          </a:p>
+          <a:p>
+            <a:pPr>
+              <a:lnSpc>
+                <a:spcPct val="150000"/>
+              </a:lnSpc>
+            </a:pPr>
+            <a:r>
+              <a:rPr lang="en-US" dirty="0"/>
+              <a:t>Faster time-to-market</a:t>
+            </a:r>
+          </a:p>
+          <a:p>
+            <a:pPr lvl="1">
+              <a:lnSpc>
+                <a:spcPct val="150000"/>
+              </a:lnSpc>
+            </a:pPr>
+            <a:r>
+              <a:rPr lang="en-US" dirty="0"/>
+              <a:t>Get your product to market quickly, which can give you a competitive advantage.</a:t>
+            </a:r>
+          </a:p>
+          <a:p>
+            <a:pPr>
+              <a:lnSpc>
+                <a:spcPct val="150000"/>
+              </a:lnSpc>
+            </a:pPr>
+            <a:r>
+              <a:rPr lang="en-US" dirty="0"/>
+              <a:t>Customer feedback</a:t>
+            </a:r>
+          </a:p>
+          <a:p>
+            <a:pPr lvl="1">
+              <a:lnSpc>
+                <a:spcPct val="150000"/>
+              </a:lnSpc>
+            </a:pPr>
+            <a:r>
+              <a:rPr lang="en-US" dirty="0"/>
+              <a:t>Gather feedback from early customers, which can help you validate the product's value proposition and improve the product.</a:t>
+            </a:r>
+          </a:p>
+        </p:txBody>
+      </p:sp>
+      <p:sp>
+        <p:nvSpPr>
+          <p:cNvPr id="4" name="Slide Number Placeholder 3">
+            <a:extLst>
+              <a:ext uri="{FF2B5EF4-FFF2-40B4-BE49-F238E27FC236}">
+                <a16:creationId xmlns:a16="http://schemas.microsoft.com/office/drawing/2014/main" id="{533F8944-C0F4-49A4-A463-504F8DE8AA77}"/>
+              </a:ext>
+            </a:extLst>
+          </p:cNvPr>
           <p:cNvSpPr>
             <a:spLocks noGrp="1"/>
           </p:cNvSpPr>
@@ -16146,7 +16611,7 @@
             <a:fld id="{B8DACC02-A2BD-4578-8E03-6D891060A695}" type="slidenum">
               <a:rPr lang="en-US" smtClean="0"/>
               <a:pPr/>
-              <a:t>5</a:t>
+              <a:t>52</a:t>
             </a:fld>
             <a:endParaRPr lang="en-US" dirty="0"/>
           </a:p>
@@ -16155,7 +16620,7 @@
     </p:spTree>
     <p:extLst>
       <p:ext uri="{BB962C8B-B14F-4D97-AF65-F5344CB8AC3E}">
-        <p14:creationId xmlns:p14="http://schemas.microsoft.com/office/powerpoint/2010/main" val="2739722245"/>
+        <p14:creationId xmlns:p14="http://schemas.microsoft.com/office/powerpoint/2010/main" val="3559443721"/>
       </p:ext>
     </p:extLst>
   </p:cSld>
@@ -16165,7 +16630,7 @@
 </p:sld>
 </file>
 
-<file path=ppt/slides/slide50.xml><?xml version="1.0" encoding="utf-8"?>
+<file path=ppt/slides/slide53.xml><?xml version="1.0" encoding="utf-8"?>
 <p:sld xmlns:a="http://schemas.openxmlformats.org/drawingml/2006/main" xmlns:r="http://schemas.openxmlformats.org/officeDocument/2006/relationships" xmlns:p="http://schemas.openxmlformats.org/presentationml/2006/main">
   <p:cSld>
     <p:spTree>
@@ -16187,189 +16652,6 @@
           <p:cNvPr id="2" name="Title 1">
             <a:extLst>
               <a:ext uri="{FF2B5EF4-FFF2-40B4-BE49-F238E27FC236}">
-                <a16:creationId xmlns:a16="http://schemas.microsoft.com/office/drawing/2014/main" id="{6A9E38CE-F2D8-492A-882A-3F289422CAB7}"/>
-              </a:ext>
-            </a:extLst>
-          </p:cNvPr>
-          <p:cNvSpPr>
-            <a:spLocks noGrp="1"/>
-          </p:cNvSpPr>
-          <p:nvPr>
-            <p:ph type="title"/>
-          </p:nvPr>
-        </p:nvSpPr>
-        <p:spPr/>
-        <p:txBody>
-          <a:bodyPr>
-            <a:normAutofit/>
-          </a:bodyPr>
-          <a:lstStyle/>
-          <a:p>
-            <a:r>
-              <a:rPr lang="en-US" dirty="0"/>
-              <a:t>Benefits of MVP</a:t>
-            </a:r>
-          </a:p>
-        </p:txBody>
-      </p:sp>
-      <p:sp>
-        <p:nvSpPr>
-          <p:cNvPr id="3" name="Content Placeholder 2">
-            <a:extLst>
-              <a:ext uri="{FF2B5EF4-FFF2-40B4-BE49-F238E27FC236}">
-                <a16:creationId xmlns:a16="http://schemas.microsoft.com/office/drawing/2014/main" id="{DA7DECFB-94F5-43A4-B1EC-D25AA3904D0E}"/>
-              </a:ext>
-            </a:extLst>
-          </p:cNvPr>
-          <p:cNvSpPr>
-            <a:spLocks noGrp="1"/>
-          </p:cNvSpPr>
-          <p:nvPr>
-            <p:ph idx="1"/>
-          </p:nvPr>
-        </p:nvSpPr>
-        <p:spPr>
-          <a:xfrm>
-            <a:off x="347526" y="1288008"/>
-            <a:ext cx="11650767" cy="4746091"/>
-          </a:xfrm>
-        </p:spPr>
-        <p:txBody>
-          <a:bodyPr/>
-          <a:lstStyle/>
-          <a:p>
-            <a:pPr>
-              <a:lnSpc>
-                <a:spcPct val="150000"/>
-              </a:lnSpc>
-            </a:pPr>
-            <a:r>
-              <a:rPr lang="en-US" dirty="0"/>
-              <a:t>Reduced risk</a:t>
-            </a:r>
-          </a:p>
-          <a:p>
-            <a:pPr lvl="1">
-              <a:lnSpc>
-                <a:spcPct val="150000"/>
-              </a:lnSpc>
-            </a:pPr>
-            <a:r>
-              <a:rPr lang="en-US" dirty="0"/>
-              <a:t>Test the product's assumptions without investing a lot of time and resources.</a:t>
-            </a:r>
-          </a:p>
-          <a:p>
-            <a:pPr>
-              <a:lnSpc>
-                <a:spcPct val="150000"/>
-              </a:lnSpc>
-            </a:pPr>
-            <a:r>
-              <a:rPr lang="en-US" dirty="0"/>
-              <a:t>Faster time-to-market</a:t>
-            </a:r>
-          </a:p>
-          <a:p>
-            <a:pPr lvl="1">
-              <a:lnSpc>
-                <a:spcPct val="150000"/>
-              </a:lnSpc>
-            </a:pPr>
-            <a:r>
-              <a:rPr lang="en-US" dirty="0"/>
-              <a:t>Get your product to market quickly, which can give you a competitive advantage.</a:t>
-            </a:r>
-          </a:p>
-          <a:p>
-            <a:pPr>
-              <a:lnSpc>
-                <a:spcPct val="150000"/>
-              </a:lnSpc>
-            </a:pPr>
-            <a:r>
-              <a:rPr lang="en-US" dirty="0"/>
-              <a:t>Customer feedback</a:t>
-            </a:r>
-          </a:p>
-          <a:p>
-            <a:pPr lvl="1">
-              <a:lnSpc>
-                <a:spcPct val="150000"/>
-              </a:lnSpc>
-            </a:pPr>
-            <a:r>
-              <a:rPr lang="en-US" dirty="0"/>
-              <a:t>Gather feedback from early customers, which can help you validate the product's value proposition and improve the product.</a:t>
-            </a:r>
-          </a:p>
-        </p:txBody>
-      </p:sp>
-      <p:sp>
-        <p:nvSpPr>
-          <p:cNvPr id="4" name="Slide Number Placeholder 3">
-            <a:extLst>
-              <a:ext uri="{FF2B5EF4-FFF2-40B4-BE49-F238E27FC236}">
-                <a16:creationId xmlns:a16="http://schemas.microsoft.com/office/drawing/2014/main" id="{533F8944-C0F4-49A4-A463-504F8DE8AA77}"/>
-              </a:ext>
-            </a:extLst>
-          </p:cNvPr>
-          <p:cNvSpPr>
-            <a:spLocks noGrp="1"/>
-          </p:cNvSpPr>
-          <p:nvPr>
-            <p:ph type="sldNum" sz="quarter" idx="12"/>
-          </p:nvPr>
-        </p:nvSpPr>
-        <p:spPr/>
-        <p:txBody>
-          <a:bodyPr/>
-          <a:lstStyle/>
-          <a:p>
-            <a:fld id="{B8DACC02-A2BD-4578-8E03-6D891060A695}" type="slidenum">
-              <a:rPr lang="en-US" smtClean="0"/>
-              <a:pPr/>
-              <a:t>50</a:t>
-            </a:fld>
-            <a:endParaRPr lang="en-US" dirty="0"/>
-          </a:p>
-        </p:txBody>
-      </p:sp>
-    </p:spTree>
-    <p:extLst>
-      <p:ext uri="{BB962C8B-B14F-4D97-AF65-F5344CB8AC3E}">
-        <p14:creationId xmlns:p14="http://schemas.microsoft.com/office/powerpoint/2010/main" val="3559443721"/>
-      </p:ext>
-    </p:extLst>
-  </p:cSld>
-  <p:clrMapOvr>
-    <a:masterClrMapping/>
-  </p:clrMapOvr>
-</p:sld>
-</file>
-
-<file path=ppt/slides/slide51.xml><?xml version="1.0" encoding="utf-8"?>
-<p:sld xmlns:a="http://schemas.openxmlformats.org/drawingml/2006/main" xmlns:r="http://schemas.openxmlformats.org/officeDocument/2006/relationships" xmlns:p="http://schemas.openxmlformats.org/presentationml/2006/main">
-  <p:cSld>
-    <p:spTree>
-      <p:nvGrpSpPr>
-        <p:cNvPr id="1" name=""/>
-        <p:cNvGrpSpPr/>
-        <p:nvPr/>
-      </p:nvGrpSpPr>
-      <p:grpSpPr>
-        <a:xfrm>
-          <a:off x="0" y="0"/>
-          <a:ext cx="0" cy="0"/>
-          <a:chOff x="0" y="0"/>
-          <a:chExt cx="0" cy="0"/>
-        </a:xfrm>
-      </p:grpSpPr>
-      <p:sp>
-        <p:nvSpPr>
-          <p:cNvPr id="2" name="Title 1">
-            <a:extLst>
-              <a:ext uri="{FF2B5EF4-FFF2-40B4-BE49-F238E27FC236}">
                 <a16:creationId xmlns:a16="http://schemas.microsoft.com/office/drawing/2014/main" id="{90DFCA66-6D2D-49F8-8786-133716B1C2FC}"/>
               </a:ext>
             </a:extLst>
@@ -16442,7 +16724,7 @@
             <a:fld id="{B8DACC02-A2BD-4578-8E03-6D891060A695}" type="slidenum">
               <a:rPr lang="en-US" smtClean="0"/>
               <a:pPr/>
-              <a:t>51</a:t>
+              <a:t>53</a:t>
             </a:fld>
             <a:endParaRPr lang="en-US" dirty="0"/>
           </a:p>
@@ -16508,253 +16790,6 @@
 </p:sld>
 </file>
 
-<file path=ppt/slides/slide52.xml><?xml version="1.0" encoding="utf-8"?>
-<p:sld xmlns:a="http://schemas.openxmlformats.org/drawingml/2006/main" xmlns:r="http://schemas.openxmlformats.org/officeDocument/2006/relationships" xmlns:p="http://schemas.openxmlformats.org/presentationml/2006/main">
-  <p:cSld>
-    <p:spTree>
-      <p:nvGrpSpPr>
-        <p:cNvPr id="1" name=""/>
-        <p:cNvGrpSpPr/>
-        <p:nvPr/>
-      </p:nvGrpSpPr>
-      <p:grpSpPr>
-        <a:xfrm>
-          <a:off x="0" y="0"/>
-          <a:ext cx="0" cy="0"/>
-          <a:chOff x="0" y="0"/>
-          <a:chExt cx="0" cy="0"/>
-        </a:xfrm>
-      </p:grpSpPr>
-      <p:sp>
-        <p:nvSpPr>
-          <p:cNvPr id="2" name="Title 1"/>
-          <p:cNvSpPr>
-            <a:spLocks noGrp="1"/>
-          </p:cNvSpPr>
-          <p:nvPr>
-            <p:ph type="title"/>
-          </p:nvPr>
-        </p:nvSpPr>
-        <p:spPr/>
-        <p:txBody>
-          <a:bodyPr/>
-          <a:lstStyle/>
-          <a:p>
-            <a:r>
-              <a:rPr lang="en-US" dirty="0"/>
-              <a:t>Key Concepts in MVP</a:t>
-            </a:r>
-          </a:p>
-        </p:txBody>
-      </p:sp>
-      <p:sp>
-        <p:nvSpPr>
-          <p:cNvPr id="4" name="Slide Number Placeholder 3"/>
-          <p:cNvSpPr>
-            <a:spLocks noGrp="1"/>
-          </p:cNvSpPr>
-          <p:nvPr>
-            <p:ph type="sldNum" sz="quarter" idx="12"/>
-          </p:nvPr>
-        </p:nvSpPr>
-        <p:spPr/>
-        <p:txBody>
-          <a:bodyPr/>
-          <a:lstStyle/>
-          <a:p>
-            <a:fld id="{B8DACC02-A2BD-4578-8E03-6D891060A695}" type="slidenum">
-              <a:rPr lang="en-US" smtClean="0"/>
-              <a:pPr/>
-              <a:t>52</a:t>
-            </a:fld>
-            <a:endParaRPr lang="en-US" dirty="0"/>
-          </a:p>
-        </p:txBody>
-      </p:sp>
-      <p:graphicFrame>
-        <p:nvGraphicFramePr>
-          <p:cNvPr id="5" name="Content Placeholder 4"/>
-          <p:cNvGraphicFramePr>
-            <a:graphicFrameLocks noGrp="1"/>
-          </p:cNvGraphicFramePr>
-          <p:nvPr>
-            <p:ph idx="1"/>
-            <p:extLst>
-              <p:ext uri="{D42A27DB-BD31-4B8C-83A1-F6EECF244321}">
-                <p14:modId xmlns:p14="http://schemas.microsoft.com/office/powerpoint/2010/main" val="1178416411"/>
-              </p:ext>
-            </p:extLst>
-          </p:nvPr>
-        </p:nvGraphicFramePr>
-        <p:xfrm>
-          <a:off x="347663" y="1406525"/>
-          <a:ext cx="11650662" cy="4746625"/>
-        </p:xfrm>
-        <a:graphic>
-          <a:graphicData uri="http://schemas.openxmlformats.org/drawingml/2006/diagram">
-            <dgm:relIds xmlns:dgm="http://schemas.openxmlformats.org/drawingml/2006/diagram" xmlns:r="http://schemas.openxmlformats.org/officeDocument/2006/relationships" r:dm="rId2" r:lo="rId3" r:qs="rId4" r:cs="rId5"/>
-          </a:graphicData>
-        </a:graphic>
-      </p:graphicFrame>
-    </p:spTree>
-    <p:extLst>
-      <p:ext uri="{BB962C8B-B14F-4D97-AF65-F5344CB8AC3E}">
-        <p14:creationId xmlns:p14="http://schemas.microsoft.com/office/powerpoint/2010/main" val="3558555539"/>
-      </p:ext>
-    </p:extLst>
-  </p:cSld>
-  <p:clrMapOvr>
-    <a:masterClrMapping/>
-  </p:clrMapOvr>
-</p:sld>
-</file>
-
-<file path=ppt/slides/slide53.xml><?xml version="1.0" encoding="utf-8"?>
-<p:sld xmlns:a="http://schemas.openxmlformats.org/drawingml/2006/main" xmlns:r="http://schemas.openxmlformats.org/officeDocument/2006/relationships" xmlns:p="http://schemas.openxmlformats.org/presentationml/2006/main">
-  <p:cSld>
-    <p:spTree>
-      <p:nvGrpSpPr>
-        <p:cNvPr id="1" name=""/>
-        <p:cNvGrpSpPr/>
-        <p:nvPr/>
-      </p:nvGrpSpPr>
-      <p:grpSpPr>
-        <a:xfrm>
-          <a:off x="0" y="0"/>
-          <a:ext cx="0" cy="0"/>
-          <a:chOff x="0" y="0"/>
-          <a:chExt cx="0" cy="0"/>
-        </a:xfrm>
-      </p:grpSpPr>
-      <p:sp>
-        <p:nvSpPr>
-          <p:cNvPr id="2" name="Title 1"/>
-          <p:cNvSpPr>
-            <a:spLocks noGrp="1"/>
-          </p:cNvSpPr>
-          <p:nvPr>
-            <p:ph type="title"/>
-          </p:nvPr>
-        </p:nvSpPr>
-        <p:spPr/>
-        <p:txBody>
-          <a:bodyPr/>
-          <a:lstStyle/>
-          <a:p>
-            <a:r>
-              <a:rPr lang="en-US" dirty="0"/>
-              <a:t>Customer Feedback</a:t>
-            </a:r>
-          </a:p>
-        </p:txBody>
-      </p:sp>
-      <p:sp>
-        <p:nvSpPr>
-          <p:cNvPr id="3" name="Content Placeholder 2"/>
-          <p:cNvSpPr>
-            <a:spLocks noGrp="1"/>
-          </p:cNvSpPr>
-          <p:nvPr>
-            <p:ph idx="1"/>
-          </p:nvPr>
-        </p:nvSpPr>
-        <p:spPr/>
-        <p:txBody>
-          <a:bodyPr>
-            <a:normAutofit/>
-          </a:bodyPr>
-          <a:lstStyle/>
-          <a:p>
-            <a:r>
-              <a:rPr lang="en-US" dirty="0"/>
-              <a:t>Helps validate product assumptions and ensures the product meets customer needs.</a:t>
-            </a:r>
-          </a:p>
-          <a:p>
-            <a:r>
-              <a:rPr lang="en-US" dirty="0"/>
-              <a:t>Helps identify usability issues and areas for improvement.</a:t>
-            </a:r>
-          </a:p>
-          <a:p>
-            <a:r>
-              <a:rPr lang="en-US" dirty="0"/>
-              <a:t>Helps build trust and rapport with early customers, which can lead to loyalty and positive word-of-mouth.</a:t>
-            </a:r>
-          </a:p>
-          <a:p>
-            <a:r>
-              <a:rPr lang="en-US" dirty="0"/>
-              <a:t>Methods:</a:t>
-            </a:r>
-          </a:p>
-          <a:p>
-            <a:pPr lvl="1"/>
-            <a:r>
-              <a:rPr lang="en-US" dirty="0"/>
-              <a:t>Surveys</a:t>
-            </a:r>
-          </a:p>
-          <a:p>
-            <a:pPr lvl="1"/>
-            <a:r>
-              <a:rPr lang="en-US" dirty="0"/>
-              <a:t>Interviews</a:t>
-            </a:r>
-          </a:p>
-          <a:p>
-            <a:pPr lvl="1"/>
-            <a:r>
-              <a:rPr lang="en-US" dirty="0"/>
-              <a:t>User testing</a:t>
-            </a:r>
-          </a:p>
-          <a:p>
-            <a:pPr lvl="1"/>
-            <a:r>
-              <a:rPr lang="en-US" dirty="0"/>
-              <a:t>Focus groups</a:t>
-            </a:r>
-          </a:p>
-        </p:txBody>
-      </p:sp>
-      <p:sp>
-        <p:nvSpPr>
-          <p:cNvPr id="4" name="Slide Number Placeholder 3"/>
-          <p:cNvSpPr>
-            <a:spLocks noGrp="1"/>
-          </p:cNvSpPr>
-          <p:nvPr>
-            <p:ph type="sldNum" sz="quarter" idx="12"/>
-          </p:nvPr>
-        </p:nvSpPr>
-        <p:spPr/>
-        <p:txBody>
-          <a:bodyPr/>
-          <a:lstStyle/>
-          <a:p>
-            <a:fld id="{B8DACC02-A2BD-4578-8E03-6D891060A695}" type="slidenum">
-              <a:rPr lang="en-US" smtClean="0"/>
-              <a:pPr/>
-              <a:t>53</a:t>
-            </a:fld>
-            <a:endParaRPr lang="en-US" dirty="0"/>
-          </a:p>
-        </p:txBody>
-      </p:sp>
-    </p:spTree>
-    <p:extLst>
-      <p:ext uri="{BB962C8B-B14F-4D97-AF65-F5344CB8AC3E}">
-        <p14:creationId xmlns:p14="http://schemas.microsoft.com/office/powerpoint/2010/main" val="1399074727"/>
-      </p:ext>
-    </p:extLst>
-  </p:cSld>
-  <p:clrMapOvr>
-    <a:masterClrMapping/>
-  </p:clrMapOvr>
-</p:sld>
-</file>
-
 <file path=ppt/slides/slide54.xml><?xml version="1.0" encoding="utf-8"?>
 <p:sld xmlns:a="http://schemas.openxmlformats.org/drawingml/2006/main" xmlns:r="http://schemas.openxmlformats.org/officeDocument/2006/relationships" xmlns:p="http://schemas.openxmlformats.org/presentationml/2006/main">
   <p:cSld>
@@ -16789,41 +16824,7 @@
           <a:p>
             <a:r>
               <a:rPr lang="en-US" dirty="0"/>
-              <a:t>Benefits of Gathering Customer Feedback</a:t>
-            </a:r>
-          </a:p>
-        </p:txBody>
-      </p:sp>
-      <p:sp>
-        <p:nvSpPr>
-          <p:cNvPr id="3" name="Content Placeholder 2"/>
-          <p:cNvSpPr>
-            <a:spLocks noGrp="1"/>
-          </p:cNvSpPr>
-          <p:nvPr>
-            <p:ph idx="1"/>
-          </p:nvPr>
-        </p:nvSpPr>
-        <p:spPr/>
-        <p:txBody>
-          <a:bodyPr/>
-          <a:lstStyle/>
-          <a:p>
-            <a:r>
-              <a:rPr lang="en-US" dirty="0"/>
-              <a:t>Improved product development: Customer feedback helps identify areas for improvement and guides product refinement.</a:t>
-            </a:r>
-          </a:p>
-          <a:p>
-            <a:r>
-              <a:rPr lang="en-US" dirty="0"/>
-              <a:t>Increased customer satisfaction: Gathering feedback shows customers that their opinions matter, leading to higher satisfaction and loyalty.</a:t>
-            </a:r>
-          </a:p>
-          <a:p>
-            <a:r>
-              <a:rPr lang="en-US" dirty="0"/>
-              <a:t>Competitive advantage: Continuously gathering feedback and iteratively improving the product helps stay ahead of competitors.</a:t>
+              <a:t>Key Concepts in MVP</a:t>
             </a:r>
           </a:p>
         </p:txBody>
@@ -16852,10 +16853,35 @@
           </a:p>
         </p:txBody>
       </p:sp>
+      <p:graphicFrame>
+        <p:nvGraphicFramePr>
+          <p:cNvPr id="5" name="Content Placeholder 4"/>
+          <p:cNvGraphicFramePr>
+            <a:graphicFrameLocks noGrp="1"/>
+          </p:cNvGraphicFramePr>
+          <p:nvPr>
+            <p:ph idx="1"/>
+            <p:extLst>
+              <p:ext uri="{D42A27DB-BD31-4B8C-83A1-F6EECF244321}">
+                <p14:modId xmlns:p14="http://schemas.microsoft.com/office/powerpoint/2010/main" val="3654652112"/>
+              </p:ext>
+            </p:extLst>
+          </p:nvPr>
+        </p:nvGraphicFramePr>
+        <p:xfrm>
+          <a:off x="347663" y="1406525"/>
+          <a:ext cx="11650662" cy="4746625"/>
+        </p:xfrm>
+        <a:graphic>
+          <a:graphicData uri="http://schemas.openxmlformats.org/drawingml/2006/diagram">
+            <dgm:relIds xmlns:dgm="http://schemas.openxmlformats.org/drawingml/2006/diagram" xmlns:r="http://schemas.openxmlformats.org/officeDocument/2006/relationships" r:dm="rId2" r:lo="rId3" r:qs="rId4" r:cs="rId5"/>
+          </a:graphicData>
+        </a:graphic>
+      </p:graphicFrame>
     </p:spTree>
     <p:extLst>
       <p:ext uri="{BB962C8B-B14F-4D97-AF65-F5344CB8AC3E}">
-        <p14:creationId xmlns:p14="http://schemas.microsoft.com/office/powerpoint/2010/main" val="650566808"/>
+        <p14:creationId xmlns:p14="http://schemas.microsoft.com/office/powerpoint/2010/main" val="3558555539"/>
       </p:ext>
     </p:extLst>
   </p:cSld>
@@ -16884,6 +16910,422 @@
       </p:grpSpPr>
       <p:sp>
         <p:nvSpPr>
+          <p:cNvPr id="2" name="Title 1"/>
+          <p:cNvSpPr>
+            <a:spLocks noGrp="1"/>
+          </p:cNvSpPr>
+          <p:nvPr>
+            <p:ph type="title"/>
+          </p:nvPr>
+        </p:nvSpPr>
+        <p:spPr/>
+        <p:txBody>
+          <a:bodyPr/>
+          <a:lstStyle/>
+          <a:p>
+            <a:r>
+              <a:rPr lang="en-US" dirty="0"/>
+              <a:t>Customer Feedback</a:t>
+            </a:r>
+          </a:p>
+        </p:txBody>
+      </p:sp>
+      <p:sp>
+        <p:nvSpPr>
+          <p:cNvPr id="3" name="Content Placeholder 2"/>
+          <p:cNvSpPr>
+            <a:spLocks noGrp="1"/>
+          </p:cNvSpPr>
+          <p:nvPr>
+            <p:ph idx="1"/>
+          </p:nvPr>
+        </p:nvSpPr>
+        <p:spPr/>
+        <p:txBody>
+          <a:bodyPr>
+            <a:normAutofit/>
+          </a:bodyPr>
+          <a:lstStyle/>
+          <a:p>
+            <a:r>
+              <a:rPr lang="en-US" dirty="0"/>
+              <a:t>Helps validate product assumptions and ensures the product meets customer needs.</a:t>
+            </a:r>
+          </a:p>
+          <a:p>
+            <a:r>
+              <a:rPr lang="en-US" dirty="0"/>
+              <a:t>Helps identify usability issues and areas for improvement.</a:t>
+            </a:r>
+          </a:p>
+          <a:p>
+            <a:r>
+              <a:rPr lang="en-US" dirty="0"/>
+              <a:t>Helps build trust and rapport with early customers, which can lead to loyalty and positive word-of-mouth.</a:t>
+            </a:r>
+          </a:p>
+          <a:p>
+            <a:r>
+              <a:rPr lang="en-US" dirty="0"/>
+              <a:t>Methods:</a:t>
+            </a:r>
+          </a:p>
+          <a:p>
+            <a:pPr lvl="1"/>
+            <a:r>
+              <a:rPr lang="en-US" dirty="0"/>
+              <a:t>Surveys</a:t>
+            </a:r>
+          </a:p>
+          <a:p>
+            <a:pPr lvl="1"/>
+            <a:r>
+              <a:rPr lang="en-US" dirty="0"/>
+              <a:t>Interviews</a:t>
+            </a:r>
+          </a:p>
+          <a:p>
+            <a:pPr lvl="1"/>
+            <a:r>
+              <a:rPr lang="en-US" dirty="0"/>
+              <a:t>User testing</a:t>
+            </a:r>
+          </a:p>
+          <a:p>
+            <a:pPr lvl="1"/>
+            <a:r>
+              <a:rPr lang="en-US" dirty="0"/>
+              <a:t>Focus groups</a:t>
+            </a:r>
+          </a:p>
+        </p:txBody>
+      </p:sp>
+      <p:sp>
+        <p:nvSpPr>
+          <p:cNvPr id="4" name="Slide Number Placeholder 3"/>
+          <p:cNvSpPr>
+            <a:spLocks noGrp="1"/>
+          </p:cNvSpPr>
+          <p:nvPr>
+            <p:ph type="sldNum" sz="quarter" idx="12"/>
+          </p:nvPr>
+        </p:nvSpPr>
+        <p:spPr/>
+        <p:txBody>
+          <a:bodyPr/>
+          <a:lstStyle/>
+          <a:p>
+            <a:fld id="{B8DACC02-A2BD-4578-8E03-6D891060A695}" type="slidenum">
+              <a:rPr lang="en-US" smtClean="0"/>
+              <a:pPr/>
+              <a:t>55</a:t>
+            </a:fld>
+            <a:endParaRPr lang="en-US" dirty="0"/>
+          </a:p>
+        </p:txBody>
+      </p:sp>
+    </p:spTree>
+    <p:extLst>
+      <p:ext uri="{BB962C8B-B14F-4D97-AF65-F5344CB8AC3E}">
+        <p14:creationId xmlns:p14="http://schemas.microsoft.com/office/powerpoint/2010/main" val="1399074727"/>
+      </p:ext>
+    </p:extLst>
+  </p:cSld>
+  <p:clrMapOvr>
+    <a:masterClrMapping/>
+  </p:clrMapOvr>
+</p:sld>
+</file>
+
+<file path=ppt/slides/slide56.xml><?xml version="1.0" encoding="utf-8"?>
+<p:sld xmlns:a="http://schemas.openxmlformats.org/drawingml/2006/main" xmlns:r="http://schemas.openxmlformats.org/officeDocument/2006/relationships" xmlns:p="http://schemas.openxmlformats.org/presentationml/2006/main">
+  <p:cSld>
+    <p:spTree>
+      <p:nvGrpSpPr>
+        <p:cNvPr id="1" name=""/>
+        <p:cNvGrpSpPr/>
+        <p:nvPr/>
+      </p:nvGrpSpPr>
+      <p:grpSpPr>
+        <a:xfrm>
+          <a:off x="0" y="0"/>
+          <a:ext cx="0" cy="0"/>
+          <a:chOff x="0" y="0"/>
+          <a:chExt cx="0" cy="0"/>
+        </a:xfrm>
+      </p:grpSpPr>
+      <p:sp>
+        <p:nvSpPr>
+          <p:cNvPr id="2" name="Title 1"/>
+          <p:cNvSpPr>
+            <a:spLocks noGrp="1"/>
+          </p:cNvSpPr>
+          <p:nvPr>
+            <p:ph type="title"/>
+          </p:nvPr>
+        </p:nvSpPr>
+        <p:spPr/>
+        <p:txBody>
+          <a:bodyPr/>
+          <a:lstStyle/>
+          <a:p>
+            <a:r>
+              <a:rPr lang="en-US" dirty="0"/>
+              <a:t>Benefits of Gathering Customer Feedback</a:t>
+            </a:r>
+          </a:p>
+        </p:txBody>
+      </p:sp>
+      <p:sp>
+        <p:nvSpPr>
+          <p:cNvPr id="3" name="Content Placeholder 2"/>
+          <p:cNvSpPr>
+            <a:spLocks noGrp="1"/>
+          </p:cNvSpPr>
+          <p:nvPr>
+            <p:ph idx="1"/>
+          </p:nvPr>
+        </p:nvSpPr>
+        <p:spPr/>
+        <p:txBody>
+          <a:bodyPr/>
+          <a:lstStyle/>
+          <a:p>
+            <a:r>
+              <a:rPr lang="en-US" dirty="0"/>
+              <a:t>Improved product development: Customer feedback helps identify areas for improvement and guides product refinement.</a:t>
+            </a:r>
+          </a:p>
+          <a:p>
+            <a:r>
+              <a:rPr lang="en-US" dirty="0"/>
+              <a:t>Increased customer satisfaction: Gathering feedback shows customers that their opinions matter, leading to higher satisfaction and loyalty.</a:t>
+            </a:r>
+          </a:p>
+          <a:p>
+            <a:r>
+              <a:rPr lang="en-US" dirty="0"/>
+              <a:t>Competitive advantage: Continuously gathering feedback and iteratively improving the product helps stay ahead of competitors.</a:t>
+            </a:r>
+          </a:p>
+        </p:txBody>
+      </p:sp>
+      <p:sp>
+        <p:nvSpPr>
+          <p:cNvPr id="4" name="Slide Number Placeholder 3"/>
+          <p:cNvSpPr>
+            <a:spLocks noGrp="1"/>
+          </p:cNvSpPr>
+          <p:nvPr>
+            <p:ph type="sldNum" sz="quarter" idx="12"/>
+          </p:nvPr>
+        </p:nvSpPr>
+        <p:spPr/>
+        <p:txBody>
+          <a:bodyPr/>
+          <a:lstStyle/>
+          <a:p>
+            <a:fld id="{B8DACC02-A2BD-4578-8E03-6D891060A695}" type="slidenum">
+              <a:rPr lang="en-US" smtClean="0"/>
+              <a:pPr/>
+              <a:t>56</a:t>
+            </a:fld>
+            <a:endParaRPr lang="en-US" dirty="0"/>
+          </a:p>
+        </p:txBody>
+      </p:sp>
+    </p:spTree>
+    <p:extLst>
+      <p:ext uri="{BB962C8B-B14F-4D97-AF65-F5344CB8AC3E}">
+        <p14:creationId xmlns:p14="http://schemas.microsoft.com/office/powerpoint/2010/main" val="650566808"/>
+      </p:ext>
+    </p:extLst>
+  </p:cSld>
+  <p:clrMapOvr>
+    <a:masterClrMapping/>
+  </p:clrMapOvr>
+</p:sld>
+</file>
+
+<file path=ppt/slides/slide57.xml><?xml version="1.0" encoding="utf-8"?>
+<p:sld xmlns:a="http://schemas.openxmlformats.org/drawingml/2006/main" xmlns:r="http://schemas.openxmlformats.org/officeDocument/2006/relationships" xmlns:p="http://schemas.openxmlformats.org/presentationml/2006/main">
+  <p:cSld>
+    <p:spTree>
+      <p:nvGrpSpPr>
+        <p:cNvPr id="1" name=""/>
+        <p:cNvGrpSpPr/>
+        <p:nvPr/>
+      </p:nvGrpSpPr>
+      <p:grpSpPr>
+        <a:xfrm>
+          <a:off x="0" y="0"/>
+          <a:ext cx="0" cy="0"/>
+          <a:chOff x="0" y="0"/>
+          <a:chExt cx="0" cy="0"/>
+        </a:xfrm>
+      </p:grpSpPr>
+      <p:sp>
+        <p:nvSpPr>
+          <p:cNvPr id="2" name="Title 1">
+            <a:extLst>
+              <a:ext uri="{FF2B5EF4-FFF2-40B4-BE49-F238E27FC236}">
+                <a16:creationId xmlns:a16="http://schemas.microsoft.com/office/drawing/2014/main" id="{5DABE939-9481-49FD-BD9B-46A5A3921925}"/>
+              </a:ext>
+            </a:extLst>
+          </p:cNvPr>
+          <p:cNvSpPr>
+            <a:spLocks noGrp="1"/>
+          </p:cNvSpPr>
+          <p:nvPr>
+            <p:ph type="title"/>
+          </p:nvPr>
+        </p:nvSpPr>
+        <p:spPr/>
+        <p:txBody>
+          <a:bodyPr/>
+          <a:lstStyle/>
+          <a:p>
+            <a:r>
+              <a:rPr lang="en-US" dirty="0"/>
+              <a:t>MVP Types</a:t>
+            </a:r>
+          </a:p>
+        </p:txBody>
+      </p:sp>
+      <p:sp>
+        <p:nvSpPr>
+          <p:cNvPr id="3" name="Content Placeholder 2">
+            <a:extLst>
+              <a:ext uri="{FF2B5EF4-FFF2-40B4-BE49-F238E27FC236}">
+                <a16:creationId xmlns:a16="http://schemas.microsoft.com/office/drawing/2014/main" id="{5C13FA91-4443-4EB1-A8FF-2BCFCA83CD21}"/>
+              </a:ext>
+            </a:extLst>
+          </p:cNvPr>
+          <p:cNvSpPr>
+            <a:spLocks noGrp="1"/>
+          </p:cNvSpPr>
+          <p:nvPr>
+            <p:ph idx="1"/>
+          </p:nvPr>
+        </p:nvSpPr>
+        <p:spPr/>
+        <p:txBody>
+          <a:bodyPr/>
+          <a:lstStyle/>
+          <a:p>
+            <a:endParaRPr lang="en-US"/>
+          </a:p>
+        </p:txBody>
+      </p:sp>
+      <p:sp>
+        <p:nvSpPr>
+          <p:cNvPr id="4" name="Slide Number Placeholder 3">
+            <a:extLst>
+              <a:ext uri="{FF2B5EF4-FFF2-40B4-BE49-F238E27FC236}">
+                <a16:creationId xmlns:a16="http://schemas.microsoft.com/office/drawing/2014/main" id="{C1B54270-752D-4CB3-ADEC-2B24528E5E3B}"/>
+              </a:ext>
+            </a:extLst>
+          </p:cNvPr>
+          <p:cNvSpPr>
+            <a:spLocks noGrp="1"/>
+          </p:cNvSpPr>
+          <p:nvPr>
+            <p:ph type="sldNum" sz="quarter" idx="12"/>
+          </p:nvPr>
+        </p:nvSpPr>
+        <p:spPr/>
+        <p:txBody>
+          <a:bodyPr/>
+          <a:lstStyle/>
+          <a:p>
+            <a:fld id="{B8DACC02-A2BD-4578-8E03-6D891060A695}" type="slidenum">
+              <a:rPr lang="en-US" smtClean="0"/>
+              <a:pPr/>
+              <a:t>57</a:t>
+            </a:fld>
+            <a:endParaRPr lang="en-US" dirty="0"/>
+          </a:p>
+        </p:txBody>
+      </p:sp>
+      <p:pic>
+        <p:nvPicPr>
+          <p:cNvPr id="1026" name="Picture 2" descr="MVP‌ ‌Development‌ ‌For‌ ‌Startups‌:‌ ‌Types‌ ‌Of‌ ‌MVPs‌ &amp; Best‌  ‌Practices‌">
+            <a:extLst>
+              <a:ext uri="{FF2B5EF4-FFF2-40B4-BE49-F238E27FC236}">
+                <a16:creationId xmlns:a16="http://schemas.microsoft.com/office/drawing/2014/main" id="{C6DD7C1E-A06C-4A26-9B9D-2C35F80EC441}"/>
+              </a:ext>
+            </a:extLst>
+          </p:cNvPr>
+          <p:cNvPicPr>
+            <a:picLocks noChangeAspect="1" noChangeArrowheads="1"/>
+          </p:cNvPicPr>
+          <p:nvPr/>
+        </p:nvPicPr>
+        <p:blipFill>
+          <a:blip r:embed="rId2">
+            <a:extLst>
+              <a:ext uri="{28A0092B-C50C-407E-A947-70E740481C1C}">
+                <a14:useLocalDpi xmlns:a14="http://schemas.microsoft.com/office/drawing/2010/main" val="0"/>
+              </a:ext>
+            </a:extLst>
+          </a:blip>
+          <a:srcRect/>
+          <a:stretch>
+            <a:fillRect/>
+          </a:stretch>
+        </p:blipFill>
+        <p:spPr bwMode="auto">
+          <a:xfrm>
+            <a:off x="2857500" y="1522857"/>
+            <a:ext cx="6477000" cy="4324350"/>
+          </a:xfrm>
+          <a:prstGeom prst="rect">
+            <a:avLst/>
+          </a:prstGeom>
+          <a:noFill/>
+          <a:extLst>
+            <a:ext uri="{909E8E84-426E-40DD-AFC4-6F175D3DCCD1}">
+              <a14:hiddenFill xmlns:a14="http://schemas.microsoft.com/office/drawing/2010/main">
+                <a:solidFill>
+                  <a:srgbClr val="FFFFFF"/>
+                </a:solidFill>
+              </a14:hiddenFill>
+            </a:ext>
+          </a:extLst>
+        </p:spPr>
+      </p:pic>
+    </p:spTree>
+    <p:extLst>
+      <p:ext uri="{BB962C8B-B14F-4D97-AF65-F5344CB8AC3E}">
+        <p14:creationId xmlns:p14="http://schemas.microsoft.com/office/powerpoint/2010/main" val="1850912400"/>
+      </p:ext>
+    </p:extLst>
+  </p:cSld>
+  <p:clrMapOvr>
+    <a:masterClrMapping/>
+  </p:clrMapOvr>
+</p:sld>
+</file>
+
+<file path=ppt/slides/slide58.xml><?xml version="1.0" encoding="utf-8"?>
+<p:sld xmlns:a="http://schemas.openxmlformats.org/drawingml/2006/main" xmlns:r="http://schemas.openxmlformats.org/officeDocument/2006/relationships" xmlns:p="http://schemas.openxmlformats.org/presentationml/2006/main">
+  <p:cSld>
+    <p:spTree>
+      <p:nvGrpSpPr>
+        <p:cNvPr id="1" name=""/>
+        <p:cNvGrpSpPr/>
+        <p:nvPr/>
+      </p:nvGrpSpPr>
+      <p:grpSpPr>
+        <a:xfrm>
+          <a:off x="0" y="0"/>
+          <a:ext cx="0" cy="0"/>
+          <a:chOff x="0" y="0"/>
+          <a:chExt cx="0" cy="0"/>
+        </a:xfrm>
+      </p:grpSpPr>
+      <p:sp>
+        <p:nvSpPr>
           <p:cNvPr id="2" name="Title 1">
             <a:extLst>
               <a:ext uri="{FF2B5EF4-FFF2-40B4-BE49-F238E27FC236}">
@@ -16961,7 +17403,7 @@
             <a:fld id="{B8DACC02-A2BD-4578-8E03-6D891060A695}" type="slidenum">
               <a:rPr lang="en-US" smtClean="0"/>
               <a:pPr/>
-              <a:t>55</a:t>
+              <a:t>58</a:t>
             </a:fld>
             <a:endParaRPr lang="en-US" dirty="0"/>
           </a:p>
@@ -17027,7 +17469,7 @@
 </p:sld>
 </file>
 
-<file path=ppt/slides/slide56.xml><?xml version="1.0" encoding="utf-8"?>
+<file path=ppt/slides/slide59.xml><?xml version="1.0" encoding="utf-8"?>
 <p:sld xmlns:a="http://schemas.openxmlformats.org/drawingml/2006/main" xmlns:r="http://schemas.openxmlformats.org/officeDocument/2006/relationships" xmlns:p="http://schemas.openxmlformats.org/presentationml/2006/main">
   <p:cSld>
     <p:spTree>
@@ -17150,7 +17592,7 @@
             <a:fld id="{B8DACC02-A2BD-4578-8E03-6D891060A695}" type="slidenum">
               <a:rPr lang="en-US" smtClean="0"/>
               <a:pPr/>
-              <a:t>56</a:t>
+              <a:t>59</a:t>
             </a:fld>
             <a:endParaRPr lang="en-US" dirty="0"/>
           </a:p>
@@ -17216,7 +17658,7 @@
 </p:sld>
 </file>
 
-<file path=ppt/slides/slide57.xml><?xml version="1.0" encoding="utf-8"?>
+<file path=ppt/slides/slide6.xml><?xml version="1.0" encoding="utf-8"?>
 <p:sld xmlns:a="http://schemas.openxmlformats.org/drawingml/2006/main" xmlns:r="http://schemas.openxmlformats.org/officeDocument/2006/relationships" xmlns:p="http://schemas.openxmlformats.org/presentationml/2006/main">
   <p:cSld>
     <p:spTree>
@@ -17235,6 +17677,130 @@
       </p:grpSpPr>
       <p:sp>
         <p:nvSpPr>
+          <p:cNvPr id="2" name="Title 1"/>
+          <p:cNvSpPr>
+            <a:spLocks noGrp="1"/>
+          </p:cNvSpPr>
+          <p:nvPr>
+            <p:ph type="title"/>
+          </p:nvPr>
+        </p:nvSpPr>
+        <p:spPr/>
+        <p:txBody>
+          <a:bodyPr/>
+          <a:lstStyle/>
+          <a:p>
+            <a:r>
+              <a:rPr lang="en-US" dirty="0"/>
+              <a:t>What is Prototyping?</a:t>
+            </a:r>
+          </a:p>
+        </p:txBody>
+      </p:sp>
+      <p:sp>
+        <p:nvSpPr>
+          <p:cNvPr id="3" name="Content Placeholder 2"/>
+          <p:cNvSpPr>
+            <a:spLocks noGrp="1"/>
+          </p:cNvSpPr>
+          <p:nvPr>
+            <p:ph idx="1"/>
+          </p:nvPr>
+        </p:nvSpPr>
+        <p:spPr/>
+        <p:txBody>
+          <a:bodyPr/>
+          <a:lstStyle/>
+          <a:p>
+            <a:r>
+              <a:rPr lang="en-US" dirty="0"/>
+              <a:t>The process of creating a preliminary or experimental model of a product, service, or system.</a:t>
+            </a:r>
+          </a:p>
+          <a:p>
+            <a:r>
+              <a:rPr lang="en-US" dirty="0"/>
+              <a:t>Key purposes of prototyping</a:t>
+            </a:r>
+          </a:p>
+          <a:p>
+            <a:pPr lvl="1"/>
+            <a:r>
+              <a:rPr lang="en-US" dirty="0"/>
+              <a:t>Testing, validating, and refining ideas, identifying potential issues, and communicating concepts to stakeholders.</a:t>
+            </a:r>
+          </a:p>
+          <a:p>
+            <a:r>
+              <a:rPr lang="en-US" dirty="0"/>
+              <a:t>Importance of prototyping in software entrepreneurship</a:t>
+            </a:r>
+          </a:p>
+          <a:p>
+            <a:pPr lvl="1"/>
+            <a:r>
+              <a:rPr lang="en-US" dirty="0"/>
+              <a:t>Allows entrepreneurs to validate their ideas before investing time, money, and resources into a full-scale product development.</a:t>
+            </a:r>
+          </a:p>
+        </p:txBody>
+      </p:sp>
+      <p:sp>
+        <p:nvSpPr>
+          <p:cNvPr id="4" name="Slide Number Placeholder 3"/>
+          <p:cNvSpPr>
+            <a:spLocks noGrp="1"/>
+          </p:cNvSpPr>
+          <p:nvPr>
+            <p:ph type="sldNum" sz="quarter" idx="12"/>
+          </p:nvPr>
+        </p:nvSpPr>
+        <p:spPr/>
+        <p:txBody>
+          <a:bodyPr/>
+          <a:lstStyle/>
+          <a:p>
+            <a:fld id="{B8DACC02-A2BD-4578-8E03-6D891060A695}" type="slidenum">
+              <a:rPr lang="en-US" smtClean="0"/>
+              <a:pPr/>
+              <a:t>6</a:t>
+            </a:fld>
+            <a:endParaRPr lang="en-US" dirty="0"/>
+          </a:p>
+        </p:txBody>
+      </p:sp>
+    </p:spTree>
+    <p:extLst>
+      <p:ext uri="{BB962C8B-B14F-4D97-AF65-F5344CB8AC3E}">
+        <p14:creationId xmlns:p14="http://schemas.microsoft.com/office/powerpoint/2010/main" val="3038311775"/>
+      </p:ext>
+    </p:extLst>
+  </p:cSld>
+  <p:clrMapOvr>
+    <a:masterClrMapping/>
+  </p:clrMapOvr>
+</p:sld>
+</file>
+
+<file path=ppt/slides/slide60.xml><?xml version="1.0" encoding="utf-8"?>
+<p:sld xmlns:a="http://schemas.openxmlformats.org/drawingml/2006/main" xmlns:r="http://schemas.openxmlformats.org/officeDocument/2006/relationships" xmlns:p="http://schemas.openxmlformats.org/presentationml/2006/main">
+  <p:cSld>
+    <p:spTree>
+      <p:nvGrpSpPr>
+        <p:cNvPr id="1" name=""/>
+        <p:cNvGrpSpPr/>
+        <p:nvPr/>
+      </p:nvGrpSpPr>
+      <p:grpSpPr>
+        <a:xfrm>
+          <a:off x="0" y="0"/>
+          <a:ext cx="0" cy="0"/>
+          <a:chOff x="0" y="0"/>
+          <a:chExt cx="0" cy="0"/>
+        </a:xfrm>
+      </p:grpSpPr>
+      <p:sp>
+        <p:nvSpPr>
           <p:cNvPr id="2" name="Title 1">
             <a:extLst>
               <a:ext uri="{FF2B5EF4-FFF2-40B4-BE49-F238E27FC236}">
@@ -17333,7 +17899,7 @@
             <a:fld id="{B8DACC02-A2BD-4578-8E03-6D891060A695}" type="slidenum">
               <a:rPr lang="en-US" smtClean="0"/>
               <a:pPr/>
-              <a:t>57</a:t>
+              <a:t>60</a:t>
             </a:fld>
             <a:endParaRPr lang="en-US" dirty="0"/>
           </a:p>
@@ -17390,130 +17956,6 @@
     <p:extLst>
       <p:ext uri="{BB962C8B-B14F-4D97-AF65-F5344CB8AC3E}">
         <p14:creationId xmlns:p14="http://schemas.microsoft.com/office/powerpoint/2010/main" val="3290376929"/>
-      </p:ext>
-    </p:extLst>
-  </p:cSld>
-  <p:clrMapOvr>
-    <a:masterClrMapping/>
-  </p:clrMapOvr>
-</p:sld>
-</file>
-
-<file path=ppt/slides/slide6.xml><?xml version="1.0" encoding="utf-8"?>
-<p:sld xmlns:a="http://schemas.openxmlformats.org/drawingml/2006/main" xmlns:r="http://schemas.openxmlformats.org/officeDocument/2006/relationships" xmlns:p="http://schemas.openxmlformats.org/presentationml/2006/main">
-  <p:cSld>
-    <p:spTree>
-      <p:nvGrpSpPr>
-        <p:cNvPr id="1" name=""/>
-        <p:cNvGrpSpPr/>
-        <p:nvPr/>
-      </p:nvGrpSpPr>
-      <p:grpSpPr>
-        <a:xfrm>
-          <a:off x="0" y="0"/>
-          <a:ext cx="0" cy="0"/>
-          <a:chOff x="0" y="0"/>
-          <a:chExt cx="0" cy="0"/>
-        </a:xfrm>
-      </p:grpSpPr>
-      <p:sp>
-        <p:nvSpPr>
-          <p:cNvPr id="2" name="Title 1"/>
-          <p:cNvSpPr>
-            <a:spLocks noGrp="1"/>
-          </p:cNvSpPr>
-          <p:nvPr>
-            <p:ph type="title"/>
-          </p:nvPr>
-        </p:nvSpPr>
-        <p:spPr/>
-        <p:txBody>
-          <a:bodyPr/>
-          <a:lstStyle/>
-          <a:p>
-            <a:r>
-              <a:rPr lang="en-US" dirty="0"/>
-              <a:t>What is Prototyping?</a:t>
-            </a:r>
-          </a:p>
-        </p:txBody>
-      </p:sp>
-      <p:sp>
-        <p:nvSpPr>
-          <p:cNvPr id="3" name="Content Placeholder 2"/>
-          <p:cNvSpPr>
-            <a:spLocks noGrp="1"/>
-          </p:cNvSpPr>
-          <p:nvPr>
-            <p:ph idx="1"/>
-          </p:nvPr>
-        </p:nvSpPr>
-        <p:spPr/>
-        <p:txBody>
-          <a:bodyPr/>
-          <a:lstStyle/>
-          <a:p>
-            <a:r>
-              <a:rPr lang="en-US" dirty="0"/>
-              <a:t>The process of creating a preliminary or experimental model of a product, service, or system.</a:t>
-            </a:r>
-          </a:p>
-          <a:p>
-            <a:r>
-              <a:rPr lang="en-US" dirty="0"/>
-              <a:t>Key purposes of prototyping</a:t>
-            </a:r>
-          </a:p>
-          <a:p>
-            <a:pPr lvl="1"/>
-            <a:r>
-              <a:rPr lang="en-US" dirty="0"/>
-              <a:t>Testing, validating, and refining ideas, identifying potential issues, and communicating concepts to stakeholders.</a:t>
-            </a:r>
-          </a:p>
-          <a:p>
-            <a:r>
-              <a:rPr lang="en-US" dirty="0"/>
-              <a:t>Importance of prototyping in software entrepreneurship</a:t>
-            </a:r>
-          </a:p>
-          <a:p>
-            <a:pPr lvl="1"/>
-            <a:r>
-              <a:rPr lang="en-US" dirty="0"/>
-              <a:t>Allows entrepreneurs to validate their ideas before investing time, money, and resources into a full-scale product development.</a:t>
-            </a:r>
-          </a:p>
-        </p:txBody>
-      </p:sp>
-      <p:sp>
-        <p:nvSpPr>
-          <p:cNvPr id="4" name="Slide Number Placeholder 3"/>
-          <p:cNvSpPr>
-            <a:spLocks noGrp="1"/>
-          </p:cNvSpPr>
-          <p:nvPr>
-            <p:ph type="sldNum" sz="quarter" idx="12"/>
-          </p:nvPr>
-        </p:nvSpPr>
-        <p:spPr/>
-        <p:txBody>
-          <a:bodyPr/>
-          <a:lstStyle/>
-          <a:p>
-            <a:fld id="{B8DACC02-A2BD-4578-8E03-6D891060A695}" type="slidenum">
-              <a:rPr lang="en-US" smtClean="0"/>
-              <a:pPr/>
-              <a:t>6</a:t>
-            </a:fld>
-            <a:endParaRPr lang="en-US" dirty="0"/>
-          </a:p>
-        </p:txBody>
-      </p:sp>
-    </p:spTree>
-    <p:extLst>
-      <p:ext uri="{BB962C8B-B14F-4D97-AF65-F5344CB8AC3E}">
-        <p14:creationId xmlns:p14="http://schemas.microsoft.com/office/powerpoint/2010/main" val="3038311775"/>
       </p:ext>
     </p:extLst>
   </p:cSld>

--- a/SE495/Lectures/4-Development and Prototyping/Development and Prototyping.pptx
+++ b/SE495/Lectures/4-Development and Prototyping/Development and Prototyping.pptx
@@ -5,7 +5,7 @@
     <p:sldMasterId id="2147483648" r:id="rId1"/>
   </p:sldMasterIdLst>
   <p:notesMasterIdLst>
-    <p:notesMasterId r:id="rId62"/>
+    <p:notesMasterId r:id="rId66"/>
   </p:notesMasterIdLst>
   <p:sldIdLst>
     <p:sldId id="256" r:id="rId2"/>
@@ -56,18 +56,22 @@
     <p:sldId id="792" r:id="rId47"/>
     <p:sldId id="790" r:id="rId48"/>
     <p:sldId id="793" r:id="rId49"/>
-    <p:sldId id="794" r:id="rId50"/>
-    <p:sldId id="781" r:id="rId51"/>
-    <p:sldId id="780" r:id="rId52"/>
-    <p:sldId id="798" r:id="rId53"/>
-    <p:sldId id="799" r:id="rId54"/>
-    <p:sldId id="782" r:id="rId55"/>
-    <p:sldId id="783" r:id="rId56"/>
-    <p:sldId id="784" r:id="rId57"/>
-    <p:sldId id="803" r:id="rId58"/>
-    <p:sldId id="800" r:id="rId59"/>
-    <p:sldId id="801" r:id="rId60"/>
-    <p:sldId id="802" r:id="rId61"/>
+    <p:sldId id="806" r:id="rId50"/>
+    <p:sldId id="794" r:id="rId51"/>
+    <p:sldId id="807" r:id="rId52"/>
+    <p:sldId id="808" r:id="rId53"/>
+    <p:sldId id="809" r:id="rId54"/>
+    <p:sldId id="781" r:id="rId55"/>
+    <p:sldId id="780" r:id="rId56"/>
+    <p:sldId id="798" r:id="rId57"/>
+    <p:sldId id="799" r:id="rId58"/>
+    <p:sldId id="782" r:id="rId59"/>
+    <p:sldId id="783" r:id="rId60"/>
+    <p:sldId id="784" r:id="rId61"/>
+    <p:sldId id="803" r:id="rId62"/>
+    <p:sldId id="800" r:id="rId63"/>
+    <p:sldId id="801" r:id="rId64"/>
+    <p:sldId id="802" r:id="rId65"/>
   </p:sldIdLst>
   <p:sldSz cx="12192000" cy="6858000"/>
   <p:notesSz cx="6858000" cy="9144000"/>
@@ -6231,7 +6235,7 @@
           <a:p>
             <a:fld id="{41DA9887-9249-49FD-809A-BACB264048C3}" type="datetimeFigureOut">
               <a:rPr lang="en-US" smtClean="0"/>
-              <a:t>1/30/2024</a:t>
+              <a:t>2/3/2024</a:t>
             </a:fld>
             <a:endParaRPr lang="en-US"/>
           </a:p>
@@ -6633,7 +6637,7 @@
           <a:p>
             <a:fld id="{EF213E56-3C1A-435A-851B-5B1F221C2038}" type="datetime1">
               <a:rPr lang="en-US" smtClean="0"/>
-              <a:t>1/30/2024</a:t>
+              <a:t>2/3/2024</a:t>
             </a:fld>
             <a:endParaRPr lang="en-US"/>
           </a:p>
@@ -6934,7 +6938,7 @@
           <a:p>
             <a:fld id="{B4696837-4851-4AA6-8AED-554226C981D1}" type="datetime1">
               <a:rPr lang="en-US" smtClean="0"/>
-              <a:t>1/30/2024</a:t>
+              <a:t>2/3/2024</a:t>
             </a:fld>
             <a:endParaRPr lang="en-US"/>
           </a:p>
@@ -7112,7 +7116,7 @@
           <a:p>
             <a:fld id="{BADD32E1-BB70-4827-BA33-FF5AFC435BE9}" type="datetime1">
               <a:rPr lang="en-US" smtClean="0"/>
-              <a:t>1/30/2024</a:t>
+              <a:t>2/3/2024</a:t>
             </a:fld>
             <a:endParaRPr lang="en-US"/>
           </a:p>
@@ -7355,7 +7359,7 @@
             </a:pPr>
             <a:fld id="{40B9EAF6-54F2-4DF5-9C6B-3F6F95B86356}" type="datetime1">
               <a:rPr lang="en-US" smtClean="0"/>
-              <a:t>1/30/2024</a:t>
+              <a:t>2/3/2024</a:t>
             </a:fld>
             <a:endParaRPr lang="en-US"/>
           </a:p>
@@ -7535,7 +7539,7 @@
             </a:pPr>
             <a:fld id="{D3D64A56-6FF4-479A-8655-719A18A98C4B}" type="datetime1">
               <a:rPr lang="en-US" smtClean="0"/>
-              <a:t>1/30/2024</a:t>
+              <a:t>2/3/2024</a:t>
             </a:fld>
             <a:endParaRPr lang="en-US"/>
           </a:p>
@@ -7816,7 +7820,7 @@
           <a:p>
             <a:fld id="{BB961044-FC46-4CBC-9061-59528F4899F3}" type="datetime1">
               <a:rPr lang="en-US" smtClean="0"/>
-              <a:t>1/30/2024</a:t>
+              <a:t>2/3/2024</a:t>
             </a:fld>
             <a:endParaRPr lang="en-US"/>
           </a:p>
@@ -8166,7 +8170,7 @@
           <a:p>
             <a:fld id="{4466A08C-77F3-471E-A5C4-1D2068144BAC}" type="datetime1">
               <a:rPr lang="en-US" smtClean="0"/>
-              <a:t>1/30/2024</a:t>
+              <a:t>2/3/2024</a:t>
             </a:fld>
             <a:endParaRPr lang="en-US"/>
           </a:p>
@@ -8395,7 +8399,7 @@
           <a:p>
             <a:fld id="{B90A7AD1-16F4-44C3-AE32-24C59A599E9D}" type="datetime1">
               <a:rPr lang="en-US" smtClean="0"/>
-              <a:t>1/30/2024</a:t>
+              <a:t>2/3/2024</a:t>
             </a:fld>
             <a:endParaRPr lang="en-US"/>
           </a:p>
@@ -8759,7 +8763,7 @@
           <a:p>
             <a:fld id="{B583DB4F-4316-4DF5-A229-BC1D787C82A0}" type="datetime1">
               <a:rPr lang="en-US" smtClean="0"/>
-              <a:t>1/30/2024</a:t>
+              <a:t>2/3/2024</a:t>
             </a:fld>
             <a:endParaRPr lang="en-US"/>
           </a:p>
@@ -8854,7 +8858,7 @@
           <a:p>
             <a:fld id="{AE6064B7-7A9F-432D-B7B9-6824267AA574}" type="datetime1">
               <a:rPr lang="en-US" smtClean="0"/>
-              <a:t>1/30/2024</a:t>
+              <a:t>2/3/2024</a:t>
             </a:fld>
             <a:endParaRPr lang="en-US"/>
           </a:p>
@@ -9079,7 +9083,7 @@
             <a:fld id="{B2F5E2FA-C428-4CE7-95B0-168D3259A5BB}" type="datetimeFigureOut">
               <a:rPr lang="en-US" smtClean="0"/>
               <a:pPr/>
-              <a:t>1/30/2024</a:t>
+              <a:t>2/3/2024</a:t>
             </a:fld>
             <a:endParaRPr lang="en-US"/>
           </a:p>
@@ -9256,7 +9260,7 @@
           <a:p>
             <a:fld id="{4E1C93A2-B712-486A-8AB5-D41B95D547BE}" type="datetime1">
               <a:rPr lang="en-US" smtClean="0"/>
-              <a:t>1/30/2024</a:t>
+              <a:t>2/3/2024</a:t>
             </a:fld>
             <a:endParaRPr lang="en-US"/>
           </a:p>
@@ -9531,7 +9535,7 @@
           <a:p>
             <a:fld id="{CAB2F318-F19F-4608-B7EF-F7FB8A482213}" type="datetime1">
               <a:rPr lang="en-US" smtClean="0"/>
-              <a:t>1/30/2024</a:t>
+              <a:t>2/3/2024</a:t>
             </a:fld>
             <a:endParaRPr lang="en-US"/>
           </a:p>
@@ -9783,7 +9787,7 @@
           <a:p>
             <a:fld id="{BB9CEF8C-69D6-4C3E-B892-F682F307A7B6}" type="datetime1">
               <a:rPr lang="en-US" smtClean="0"/>
-              <a:t>1/30/2024</a:t>
+              <a:t>2/3/2024</a:t>
             </a:fld>
             <a:endParaRPr lang="en-US"/>
           </a:p>
@@ -9994,7 +9998,7 @@
           <a:p>
             <a:fld id="{FB737C73-4A31-4C17-AFB7-7B8470027787}" type="datetime1">
               <a:rPr lang="en-US" smtClean="0"/>
-              <a:t>1/30/2024</a:t>
+              <a:t>2/3/2024</a:t>
             </a:fld>
             <a:endParaRPr lang="en-US"/>
           </a:p>
@@ -13029,8 +13033,8 @@
         </p:blipFill>
         <p:spPr bwMode="auto">
           <a:xfrm>
-            <a:off x="7183406" y="4243588"/>
-            <a:ext cx="4554239" cy="2108963"/>
+            <a:off x="6411638" y="3886200"/>
+            <a:ext cx="5326007" cy="2466351"/>
           </a:xfrm>
           <a:prstGeom prst="rect">
             <a:avLst/>
@@ -15826,7 +15830,7 @@
         </p:blipFill>
         <p:spPr bwMode="auto">
           <a:xfrm>
-            <a:off x="2744630" y="1810694"/>
+            <a:off x="2909222" y="1970271"/>
             <a:ext cx="8460857" cy="4182700"/>
           </a:xfrm>
           <a:prstGeom prst="rect">
@@ -16075,7 +16079,7 @@
     </p:spTree>
     <p:extLst>
       <p:ext uri="{BB962C8B-B14F-4D97-AF65-F5344CB8AC3E}">
-        <p14:creationId xmlns:p14="http://schemas.microsoft.com/office/powerpoint/2010/main" val="2339552701"/>
+        <p14:creationId xmlns:p14="http://schemas.microsoft.com/office/powerpoint/2010/main" val="382795328"/>
       </p:ext>
     </p:extLst>
   </p:cSld>
@@ -16228,7 +16232,7 @@
       </p:grpSpPr>
       <p:sp>
         <p:nvSpPr>
-          <p:cNvPr id="5" name="Title 4"/>
+          <p:cNvPr id="2" name="Title 1"/>
           <p:cNvSpPr>
             <a:spLocks noGrp="1"/>
           </p:cNvSpPr>
@@ -16243,27 +16247,65 @@
           <a:p>
             <a:r>
               <a:rPr lang="en-US" dirty="0"/>
-              <a:t>MVP and Customer Feedback</a:t>
-            </a:r>
-          </a:p>
-        </p:txBody>
-      </p:sp>
-      <p:sp>
-        <p:nvSpPr>
-          <p:cNvPr id="6" name="Text Placeholder 5"/>
-          <p:cNvSpPr>
-            <a:spLocks noGrp="1"/>
-          </p:cNvSpPr>
-          <p:nvPr>
-            <p:ph type="body" idx="1"/>
-          </p:nvPr>
-        </p:nvSpPr>
-        <p:spPr/>
-        <p:txBody>
-          <a:bodyPr/>
-          <a:lstStyle/>
-          <a:p>
-            <a:endParaRPr lang="en-US"/>
+              <a:t>Reusing Existing Libraries and Platforms</a:t>
+            </a:r>
+          </a:p>
+        </p:txBody>
+      </p:sp>
+      <p:sp>
+        <p:nvSpPr>
+          <p:cNvPr id="3" name="Content Placeholder 2"/>
+          <p:cNvSpPr>
+            <a:spLocks noGrp="1"/>
+          </p:cNvSpPr>
+          <p:nvPr>
+            <p:ph idx="1"/>
+          </p:nvPr>
+        </p:nvSpPr>
+        <p:spPr/>
+        <p:txBody>
+          <a:bodyPr/>
+          <a:lstStyle/>
+          <a:p>
+            <a:r>
+              <a:rPr lang="en-US" dirty="0"/>
+              <a:t>Benefits of Reusing Libraries and Platforms:</a:t>
+            </a:r>
+          </a:p>
+          <a:p>
+            <a:pPr lvl="1"/>
+            <a:r>
+              <a:rPr lang="en-US" dirty="0"/>
+              <a:t>Reduced development time and cost</a:t>
+            </a:r>
+          </a:p>
+          <a:p>
+            <a:pPr lvl="1"/>
+            <a:r>
+              <a:rPr lang="en-US" dirty="0"/>
+              <a:t>Faster time-to-market</a:t>
+            </a:r>
+          </a:p>
+          <a:p>
+            <a:pPr lvl="1"/>
+            <a:r>
+              <a:rPr lang="en-US" dirty="0"/>
+              <a:t>Lower risk of bugs and errors</a:t>
+            </a:r>
+          </a:p>
+          <a:p>
+            <a:pPr lvl="1"/>
+            <a:r>
+              <a:rPr lang="en-US" dirty="0"/>
+              <a:t>Greater maintainability and scalability</a:t>
+            </a:r>
+          </a:p>
+          <a:p>
+            <a:pPr lvl="1"/>
+            <a:r>
+              <a:rPr lang="en-US" dirty="0"/>
+              <a:t>Access to a wider range of features and functionality</a:t>
+            </a:r>
           </a:p>
         </p:txBody>
       </p:sp>
@@ -16294,7 +16336,7 @@
     </p:spTree>
     <p:extLst>
       <p:ext uri="{BB962C8B-B14F-4D97-AF65-F5344CB8AC3E}">
-        <p14:creationId xmlns:p14="http://schemas.microsoft.com/office/powerpoint/2010/main" val="3003310574"/>
+        <p14:creationId xmlns:p14="http://schemas.microsoft.com/office/powerpoint/2010/main" val="2339552701"/>
       </p:ext>
     </p:extLst>
   </p:cSld>
@@ -16338,7 +16380,7 @@
           <a:p>
             <a:r>
               <a:rPr lang="en-US" dirty="0"/>
-              <a:t>Minimum Viable Product (MVP)</a:t>
+              <a:t>Reusing Existing Libraries and Platforms</a:t>
             </a:r>
           </a:p>
         </p:txBody>
@@ -16360,13 +16402,35 @@
           <a:p>
             <a:r>
               <a:rPr lang="en-US" dirty="0"/>
-              <a:t>A product or service with just enough features to gather feedback from early customers and validate the product's value proposition.</a:t>
-            </a:r>
-          </a:p>
-          <a:p>
-            <a:r>
-              <a:rPr lang="en-US" dirty="0"/>
-              <a:t>Reduces risk, saves time and resources, and helps validate product assumptions.</a:t>
+              <a:t>Types of Libraries and Platforms:</a:t>
+            </a:r>
+          </a:p>
+          <a:p>
+            <a:pPr lvl="1"/>
+            <a:r>
+              <a:rPr lang="en-US" dirty="0"/>
+              <a:t>Open-source libraries (e.g. jQuery, React)</a:t>
+            </a:r>
+          </a:p>
+          <a:p>
+            <a:pPr lvl="1"/>
+            <a:r>
+              <a:rPr lang="en-US" dirty="0"/>
+              <a:t>Proprietary libraries (e.g. Google Maps API, Facebook SDK)</a:t>
+            </a:r>
+          </a:p>
+          <a:p>
+            <a:pPr lvl="1"/>
+            <a:r>
+              <a:rPr lang="en-US" dirty="0"/>
+              <a:t>Framework libraries (e.g. Spring, Django)</a:t>
+            </a:r>
+          </a:p>
+          <a:p>
+            <a:pPr lvl="1"/>
+            <a:r>
+              <a:rPr lang="en-US" dirty="0"/>
+              <a:t>Platforms (e.g. AWS, Google Cloud, Azure)</a:t>
             </a:r>
           </a:p>
         </p:txBody>
@@ -16390,6 +16454,473 @@
               <a:rPr lang="en-US" smtClean="0"/>
               <a:pPr/>
               <a:t>51</a:t>
+            </a:fld>
+            <a:endParaRPr lang="en-US" dirty="0"/>
+          </a:p>
+        </p:txBody>
+      </p:sp>
+    </p:spTree>
+    <p:extLst>
+      <p:ext uri="{BB962C8B-B14F-4D97-AF65-F5344CB8AC3E}">
+        <p14:creationId xmlns:p14="http://schemas.microsoft.com/office/powerpoint/2010/main" val="1976812720"/>
+      </p:ext>
+    </p:extLst>
+  </p:cSld>
+  <p:clrMapOvr>
+    <a:masterClrMapping/>
+  </p:clrMapOvr>
+</p:sld>
+</file>
+
+<file path=ppt/slides/slide52.xml><?xml version="1.0" encoding="utf-8"?>
+<p:sld xmlns:a="http://schemas.openxmlformats.org/drawingml/2006/main" xmlns:r="http://schemas.openxmlformats.org/officeDocument/2006/relationships" xmlns:p="http://schemas.openxmlformats.org/presentationml/2006/main">
+  <p:cSld>
+    <p:spTree>
+      <p:nvGrpSpPr>
+        <p:cNvPr id="1" name=""/>
+        <p:cNvGrpSpPr/>
+        <p:nvPr/>
+      </p:nvGrpSpPr>
+      <p:grpSpPr>
+        <a:xfrm>
+          <a:off x="0" y="0"/>
+          <a:ext cx="0" cy="0"/>
+          <a:chOff x="0" y="0"/>
+          <a:chExt cx="0" cy="0"/>
+        </a:xfrm>
+      </p:grpSpPr>
+      <p:sp>
+        <p:nvSpPr>
+          <p:cNvPr id="2" name="Title 1"/>
+          <p:cNvSpPr>
+            <a:spLocks noGrp="1"/>
+          </p:cNvSpPr>
+          <p:nvPr>
+            <p:ph type="title"/>
+          </p:nvPr>
+        </p:nvSpPr>
+        <p:spPr/>
+        <p:txBody>
+          <a:bodyPr/>
+          <a:lstStyle/>
+          <a:p>
+            <a:r>
+              <a:rPr lang="en-US" dirty="0"/>
+              <a:t>Reusing Existing Libraries and Platforms</a:t>
+            </a:r>
+          </a:p>
+        </p:txBody>
+      </p:sp>
+      <p:sp>
+        <p:nvSpPr>
+          <p:cNvPr id="3" name="Content Placeholder 2"/>
+          <p:cNvSpPr>
+            <a:spLocks noGrp="1"/>
+          </p:cNvSpPr>
+          <p:nvPr>
+            <p:ph idx="1"/>
+          </p:nvPr>
+        </p:nvSpPr>
+        <p:spPr/>
+        <p:txBody>
+          <a:bodyPr/>
+          <a:lstStyle/>
+          <a:p>
+            <a:r>
+              <a:rPr lang="en-US" dirty="0"/>
+              <a:t>Factors to Consider:</a:t>
+            </a:r>
+          </a:p>
+          <a:p>
+            <a:pPr lvl="1"/>
+            <a:r>
+              <a:rPr lang="en-US" dirty="0"/>
+              <a:t>Licensing and legal considerations</a:t>
+            </a:r>
+          </a:p>
+          <a:p>
+            <a:pPr lvl="1"/>
+            <a:r>
+              <a:rPr lang="en-US" dirty="0"/>
+              <a:t>Compatibility with other technologies and frameworks</a:t>
+            </a:r>
+          </a:p>
+          <a:p>
+            <a:pPr lvl="1"/>
+            <a:r>
+              <a:rPr lang="en-US" dirty="0"/>
+              <a:t>Documentation and community support</a:t>
+            </a:r>
+          </a:p>
+          <a:p>
+            <a:pPr lvl="1"/>
+            <a:r>
+              <a:rPr lang="en-US" dirty="0"/>
+              <a:t>Security and privacy concerns</a:t>
+            </a:r>
+          </a:p>
+          <a:p>
+            <a:pPr lvl="1"/>
+            <a:r>
+              <a:rPr lang="en-US" dirty="0"/>
+              <a:t>Customization and flexibility requirements</a:t>
+            </a:r>
+          </a:p>
+        </p:txBody>
+      </p:sp>
+      <p:sp>
+        <p:nvSpPr>
+          <p:cNvPr id="4" name="Slide Number Placeholder 3"/>
+          <p:cNvSpPr>
+            <a:spLocks noGrp="1"/>
+          </p:cNvSpPr>
+          <p:nvPr>
+            <p:ph type="sldNum" sz="quarter" idx="12"/>
+          </p:nvPr>
+        </p:nvSpPr>
+        <p:spPr/>
+        <p:txBody>
+          <a:bodyPr/>
+          <a:lstStyle/>
+          <a:p>
+            <a:fld id="{B8DACC02-A2BD-4578-8E03-6D891060A695}" type="slidenum">
+              <a:rPr lang="en-US" smtClean="0"/>
+              <a:pPr/>
+              <a:t>52</a:t>
+            </a:fld>
+            <a:endParaRPr lang="en-US" dirty="0"/>
+          </a:p>
+        </p:txBody>
+      </p:sp>
+    </p:spTree>
+    <p:extLst>
+      <p:ext uri="{BB962C8B-B14F-4D97-AF65-F5344CB8AC3E}">
+        <p14:creationId xmlns:p14="http://schemas.microsoft.com/office/powerpoint/2010/main" val="4104348907"/>
+      </p:ext>
+    </p:extLst>
+  </p:cSld>
+  <p:clrMapOvr>
+    <a:masterClrMapping/>
+  </p:clrMapOvr>
+</p:sld>
+</file>
+
+<file path=ppt/slides/slide53.xml><?xml version="1.0" encoding="utf-8"?>
+<p:sld xmlns:a="http://schemas.openxmlformats.org/drawingml/2006/main" xmlns:r="http://schemas.openxmlformats.org/officeDocument/2006/relationships" xmlns:p="http://schemas.openxmlformats.org/presentationml/2006/main">
+  <p:cSld>
+    <p:spTree>
+      <p:nvGrpSpPr>
+        <p:cNvPr id="1" name=""/>
+        <p:cNvGrpSpPr/>
+        <p:nvPr/>
+      </p:nvGrpSpPr>
+      <p:grpSpPr>
+        <a:xfrm>
+          <a:off x="0" y="0"/>
+          <a:ext cx="0" cy="0"/>
+          <a:chOff x="0" y="0"/>
+          <a:chExt cx="0" cy="0"/>
+        </a:xfrm>
+      </p:grpSpPr>
+      <p:sp>
+        <p:nvSpPr>
+          <p:cNvPr id="2" name="Title 1"/>
+          <p:cNvSpPr>
+            <a:spLocks noGrp="1"/>
+          </p:cNvSpPr>
+          <p:nvPr>
+            <p:ph type="title"/>
+          </p:nvPr>
+        </p:nvSpPr>
+        <p:spPr/>
+        <p:txBody>
+          <a:bodyPr/>
+          <a:lstStyle/>
+          <a:p>
+            <a:r>
+              <a:rPr lang="en-US" dirty="0"/>
+              <a:t>Reusing Existing Libraries and Platforms</a:t>
+            </a:r>
+          </a:p>
+        </p:txBody>
+      </p:sp>
+      <p:sp>
+        <p:nvSpPr>
+          <p:cNvPr id="3" name="Content Placeholder 2"/>
+          <p:cNvSpPr>
+            <a:spLocks noGrp="1"/>
+          </p:cNvSpPr>
+          <p:nvPr>
+            <p:ph idx="1"/>
+          </p:nvPr>
+        </p:nvSpPr>
+        <p:spPr/>
+        <p:txBody>
+          <a:bodyPr>
+            <a:normAutofit/>
+          </a:bodyPr>
+          <a:lstStyle/>
+          <a:p>
+            <a:r>
+              <a:rPr lang="en-US" dirty="0"/>
+              <a:t>Best Practices:</a:t>
+            </a:r>
+          </a:p>
+          <a:p>
+            <a:pPr lvl="1"/>
+            <a:r>
+              <a:rPr lang="en-US" dirty="0"/>
+              <a:t>Conducting thorough research and evaluation before selecting a library or platform</a:t>
+            </a:r>
+          </a:p>
+          <a:p>
+            <a:pPr lvl="1"/>
+            <a:r>
+              <a:rPr lang="en-US" dirty="0"/>
+              <a:t>Following established coding standards and conventions</a:t>
+            </a:r>
+          </a:p>
+          <a:p>
+            <a:pPr lvl="1"/>
+            <a:r>
+              <a:rPr lang="en-US" dirty="0"/>
+              <a:t>Testing and verifying the functionality and performance of the library or platform</a:t>
+            </a:r>
+          </a:p>
+          <a:p>
+            <a:pPr lvl="1"/>
+            <a:r>
+              <a:rPr lang="en-US" dirty="0"/>
+              <a:t>Documenting the use of the library or platform in the project's documentation</a:t>
+            </a:r>
+          </a:p>
+          <a:p>
+            <a:pPr lvl="1"/>
+            <a:r>
+              <a:rPr lang="en-US" dirty="0"/>
+              <a:t>Keeping up-to-date with updates and security patches</a:t>
+            </a:r>
+          </a:p>
+        </p:txBody>
+      </p:sp>
+      <p:sp>
+        <p:nvSpPr>
+          <p:cNvPr id="4" name="Slide Number Placeholder 3"/>
+          <p:cNvSpPr>
+            <a:spLocks noGrp="1"/>
+          </p:cNvSpPr>
+          <p:nvPr>
+            <p:ph type="sldNum" sz="quarter" idx="12"/>
+          </p:nvPr>
+        </p:nvSpPr>
+        <p:spPr/>
+        <p:txBody>
+          <a:bodyPr/>
+          <a:lstStyle/>
+          <a:p>
+            <a:fld id="{B8DACC02-A2BD-4578-8E03-6D891060A695}" type="slidenum">
+              <a:rPr lang="en-US" smtClean="0"/>
+              <a:pPr/>
+              <a:t>53</a:t>
+            </a:fld>
+            <a:endParaRPr lang="en-US" dirty="0"/>
+          </a:p>
+        </p:txBody>
+      </p:sp>
+    </p:spTree>
+    <p:extLst>
+      <p:ext uri="{BB962C8B-B14F-4D97-AF65-F5344CB8AC3E}">
+        <p14:creationId xmlns:p14="http://schemas.microsoft.com/office/powerpoint/2010/main" val="210889413"/>
+      </p:ext>
+    </p:extLst>
+  </p:cSld>
+  <p:clrMapOvr>
+    <a:masterClrMapping/>
+  </p:clrMapOvr>
+</p:sld>
+</file>
+
+<file path=ppt/slides/slide54.xml><?xml version="1.0" encoding="utf-8"?>
+<p:sld xmlns:a="http://schemas.openxmlformats.org/drawingml/2006/main" xmlns:r="http://schemas.openxmlformats.org/officeDocument/2006/relationships" xmlns:p="http://schemas.openxmlformats.org/presentationml/2006/main">
+  <p:cSld>
+    <p:spTree>
+      <p:nvGrpSpPr>
+        <p:cNvPr id="1" name=""/>
+        <p:cNvGrpSpPr/>
+        <p:nvPr/>
+      </p:nvGrpSpPr>
+      <p:grpSpPr>
+        <a:xfrm>
+          <a:off x="0" y="0"/>
+          <a:ext cx="0" cy="0"/>
+          <a:chOff x="0" y="0"/>
+          <a:chExt cx="0" cy="0"/>
+        </a:xfrm>
+      </p:grpSpPr>
+      <p:sp>
+        <p:nvSpPr>
+          <p:cNvPr id="5" name="Title 4"/>
+          <p:cNvSpPr>
+            <a:spLocks noGrp="1"/>
+          </p:cNvSpPr>
+          <p:nvPr>
+            <p:ph type="title"/>
+          </p:nvPr>
+        </p:nvSpPr>
+        <p:spPr/>
+        <p:txBody>
+          <a:bodyPr/>
+          <a:lstStyle/>
+          <a:p>
+            <a:r>
+              <a:rPr lang="en-US" dirty="0"/>
+              <a:t>MVP and Customer Feedback</a:t>
+            </a:r>
+          </a:p>
+        </p:txBody>
+      </p:sp>
+      <p:sp>
+        <p:nvSpPr>
+          <p:cNvPr id="6" name="Text Placeholder 5"/>
+          <p:cNvSpPr>
+            <a:spLocks noGrp="1"/>
+          </p:cNvSpPr>
+          <p:nvPr>
+            <p:ph type="body" idx="1"/>
+          </p:nvPr>
+        </p:nvSpPr>
+        <p:spPr/>
+        <p:txBody>
+          <a:bodyPr/>
+          <a:lstStyle/>
+          <a:p>
+            <a:endParaRPr lang="en-US"/>
+          </a:p>
+        </p:txBody>
+      </p:sp>
+      <p:sp>
+        <p:nvSpPr>
+          <p:cNvPr id="4" name="Slide Number Placeholder 3"/>
+          <p:cNvSpPr>
+            <a:spLocks noGrp="1"/>
+          </p:cNvSpPr>
+          <p:nvPr>
+            <p:ph type="sldNum" sz="quarter" idx="12"/>
+          </p:nvPr>
+        </p:nvSpPr>
+        <p:spPr/>
+        <p:txBody>
+          <a:bodyPr/>
+          <a:lstStyle/>
+          <a:p>
+            <a:fld id="{B8DACC02-A2BD-4578-8E03-6D891060A695}" type="slidenum">
+              <a:rPr lang="en-US" smtClean="0"/>
+              <a:pPr/>
+              <a:t>54</a:t>
+            </a:fld>
+            <a:endParaRPr lang="en-US" dirty="0"/>
+          </a:p>
+        </p:txBody>
+      </p:sp>
+    </p:spTree>
+    <p:extLst>
+      <p:ext uri="{BB962C8B-B14F-4D97-AF65-F5344CB8AC3E}">
+        <p14:creationId xmlns:p14="http://schemas.microsoft.com/office/powerpoint/2010/main" val="3003310574"/>
+      </p:ext>
+    </p:extLst>
+  </p:cSld>
+  <p:clrMapOvr>
+    <a:masterClrMapping/>
+  </p:clrMapOvr>
+</p:sld>
+</file>
+
+<file path=ppt/slides/slide55.xml><?xml version="1.0" encoding="utf-8"?>
+<p:sld xmlns:a="http://schemas.openxmlformats.org/drawingml/2006/main" xmlns:r="http://schemas.openxmlformats.org/officeDocument/2006/relationships" xmlns:p="http://schemas.openxmlformats.org/presentationml/2006/main">
+  <p:cSld>
+    <p:spTree>
+      <p:nvGrpSpPr>
+        <p:cNvPr id="1" name=""/>
+        <p:cNvGrpSpPr/>
+        <p:nvPr/>
+      </p:nvGrpSpPr>
+      <p:grpSpPr>
+        <a:xfrm>
+          <a:off x="0" y="0"/>
+          <a:ext cx="0" cy="0"/>
+          <a:chOff x="0" y="0"/>
+          <a:chExt cx="0" cy="0"/>
+        </a:xfrm>
+      </p:grpSpPr>
+      <p:sp>
+        <p:nvSpPr>
+          <p:cNvPr id="2" name="Title 1"/>
+          <p:cNvSpPr>
+            <a:spLocks noGrp="1"/>
+          </p:cNvSpPr>
+          <p:nvPr>
+            <p:ph type="title"/>
+          </p:nvPr>
+        </p:nvSpPr>
+        <p:spPr/>
+        <p:txBody>
+          <a:bodyPr/>
+          <a:lstStyle/>
+          <a:p>
+            <a:r>
+              <a:rPr lang="en-US" dirty="0"/>
+              <a:t>Minimum Viable Product (MVP)</a:t>
+            </a:r>
+          </a:p>
+        </p:txBody>
+      </p:sp>
+      <p:sp>
+        <p:nvSpPr>
+          <p:cNvPr id="3" name="Content Placeholder 2"/>
+          <p:cNvSpPr>
+            <a:spLocks noGrp="1"/>
+          </p:cNvSpPr>
+          <p:nvPr>
+            <p:ph idx="1"/>
+          </p:nvPr>
+        </p:nvSpPr>
+        <p:spPr/>
+        <p:txBody>
+          <a:bodyPr/>
+          <a:lstStyle/>
+          <a:p>
+            <a:r>
+              <a:rPr lang="en-US" dirty="0"/>
+              <a:t>A product or service with just enough features to gather feedback from early customers and validate the product's value proposition.</a:t>
+            </a:r>
+          </a:p>
+          <a:p>
+            <a:r>
+              <a:rPr lang="en-US" dirty="0"/>
+              <a:t>Reduces risk, saves time and resources, and helps validate product assumptions.</a:t>
+            </a:r>
+          </a:p>
+        </p:txBody>
+      </p:sp>
+      <p:sp>
+        <p:nvSpPr>
+          <p:cNvPr id="4" name="Slide Number Placeholder 3"/>
+          <p:cNvSpPr>
+            <a:spLocks noGrp="1"/>
+          </p:cNvSpPr>
+          <p:nvPr>
+            <p:ph type="sldNum" sz="quarter" idx="12"/>
+          </p:nvPr>
+        </p:nvSpPr>
+        <p:spPr/>
+        <p:txBody>
+          <a:bodyPr/>
+          <a:lstStyle/>
+          <a:p>
+            <a:fld id="{B8DACC02-A2BD-4578-8E03-6D891060A695}" type="slidenum">
+              <a:rPr lang="en-US" smtClean="0"/>
+              <a:pPr/>
+              <a:t>55</a:t>
             </a:fld>
             <a:endParaRPr lang="en-US" dirty="0"/>
           </a:p>
@@ -16447,7 +16978,7 @@
 </p:sld>
 </file>
 
-<file path=ppt/slides/slide52.xml><?xml version="1.0" encoding="utf-8"?>
+<file path=ppt/slides/slide56.xml><?xml version="1.0" encoding="utf-8"?>
 <p:sld xmlns:a="http://schemas.openxmlformats.org/drawingml/2006/main" xmlns:r="http://schemas.openxmlformats.org/officeDocument/2006/relationships" xmlns:p="http://schemas.openxmlformats.org/presentationml/2006/main">
   <p:cSld>
     <p:spTree>
@@ -16611,7 +17142,7 @@
             <a:fld id="{B8DACC02-A2BD-4578-8E03-6D891060A695}" type="slidenum">
               <a:rPr lang="en-US" smtClean="0"/>
               <a:pPr/>
-              <a:t>52</a:t>
+              <a:t>56</a:t>
             </a:fld>
             <a:endParaRPr lang="en-US" dirty="0"/>
           </a:p>
@@ -16630,7 +17161,7 @@
 </p:sld>
 </file>
 
-<file path=ppt/slides/slide53.xml><?xml version="1.0" encoding="utf-8"?>
+<file path=ppt/slides/slide57.xml><?xml version="1.0" encoding="utf-8"?>
 <p:sld xmlns:a="http://schemas.openxmlformats.org/drawingml/2006/main" xmlns:r="http://schemas.openxmlformats.org/officeDocument/2006/relationships" xmlns:p="http://schemas.openxmlformats.org/presentationml/2006/main">
   <p:cSld>
     <p:spTree>
@@ -16724,7 +17255,7 @@
             <a:fld id="{B8DACC02-A2BD-4578-8E03-6D891060A695}" type="slidenum">
               <a:rPr lang="en-US" smtClean="0"/>
               <a:pPr/>
-              <a:t>53</a:t>
+              <a:t>57</a:t>
             </a:fld>
             <a:endParaRPr lang="en-US" dirty="0"/>
           </a:p>
@@ -16790,7 +17321,7 @@
 </p:sld>
 </file>
 
-<file path=ppt/slides/slide54.xml><?xml version="1.0" encoding="utf-8"?>
+<file path=ppt/slides/slide58.xml><?xml version="1.0" encoding="utf-8"?>
 <p:sld xmlns:a="http://schemas.openxmlformats.org/drawingml/2006/main" xmlns:r="http://schemas.openxmlformats.org/officeDocument/2006/relationships" xmlns:p="http://schemas.openxmlformats.org/presentationml/2006/main">
   <p:cSld>
     <p:spTree>
@@ -16847,7 +17378,7 @@
             <a:fld id="{B8DACC02-A2BD-4578-8E03-6D891060A695}" type="slidenum">
               <a:rPr lang="en-US" smtClean="0"/>
               <a:pPr/>
-              <a:t>54</a:t>
+              <a:t>58</a:t>
             </a:fld>
             <a:endParaRPr lang="en-US" dirty="0"/>
           </a:p>
@@ -16891,7 +17422,7 @@
 </p:sld>
 </file>
 
-<file path=ppt/slides/slide55.xml><?xml version="1.0" encoding="utf-8"?>
+<file path=ppt/slides/slide59.xml><?xml version="1.0" encoding="utf-8"?>
 <p:sld xmlns:a="http://schemas.openxmlformats.org/drawingml/2006/main" xmlns:r="http://schemas.openxmlformats.org/officeDocument/2006/relationships" xmlns:p="http://schemas.openxmlformats.org/presentationml/2006/main">
   <p:cSld>
     <p:spTree>
@@ -17018,7 +17549,7 @@
             <a:fld id="{B8DACC02-A2BD-4578-8E03-6D891060A695}" type="slidenum">
               <a:rPr lang="en-US" smtClean="0"/>
               <a:pPr/>
-              <a:t>55</a:t>
+              <a:t>59</a:t>
             </a:fld>
             <a:endParaRPr lang="en-US" dirty="0"/>
           </a:p>
@@ -17037,7 +17568,7 @@
 </p:sld>
 </file>
 
-<file path=ppt/slides/slide56.xml><?xml version="1.0" encoding="utf-8"?>
+<file path=ppt/slides/slide6.xml><?xml version="1.0" encoding="utf-8"?>
 <p:sld xmlns:a="http://schemas.openxmlformats.org/drawingml/2006/main" xmlns:r="http://schemas.openxmlformats.org/officeDocument/2006/relationships" xmlns:p="http://schemas.openxmlformats.org/presentationml/2006/main">
   <p:cSld>
     <p:spTree>
@@ -17071,7 +17602,7 @@
           <a:p>
             <a:r>
               <a:rPr lang="en-US" dirty="0"/>
-              <a:t>Benefits of Gathering Customer Feedback</a:t>
+              <a:t>What is Prototyping?</a:t>
             </a:r>
           </a:p>
         </p:txBody>
@@ -17093,19 +17624,33 @@
           <a:p>
             <a:r>
               <a:rPr lang="en-US" dirty="0"/>
-              <a:t>Improved product development: Customer feedback helps identify areas for improvement and guides product refinement.</a:t>
-            </a:r>
-          </a:p>
-          <a:p>
-            <a:r>
-              <a:rPr lang="en-US" dirty="0"/>
-              <a:t>Increased customer satisfaction: Gathering feedback shows customers that their opinions matter, leading to higher satisfaction and loyalty.</a:t>
-            </a:r>
-          </a:p>
-          <a:p>
-            <a:r>
-              <a:rPr lang="en-US" dirty="0"/>
-              <a:t>Competitive advantage: Continuously gathering feedback and iteratively improving the product helps stay ahead of competitors.</a:t>
+              <a:t>The process of creating a preliminary or experimental model of a product, service, or system.</a:t>
+            </a:r>
+          </a:p>
+          <a:p>
+            <a:r>
+              <a:rPr lang="en-US" dirty="0"/>
+              <a:t>Key purposes of prototyping</a:t>
+            </a:r>
+          </a:p>
+          <a:p>
+            <a:pPr lvl="1"/>
+            <a:r>
+              <a:rPr lang="en-US" dirty="0"/>
+              <a:t>Testing, validating, and refining ideas, identifying potential issues, and communicating concepts to stakeholders.</a:t>
+            </a:r>
+          </a:p>
+          <a:p>
+            <a:r>
+              <a:rPr lang="en-US" dirty="0"/>
+              <a:t>Importance of prototyping in software entrepreneurship</a:t>
+            </a:r>
+          </a:p>
+          <a:p>
+            <a:pPr lvl="1"/>
+            <a:r>
+              <a:rPr lang="en-US" dirty="0"/>
+              <a:t>Allows entrepreneurs to validate their ideas before investing time, money, and resources into a full-scale product development.</a:t>
             </a:r>
           </a:p>
         </p:txBody>
@@ -17128,7 +17673,7 @@
             <a:fld id="{B8DACC02-A2BD-4578-8E03-6D891060A695}" type="slidenum">
               <a:rPr lang="en-US" smtClean="0"/>
               <a:pPr/>
-              <a:t>56</a:t>
+              <a:t>6</a:t>
             </a:fld>
             <a:endParaRPr lang="en-US" dirty="0"/>
           </a:p>
@@ -17137,7 +17682,7 @@
     </p:spTree>
     <p:extLst>
       <p:ext uri="{BB962C8B-B14F-4D97-AF65-F5344CB8AC3E}">
-        <p14:creationId xmlns:p14="http://schemas.microsoft.com/office/powerpoint/2010/main" val="650566808"/>
+        <p14:creationId xmlns:p14="http://schemas.microsoft.com/office/powerpoint/2010/main" val="3038311775"/>
       </p:ext>
     </p:extLst>
   </p:cSld>
@@ -17147,7 +17692,7 @@
 </p:sld>
 </file>
 
-<file path=ppt/slides/slide57.xml><?xml version="1.0" encoding="utf-8"?>
+<file path=ppt/slides/slide60.xml><?xml version="1.0" encoding="utf-8"?>
 <p:sld xmlns:a="http://schemas.openxmlformats.org/drawingml/2006/main" xmlns:r="http://schemas.openxmlformats.org/officeDocument/2006/relationships" xmlns:p="http://schemas.openxmlformats.org/presentationml/2006/main">
   <p:cSld>
     <p:spTree>
@@ -17166,6 +17711,116 @@
       </p:grpSpPr>
       <p:sp>
         <p:nvSpPr>
+          <p:cNvPr id="2" name="Title 1"/>
+          <p:cNvSpPr>
+            <a:spLocks noGrp="1"/>
+          </p:cNvSpPr>
+          <p:nvPr>
+            <p:ph type="title"/>
+          </p:nvPr>
+        </p:nvSpPr>
+        <p:spPr/>
+        <p:txBody>
+          <a:bodyPr/>
+          <a:lstStyle/>
+          <a:p>
+            <a:r>
+              <a:rPr lang="en-US" dirty="0"/>
+              <a:t>Benefits of Gathering Customer Feedback</a:t>
+            </a:r>
+          </a:p>
+        </p:txBody>
+      </p:sp>
+      <p:sp>
+        <p:nvSpPr>
+          <p:cNvPr id="3" name="Content Placeholder 2"/>
+          <p:cNvSpPr>
+            <a:spLocks noGrp="1"/>
+          </p:cNvSpPr>
+          <p:nvPr>
+            <p:ph idx="1"/>
+          </p:nvPr>
+        </p:nvSpPr>
+        <p:spPr/>
+        <p:txBody>
+          <a:bodyPr/>
+          <a:lstStyle/>
+          <a:p>
+            <a:r>
+              <a:rPr lang="en-US" dirty="0"/>
+              <a:t>Improved product development: Customer feedback helps identify areas for improvement and guides product refinement.</a:t>
+            </a:r>
+          </a:p>
+          <a:p>
+            <a:r>
+              <a:rPr lang="en-US" dirty="0"/>
+              <a:t>Increased customer satisfaction: Gathering feedback shows customers that their opinions matter, leading to higher satisfaction and loyalty.</a:t>
+            </a:r>
+          </a:p>
+          <a:p>
+            <a:r>
+              <a:rPr lang="en-US" dirty="0"/>
+              <a:t>Competitive advantage: Continuously gathering feedback and iteratively improving the product helps stay ahead of competitors.</a:t>
+            </a:r>
+          </a:p>
+        </p:txBody>
+      </p:sp>
+      <p:sp>
+        <p:nvSpPr>
+          <p:cNvPr id="4" name="Slide Number Placeholder 3"/>
+          <p:cNvSpPr>
+            <a:spLocks noGrp="1"/>
+          </p:cNvSpPr>
+          <p:nvPr>
+            <p:ph type="sldNum" sz="quarter" idx="12"/>
+          </p:nvPr>
+        </p:nvSpPr>
+        <p:spPr/>
+        <p:txBody>
+          <a:bodyPr/>
+          <a:lstStyle/>
+          <a:p>
+            <a:fld id="{B8DACC02-A2BD-4578-8E03-6D891060A695}" type="slidenum">
+              <a:rPr lang="en-US" smtClean="0"/>
+              <a:pPr/>
+              <a:t>60</a:t>
+            </a:fld>
+            <a:endParaRPr lang="en-US" dirty="0"/>
+          </a:p>
+        </p:txBody>
+      </p:sp>
+    </p:spTree>
+    <p:extLst>
+      <p:ext uri="{BB962C8B-B14F-4D97-AF65-F5344CB8AC3E}">
+        <p14:creationId xmlns:p14="http://schemas.microsoft.com/office/powerpoint/2010/main" val="650566808"/>
+      </p:ext>
+    </p:extLst>
+  </p:cSld>
+  <p:clrMapOvr>
+    <a:masterClrMapping/>
+  </p:clrMapOvr>
+</p:sld>
+</file>
+
+<file path=ppt/slides/slide61.xml><?xml version="1.0" encoding="utf-8"?>
+<p:sld xmlns:a="http://schemas.openxmlformats.org/drawingml/2006/main" xmlns:r="http://schemas.openxmlformats.org/officeDocument/2006/relationships" xmlns:p="http://schemas.openxmlformats.org/presentationml/2006/main">
+  <p:cSld>
+    <p:spTree>
+      <p:nvGrpSpPr>
+        <p:cNvPr id="1" name=""/>
+        <p:cNvGrpSpPr/>
+        <p:nvPr/>
+      </p:nvGrpSpPr>
+      <p:grpSpPr>
+        <a:xfrm>
+          <a:off x="0" y="0"/>
+          <a:ext cx="0" cy="0"/>
+          <a:chOff x="0" y="0"/>
+          <a:chExt cx="0" cy="0"/>
+        </a:xfrm>
+      </p:grpSpPr>
+      <p:sp>
+        <p:nvSpPr>
           <p:cNvPr id="2" name="Title 1">
             <a:extLst>
               <a:ext uri="{FF2B5EF4-FFF2-40B4-BE49-F238E27FC236}">
@@ -17241,7 +17896,7 @@
             <a:fld id="{B8DACC02-A2BD-4578-8E03-6D891060A695}" type="slidenum">
               <a:rPr lang="en-US" smtClean="0"/>
               <a:pPr/>
-              <a:t>57</a:t>
+              <a:t>61</a:t>
             </a:fld>
             <a:endParaRPr lang="en-US" dirty="0"/>
           </a:p>
@@ -17307,7 +17962,7 @@
 </p:sld>
 </file>
 
-<file path=ppt/slides/slide58.xml><?xml version="1.0" encoding="utf-8"?>
+<file path=ppt/slides/slide62.xml><?xml version="1.0" encoding="utf-8"?>
 <p:sld xmlns:a="http://schemas.openxmlformats.org/drawingml/2006/main" xmlns:r="http://schemas.openxmlformats.org/officeDocument/2006/relationships" xmlns:p="http://schemas.openxmlformats.org/presentationml/2006/main">
   <p:cSld>
     <p:spTree>
@@ -17403,7 +18058,7 @@
             <a:fld id="{B8DACC02-A2BD-4578-8E03-6D891060A695}" type="slidenum">
               <a:rPr lang="en-US" smtClean="0"/>
               <a:pPr/>
-              <a:t>58</a:t>
+              <a:t>62</a:t>
             </a:fld>
             <a:endParaRPr lang="en-US" dirty="0"/>
           </a:p>
@@ -17469,7 +18124,7 @@
 </p:sld>
 </file>
 
-<file path=ppt/slides/slide59.xml><?xml version="1.0" encoding="utf-8"?>
+<file path=ppt/slides/slide63.xml><?xml version="1.0" encoding="utf-8"?>
 <p:sld xmlns:a="http://schemas.openxmlformats.org/drawingml/2006/main" xmlns:r="http://schemas.openxmlformats.org/officeDocument/2006/relationships" xmlns:p="http://schemas.openxmlformats.org/presentationml/2006/main">
   <p:cSld>
     <p:spTree>
@@ -17592,7 +18247,7 @@
             <a:fld id="{B8DACC02-A2BD-4578-8E03-6D891060A695}" type="slidenum">
               <a:rPr lang="en-US" smtClean="0"/>
               <a:pPr/>
-              <a:t>59</a:t>
+              <a:t>63</a:t>
             </a:fld>
             <a:endParaRPr lang="en-US" dirty="0"/>
           </a:p>
@@ -17658,7 +18313,7 @@
 </p:sld>
 </file>
 
-<file path=ppt/slides/slide6.xml><?xml version="1.0" encoding="utf-8"?>
+<file path=ppt/slides/slide64.xml><?xml version="1.0" encoding="utf-8"?>
 <p:sld xmlns:a="http://schemas.openxmlformats.org/drawingml/2006/main" xmlns:r="http://schemas.openxmlformats.org/officeDocument/2006/relationships" xmlns:p="http://schemas.openxmlformats.org/presentationml/2006/main">
   <p:cSld>
     <p:spTree>
@@ -17677,130 +18332,6 @@
       </p:grpSpPr>
       <p:sp>
         <p:nvSpPr>
-          <p:cNvPr id="2" name="Title 1"/>
-          <p:cNvSpPr>
-            <a:spLocks noGrp="1"/>
-          </p:cNvSpPr>
-          <p:nvPr>
-            <p:ph type="title"/>
-          </p:nvPr>
-        </p:nvSpPr>
-        <p:spPr/>
-        <p:txBody>
-          <a:bodyPr/>
-          <a:lstStyle/>
-          <a:p>
-            <a:r>
-              <a:rPr lang="en-US" dirty="0"/>
-              <a:t>What is Prototyping?</a:t>
-            </a:r>
-          </a:p>
-        </p:txBody>
-      </p:sp>
-      <p:sp>
-        <p:nvSpPr>
-          <p:cNvPr id="3" name="Content Placeholder 2"/>
-          <p:cNvSpPr>
-            <a:spLocks noGrp="1"/>
-          </p:cNvSpPr>
-          <p:nvPr>
-            <p:ph idx="1"/>
-          </p:nvPr>
-        </p:nvSpPr>
-        <p:spPr/>
-        <p:txBody>
-          <a:bodyPr/>
-          <a:lstStyle/>
-          <a:p>
-            <a:r>
-              <a:rPr lang="en-US" dirty="0"/>
-              <a:t>The process of creating a preliminary or experimental model of a product, service, or system.</a:t>
-            </a:r>
-          </a:p>
-          <a:p>
-            <a:r>
-              <a:rPr lang="en-US" dirty="0"/>
-              <a:t>Key purposes of prototyping</a:t>
-            </a:r>
-          </a:p>
-          <a:p>
-            <a:pPr lvl="1"/>
-            <a:r>
-              <a:rPr lang="en-US" dirty="0"/>
-              <a:t>Testing, validating, and refining ideas, identifying potential issues, and communicating concepts to stakeholders.</a:t>
-            </a:r>
-          </a:p>
-          <a:p>
-            <a:r>
-              <a:rPr lang="en-US" dirty="0"/>
-              <a:t>Importance of prototyping in software entrepreneurship</a:t>
-            </a:r>
-          </a:p>
-          <a:p>
-            <a:pPr lvl="1"/>
-            <a:r>
-              <a:rPr lang="en-US" dirty="0"/>
-              <a:t>Allows entrepreneurs to validate their ideas before investing time, money, and resources into a full-scale product development.</a:t>
-            </a:r>
-          </a:p>
-        </p:txBody>
-      </p:sp>
-      <p:sp>
-        <p:nvSpPr>
-          <p:cNvPr id="4" name="Slide Number Placeholder 3"/>
-          <p:cNvSpPr>
-            <a:spLocks noGrp="1"/>
-          </p:cNvSpPr>
-          <p:nvPr>
-            <p:ph type="sldNum" sz="quarter" idx="12"/>
-          </p:nvPr>
-        </p:nvSpPr>
-        <p:spPr/>
-        <p:txBody>
-          <a:bodyPr/>
-          <a:lstStyle/>
-          <a:p>
-            <a:fld id="{B8DACC02-A2BD-4578-8E03-6D891060A695}" type="slidenum">
-              <a:rPr lang="en-US" smtClean="0"/>
-              <a:pPr/>
-              <a:t>6</a:t>
-            </a:fld>
-            <a:endParaRPr lang="en-US" dirty="0"/>
-          </a:p>
-        </p:txBody>
-      </p:sp>
-    </p:spTree>
-    <p:extLst>
-      <p:ext uri="{BB962C8B-B14F-4D97-AF65-F5344CB8AC3E}">
-        <p14:creationId xmlns:p14="http://schemas.microsoft.com/office/powerpoint/2010/main" val="3038311775"/>
-      </p:ext>
-    </p:extLst>
-  </p:cSld>
-  <p:clrMapOvr>
-    <a:masterClrMapping/>
-  </p:clrMapOvr>
-</p:sld>
-</file>
-
-<file path=ppt/slides/slide60.xml><?xml version="1.0" encoding="utf-8"?>
-<p:sld xmlns:a="http://schemas.openxmlformats.org/drawingml/2006/main" xmlns:r="http://schemas.openxmlformats.org/officeDocument/2006/relationships" xmlns:p="http://schemas.openxmlformats.org/presentationml/2006/main">
-  <p:cSld>
-    <p:spTree>
-      <p:nvGrpSpPr>
-        <p:cNvPr id="1" name=""/>
-        <p:cNvGrpSpPr/>
-        <p:nvPr/>
-      </p:nvGrpSpPr>
-      <p:grpSpPr>
-        <a:xfrm>
-          <a:off x="0" y="0"/>
-          <a:ext cx="0" cy="0"/>
-          <a:chOff x="0" y="0"/>
-          <a:chExt cx="0" cy="0"/>
-        </a:xfrm>
-      </p:grpSpPr>
-      <p:sp>
-        <p:nvSpPr>
           <p:cNvPr id="2" name="Title 1">
             <a:extLst>
               <a:ext uri="{FF2B5EF4-FFF2-40B4-BE49-F238E27FC236}">
@@ -17899,7 +18430,7 @@
             <a:fld id="{B8DACC02-A2BD-4578-8E03-6D891060A695}" type="slidenum">
               <a:rPr lang="en-US" smtClean="0"/>
               <a:pPr/>
-              <a:t>60</a:t>
+              <a:t>64</a:t>
             </a:fld>
             <a:endParaRPr lang="en-US" dirty="0"/>
           </a:p>

--- a/SE495/Lectures/4-Development and Prototyping/Development and Prototyping.pptx
+++ b/SE495/Lectures/4-Development and Prototyping/Development and Prototyping.pptx
@@ -5,7 +5,7 @@
     <p:sldMasterId id="2147483648" r:id="rId1"/>
   </p:sldMasterIdLst>
   <p:notesMasterIdLst>
-    <p:notesMasterId r:id="rId66"/>
+    <p:notesMasterId r:id="rId72"/>
   </p:notesMasterIdLst>
   <p:sldIdLst>
     <p:sldId id="256" r:id="rId2"/>
@@ -63,15 +63,21 @@
     <p:sldId id="809" r:id="rId54"/>
     <p:sldId id="781" r:id="rId55"/>
     <p:sldId id="780" r:id="rId56"/>
-    <p:sldId id="798" r:id="rId57"/>
-    <p:sldId id="799" r:id="rId58"/>
-    <p:sldId id="782" r:id="rId59"/>
-    <p:sldId id="783" r:id="rId60"/>
-    <p:sldId id="784" r:id="rId61"/>
-    <p:sldId id="803" r:id="rId62"/>
-    <p:sldId id="800" r:id="rId63"/>
-    <p:sldId id="801" r:id="rId64"/>
-    <p:sldId id="802" r:id="rId65"/>
+    <p:sldId id="812" r:id="rId57"/>
+    <p:sldId id="810" r:id="rId58"/>
+    <p:sldId id="798" r:id="rId59"/>
+    <p:sldId id="799" r:id="rId60"/>
+    <p:sldId id="782" r:id="rId61"/>
+    <p:sldId id="813" r:id="rId62"/>
+    <p:sldId id="814" r:id="rId63"/>
+    <p:sldId id="783" r:id="rId64"/>
+    <p:sldId id="784" r:id="rId65"/>
+    <p:sldId id="803" r:id="rId66"/>
+    <p:sldId id="800" r:id="rId67"/>
+    <p:sldId id="811" r:id="rId68"/>
+    <p:sldId id="801" r:id="rId69"/>
+    <p:sldId id="802" r:id="rId70"/>
+    <p:sldId id="815" r:id="rId71"/>
   </p:sldIdLst>
   <p:sldSz cx="12192000" cy="6858000"/>
   <p:notesSz cx="6858000" cy="9144000"/>
@@ -6235,7 +6241,7 @@
           <a:p>
             <a:fld id="{41DA9887-9249-49FD-809A-BACB264048C3}" type="datetimeFigureOut">
               <a:rPr lang="en-US" smtClean="0"/>
-              <a:t>2/3/2024</a:t>
+              <a:t>2/8/2024</a:t>
             </a:fld>
             <a:endParaRPr lang="en-US"/>
           </a:p>
@@ -6637,7 +6643,7 @@
           <a:p>
             <a:fld id="{EF213E56-3C1A-435A-851B-5B1F221C2038}" type="datetime1">
               <a:rPr lang="en-US" smtClean="0"/>
-              <a:t>2/3/2024</a:t>
+              <a:t>2/8/2024</a:t>
             </a:fld>
             <a:endParaRPr lang="en-US"/>
           </a:p>
@@ -6938,7 +6944,7 @@
           <a:p>
             <a:fld id="{B4696837-4851-4AA6-8AED-554226C981D1}" type="datetime1">
               <a:rPr lang="en-US" smtClean="0"/>
-              <a:t>2/3/2024</a:t>
+              <a:t>2/8/2024</a:t>
             </a:fld>
             <a:endParaRPr lang="en-US"/>
           </a:p>
@@ -7116,7 +7122,7 @@
           <a:p>
             <a:fld id="{BADD32E1-BB70-4827-BA33-FF5AFC435BE9}" type="datetime1">
               <a:rPr lang="en-US" smtClean="0"/>
-              <a:t>2/3/2024</a:t>
+              <a:t>2/8/2024</a:t>
             </a:fld>
             <a:endParaRPr lang="en-US"/>
           </a:p>
@@ -7359,7 +7365,7 @@
             </a:pPr>
             <a:fld id="{40B9EAF6-54F2-4DF5-9C6B-3F6F95B86356}" type="datetime1">
               <a:rPr lang="en-US" smtClean="0"/>
-              <a:t>2/3/2024</a:t>
+              <a:t>2/8/2024</a:t>
             </a:fld>
             <a:endParaRPr lang="en-US"/>
           </a:p>
@@ -7539,7 +7545,7 @@
             </a:pPr>
             <a:fld id="{D3D64A56-6FF4-479A-8655-719A18A98C4B}" type="datetime1">
               <a:rPr lang="en-US" smtClean="0"/>
-              <a:t>2/3/2024</a:t>
+              <a:t>2/8/2024</a:t>
             </a:fld>
             <a:endParaRPr lang="en-US"/>
           </a:p>
@@ -7820,7 +7826,7 @@
           <a:p>
             <a:fld id="{BB961044-FC46-4CBC-9061-59528F4899F3}" type="datetime1">
               <a:rPr lang="en-US" smtClean="0"/>
-              <a:t>2/3/2024</a:t>
+              <a:t>2/8/2024</a:t>
             </a:fld>
             <a:endParaRPr lang="en-US"/>
           </a:p>
@@ -8170,7 +8176,7 @@
           <a:p>
             <a:fld id="{4466A08C-77F3-471E-A5C4-1D2068144BAC}" type="datetime1">
               <a:rPr lang="en-US" smtClean="0"/>
-              <a:t>2/3/2024</a:t>
+              <a:t>2/8/2024</a:t>
             </a:fld>
             <a:endParaRPr lang="en-US"/>
           </a:p>
@@ -8399,7 +8405,7 @@
           <a:p>
             <a:fld id="{B90A7AD1-16F4-44C3-AE32-24C59A599E9D}" type="datetime1">
               <a:rPr lang="en-US" smtClean="0"/>
-              <a:t>2/3/2024</a:t>
+              <a:t>2/8/2024</a:t>
             </a:fld>
             <a:endParaRPr lang="en-US"/>
           </a:p>
@@ -8763,7 +8769,7 @@
           <a:p>
             <a:fld id="{B583DB4F-4316-4DF5-A229-BC1D787C82A0}" type="datetime1">
               <a:rPr lang="en-US" smtClean="0"/>
-              <a:t>2/3/2024</a:t>
+              <a:t>2/8/2024</a:t>
             </a:fld>
             <a:endParaRPr lang="en-US"/>
           </a:p>
@@ -8858,7 +8864,7 @@
           <a:p>
             <a:fld id="{AE6064B7-7A9F-432D-B7B9-6824267AA574}" type="datetime1">
               <a:rPr lang="en-US" smtClean="0"/>
-              <a:t>2/3/2024</a:t>
+              <a:t>2/8/2024</a:t>
             </a:fld>
             <a:endParaRPr lang="en-US"/>
           </a:p>
@@ -9083,7 +9089,7 @@
             <a:fld id="{B2F5E2FA-C428-4CE7-95B0-168D3259A5BB}" type="datetimeFigureOut">
               <a:rPr lang="en-US" smtClean="0"/>
               <a:pPr/>
-              <a:t>2/3/2024</a:t>
+              <a:t>2/8/2024</a:t>
             </a:fld>
             <a:endParaRPr lang="en-US"/>
           </a:p>
@@ -9260,7 +9266,7 @@
           <a:p>
             <a:fld id="{4E1C93A2-B712-486A-8AB5-D41B95D547BE}" type="datetime1">
               <a:rPr lang="en-US" smtClean="0"/>
-              <a:t>2/3/2024</a:t>
+              <a:t>2/8/2024</a:t>
             </a:fld>
             <a:endParaRPr lang="en-US"/>
           </a:p>
@@ -9535,7 +9541,7 @@
           <a:p>
             <a:fld id="{CAB2F318-F19F-4608-B7EF-F7FB8A482213}" type="datetime1">
               <a:rPr lang="en-US" smtClean="0"/>
-              <a:t>2/3/2024</a:t>
+              <a:t>2/8/2024</a:t>
             </a:fld>
             <a:endParaRPr lang="en-US"/>
           </a:p>
@@ -9787,7 +9793,7 @@
           <a:p>
             <a:fld id="{BB9CEF8C-69D6-4C3E-B892-F682F307A7B6}" type="datetime1">
               <a:rPr lang="en-US" smtClean="0"/>
-              <a:t>2/3/2024</a:t>
+              <a:t>2/8/2024</a:t>
             </a:fld>
             <a:endParaRPr lang="en-US"/>
           </a:p>
@@ -9998,7 +10004,7 @@
           <a:p>
             <a:fld id="{FB737C73-4A31-4C17-AFB7-7B8470027787}" type="datetime1">
               <a:rPr lang="en-US" smtClean="0"/>
-              <a:t>2/3/2024</a:t>
+              <a:t>2/8/2024</a:t>
             </a:fld>
             <a:endParaRPr lang="en-US"/>
           </a:p>
@@ -17000,7 +17006,7 @@
           <p:cNvPr id="2" name="Title 1">
             <a:extLst>
               <a:ext uri="{FF2B5EF4-FFF2-40B4-BE49-F238E27FC236}">
-                <a16:creationId xmlns:a16="http://schemas.microsoft.com/office/drawing/2014/main" id="{6A9E38CE-F2D8-492A-882A-3F289422CAB7}"/>
+                <a16:creationId xmlns:a16="http://schemas.microsoft.com/office/drawing/2014/main" id="{074EC942-C789-4BEC-B5FA-5E48EA9CA344}"/>
               </a:ext>
             </a:extLst>
           </p:cNvPr>
@@ -17020,7 +17026,7 @@
           <a:p>
             <a:r>
               <a:rPr lang="en-US" dirty="0"/>
-              <a:t>Benefits of MVP</a:t>
+              <a:t>Why MVP is important</a:t>
             </a:r>
           </a:p>
         </p:txBody>
@@ -17030,7 +17036,7 @@
           <p:cNvPr id="3" name="Content Placeholder 2">
             <a:extLst>
               <a:ext uri="{FF2B5EF4-FFF2-40B4-BE49-F238E27FC236}">
-                <a16:creationId xmlns:a16="http://schemas.microsoft.com/office/drawing/2014/main" id="{DA7DECFB-94F5-43A4-B1EC-D25AA3904D0E}"/>
+                <a16:creationId xmlns:a16="http://schemas.microsoft.com/office/drawing/2014/main" id="{CD99AF97-0CB7-432C-BD10-347AC97C28D8}"/>
               </a:ext>
             </a:extLst>
           </p:cNvPr>
@@ -17043,12 +17049,14 @@
         </p:nvSpPr>
         <p:spPr>
           <a:xfrm>
-            <a:off x="347526" y="1288008"/>
-            <a:ext cx="11650767" cy="4746091"/>
+            <a:off x="347526" y="1298448"/>
+            <a:ext cx="11650767" cy="5129784"/>
           </a:xfrm>
         </p:spPr>
         <p:txBody>
-          <a:bodyPr/>
+          <a:bodyPr>
+            <a:normAutofit fontScale="92500"/>
+          </a:bodyPr>
           <a:lstStyle/>
           <a:p>
             <a:pPr>
@@ -17058,7 +17066,7 @@
             </a:pPr>
             <a:r>
               <a:rPr lang="en-US" dirty="0"/>
-              <a:t>Reduced risk</a:t>
+              <a:t>Reduces risk</a:t>
             </a:r>
           </a:p>
           <a:p>
@@ -17069,7 +17077,7 @@
             </a:pPr>
             <a:r>
               <a:rPr lang="en-US" dirty="0"/>
-              <a:t>Test the product's assumptions without investing a lot of time and resources.</a:t>
+              <a:t>MVP helps to validate the product idea before investing too much time and resources.</a:t>
             </a:r>
           </a:p>
           <a:p>
@@ -17080,7 +17088,7 @@
             </a:pPr>
             <a:r>
               <a:rPr lang="en-US" dirty="0"/>
-              <a:t>Faster time-to-market</a:t>
+              <a:t>Saves time and money</a:t>
             </a:r>
           </a:p>
           <a:p>
@@ -17091,7 +17099,7 @@
             </a:pPr>
             <a:r>
               <a:rPr lang="en-US" dirty="0"/>
-              <a:t>Get your product to market quickly, which can give you a competitive advantage.</a:t>
+              <a:t>MVP allows you to build only the essential features, reducing development time and cost.</a:t>
             </a:r>
           </a:p>
           <a:p>
@@ -17102,7 +17110,7 @@
             </a:pPr>
             <a:r>
               <a:rPr lang="en-US" dirty="0"/>
-              <a:t>Customer feedback</a:t>
+              <a:t>Gathers feedback</a:t>
             </a:r>
           </a:p>
           <a:p>
@@ -17113,7 +17121,7 @@
             </a:pPr>
             <a:r>
               <a:rPr lang="en-US" dirty="0"/>
-              <a:t>Gather feedback from early customers, which can help you validate the product's value proposition and improve the product.</a:t>
+              <a:t>MVP helps to gather feedback from early customers, which can be used to improve the product.</a:t>
             </a:r>
           </a:p>
         </p:txBody>
@@ -17123,7 +17131,7 @@
           <p:cNvPr id="4" name="Slide Number Placeholder 3">
             <a:extLst>
               <a:ext uri="{FF2B5EF4-FFF2-40B4-BE49-F238E27FC236}">
-                <a16:creationId xmlns:a16="http://schemas.microsoft.com/office/drawing/2014/main" id="{533F8944-C0F4-49A4-A463-504F8DE8AA77}"/>
+                <a16:creationId xmlns:a16="http://schemas.microsoft.com/office/drawing/2014/main" id="{5BBCC398-F93D-4810-A718-51B9F1425CE5}"/>
               </a:ext>
             </a:extLst>
           </p:cNvPr>
@@ -17151,7 +17159,7 @@
     </p:spTree>
     <p:extLst>
       <p:ext uri="{BB962C8B-B14F-4D97-AF65-F5344CB8AC3E}">
-        <p14:creationId xmlns:p14="http://schemas.microsoft.com/office/powerpoint/2010/main" val="3559443721"/>
+        <p14:creationId xmlns:p14="http://schemas.microsoft.com/office/powerpoint/2010/main" val="686497749"/>
       </p:ext>
     </p:extLst>
   </p:cSld>
@@ -17183,6 +17191,347 @@
           <p:cNvPr id="2" name="Title 1">
             <a:extLst>
               <a:ext uri="{FF2B5EF4-FFF2-40B4-BE49-F238E27FC236}">
+                <a16:creationId xmlns:a16="http://schemas.microsoft.com/office/drawing/2014/main" id="{CC61C475-5610-4058-861B-89533EC5DFE3}"/>
+              </a:ext>
+            </a:extLst>
+          </p:cNvPr>
+          <p:cNvSpPr>
+            <a:spLocks noGrp="1"/>
+          </p:cNvSpPr>
+          <p:nvPr>
+            <p:ph type="title"/>
+          </p:nvPr>
+        </p:nvSpPr>
+        <p:spPr/>
+        <p:txBody>
+          <a:bodyPr/>
+          <a:lstStyle/>
+          <a:p>
+            <a:r>
+              <a:rPr lang="en-US" dirty="0"/>
+              <a:t>Stages of MVP Development</a:t>
+            </a:r>
+          </a:p>
+        </p:txBody>
+      </p:sp>
+      <p:sp>
+        <p:nvSpPr>
+          <p:cNvPr id="3" name="Content Placeholder 2">
+            <a:extLst>
+              <a:ext uri="{FF2B5EF4-FFF2-40B4-BE49-F238E27FC236}">
+                <a16:creationId xmlns:a16="http://schemas.microsoft.com/office/drawing/2014/main" id="{027D135D-6B84-4FB6-80EE-FF0437598691}"/>
+              </a:ext>
+            </a:extLst>
+          </p:cNvPr>
+          <p:cNvSpPr>
+            <a:spLocks noGrp="1"/>
+          </p:cNvSpPr>
+          <p:nvPr>
+            <p:ph idx="1"/>
+          </p:nvPr>
+        </p:nvSpPr>
+        <p:spPr/>
+        <p:txBody>
+          <a:bodyPr/>
+          <a:lstStyle/>
+          <a:p>
+            <a:endParaRPr lang="en-US"/>
+          </a:p>
+        </p:txBody>
+      </p:sp>
+      <p:sp>
+        <p:nvSpPr>
+          <p:cNvPr id="4" name="Slide Number Placeholder 3">
+            <a:extLst>
+              <a:ext uri="{FF2B5EF4-FFF2-40B4-BE49-F238E27FC236}">
+                <a16:creationId xmlns:a16="http://schemas.microsoft.com/office/drawing/2014/main" id="{34F531A5-D7EB-426B-8BFC-21C4320D112C}"/>
+              </a:ext>
+            </a:extLst>
+          </p:cNvPr>
+          <p:cNvSpPr>
+            <a:spLocks noGrp="1"/>
+          </p:cNvSpPr>
+          <p:nvPr>
+            <p:ph type="sldNum" sz="quarter" idx="12"/>
+          </p:nvPr>
+        </p:nvSpPr>
+        <p:spPr/>
+        <p:txBody>
+          <a:bodyPr/>
+          <a:lstStyle/>
+          <a:p>
+            <a:fld id="{B8DACC02-A2BD-4578-8E03-6D891060A695}" type="slidenum">
+              <a:rPr lang="en-US" smtClean="0"/>
+              <a:pPr/>
+              <a:t>57</a:t>
+            </a:fld>
+            <a:endParaRPr lang="en-US" dirty="0"/>
+          </a:p>
+        </p:txBody>
+      </p:sp>
+      <p:pic>
+        <p:nvPicPr>
+          <p:cNvPr id="1026" name="Picture 2" descr="What is a Minimum Viable Product (MVP)? — Techslang">
+            <a:extLst>
+              <a:ext uri="{FF2B5EF4-FFF2-40B4-BE49-F238E27FC236}">
+                <a16:creationId xmlns:a16="http://schemas.microsoft.com/office/drawing/2014/main" id="{16659BA1-1F45-4AC3-BFDE-852E532EF130}"/>
+              </a:ext>
+            </a:extLst>
+          </p:cNvPr>
+          <p:cNvPicPr>
+            <a:picLocks noChangeAspect="1" noChangeArrowheads="1"/>
+          </p:cNvPicPr>
+          <p:nvPr/>
+        </p:nvPicPr>
+        <p:blipFill rotWithShape="1">
+          <a:blip r:embed="rId2">
+            <a:extLst>
+              <a:ext uri="{28A0092B-C50C-407E-A947-70E740481C1C}">
+                <a14:useLocalDpi xmlns:a14="http://schemas.microsoft.com/office/drawing/2010/main" val="0"/>
+              </a:ext>
+            </a:extLst>
+          </a:blip>
+          <a:srcRect t="8134"/>
+          <a:stretch/>
+        </p:blipFill>
+        <p:spPr bwMode="auto">
+          <a:xfrm>
+            <a:off x="1219582" y="1301419"/>
+            <a:ext cx="10122025" cy="5097336"/>
+          </a:xfrm>
+          <a:prstGeom prst="rect">
+            <a:avLst/>
+          </a:prstGeom>
+          <a:noFill/>
+          <a:extLst>
+            <a:ext uri="{909E8E84-426E-40DD-AFC4-6F175D3DCCD1}">
+              <a14:hiddenFill xmlns:a14="http://schemas.microsoft.com/office/drawing/2010/main">
+                <a:solidFill>
+                  <a:srgbClr val="FFFFFF"/>
+                </a:solidFill>
+              </a14:hiddenFill>
+            </a:ext>
+          </a:extLst>
+        </p:spPr>
+      </p:pic>
+    </p:spTree>
+    <p:extLst>
+      <p:ext uri="{BB962C8B-B14F-4D97-AF65-F5344CB8AC3E}">
+        <p14:creationId xmlns:p14="http://schemas.microsoft.com/office/powerpoint/2010/main" val="1720687298"/>
+      </p:ext>
+    </p:extLst>
+  </p:cSld>
+  <p:clrMapOvr>
+    <a:masterClrMapping/>
+  </p:clrMapOvr>
+</p:sld>
+</file>
+
+<file path=ppt/slides/slide58.xml><?xml version="1.0" encoding="utf-8"?>
+<p:sld xmlns:a="http://schemas.openxmlformats.org/drawingml/2006/main" xmlns:r="http://schemas.openxmlformats.org/officeDocument/2006/relationships" xmlns:p="http://schemas.openxmlformats.org/presentationml/2006/main">
+  <p:cSld>
+    <p:spTree>
+      <p:nvGrpSpPr>
+        <p:cNvPr id="1" name=""/>
+        <p:cNvGrpSpPr/>
+        <p:nvPr/>
+      </p:nvGrpSpPr>
+      <p:grpSpPr>
+        <a:xfrm>
+          <a:off x="0" y="0"/>
+          <a:ext cx="0" cy="0"/>
+          <a:chOff x="0" y="0"/>
+          <a:chExt cx="0" cy="0"/>
+        </a:xfrm>
+      </p:grpSpPr>
+      <p:sp>
+        <p:nvSpPr>
+          <p:cNvPr id="2" name="Title 1">
+            <a:extLst>
+              <a:ext uri="{FF2B5EF4-FFF2-40B4-BE49-F238E27FC236}">
+                <a16:creationId xmlns:a16="http://schemas.microsoft.com/office/drawing/2014/main" id="{6A9E38CE-F2D8-492A-882A-3F289422CAB7}"/>
+              </a:ext>
+            </a:extLst>
+          </p:cNvPr>
+          <p:cNvSpPr>
+            <a:spLocks noGrp="1"/>
+          </p:cNvSpPr>
+          <p:nvPr>
+            <p:ph type="title"/>
+          </p:nvPr>
+        </p:nvSpPr>
+        <p:spPr/>
+        <p:txBody>
+          <a:bodyPr>
+            <a:normAutofit/>
+          </a:bodyPr>
+          <a:lstStyle/>
+          <a:p>
+            <a:r>
+              <a:rPr lang="en-US" dirty="0"/>
+              <a:t>Benefits of MVP</a:t>
+            </a:r>
+          </a:p>
+        </p:txBody>
+      </p:sp>
+      <p:sp>
+        <p:nvSpPr>
+          <p:cNvPr id="3" name="Content Placeholder 2">
+            <a:extLst>
+              <a:ext uri="{FF2B5EF4-FFF2-40B4-BE49-F238E27FC236}">
+                <a16:creationId xmlns:a16="http://schemas.microsoft.com/office/drawing/2014/main" id="{DA7DECFB-94F5-43A4-B1EC-D25AA3904D0E}"/>
+              </a:ext>
+            </a:extLst>
+          </p:cNvPr>
+          <p:cNvSpPr>
+            <a:spLocks noGrp="1"/>
+          </p:cNvSpPr>
+          <p:nvPr>
+            <p:ph idx="1"/>
+          </p:nvPr>
+        </p:nvSpPr>
+        <p:spPr>
+          <a:xfrm>
+            <a:off x="347526" y="1288008"/>
+            <a:ext cx="11650767" cy="4746091"/>
+          </a:xfrm>
+        </p:spPr>
+        <p:txBody>
+          <a:bodyPr/>
+          <a:lstStyle/>
+          <a:p>
+            <a:pPr>
+              <a:lnSpc>
+                <a:spcPct val="150000"/>
+              </a:lnSpc>
+            </a:pPr>
+            <a:r>
+              <a:rPr lang="en-US" dirty="0"/>
+              <a:t>Reduced risk</a:t>
+            </a:r>
+          </a:p>
+          <a:p>
+            <a:pPr lvl="1">
+              <a:lnSpc>
+                <a:spcPct val="150000"/>
+              </a:lnSpc>
+            </a:pPr>
+            <a:r>
+              <a:rPr lang="en-US" dirty="0"/>
+              <a:t>Test the product's assumptions without investing a lot of time and resources.</a:t>
+            </a:r>
+          </a:p>
+          <a:p>
+            <a:pPr>
+              <a:lnSpc>
+                <a:spcPct val="150000"/>
+              </a:lnSpc>
+            </a:pPr>
+            <a:r>
+              <a:rPr lang="en-US" dirty="0"/>
+              <a:t>Faster time-to-market</a:t>
+            </a:r>
+          </a:p>
+          <a:p>
+            <a:pPr lvl="1">
+              <a:lnSpc>
+                <a:spcPct val="150000"/>
+              </a:lnSpc>
+            </a:pPr>
+            <a:r>
+              <a:rPr lang="en-US" dirty="0"/>
+              <a:t>Get your product to market quickly, which can give you a competitive advantage.</a:t>
+            </a:r>
+          </a:p>
+          <a:p>
+            <a:pPr>
+              <a:lnSpc>
+                <a:spcPct val="150000"/>
+              </a:lnSpc>
+            </a:pPr>
+            <a:r>
+              <a:rPr lang="en-US" dirty="0"/>
+              <a:t>Customer feedback</a:t>
+            </a:r>
+          </a:p>
+          <a:p>
+            <a:pPr lvl="1">
+              <a:lnSpc>
+                <a:spcPct val="150000"/>
+              </a:lnSpc>
+            </a:pPr>
+            <a:r>
+              <a:rPr lang="en-US" dirty="0"/>
+              <a:t>Gather feedback from early customers, which can help you validate the product's value proposition and improve the product.</a:t>
+            </a:r>
+          </a:p>
+        </p:txBody>
+      </p:sp>
+      <p:sp>
+        <p:nvSpPr>
+          <p:cNvPr id="4" name="Slide Number Placeholder 3">
+            <a:extLst>
+              <a:ext uri="{FF2B5EF4-FFF2-40B4-BE49-F238E27FC236}">
+                <a16:creationId xmlns:a16="http://schemas.microsoft.com/office/drawing/2014/main" id="{533F8944-C0F4-49A4-A463-504F8DE8AA77}"/>
+              </a:ext>
+            </a:extLst>
+          </p:cNvPr>
+          <p:cNvSpPr>
+            <a:spLocks noGrp="1"/>
+          </p:cNvSpPr>
+          <p:nvPr>
+            <p:ph type="sldNum" sz="quarter" idx="12"/>
+          </p:nvPr>
+        </p:nvSpPr>
+        <p:spPr/>
+        <p:txBody>
+          <a:bodyPr/>
+          <a:lstStyle/>
+          <a:p>
+            <a:fld id="{B8DACC02-A2BD-4578-8E03-6D891060A695}" type="slidenum">
+              <a:rPr lang="en-US" smtClean="0"/>
+              <a:pPr/>
+              <a:t>58</a:t>
+            </a:fld>
+            <a:endParaRPr lang="en-US" dirty="0"/>
+          </a:p>
+        </p:txBody>
+      </p:sp>
+    </p:spTree>
+    <p:extLst>
+      <p:ext uri="{BB962C8B-B14F-4D97-AF65-F5344CB8AC3E}">
+        <p14:creationId xmlns:p14="http://schemas.microsoft.com/office/powerpoint/2010/main" val="3559443721"/>
+      </p:ext>
+    </p:extLst>
+  </p:cSld>
+  <p:clrMapOvr>
+    <a:masterClrMapping/>
+  </p:clrMapOvr>
+</p:sld>
+</file>
+
+<file path=ppt/slides/slide59.xml><?xml version="1.0" encoding="utf-8"?>
+<p:sld xmlns:a="http://schemas.openxmlformats.org/drawingml/2006/main" xmlns:r="http://schemas.openxmlformats.org/officeDocument/2006/relationships" xmlns:p="http://schemas.openxmlformats.org/presentationml/2006/main">
+  <p:cSld>
+    <p:spTree>
+      <p:nvGrpSpPr>
+        <p:cNvPr id="1" name=""/>
+        <p:cNvGrpSpPr/>
+        <p:nvPr/>
+      </p:nvGrpSpPr>
+      <p:grpSpPr>
+        <a:xfrm>
+          <a:off x="0" y="0"/>
+          <a:ext cx="0" cy="0"/>
+          <a:chOff x="0" y="0"/>
+          <a:chExt cx="0" cy="0"/>
+        </a:xfrm>
+      </p:grpSpPr>
+      <p:sp>
+        <p:nvSpPr>
+          <p:cNvPr id="2" name="Title 1">
+            <a:extLst>
+              <a:ext uri="{FF2B5EF4-FFF2-40B4-BE49-F238E27FC236}">
                 <a16:creationId xmlns:a16="http://schemas.microsoft.com/office/drawing/2014/main" id="{90DFCA66-6D2D-49F8-8786-133716B1C2FC}"/>
               </a:ext>
             </a:extLst>
@@ -17255,7 +17604,7 @@
             <a:fld id="{B8DACC02-A2BD-4578-8E03-6D891060A695}" type="slidenum">
               <a:rPr lang="en-US" smtClean="0"/>
               <a:pPr/>
-              <a:t>57</a:t>
+              <a:t>59</a:t>
             </a:fld>
             <a:endParaRPr lang="en-US" dirty="0"/>
           </a:p>
@@ -17321,253 +17670,6 @@
 </p:sld>
 </file>
 
-<file path=ppt/slides/slide58.xml><?xml version="1.0" encoding="utf-8"?>
-<p:sld xmlns:a="http://schemas.openxmlformats.org/drawingml/2006/main" xmlns:r="http://schemas.openxmlformats.org/officeDocument/2006/relationships" xmlns:p="http://schemas.openxmlformats.org/presentationml/2006/main">
-  <p:cSld>
-    <p:spTree>
-      <p:nvGrpSpPr>
-        <p:cNvPr id="1" name=""/>
-        <p:cNvGrpSpPr/>
-        <p:nvPr/>
-      </p:nvGrpSpPr>
-      <p:grpSpPr>
-        <a:xfrm>
-          <a:off x="0" y="0"/>
-          <a:ext cx="0" cy="0"/>
-          <a:chOff x="0" y="0"/>
-          <a:chExt cx="0" cy="0"/>
-        </a:xfrm>
-      </p:grpSpPr>
-      <p:sp>
-        <p:nvSpPr>
-          <p:cNvPr id="2" name="Title 1"/>
-          <p:cNvSpPr>
-            <a:spLocks noGrp="1"/>
-          </p:cNvSpPr>
-          <p:nvPr>
-            <p:ph type="title"/>
-          </p:nvPr>
-        </p:nvSpPr>
-        <p:spPr/>
-        <p:txBody>
-          <a:bodyPr/>
-          <a:lstStyle/>
-          <a:p>
-            <a:r>
-              <a:rPr lang="en-US" dirty="0"/>
-              <a:t>Key Concepts in MVP</a:t>
-            </a:r>
-          </a:p>
-        </p:txBody>
-      </p:sp>
-      <p:sp>
-        <p:nvSpPr>
-          <p:cNvPr id="4" name="Slide Number Placeholder 3"/>
-          <p:cNvSpPr>
-            <a:spLocks noGrp="1"/>
-          </p:cNvSpPr>
-          <p:nvPr>
-            <p:ph type="sldNum" sz="quarter" idx="12"/>
-          </p:nvPr>
-        </p:nvSpPr>
-        <p:spPr/>
-        <p:txBody>
-          <a:bodyPr/>
-          <a:lstStyle/>
-          <a:p>
-            <a:fld id="{B8DACC02-A2BD-4578-8E03-6D891060A695}" type="slidenum">
-              <a:rPr lang="en-US" smtClean="0"/>
-              <a:pPr/>
-              <a:t>58</a:t>
-            </a:fld>
-            <a:endParaRPr lang="en-US" dirty="0"/>
-          </a:p>
-        </p:txBody>
-      </p:sp>
-      <p:graphicFrame>
-        <p:nvGraphicFramePr>
-          <p:cNvPr id="5" name="Content Placeholder 4"/>
-          <p:cNvGraphicFramePr>
-            <a:graphicFrameLocks noGrp="1"/>
-          </p:cNvGraphicFramePr>
-          <p:nvPr>
-            <p:ph idx="1"/>
-            <p:extLst>
-              <p:ext uri="{D42A27DB-BD31-4B8C-83A1-F6EECF244321}">
-                <p14:modId xmlns:p14="http://schemas.microsoft.com/office/powerpoint/2010/main" val="3654652112"/>
-              </p:ext>
-            </p:extLst>
-          </p:nvPr>
-        </p:nvGraphicFramePr>
-        <p:xfrm>
-          <a:off x="347663" y="1406525"/>
-          <a:ext cx="11650662" cy="4746625"/>
-        </p:xfrm>
-        <a:graphic>
-          <a:graphicData uri="http://schemas.openxmlformats.org/drawingml/2006/diagram">
-            <dgm:relIds xmlns:dgm="http://schemas.openxmlformats.org/drawingml/2006/diagram" xmlns:r="http://schemas.openxmlformats.org/officeDocument/2006/relationships" r:dm="rId2" r:lo="rId3" r:qs="rId4" r:cs="rId5"/>
-          </a:graphicData>
-        </a:graphic>
-      </p:graphicFrame>
-    </p:spTree>
-    <p:extLst>
-      <p:ext uri="{BB962C8B-B14F-4D97-AF65-F5344CB8AC3E}">
-        <p14:creationId xmlns:p14="http://schemas.microsoft.com/office/powerpoint/2010/main" val="3558555539"/>
-      </p:ext>
-    </p:extLst>
-  </p:cSld>
-  <p:clrMapOvr>
-    <a:masterClrMapping/>
-  </p:clrMapOvr>
-</p:sld>
-</file>
-
-<file path=ppt/slides/slide59.xml><?xml version="1.0" encoding="utf-8"?>
-<p:sld xmlns:a="http://schemas.openxmlformats.org/drawingml/2006/main" xmlns:r="http://schemas.openxmlformats.org/officeDocument/2006/relationships" xmlns:p="http://schemas.openxmlformats.org/presentationml/2006/main">
-  <p:cSld>
-    <p:spTree>
-      <p:nvGrpSpPr>
-        <p:cNvPr id="1" name=""/>
-        <p:cNvGrpSpPr/>
-        <p:nvPr/>
-      </p:nvGrpSpPr>
-      <p:grpSpPr>
-        <a:xfrm>
-          <a:off x="0" y="0"/>
-          <a:ext cx="0" cy="0"/>
-          <a:chOff x="0" y="0"/>
-          <a:chExt cx="0" cy="0"/>
-        </a:xfrm>
-      </p:grpSpPr>
-      <p:sp>
-        <p:nvSpPr>
-          <p:cNvPr id="2" name="Title 1"/>
-          <p:cNvSpPr>
-            <a:spLocks noGrp="1"/>
-          </p:cNvSpPr>
-          <p:nvPr>
-            <p:ph type="title"/>
-          </p:nvPr>
-        </p:nvSpPr>
-        <p:spPr/>
-        <p:txBody>
-          <a:bodyPr/>
-          <a:lstStyle/>
-          <a:p>
-            <a:r>
-              <a:rPr lang="en-US" dirty="0"/>
-              <a:t>Customer Feedback</a:t>
-            </a:r>
-          </a:p>
-        </p:txBody>
-      </p:sp>
-      <p:sp>
-        <p:nvSpPr>
-          <p:cNvPr id="3" name="Content Placeholder 2"/>
-          <p:cNvSpPr>
-            <a:spLocks noGrp="1"/>
-          </p:cNvSpPr>
-          <p:nvPr>
-            <p:ph idx="1"/>
-          </p:nvPr>
-        </p:nvSpPr>
-        <p:spPr/>
-        <p:txBody>
-          <a:bodyPr>
-            <a:normAutofit/>
-          </a:bodyPr>
-          <a:lstStyle/>
-          <a:p>
-            <a:r>
-              <a:rPr lang="en-US" dirty="0"/>
-              <a:t>Helps validate product assumptions and ensures the product meets customer needs.</a:t>
-            </a:r>
-          </a:p>
-          <a:p>
-            <a:r>
-              <a:rPr lang="en-US" dirty="0"/>
-              <a:t>Helps identify usability issues and areas for improvement.</a:t>
-            </a:r>
-          </a:p>
-          <a:p>
-            <a:r>
-              <a:rPr lang="en-US" dirty="0"/>
-              <a:t>Helps build trust and rapport with early customers, which can lead to loyalty and positive word-of-mouth.</a:t>
-            </a:r>
-          </a:p>
-          <a:p>
-            <a:r>
-              <a:rPr lang="en-US" dirty="0"/>
-              <a:t>Methods:</a:t>
-            </a:r>
-          </a:p>
-          <a:p>
-            <a:pPr lvl="1"/>
-            <a:r>
-              <a:rPr lang="en-US" dirty="0"/>
-              <a:t>Surveys</a:t>
-            </a:r>
-          </a:p>
-          <a:p>
-            <a:pPr lvl="1"/>
-            <a:r>
-              <a:rPr lang="en-US" dirty="0"/>
-              <a:t>Interviews</a:t>
-            </a:r>
-          </a:p>
-          <a:p>
-            <a:pPr lvl="1"/>
-            <a:r>
-              <a:rPr lang="en-US" dirty="0"/>
-              <a:t>User testing</a:t>
-            </a:r>
-          </a:p>
-          <a:p>
-            <a:pPr lvl="1"/>
-            <a:r>
-              <a:rPr lang="en-US" dirty="0"/>
-              <a:t>Focus groups</a:t>
-            </a:r>
-          </a:p>
-        </p:txBody>
-      </p:sp>
-      <p:sp>
-        <p:nvSpPr>
-          <p:cNvPr id="4" name="Slide Number Placeholder 3"/>
-          <p:cNvSpPr>
-            <a:spLocks noGrp="1"/>
-          </p:cNvSpPr>
-          <p:nvPr>
-            <p:ph type="sldNum" sz="quarter" idx="12"/>
-          </p:nvPr>
-        </p:nvSpPr>
-        <p:spPr/>
-        <p:txBody>
-          <a:bodyPr/>
-          <a:lstStyle/>
-          <a:p>
-            <a:fld id="{B8DACC02-A2BD-4578-8E03-6D891060A695}" type="slidenum">
-              <a:rPr lang="en-US" smtClean="0"/>
-              <a:pPr/>
-              <a:t>59</a:t>
-            </a:fld>
-            <a:endParaRPr lang="en-US" dirty="0"/>
-          </a:p>
-        </p:txBody>
-      </p:sp>
-    </p:spTree>
-    <p:extLst>
-      <p:ext uri="{BB962C8B-B14F-4D97-AF65-F5344CB8AC3E}">
-        <p14:creationId xmlns:p14="http://schemas.microsoft.com/office/powerpoint/2010/main" val="1399074727"/>
-      </p:ext>
-    </p:extLst>
-  </p:cSld>
-  <p:clrMapOvr>
-    <a:masterClrMapping/>
-  </p:clrMapOvr>
-</p:sld>
-</file>
-
 <file path=ppt/slides/slide6.xml><?xml version="1.0" encoding="utf-8"?>
 <p:sld xmlns:a="http://schemas.openxmlformats.org/drawingml/2006/main" xmlns:r="http://schemas.openxmlformats.org/officeDocument/2006/relationships" xmlns:p="http://schemas.openxmlformats.org/presentationml/2006/main">
   <p:cSld>
@@ -17726,41 +17828,7 @@
           <a:p>
             <a:r>
               <a:rPr lang="en-US" dirty="0"/>
-              <a:t>Benefits of Gathering Customer Feedback</a:t>
-            </a:r>
-          </a:p>
-        </p:txBody>
-      </p:sp>
-      <p:sp>
-        <p:nvSpPr>
-          <p:cNvPr id="3" name="Content Placeholder 2"/>
-          <p:cNvSpPr>
-            <a:spLocks noGrp="1"/>
-          </p:cNvSpPr>
-          <p:nvPr>
-            <p:ph idx="1"/>
-          </p:nvPr>
-        </p:nvSpPr>
-        <p:spPr/>
-        <p:txBody>
-          <a:bodyPr/>
-          <a:lstStyle/>
-          <a:p>
-            <a:r>
-              <a:rPr lang="en-US" dirty="0"/>
-              <a:t>Improved product development: Customer feedback helps identify areas for improvement and guides product refinement.</a:t>
-            </a:r>
-          </a:p>
-          <a:p>
-            <a:r>
-              <a:rPr lang="en-US" dirty="0"/>
-              <a:t>Increased customer satisfaction: Gathering feedback shows customers that their opinions matter, leading to higher satisfaction and loyalty.</a:t>
-            </a:r>
-          </a:p>
-          <a:p>
-            <a:r>
-              <a:rPr lang="en-US" dirty="0"/>
-              <a:t>Competitive advantage: Continuously gathering feedback and iteratively improving the product helps stay ahead of competitors.</a:t>
+              <a:t>Key Concepts in MVP</a:t>
             </a:r>
           </a:p>
         </p:txBody>
@@ -17789,10 +17857,35 @@
           </a:p>
         </p:txBody>
       </p:sp>
+      <p:graphicFrame>
+        <p:nvGraphicFramePr>
+          <p:cNvPr id="5" name="Content Placeholder 4"/>
+          <p:cNvGraphicFramePr>
+            <a:graphicFrameLocks noGrp="1"/>
+          </p:cNvGraphicFramePr>
+          <p:nvPr>
+            <p:ph idx="1"/>
+            <p:extLst>
+              <p:ext uri="{D42A27DB-BD31-4B8C-83A1-F6EECF244321}">
+                <p14:modId xmlns:p14="http://schemas.microsoft.com/office/powerpoint/2010/main" val="3654652112"/>
+              </p:ext>
+            </p:extLst>
+          </p:nvPr>
+        </p:nvGraphicFramePr>
+        <p:xfrm>
+          <a:off x="347663" y="1406525"/>
+          <a:ext cx="11650662" cy="4746625"/>
+        </p:xfrm>
+        <a:graphic>
+          <a:graphicData uri="http://schemas.openxmlformats.org/drawingml/2006/diagram">
+            <dgm:relIds xmlns:dgm="http://schemas.openxmlformats.org/drawingml/2006/diagram" xmlns:r="http://schemas.openxmlformats.org/officeDocument/2006/relationships" r:dm="rId2" r:lo="rId3" r:qs="rId4" r:cs="rId5"/>
+          </a:graphicData>
+        </a:graphic>
+      </p:graphicFrame>
     </p:spTree>
     <p:extLst>
       <p:ext uri="{BB962C8B-B14F-4D97-AF65-F5344CB8AC3E}">
-        <p14:creationId xmlns:p14="http://schemas.microsoft.com/office/powerpoint/2010/main" val="650566808"/>
+        <p14:creationId xmlns:p14="http://schemas.microsoft.com/office/powerpoint/2010/main" val="3558555539"/>
       </p:ext>
     </p:extLst>
   </p:cSld>
@@ -17824,6 +17917,674 @@
           <p:cNvPr id="2" name="Title 1">
             <a:extLst>
               <a:ext uri="{FF2B5EF4-FFF2-40B4-BE49-F238E27FC236}">
+                <a16:creationId xmlns:a16="http://schemas.microsoft.com/office/drawing/2014/main" id="{E3C03BBD-BBA4-47CA-91A8-B0516ABCF86C}"/>
+              </a:ext>
+            </a:extLst>
+          </p:cNvPr>
+          <p:cNvSpPr>
+            <a:spLocks noGrp="1"/>
+          </p:cNvSpPr>
+          <p:nvPr>
+            <p:ph type="title"/>
+          </p:nvPr>
+        </p:nvSpPr>
+        <p:spPr/>
+        <p:txBody>
+          <a:bodyPr>
+            <a:normAutofit/>
+          </a:bodyPr>
+          <a:lstStyle/>
+          <a:p>
+            <a:r>
+              <a:rPr lang="en-US" dirty="0"/>
+              <a:t>How to create an MVP</a:t>
+            </a:r>
+          </a:p>
+        </p:txBody>
+      </p:sp>
+      <p:sp>
+        <p:nvSpPr>
+          <p:cNvPr id="3" name="Content Placeholder 2">
+            <a:extLst>
+              <a:ext uri="{FF2B5EF4-FFF2-40B4-BE49-F238E27FC236}">
+                <a16:creationId xmlns:a16="http://schemas.microsoft.com/office/drawing/2014/main" id="{1ADE8710-D8E8-4078-AC90-4F0490828F6B}"/>
+              </a:ext>
+            </a:extLst>
+          </p:cNvPr>
+          <p:cNvSpPr>
+            <a:spLocks noGrp="1"/>
+          </p:cNvSpPr>
+          <p:nvPr>
+            <p:ph idx="1"/>
+          </p:nvPr>
+        </p:nvSpPr>
+        <p:spPr>
+          <a:xfrm>
+            <a:off x="347526" y="1207300"/>
+            <a:ext cx="11650767" cy="5202644"/>
+          </a:xfrm>
+        </p:spPr>
+        <p:txBody>
+          <a:bodyPr>
+            <a:normAutofit lnSpcReduction="10000"/>
+          </a:bodyPr>
+          <a:lstStyle/>
+          <a:p>
+            <a:pPr>
+              <a:lnSpc>
+                <a:spcPct val="150000"/>
+              </a:lnSpc>
+            </a:pPr>
+            <a:r>
+              <a:rPr lang="en-US" dirty="0"/>
+              <a:t>Identify the core problem</a:t>
+            </a:r>
+          </a:p>
+          <a:p>
+            <a:pPr lvl="1">
+              <a:lnSpc>
+                <a:spcPct val="150000"/>
+              </a:lnSpc>
+            </a:pPr>
+            <a:r>
+              <a:rPr lang="en-US" dirty="0"/>
+              <a:t>Determine the main problem you're trying to solve with your product.</a:t>
+            </a:r>
+          </a:p>
+          <a:p>
+            <a:pPr>
+              <a:lnSpc>
+                <a:spcPct val="150000"/>
+              </a:lnSpc>
+            </a:pPr>
+            <a:r>
+              <a:rPr lang="en-US" dirty="0"/>
+              <a:t>Define the target audience</a:t>
+            </a:r>
+          </a:p>
+          <a:p>
+            <a:pPr lvl="1">
+              <a:lnSpc>
+                <a:spcPct val="150000"/>
+              </a:lnSpc>
+            </a:pPr>
+            <a:r>
+              <a:rPr lang="en-US" dirty="0"/>
+              <a:t>Identify the early customers you want to target with your MVP.</a:t>
+            </a:r>
+          </a:p>
+          <a:p>
+            <a:pPr>
+              <a:lnSpc>
+                <a:spcPct val="150000"/>
+              </a:lnSpc>
+            </a:pPr>
+            <a:r>
+              <a:rPr lang="en-US" dirty="0"/>
+              <a:t>Build the MVP</a:t>
+            </a:r>
+          </a:p>
+          <a:p>
+            <a:pPr lvl="1">
+              <a:lnSpc>
+                <a:spcPct val="150000"/>
+              </a:lnSpc>
+            </a:pPr>
+            <a:r>
+              <a:rPr lang="en-US" dirty="0"/>
+              <a:t>Develop the essential features that satisfy the target audience.</a:t>
+            </a:r>
+          </a:p>
+          <a:p>
+            <a:pPr>
+              <a:lnSpc>
+                <a:spcPct val="150000"/>
+              </a:lnSpc>
+            </a:pPr>
+            <a:r>
+              <a:rPr lang="en-US" dirty="0"/>
+              <a:t>Test and iterate</a:t>
+            </a:r>
+          </a:p>
+          <a:p>
+            <a:pPr lvl="1">
+              <a:lnSpc>
+                <a:spcPct val="150000"/>
+              </a:lnSpc>
+            </a:pPr>
+            <a:r>
+              <a:rPr lang="en-US" dirty="0"/>
+              <a:t>Gather feedback from early customers and iterate to improve the product.</a:t>
+            </a:r>
+          </a:p>
+        </p:txBody>
+      </p:sp>
+      <p:sp>
+        <p:nvSpPr>
+          <p:cNvPr id="4" name="Slide Number Placeholder 3">
+            <a:extLst>
+              <a:ext uri="{FF2B5EF4-FFF2-40B4-BE49-F238E27FC236}">
+                <a16:creationId xmlns:a16="http://schemas.microsoft.com/office/drawing/2014/main" id="{8D6EB133-4B70-43D3-9504-2A03D0B59695}"/>
+              </a:ext>
+            </a:extLst>
+          </p:cNvPr>
+          <p:cNvSpPr>
+            <a:spLocks noGrp="1"/>
+          </p:cNvSpPr>
+          <p:nvPr>
+            <p:ph type="sldNum" sz="quarter" idx="12"/>
+          </p:nvPr>
+        </p:nvSpPr>
+        <p:spPr/>
+        <p:txBody>
+          <a:bodyPr/>
+          <a:lstStyle/>
+          <a:p>
+            <a:fld id="{B8DACC02-A2BD-4578-8E03-6D891060A695}" type="slidenum">
+              <a:rPr lang="en-US" smtClean="0"/>
+              <a:pPr/>
+              <a:t>61</a:t>
+            </a:fld>
+            <a:endParaRPr lang="en-US" dirty="0"/>
+          </a:p>
+        </p:txBody>
+      </p:sp>
+    </p:spTree>
+    <p:extLst>
+      <p:ext uri="{BB962C8B-B14F-4D97-AF65-F5344CB8AC3E}">
+        <p14:creationId xmlns:p14="http://schemas.microsoft.com/office/powerpoint/2010/main" val="658096562"/>
+      </p:ext>
+    </p:extLst>
+  </p:cSld>
+  <p:clrMapOvr>
+    <a:masterClrMapping/>
+  </p:clrMapOvr>
+</p:sld>
+</file>
+
+<file path=ppt/slides/slide62.xml><?xml version="1.0" encoding="utf-8"?>
+<p:sld xmlns:a="http://schemas.openxmlformats.org/drawingml/2006/main" xmlns:r="http://schemas.openxmlformats.org/officeDocument/2006/relationships" xmlns:p="http://schemas.openxmlformats.org/presentationml/2006/main">
+  <p:cSld>
+    <p:spTree>
+      <p:nvGrpSpPr>
+        <p:cNvPr id="1" name=""/>
+        <p:cNvGrpSpPr/>
+        <p:nvPr/>
+      </p:nvGrpSpPr>
+      <p:grpSpPr>
+        <a:xfrm>
+          <a:off x="0" y="0"/>
+          <a:ext cx="0" cy="0"/>
+          <a:chOff x="0" y="0"/>
+          <a:chExt cx="0" cy="0"/>
+        </a:xfrm>
+      </p:grpSpPr>
+      <p:sp>
+        <p:nvSpPr>
+          <p:cNvPr id="2" name="Title 1">
+            <a:extLst>
+              <a:ext uri="{FF2B5EF4-FFF2-40B4-BE49-F238E27FC236}">
+                <a16:creationId xmlns:a16="http://schemas.microsoft.com/office/drawing/2014/main" id="{884C52AF-9242-4C00-AC4F-19A8FE84AA4E}"/>
+              </a:ext>
+            </a:extLst>
+          </p:cNvPr>
+          <p:cNvSpPr>
+            <a:spLocks noGrp="1"/>
+          </p:cNvSpPr>
+          <p:nvPr>
+            <p:ph type="title"/>
+          </p:nvPr>
+        </p:nvSpPr>
+        <p:spPr/>
+        <p:txBody>
+          <a:bodyPr/>
+          <a:lstStyle/>
+          <a:p>
+            <a:r>
+              <a:rPr lang="en-US" dirty="0"/>
+              <a:t>Best practices for MVP</a:t>
+            </a:r>
+          </a:p>
+        </p:txBody>
+      </p:sp>
+      <p:sp>
+        <p:nvSpPr>
+          <p:cNvPr id="3" name="Content Placeholder 2">
+            <a:extLst>
+              <a:ext uri="{FF2B5EF4-FFF2-40B4-BE49-F238E27FC236}">
+                <a16:creationId xmlns:a16="http://schemas.microsoft.com/office/drawing/2014/main" id="{E528108F-5189-46C1-A04C-95F2D5498400}"/>
+              </a:ext>
+            </a:extLst>
+          </p:cNvPr>
+          <p:cNvSpPr>
+            <a:spLocks noGrp="1"/>
+          </p:cNvSpPr>
+          <p:nvPr>
+            <p:ph idx="1"/>
+          </p:nvPr>
+        </p:nvSpPr>
+        <p:spPr>
+          <a:xfrm>
+            <a:off x="347526" y="1207300"/>
+            <a:ext cx="11650767" cy="5156924"/>
+          </a:xfrm>
+        </p:spPr>
+        <p:txBody>
+          <a:bodyPr>
+            <a:normAutofit lnSpcReduction="10000"/>
+          </a:bodyPr>
+          <a:lstStyle/>
+          <a:p>
+            <a:pPr>
+              <a:lnSpc>
+                <a:spcPct val="150000"/>
+              </a:lnSpc>
+            </a:pPr>
+            <a:r>
+              <a:rPr lang="en-US" dirty="0"/>
+              <a:t>Start small</a:t>
+            </a:r>
+          </a:p>
+          <a:p>
+            <a:pPr lvl="1">
+              <a:lnSpc>
+                <a:spcPct val="150000"/>
+              </a:lnSpc>
+            </a:pPr>
+            <a:r>
+              <a:rPr lang="en-US" dirty="0"/>
+              <a:t>Begin with a small, focused product that solves a specific problem.</a:t>
+            </a:r>
+          </a:p>
+          <a:p>
+            <a:pPr>
+              <a:lnSpc>
+                <a:spcPct val="150000"/>
+              </a:lnSpc>
+            </a:pPr>
+            <a:r>
+              <a:rPr lang="en-US" dirty="0"/>
+              <a:t>Build quickly</a:t>
+            </a:r>
+          </a:p>
+          <a:p>
+            <a:pPr lvl="1">
+              <a:lnSpc>
+                <a:spcPct val="150000"/>
+              </a:lnSpc>
+            </a:pPr>
+            <a:r>
+              <a:rPr lang="en-US" dirty="0"/>
+              <a:t>Develop the MVP quickly, using available resources and tools.</a:t>
+            </a:r>
+          </a:p>
+          <a:p>
+            <a:pPr>
+              <a:lnSpc>
+                <a:spcPct val="150000"/>
+              </a:lnSpc>
+            </a:pPr>
+            <a:r>
+              <a:rPr lang="en-US" dirty="0"/>
+              <a:t>Test thoroughly</a:t>
+            </a:r>
+          </a:p>
+          <a:p>
+            <a:pPr lvl="1">
+              <a:lnSpc>
+                <a:spcPct val="150000"/>
+              </a:lnSpc>
+            </a:pPr>
+            <a:r>
+              <a:rPr lang="en-US" dirty="0"/>
+              <a:t>Test the MVP thoroughly to ensure it's functional and usable.</a:t>
+            </a:r>
+          </a:p>
+          <a:p>
+            <a:pPr>
+              <a:lnSpc>
+                <a:spcPct val="150000"/>
+              </a:lnSpc>
+            </a:pPr>
+            <a:r>
+              <a:rPr lang="en-US" dirty="0"/>
+              <a:t>Iterate often</a:t>
+            </a:r>
+          </a:p>
+          <a:p>
+            <a:pPr lvl="1">
+              <a:lnSpc>
+                <a:spcPct val="150000"/>
+              </a:lnSpc>
+            </a:pPr>
+            <a:r>
+              <a:rPr lang="en-US" dirty="0"/>
+              <a:t>Gather feedback and iterate regularly to improve the product.</a:t>
+            </a:r>
+          </a:p>
+        </p:txBody>
+      </p:sp>
+      <p:sp>
+        <p:nvSpPr>
+          <p:cNvPr id="4" name="Slide Number Placeholder 3">
+            <a:extLst>
+              <a:ext uri="{FF2B5EF4-FFF2-40B4-BE49-F238E27FC236}">
+                <a16:creationId xmlns:a16="http://schemas.microsoft.com/office/drawing/2014/main" id="{BB8822B8-CC90-4E27-8F6A-2DC79F215F9E}"/>
+              </a:ext>
+            </a:extLst>
+          </p:cNvPr>
+          <p:cNvSpPr>
+            <a:spLocks noGrp="1"/>
+          </p:cNvSpPr>
+          <p:nvPr>
+            <p:ph type="sldNum" sz="quarter" idx="12"/>
+          </p:nvPr>
+        </p:nvSpPr>
+        <p:spPr/>
+        <p:txBody>
+          <a:bodyPr/>
+          <a:lstStyle/>
+          <a:p>
+            <a:fld id="{B8DACC02-A2BD-4578-8E03-6D891060A695}" type="slidenum">
+              <a:rPr lang="en-US" smtClean="0"/>
+              <a:pPr/>
+              <a:t>62</a:t>
+            </a:fld>
+            <a:endParaRPr lang="en-US" dirty="0"/>
+          </a:p>
+        </p:txBody>
+      </p:sp>
+    </p:spTree>
+    <p:extLst>
+      <p:ext uri="{BB962C8B-B14F-4D97-AF65-F5344CB8AC3E}">
+        <p14:creationId xmlns:p14="http://schemas.microsoft.com/office/powerpoint/2010/main" val="3275067247"/>
+      </p:ext>
+    </p:extLst>
+  </p:cSld>
+  <p:clrMapOvr>
+    <a:masterClrMapping/>
+  </p:clrMapOvr>
+</p:sld>
+</file>
+
+<file path=ppt/slides/slide63.xml><?xml version="1.0" encoding="utf-8"?>
+<p:sld xmlns:a="http://schemas.openxmlformats.org/drawingml/2006/main" xmlns:r="http://schemas.openxmlformats.org/officeDocument/2006/relationships" xmlns:p="http://schemas.openxmlformats.org/presentationml/2006/main">
+  <p:cSld>
+    <p:spTree>
+      <p:nvGrpSpPr>
+        <p:cNvPr id="1" name=""/>
+        <p:cNvGrpSpPr/>
+        <p:nvPr/>
+      </p:nvGrpSpPr>
+      <p:grpSpPr>
+        <a:xfrm>
+          <a:off x="0" y="0"/>
+          <a:ext cx="0" cy="0"/>
+          <a:chOff x="0" y="0"/>
+          <a:chExt cx="0" cy="0"/>
+        </a:xfrm>
+      </p:grpSpPr>
+      <p:sp>
+        <p:nvSpPr>
+          <p:cNvPr id="2" name="Title 1"/>
+          <p:cNvSpPr>
+            <a:spLocks noGrp="1"/>
+          </p:cNvSpPr>
+          <p:nvPr>
+            <p:ph type="title"/>
+          </p:nvPr>
+        </p:nvSpPr>
+        <p:spPr/>
+        <p:txBody>
+          <a:bodyPr/>
+          <a:lstStyle/>
+          <a:p>
+            <a:r>
+              <a:rPr lang="en-US" dirty="0"/>
+              <a:t>Customer Feedback</a:t>
+            </a:r>
+          </a:p>
+        </p:txBody>
+      </p:sp>
+      <p:sp>
+        <p:nvSpPr>
+          <p:cNvPr id="3" name="Content Placeholder 2"/>
+          <p:cNvSpPr>
+            <a:spLocks noGrp="1"/>
+          </p:cNvSpPr>
+          <p:nvPr>
+            <p:ph idx="1"/>
+          </p:nvPr>
+        </p:nvSpPr>
+        <p:spPr/>
+        <p:txBody>
+          <a:bodyPr>
+            <a:normAutofit/>
+          </a:bodyPr>
+          <a:lstStyle/>
+          <a:p>
+            <a:r>
+              <a:rPr lang="en-US" dirty="0"/>
+              <a:t>Helps validate product assumptions and ensures the product meets customer needs.</a:t>
+            </a:r>
+          </a:p>
+          <a:p>
+            <a:r>
+              <a:rPr lang="en-US" dirty="0"/>
+              <a:t>Helps identify usability issues and areas for improvement.</a:t>
+            </a:r>
+          </a:p>
+          <a:p>
+            <a:r>
+              <a:rPr lang="en-US" dirty="0"/>
+              <a:t>Helps build trust and rapport with early customers, which can lead to loyalty and positive word-of-mouth.</a:t>
+            </a:r>
+          </a:p>
+          <a:p>
+            <a:r>
+              <a:rPr lang="en-US" dirty="0"/>
+              <a:t>Methods:</a:t>
+            </a:r>
+          </a:p>
+          <a:p>
+            <a:pPr lvl="1"/>
+            <a:r>
+              <a:rPr lang="en-US" dirty="0"/>
+              <a:t>Surveys</a:t>
+            </a:r>
+          </a:p>
+          <a:p>
+            <a:pPr lvl="1"/>
+            <a:r>
+              <a:rPr lang="en-US" dirty="0"/>
+              <a:t>Interviews</a:t>
+            </a:r>
+          </a:p>
+          <a:p>
+            <a:pPr lvl="1"/>
+            <a:r>
+              <a:rPr lang="en-US" dirty="0"/>
+              <a:t>User testing</a:t>
+            </a:r>
+          </a:p>
+          <a:p>
+            <a:pPr lvl="1"/>
+            <a:r>
+              <a:rPr lang="en-US" dirty="0"/>
+              <a:t>Focus groups</a:t>
+            </a:r>
+          </a:p>
+        </p:txBody>
+      </p:sp>
+      <p:sp>
+        <p:nvSpPr>
+          <p:cNvPr id="4" name="Slide Number Placeholder 3"/>
+          <p:cNvSpPr>
+            <a:spLocks noGrp="1"/>
+          </p:cNvSpPr>
+          <p:nvPr>
+            <p:ph type="sldNum" sz="quarter" idx="12"/>
+          </p:nvPr>
+        </p:nvSpPr>
+        <p:spPr/>
+        <p:txBody>
+          <a:bodyPr/>
+          <a:lstStyle/>
+          <a:p>
+            <a:fld id="{B8DACC02-A2BD-4578-8E03-6D891060A695}" type="slidenum">
+              <a:rPr lang="en-US" smtClean="0"/>
+              <a:pPr/>
+              <a:t>63</a:t>
+            </a:fld>
+            <a:endParaRPr lang="en-US" dirty="0"/>
+          </a:p>
+        </p:txBody>
+      </p:sp>
+    </p:spTree>
+    <p:extLst>
+      <p:ext uri="{BB962C8B-B14F-4D97-AF65-F5344CB8AC3E}">
+        <p14:creationId xmlns:p14="http://schemas.microsoft.com/office/powerpoint/2010/main" val="1399074727"/>
+      </p:ext>
+    </p:extLst>
+  </p:cSld>
+  <p:clrMapOvr>
+    <a:masterClrMapping/>
+  </p:clrMapOvr>
+</p:sld>
+</file>
+
+<file path=ppt/slides/slide64.xml><?xml version="1.0" encoding="utf-8"?>
+<p:sld xmlns:a="http://schemas.openxmlformats.org/drawingml/2006/main" xmlns:r="http://schemas.openxmlformats.org/officeDocument/2006/relationships" xmlns:p="http://schemas.openxmlformats.org/presentationml/2006/main">
+  <p:cSld>
+    <p:spTree>
+      <p:nvGrpSpPr>
+        <p:cNvPr id="1" name=""/>
+        <p:cNvGrpSpPr/>
+        <p:nvPr/>
+      </p:nvGrpSpPr>
+      <p:grpSpPr>
+        <a:xfrm>
+          <a:off x="0" y="0"/>
+          <a:ext cx="0" cy="0"/>
+          <a:chOff x="0" y="0"/>
+          <a:chExt cx="0" cy="0"/>
+        </a:xfrm>
+      </p:grpSpPr>
+      <p:sp>
+        <p:nvSpPr>
+          <p:cNvPr id="2" name="Title 1"/>
+          <p:cNvSpPr>
+            <a:spLocks noGrp="1"/>
+          </p:cNvSpPr>
+          <p:nvPr>
+            <p:ph type="title"/>
+          </p:nvPr>
+        </p:nvSpPr>
+        <p:spPr/>
+        <p:txBody>
+          <a:bodyPr/>
+          <a:lstStyle/>
+          <a:p>
+            <a:r>
+              <a:rPr lang="en-US" dirty="0"/>
+              <a:t>Benefits of Gathering Customer Feedback</a:t>
+            </a:r>
+          </a:p>
+        </p:txBody>
+      </p:sp>
+      <p:sp>
+        <p:nvSpPr>
+          <p:cNvPr id="3" name="Content Placeholder 2"/>
+          <p:cNvSpPr>
+            <a:spLocks noGrp="1"/>
+          </p:cNvSpPr>
+          <p:nvPr>
+            <p:ph idx="1"/>
+          </p:nvPr>
+        </p:nvSpPr>
+        <p:spPr/>
+        <p:txBody>
+          <a:bodyPr/>
+          <a:lstStyle/>
+          <a:p>
+            <a:r>
+              <a:rPr lang="en-US" dirty="0"/>
+              <a:t>Improved product development: Customer feedback helps identify areas for improvement and guides product refinement.</a:t>
+            </a:r>
+          </a:p>
+          <a:p>
+            <a:r>
+              <a:rPr lang="en-US" dirty="0"/>
+              <a:t>Increased customer satisfaction: Gathering feedback shows customers that their opinions matter, leading to higher satisfaction and loyalty.</a:t>
+            </a:r>
+          </a:p>
+          <a:p>
+            <a:r>
+              <a:rPr lang="en-US" dirty="0"/>
+              <a:t>Competitive advantage: Continuously gathering feedback and iteratively improving the product helps stay ahead of competitors.</a:t>
+            </a:r>
+          </a:p>
+        </p:txBody>
+      </p:sp>
+      <p:sp>
+        <p:nvSpPr>
+          <p:cNvPr id="4" name="Slide Number Placeholder 3"/>
+          <p:cNvSpPr>
+            <a:spLocks noGrp="1"/>
+          </p:cNvSpPr>
+          <p:nvPr>
+            <p:ph type="sldNum" sz="quarter" idx="12"/>
+          </p:nvPr>
+        </p:nvSpPr>
+        <p:spPr/>
+        <p:txBody>
+          <a:bodyPr/>
+          <a:lstStyle/>
+          <a:p>
+            <a:fld id="{B8DACC02-A2BD-4578-8E03-6D891060A695}" type="slidenum">
+              <a:rPr lang="en-US" smtClean="0"/>
+              <a:pPr/>
+              <a:t>64</a:t>
+            </a:fld>
+            <a:endParaRPr lang="en-US" dirty="0"/>
+          </a:p>
+        </p:txBody>
+      </p:sp>
+    </p:spTree>
+    <p:extLst>
+      <p:ext uri="{BB962C8B-B14F-4D97-AF65-F5344CB8AC3E}">
+        <p14:creationId xmlns:p14="http://schemas.microsoft.com/office/powerpoint/2010/main" val="650566808"/>
+      </p:ext>
+    </p:extLst>
+  </p:cSld>
+  <p:clrMapOvr>
+    <a:masterClrMapping/>
+  </p:clrMapOvr>
+</p:sld>
+</file>
+
+<file path=ppt/slides/slide65.xml><?xml version="1.0" encoding="utf-8"?>
+<p:sld xmlns:a="http://schemas.openxmlformats.org/drawingml/2006/main" xmlns:r="http://schemas.openxmlformats.org/officeDocument/2006/relationships" xmlns:p="http://schemas.openxmlformats.org/presentationml/2006/main">
+  <p:cSld>
+    <p:spTree>
+      <p:nvGrpSpPr>
+        <p:cNvPr id="1" name=""/>
+        <p:cNvGrpSpPr/>
+        <p:nvPr/>
+      </p:nvGrpSpPr>
+      <p:grpSpPr>
+        <a:xfrm>
+          <a:off x="0" y="0"/>
+          <a:ext cx="0" cy="0"/>
+          <a:chOff x="0" y="0"/>
+          <a:chExt cx="0" cy="0"/>
+        </a:xfrm>
+      </p:grpSpPr>
+      <p:sp>
+        <p:nvSpPr>
+          <p:cNvPr id="2" name="Title 1">
+            <a:extLst>
+              <a:ext uri="{FF2B5EF4-FFF2-40B4-BE49-F238E27FC236}">
                 <a16:creationId xmlns:a16="http://schemas.microsoft.com/office/drawing/2014/main" id="{5DABE939-9481-49FD-BD9B-46A5A3921925}"/>
               </a:ext>
             </a:extLst>
@@ -17896,7 +18657,7 @@
             <a:fld id="{B8DACC02-A2BD-4578-8E03-6D891060A695}" type="slidenum">
               <a:rPr lang="en-US" smtClean="0"/>
               <a:pPr/>
-              <a:t>61</a:t>
+              <a:t>65</a:t>
             </a:fld>
             <a:endParaRPr lang="en-US" dirty="0"/>
           </a:p>
@@ -17962,7 +18723,7 @@
 </p:sld>
 </file>
 
-<file path=ppt/slides/slide62.xml><?xml version="1.0" encoding="utf-8"?>
+<file path=ppt/slides/slide66.xml><?xml version="1.0" encoding="utf-8"?>
 <p:sld xmlns:a="http://schemas.openxmlformats.org/drawingml/2006/main" xmlns:r="http://schemas.openxmlformats.org/officeDocument/2006/relationships" xmlns:p="http://schemas.openxmlformats.org/presentationml/2006/main">
   <p:cSld>
     <p:spTree>
@@ -18058,7 +18819,7 @@
             <a:fld id="{B8DACC02-A2BD-4578-8E03-6D891060A695}" type="slidenum">
               <a:rPr lang="en-US" smtClean="0"/>
               <a:pPr/>
-              <a:t>62</a:t>
+              <a:t>66</a:t>
             </a:fld>
             <a:endParaRPr lang="en-US" dirty="0"/>
           </a:p>
@@ -18124,7 +18885,7 @@
 </p:sld>
 </file>
 
-<file path=ppt/slides/slide63.xml><?xml version="1.0" encoding="utf-8"?>
+<file path=ppt/slides/slide67.xml><?xml version="1.0" encoding="utf-8"?>
 <p:sld xmlns:a="http://schemas.openxmlformats.org/drawingml/2006/main" xmlns:r="http://schemas.openxmlformats.org/officeDocument/2006/relationships" xmlns:p="http://schemas.openxmlformats.org/presentationml/2006/main">
   <p:cSld>
     <p:spTree>
@@ -18146,6 +18907,160 @@
           <p:cNvPr id="2" name="Title 1">
             <a:extLst>
               <a:ext uri="{FF2B5EF4-FFF2-40B4-BE49-F238E27FC236}">
+                <a16:creationId xmlns:a16="http://schemas.microsoft.com/office/drawing/2014/main" id="{3CB9AEE0-B768-4CC7-B159-4201F46BB18A}"/>
+              </a:ext>
+            </a:extLst>
+          </p:cNvPr>
+          <p:cNvSpPr>
+            <a:spLocks noGrp="1"/>
+          </p:cNvSpPr>
+          <p:nvPr>
+            <p:ph type="title"/>
+          </p:nvPr>
+        </p:nvSpPr>
+        <p:spPr/>
+        <p:txBody>
+          <a:bodyPr>
+            <a:normAutofit fontScale="90000"/>
+          </a:bodyPr>
+          <a:lstStyle/>
+          <a:p>
+            <a:r>
+              <a:rPr lang="en-US" dirty="0"/>
+              <a:t>What Are the Types of Minimum Viable Products?</a:t>
+            </a:r>
+          </a:p>
+        </p:txBody>
+      </p:sp>
+      <p:sp>
+        <p:nvSpPr>
+          <p:cNvPr id="3" name="Content Placeholder 2">
+            <a:extLst>
+              <a:ext uri="{FF2B5EF4-FFF2-40B4-BE49-F238E27FC236}">
+                <a16:creationId xmlns:a16="http://schemas.microsoft.com/office/drawing/2014/main" id="{8A766EB2-A3DF-4661-8256-070DC95BE941}"/>
+              </a:ext>
+            </a:extLst>
+          </p:cNvPr>
+          <p:cNvSpPr>
+            <a:spLocks noGrp="1"/>
+          </p:cNvSpPr>
+          <p:nvPr>
+            <p:ph idx="1"/>
+          </p:nvPr>
+        </p:nvSpPr>
+        <p:spPr/>
+        <p:txBody>
+          <a:bodyPr/>
+          <a:lstStyle/>
+          <a:p>
+            <a:r>
+              <a:rPr lang="en-US" dirty="0"/>
+              <a:t>Software prototype</a:t>
+            </a:r>
+          </a:p>
+          <a:p>
+            <a:r>
+              <a:rPr lang="en-US" dirty="0"/>
+              <a:t>Product design</a:t>
+            </a:r>
+          </a:p>
+          <a:p>
+            <a:r>
+              <a:rPr lang="en-US" dirty="0"/>
+              <a:t>Demo video</a:t>
+            </a:r>
+          </a:p>
+          <a:p>
+            <a:r>
+              <a:rPr lang="en-US" dirty="0"/>
+              <a:t>Landing page</a:t>
+            </a:r>
+          </a:p>
+          <a:p>
+            <a:r>
+              <a:rPr lang="en-US" dirty="0"/>
+              <a:t>Piecemeal</a:t>
+            </a:r>
+          </a:p>
+          <a:p>
+            <a:r>
+              <a:rPr lang="en-US" dirty="0"/>
+              <a:t>Concierge</a:t>
+            </a:r>
+          </a:p>
+          <a:p>
+            <a:r>
+              <a:rPr lang="en-US" dirty="0"/>
+              <a:t>Wizard of Oz</a:t>
+            </a:r>
+          </a:p>
+        </p:txBody>
+      </p:sp>
+      <p:sp>
+        <p:nvSpPr>
+          <p:cNvPr id="4" name="Slide Number Placeholder 3">
+            <a:extLst>
+              <a:ext uri="{FF2B5EF4-FFF2-40B4-BE49-F238E27FC236}">
+                <a16:creationId xmlns:a16="http://schemas.microsoft.com/office/drawing/2014/main" id="{45ADEEF8-E470-40C0-BF7E-4D4579EFD096}"/>
+              </a:ext>
+            </a:extLst>
+          </p:cNvPr>
+          <p:cNvSpPr>
+            <a:spLocks noGrp="1"/>
+          </p:cNvSpPr>
+          <p:nvPr>
+            <p:ph type="sldNum" sz="quarter" idx="12"/>
+          </p:nvPr>
+        </p:nvSpPr>
+        <p:spPr/>
+        <p:txBody>
+          <a:bodyPr/>
+          <a:lstStyle/>
+          <a:p>
+            <a:fld id="{B8DACC02-A2BD-4578-8E03-6D891060A695}" type="slidenum">
+              <a:rPr lang="en-US" smtClean="0"/>
+              <a:pPr/>
+              <a:t>67</a:t>
+            </a:fld>
+            <a:endParaRPr lang="en-US" dirty="0"/>
+          </a:p>
+        </p:txBody>
+      </p:sp>
+    </p:spTree>
+    <p:extLst>
+      <p:ext uri="{BB962C8B-B14F-4D97-AF65-F5344CB8AC3E}">
+        <p14:creationId xmlns:p14="http://schemas.microsoft.com/office/powerpoint/2010/main" val="4270065942"/>
+      </p:ext>
+    </p:extLst>
+  </p:cSld>
+  <p:clrMapOvr>
+    <a:masterClrMapping/>
+  </p:clrMapOvr>
+</p:sld>
+</file>
+
+<file path=ppt/slides/slide68.xml><?xml version="1.0" encoding="utf-8"?>
+<p:sld xmlns:a="http://schemas.openxmlformats.org/drawingml/2006/main" xmlns:r="http://schemas.openxmlformats.org/officeDocument/2006/relationships" xmlns:p="http://schemas.openxmlformats.org/presentationml/2006/main">
+  <p:cSld>
+    <p:spTree>
+      <p:nvGrpSpPr>
+        <p:cNvPr id="1" name=""/>
+        <p:cNvGrpSpPr/>
+        <p:nvPr/>
+      </p:nvGrpSpPr>
+      <p:grpSpPr>
+        <a:xfrm>
+          <a:off x="0" y="0"/>
+          <a:ext cx="0" cy="0"/>
+          <a:chOff x="0" y="0"/>
+          <a:chExt cx="0" cy="0"/>
+        </a:xfrm>
+      </p:grpSpPr>
+      <p:sp>
+        <p:nvSpPr>
+          <p:cNvPr id="2" name="Title 1">
+            <a:extLst>
+              <a:ext uri="{FF2B5EF4-FFF2-40B4-BE49-F238E27FC236}">
                 <a16:creationId xmlns:a16="http://schemas.microsoft.com/office/drawing/2014/main" id="{2EEB40C8-AA4B-4C2A-AB42-EB3811A6A25A}"/>
               </a:ext>
             </a:extLst>
@@ -18247,7 +19162,7 @@
             <a:fld id="{B8DACC02-A2BD-4578-8E03-6D891060A695}" type="slidenum">
               <a:rPr lang="en-US" smtClean="0"/>
               <a:pPr/>
-              <a:t>63</a:t>
+              <a:t>68</a:t>
             </a:fld>
             <a:endParaRPr lang="en-US" dirty="0"/>
           </a:p>
@@ -18313,7 +19228,7 @@
 </p:sld>
 </file>
 
-<file path=ppt/slides/slide64.xml><?xml version="1.0" encoding="utf-8"?>
+<file path=ppt/slides/slide69.xml><?xml version="1.0" encoding="utf-8"?>
 <p:sld xmlns:a="http://schemas.openxmlformats.org/drawingml/2006/main" xmlns:r="http://schemas.openxmlformats.org/officeDocument/2006/relationships" xmlns:p="http://schemas.openxmlformats.org/presentationml/2006/main">
   <p:cSld>
     <p:spTree>
@@ -18377,31 +19292,37 @@
         <p:spPr/>
         <p:txBody>
           <a:bodyPr>
-            <a:normAutofit fontScale="92500" lnSpcReduction="10000"/>
+            <a:normAutofit/>
           </a:bodyPr>
           <a:lstStyle/>
           <a:p>
             <a:r>
               <a:rPr lang="en-US" dirty="0"/>
-              <a:t>To test the principle, the founders took pictures of their apartment and advertised online that it was available for rent during a popular conference in their town.</a:t>
-            </a:r>
-          </a:p>
-          <a:p>
-            <a:r>
-              <a:rPr lang="en-US" dirty="0"/>
-              <a:t>The founders were able to “book” their apartment for the entire duration of the conference to three separate, unrelated customers, validating their initial assumption. Further, the founders were able to interact with their guests during their stay.</a:t>
-            </a:r>
-          </a:p>
-          <a:p>
-            <a:r>
-              <a:rPr lang="en-US" dirty="0"/>
-              <a:t>The Airbnb founders used this experience to understand what potential customers might want and were able to generate a list of features to develop in the future.</a:t>
-            </a:r>
-          </a:p>
-          <a:p>
-            <a:r>
-              <a:rPr lang="en-US" dirty="0"/>
-              <a:t>Using this information, the founders then began to develop their now famous platform.</a:t>
+              <a:t>The founders tested their idea by advertising their apartment for rent during a popular conference in their town.</a:t>
+            </a:r>
+          </a:p>
+          <a:p>
+            <a:r>
+              <a:rPr lang="en-US" dirty="0"/>
+              <a:t>They were able to book their apartment to three separate customers, validating their assumption.</a:t>
+            </a:r>
+          </a:p>
+          <a:p>
+            <a:r>
+              <a:rPr lang="en-US" dirty="0"/>
+              <a:t>The founders interacted with their guests during their stay, gathering valuable feedback.</a:t>
+            </a:r>
+          </a:p>
+          <a:p>
+            <a:r>
+              <a:rPr lang="en-US" dirty="0"/>
+              <a:t>They used this experience to generate a list of features to develop for their platform.</a:t>
+            </a:r>
+          </a:p>
+          <a:p>
+            <a:r>
+              <a:rPr lang="en-US" dirty="0"/>
+              <a:t>This information was used to develop the now famous Airbnb platform.</a:t>
             </a:r>
           </a:p>
         </p:txBody>
@@ -18430,7 +19351,7 @@
             <a:fld id="{B8DACC02-A2BD-4578-8E03-6D891060A695}" type="slidenum">
               <a:rPr lang="en-US" smtClean="0"/>
               <a:pPr/>
-              <a:t>64</a:t>
+              <a:t>69</a:t>
             </a:fld>
             <a:endParaRPr lang="en-US" dirty="0"/>
           </a:p>
@@ -18615,6 +19536,205 @@
     <p:extLst>
       <p:ext uri="{BB962C8B-B14F-4D97-AF65-F5344CB8AC3E}">
         <p14:creationId xmlns:p14="http://schemas.microsoft.com/office/powerpoint/2010/main" val="839246125"/>
+      </p:ext>
+    </p:extLst>
+  </p:cSld>
+  <p:clrMapOvr>
+    <a:masterClrMapping/>
+  </p:clrMapOvr>
+</p:sld>
+</file>
+
+<file path=ppt/slides/slide70.xml><?xml version="1.0" encoding="utf-8"?>
+<p:sld xmlns:a="http://schemas.openxmlformats.org/drawingml/2006/main" xmlns:r="http://schemas.openxmlformats.org/officeDocument/2006/relationships" xmlns:p="http://schemas.openxmlformats.org/presentationml/2006/main">
+  <p:cSld>
+    <p:spTree>
+      <p:nvGrpSpPr>
+        <p:cNvPr id="1" name=""/>
+        <p:cNvGrpSpPr/>
+        <p:nvPr/>
+      </p:nvGrpSpPr>
+      <p:grpSpPr>
+        <a:xfrm>
+          <a:off x="0" y="0"/>
+          <a:ext cx="0" cy="0"/>
+          <a:chOff x="0" y="0"/>
+          <a:chExt cx="0" cy="0"/>
+        </a:xfrm>
+      </p:grpSpPr>
+      <p:sp>
+        <p:nvSpPr>
+          <p:cNvPr id="2" name="Title 1">
+            <a:extLst>
+              <a:ext uri="{FF2B5EF4-FFF2-40B4-BE49-F238E27FC236}">
+                <a16:creationId xmlns:a16="http://schemas.microsoft.com/office/drawing/2014/main" id="{2EEB40C8-AA4B-4C2A-AB42-EB3811A6A25A}"/>
+              </a:ext>
+            </a:extLst>
+          </p:cNvPr>
+          <p:cNvSpPr>
+            <a:spLocks noGrp="1"/>
+          </p:cNvSpPr>
+          <p:nvPr>
+            <p:ph type="title"/>
+          </p:nvPr>
+        </p:nvSpPr>
+        <p:spPr/>
+        <p:txBody>
+          <a:bodyPr/>
+          <a:lstStyle/>
+          <a:p>
+            <a:r>
+              <a:rPr lang="en-US" dirty="0"/>
+              <a:t>Successful MVP Examples</a:t>
+            </a:r>
+          </a:p>
+        </p:txBody>
+      </p:sp>
+      <p:sp>
+        <p:nvSpPr>
+          <p:cNvPr id="3" name="Content Placeholder 2">
+            <a:extLst>
+              <a:ext uri="{FF2B5EF4-FFF2-40B4-BE49-F238E27FC236}">
+                <a16:creationId xmlns:a16="http://schemas.microsoft.com/office/drawing/2014/main" id="{D6CFD837-CCE3-4B60-AC67-2BC08B6EB582}"/>
+              </a:ext>
+            </a:extLst>
+          </p:cNvPr>
+          <p:cNvSpPr>
+            <a:spLocks noGrp="1"/>
+          </p:cNvSpPr>
+          <p:nvPr>
+            <p:ph idx="1"/>
+          </p:nvPr>
+        </p:nvSpPr>
+        <p:spPr/>
+        <p:txBody>
+          <a:bodyPr>
+            <a:normAutofit/>
+          </a:bodyPr>
+          <a:lstStyle/>
+          <a:p>
+            <a:r>
+              <a:rPr lang="en-US" dirty="0"/>
+              <a:t>Started with a simple messaging platform for teams</a:t>
+            </a:r>
+          </a:p>
+          <a:p>
+            <a:r>
+              <a:rPr lang="en-US" dirty="0"/>
+              <a:t>Gathered feedback from early users and iterated on the product</a:t>
+            </a:r>
+          </a:p>
+          <a:p>
+            <a:r>
+              <a:rPr lang="en-US" dirty="0"/>
+              <a:t>Added features such as channels, file sharing, and integrations</a:t>
+            </a:r>
+          </a:p>
+          <a:p>
+            <a:r>
+              <a:rPr lang="en-US" dirty="0"/>
+              <a:t>Expanded user base to larger organizations</a:t>
+            </a:r>
+          </a:p>
+          <a:p>
+            <a:r>
+              <a:rPr lang="en-US" dirty="0"/>
+              <a:t>Continued to gather feedback and improve the product</a:t>
+            </a:r>
+          </a:p>
+          <a:p>
+            <a:r>
+              <a:rPr lang="en-US" dirty="0"/>
+              <a:t>Launched mobile app and introduced customization options</a:t>
+            </a:r>
+          </a:p>
+          <a:p>
+            <a:r>
+              <a:rPr lang="en-US" dirty="0"/>
+              <a:t>Focused on security and data encryption</a:t>
+            </a:r>
+          </a:p>
+        </p:txBody>
+      </p:sp>
+      <p:sp>
+        <p:nvSpPr>
+          <p:cNvPr id="4" name="Slide Number Placeholder 3">
+            <a:extLst>
+              <a:ext uri="{FF2B5EF4-FFF2-40B4-BE49-F238E27FC236}">
+                <a16:creationId xmlns:a16="http://schemas.microsoft.com/office/drawing/2014/main" id="{6EEF9E45-8EA1-4916-ACDF-2B0F6868F0EA}"/>
+              </a:ext>
+            </a:extLst>
+          </p:cNvPr>
+          <p:cNvSpPr>
+            <a:spLocks noGrp="1"/>
+          </p:cNvSpPr>
+          <p:nvPr>
+            <p:ph type="sldNum" sz="quarter" idx="12"/>
+          </p:nvPr>
+        </p:nvSpPr>
+        <p:spPr/>
+        <p:txBody>
+          <a:bodyPr/>
+          <a:lstStyle/>
+          <a:p>
+            <a:fld id="{B8DACC02-A2BD-4578-8E03-6D891060A695}" type="slidenum">
+              <a:rPr lang="en-US" smtClean="0"/>
+              <a:pPr/>
+              <a:t>70</a:t>
+            </a:fld>
+            <a:endParaRPr lang="en-US" dirty="0"/>
+          </a:p>
+        </p:txBody>
+      </p:sp>
+      <p:pic>
+        <p:nvPicPr>
+          <p:cNvPr id="2050" name="Picture 2" descr="Slack's integration with TravelPerk">
+            <a:extLst>
+              <a:ext uri="{FF2B5EF4-FFF2-40B4-BE49-F238E27FC236}">
+                <a16:creationId xmlns:a16="http://schemas.microsoft.com/office/drawing/2014/main" id="{6A6A6A3D-6DC4-44D5-A94D-A5348D839260}"/>
+              </a:ext>
+            </a:extLst>
+          </p:cNvPr>
+          <p:cNvPicPr>
+            <a:picLocks noChangeAspect="1" noChangeArrowheads="1"/>
+          </p:cNvPicPr>
+          <p:nvPr/>
+        </p:nvPicPr>
+        <p:blipFill rotWithShape="1">
+          <a:blip r:embed="rId2" cstate="print">
+            <a:extLst>
+              <a:ext uri="{28A0092B-C50C-407E-A947-70E740481C1C}">
+                <a14:useLocalDpi xmlns:a14="http://schemas.microsoft.com/office/drawing/2010/main" val="0"/>
+              </a:ext>
+            </a:extLst>
+          </a:blip>
+          <a:srcRect t="10523" b="15662"/>
+          <a:stretch/>
+        </p:blipFill>
+        <p:spPr bwMode="auto">
+          <a:xfrm>
+            <a:off x="9338924" y="70989"/>
+            <a:ext cx="2398721" cy="995988"/>
+          </a:xfrm>
+          <a:prstGeom prst="rect">
+            <a:avLst/>
+          </a:prstGeom>
+          <a:noFill/>
+          <a:extLst>
+            <a:ext uri="{909E8E84-426E-40DD-AFC4-6F175D3DCCD1}">
+              <a14:hiddenFill xmlns:a14="http://schemas.microsoft.com/office/drawing/2010/main">
+                <a:solidFill>
+                  <a:srgbClr val="FFFFFF"/>
+                </a:solidFill>
+              </a14:hiddenFill>
+            </a:ext>
+          </a:extLst>
+        </p:spPr>
+      </p:pic>
+    </p:spTree>
+    <p:extLst>
+      <p:ext uri="{BB962C8B-B14F-4D97-AF65-F5344CB8AC3E}">
+        <p14:creationId xmlns:p14="http://schemas.microsoft.com/office/powerpoint/2010/main" val="2527258130"/>
       </p:ext>
     </p:extLst>
   </p:cSld>

--- a/SE495/Lectures/4-Development and Prototyping/Development and Prototyping.pptx
+++ b/SE495/Lectures/4-Development and Prototyping/Development and Prototyping.pptx
@@ -19026,6 +19026,51 @@
           </a:p>
         </p:txBody>
       </p:sp>
+      <p:pic>
+        <p:nvPicPr>
+          <p:cNvPr id="1026" name="Picture 2" descr="4 Different Types of Minimum Viable Product">
+            <a:extLst>
+              <a:ext uri="{FF2B5EF4-FFF2-40B4-BE49-F238E27FC236}">
+                <a16:creationId xmlns:a16="http://schemas.microsoft.com/office/drawing/2014/main" id="{37D33B21-4449-4865-B782-D00C29E6ACF9}"/>
+              </a:ext>
+            </a:extLst>
+          </p:cNvPr>
+          <p:cNvPicPr>
+            <a:picLocks noChangeAspect="1" noChangeArrowheads="1"/>
+          </p:cNvPicPr>
+          <p:nvPr/>
+        </p:nvPicPr>
+        <p:blipFill rotWithShape="1">
+          <a:blip r:embed="rId2">
+            <a:extLst>
+              <a:ext uri="{28A0092B-C50C-407E-A947-70E740481C1C}">
+                <a14:useLocalDpi xmlns:a14="http://schemas.microsoft.com/office/drawing/2010/main" val="0"/>
+              </a:ext>
+            </a:extLst>
+          </a:blip>
+          <a:srcRect l="2043" t="17604" r="2501" b="10280"/>
+          <a:stretch/>
+        </p:blipFill>
+        <p:spPr bwMode="auto">
+          <a:xfrm>
+            <a:off x="4702505" y="1803605"/>
+            <a:ext cx="7141969" cy="3473779"/>
+          </a:xfrm>
+          <a:prstGeom prst="rect">
+            <a:avLst/>
+          </a:prstGeom>
+          <a:noFill/>
+          <a:extLst>
+            <a:ext uri="{909E8E84-426E-40DD-AFC4-6F175D3DCCD1}">
+              <a14:hiddenFill xmlns:a14="http://schemas.microsoft.com/office/drawing/2010/main">
+                <a:solidFill>
+                  <a:srgbClr val="FFFFFF"/>
+                </a:solidFill>
+              </a14:hiddenFill>
+            </a:ext>
+          </a:extLst>
+        </p:spPr>
+      </p:pic>
     </p:spTree>
     <p:extLst>
       <p:ext uri="{BB962C8B-B14F-4D97-AF65-F5344CB8AC3E}">

--- a/SE495/Lectures/4-Development and Prototyping/Development and Prototyping.pptx
+++ b/SE495/Lectures/4-Development and Prototyping/Development and Prototyping.pptx
@@ -6241,7 +6241,7 @@
           <a:p>
             <a:fld id="{41DA9887-9249-49FD-809A-BACB264048C3}" type="datetimeFigureOut">
               <a:rPr lang="en-US" smtClean="0"/>
-              <a:t>2/8/2024</a:t>
+              <a:t>2/13/2024</a:t>
             </a:fld>
             <a:endParaRPr lang="en-US"/>
           </a:p>
@@ -6643,7 +6643,7 @@
           <a:p>
             <a:fld id="{EF213E56-3C1A-435A-851B-5B1F221C2038}" type="datetime1">
               <a:rPr lang="en-US" smtClean="0"/>
-              <a:t>2/8/2024</a:t>
+              <a:t>2/13/2024</a:t>
             </a:fld>
             <a:endParaRPr lang="en-US"/>
           </a:p>
@@ -6944,7 +6944,7 @@
           <a:p>
             <a:fld id="{B4696837-4851-4AA6-8AED-554226C981D1}" type="datetime1">
               <a:rPr lang="en-US" smtClean="0"/>
-              <a:t>2/8/2024</a:t>
+              <a:t>2/13/2024</a:t>
             </a:fld>
             <a:endParaRPr lang="en-US"/>
           </a:p>
@@ -7122,7 +7122,7 @@
           <a:p>
             <a:fld id="{BADD32E1-BB70-4827-BA33-FF5AFC435BE9}" type="datetime1">
               <a:rPr lang="en-US" smtClean="0"/>
-              <a:t>2/8/2024</a:t>
+              <a:t>2/13/2024</a:t>
             </a:fld>
             <a:endParaRPr lang="en-US"/>
           </a:p>
@@ -7365,7 +7365,7 @@
             </a:pPr>
             <a:fld id="{40B9EAF6-54F2-4DF5-9C6B-3F6F95B86356}" type="datetime1">
               <a:rPr lang="en-US" smtClean="0"/>
-              <a:t>2/8/2024</a:t>
+              <a:t>2/13/2024</a:t>
             </a:fld>
             <a:endParaRPr lang="en-US"/>
           </a:p>
@@ -7545,7 +7545,7 @@
             </a:pPr>
             <a:fld id="{D3D64A56-6FF4-479A-8655-719A18A98C4B}" type="datetime1">
               <a:rPr lang="en-US" smtClean="0"/>
-              <a:t>2/8/2024</a:t>
+              <a:t>2/13/2024</a:t>
             </a:fld>
             <a:endParaRPr lang="en-US"/>
           </a:p>
@@ -7826,7 +7826,7 @@
           <a:p>
             <a:fld id="{BB961044-FC46-4CBC-9061-59528F4899F3}" type="datetime1">
               <a:rPr lang="en-US" smtClean="0"/>
-              <a:t>2/8/2024</a:t>
+              <a:t>2/13/2024</a:t>
             </a:fld>
             <a:endParaRPr lang="en-US"/>
           </a:p>
@@ -8176,7 +8176,7 @@
           <a:p>
             <a:fld id="{4466A08C-77F3-471E-A5C4-1D2068144BAC}" type="datetime1">
               <a:rPr lang="en-US" smtClean="0"/>
-              <a:t>2/8/2024</a:t>
+              <a:t>2/13/2024</a:t>
             </a:fld>
             <a:endParaRPr lang="en-US"/>
           </a:p>
@@ -8405,7 +8405,7 @@
           <a:p>
             <a:fld id="{B90A7AD1-16F4-44C3-AE32-24C59A599E9D}" type="datetime1">
               <a:rPr lang="en-US" smtClean="0"/>
-              <a:t>2/8/2024</a:t>
+              <a:t>2/13/2024</a:t>
             </a:fld>
             <a:endParaRPr lang="en-US"/>
           </a:p>
@@ -8769,7 +8769,7 @@
           <a:p>
             <a:fld id="{B583DB4F-4316-4DF5-A229-BC1D787C82A0}" type="datetime1">
               <a:rPr lang="en-US" smtClean="0"/>
-              <a:t>2/8/2024</a:t>
+              <a:t>2/13/2024</a:t>
             </a:fld>
             <a:endParaRPr lang="en-US"/>
           </a:p>
@@ -8864,7 +8864,7 @@
           <a:p>
             <a:fld id="{AE6064B7-7A9F-432D-B7B9-6824267AA574}" type="datetime1">
               <a:rPr lang="en-US" smtClean="0"/>
-              <a:t>2/8/2024</a:t>
+              <a:t>2/13/2024</a:t>
             </a:fld>
             <a:endParaRPr lang="en-US"/>
           </a:p>
@@ -9089,7 +9089,7 @@
             <a:fld id="{B2F5E2FA-C428-4CE7-95B0-168D3259A5BB}" type="datetimeFigureOut">
               <a:rPr lang="en-US" smtClean="0"/>
               <a:pPr/>
-              <a:t>2/8/2024</a:t>
+              <a:t>2/13/2024</a:t>
             </a:fld>
             <a:endParaRPr lang="en-US"/>
           </a:p>
@@ -9266,7 +9266,7 @@
           <a:p>
             <a:fld id="{4E1C93A2-B712-486A-8AB5-D41B95D547BE}" type="datetime1">
               <a:rPr lang="en-US" smtClean="0"/>
-              <a:t>2/8/2024</a:t>
+              <a:t>2/13/2024</a:t>
             </a:fld>
             <a:endParaRPr lang="en-US"/>
           </a:p>
@@ -9541,7 +9541,7 @@
           <a:p>
             <a:fld id="{CAB2F318-F19F-4608-B7EF-F7FB8A482213}" type="datetime1">
               <a:rPr lang="en-US" smtClean="0"/>
-              <a:t>2/8/2024</a:t>
+              <a:t>2/13/2024</a:t>
             </a:fld>
             <a:endParaRPr lang="en-US"/>
           </a:p>
@@ -9793,7 +9793,7 @@
           <a:p>
             <a:fld id="{BB9CEF8C-69D6-4C3E-B892-F682F307A7B6}" type="datetime1">
               <a:rPr lang="en-US" smtClean="0"/>
-              <a:t>2/8/2024</a:t>
+              <a:t>2/13/2024</a:t>
             </a:fld>
             <a:endParaRPr lang="en-US"/>
           </a:p>
@@ -10004,7 +10004,7 @@
           <a:p>
             <a:fld id="{FB737C73-4A31-4C17-AFB7-7B8470027787}" type="datetime1">
               <a:rPr lang="en-US" smtClean="0"/>
-              <a:t>2/8/2024</a:t>
+              <a:t>2/13/2024</a:t>
             </a:fld>
             <a:endParaRPr lang="en-US"/>
           </a:p>
@@ -15931,19 +15931,40 @@
           <a:p>
             <a:r>
               <a:rPr lang="en-US" dirty="0"/>
-              <a:t>Event-driven architecture: designing applications around events and triggers</a:t>
-            </a:r>
-          </a:p>
-          <a:p>
-            <a:r>
-              <a:rPr lang="en-US" dirty="0"/>
-              <a:t>Third-party services: using existing services instead of building everything from scratch</a:t>
-            </a:r>
-          </a:p>
-          <a:p>
-            <a:r>
-              <a:rPr lang="en-US" dirty="0"/>
-              <a:t>Reduced overhead: reduced infrastructure and maintenance costs</a:t>
+              <a:t>Event-driven architecture</a:t>
+            </a:r>
+          </a:p>
+          <a:p>
+            <a:pPr lvl="1"/>
+            <a:r>
+              <a:rPr lang="en-US" dirty="0"/>
+              <a:t>designing applications around events and triggers</a:t>
+            </a:r>
+          </a:p>
+          <a:p>
+            <a:r>
+              <a:rPr lang="en-US" dirty="0"/>
+              <a:t>Third-party services</a:t>
+            </a:r>
+          </a:p>
+          <a:p>
+            <a:pPr lvl="1"/>
+            <a:r>
+              <a:rPr lang="en-US" dirty="0"/>
+              <a:t>using existing services instead of building everything from scratch</a:t>
+            </a:r>
+          </a:p>
+          <a:p>
+            <a:r>
+              <a:rPr lang="en-US" dirty="0"/>
+              <a:t>Reduced overhead</a:t>
+            </a:r>
+          </a:p>
+          <a:p>
+            <a:pPr lvl="1"/>
+            <a:r>
+              <a:rPr lang="en-US" dirty="0"/>
+              <a:t>reduced infrastructure and maintenance costs</a:t>
             </a:r>
           </a:p>
         </p:txBody>
@@ -16041,19 +16062,40 @@
           <a:p>
             <a:r>
               <a:rPr lang="en-US" dirty="0"/>
-              <a:t>Reducing development time: using existing libraries and platforms to speed up development</a:t>
-            </a:r>
-          </a:p>
-          <a:p>
-            <a:r>
-              <a:rPr lang="en-US" dirty="0"/>
-              <a:t>Leveraging existing resources: using existing resources to reduce costs and improve efficiency</a:t>
-            </a:r>
-          </a:p>
-          <a:p>
-            <a:r>
-              <a:rPr lang="en-US" dirty="0"/>
-              <a:t>Minimizing waste: reducing unnecessary work and minimizing waste</a:t>
+              <a:t>Reducing development time</a:t>
+            </a:r>
+          </a:p>
+          <a:p>
+            <a:pPr lvl="1"/>
+            <a:r>
+              <a:rPr lang="en-US" dirty="0"/>
+              <a:t>using existing libraries and platforms to speed up development</a:t>
+            </a:r>
+          </a:p>
+          <a:p>
+            <a:r>
+              <a:rPr lang="en-US" dirty="0"/>
+              <a:t>Leveraging existing resources</a:t>
+            </a:r>
+          </a:p>
+          <a:p>
+            <a:pPr lvl="1"/>
+            <a:r>
+              <a:rPr lang="en-US" dirty="0"/>
+              <a:t>using existing resources to reduce costs and improve efficiency</a:t>
+            </a:r>
+          </a:p>
+          <a:p>
+            <a:r>
+              <a:rPr lang="en-US" dirty="0"/>
+              <a:t>Minimizing waste</a:t>
+            </a:r>
+          </a:p>
+          <a:p>
+            <a:pPr lvl="1"/>
+            <a:r>
+              <a:rPr lang="en-US" dirty="0"/>
+              <a:t>reducing unnecessary work and minimizing waste</a:t>
             </a:r>
           </a:p>
         </p:txBody>
